--- a/tex_tesi/Apprendimento non supervisionato per l’identificazione di contesti di Freezing of Gait (FOG) in pazienti affetti da Morbo di Parkinson.pptx
+++ b/tex_tesi/Apprendimento non supervisionato per l’identificazione di contesti di Freezing of Gait (FOG) in pazienti affetti da Morbo di Parkinson.pptx
@@ -770,7 +770,8 @@
               <a:buNone/>
             </a:pPr>
             <a:r>
-              <a:t/>
+              <a:rPr lang="it"/>
+              <a:t>Salve a tutti, io sono Alessandro Fuser e sono qui oggi per parlarvi del mio progetto di Tesi Specialistica sull’apprendimento non supervisionato per l’identificazione dei contesti di Freezing of Gait, in corto FOG, in pazienti affetti da morbo di Parkinson.</a:t>
             </a:r>
             <a:endParaRPr/>
           </a:p>
@@ -789,7 +790,7 @@
   <p:cSld>
     <p:spTree>
       <p:nvGrpSpPr>
-        <p:cNvPr id="222" name="Shape 222"/>
+        <p:cNvPr id="228" name="Shape 228"/>
         <p:cNvGrpSpPr/>
         <p:nvPr/>
       </p:nvGrpSpPr>
@@ -803,7 +804,7 @@
       </p:grpSpPr>
       <p:sp>
         <p:nvSpPr>
-          <p:cNvPr id="223" name="Shape 223"/>
+          <p:cNvPr id="229" name="Shape 229"/>
           <p:cNvSpPr/>
           <p:nvPr>
             <p:ph idx="2" type="sldImg"/>
@@ -837,7 +838,7 @@
       </p:sp>
       <p:sp>
         <p:nvSpPr>
-          <p:cNvPr id="224" name="Shape 224"/>
+          <p:cNvPr id="230" name="Shape 230"/>
           <p:cNvSpPr txBox="1"/>
           <p:nvPr>
             <p:ph idx="1" type="body"/>
@@ -868,7 +869,20 @@
               <a:buNone/>
             </a:pPr>
             <a:r>
-              <a:t/>
+              <a:rPr lang="it"/>
+              <a:t>La fase 2, che si </a:t>
+            </a:r>
+            <a:r>
+              <a:rPr lang="it"/>
+              <a:t>prefigge</a:t>
+            </a:r>
+            <a:r>
+              <a:rPr lang="it"/>
+              <a:t> </a:t>
+            </a:r>
+            <a:r>
+              <a:rPr lang="it"/>
+              <a:t>l'obiettivo di sostituire il paziente nell’etichettatura dei dati nella prima fase di test tramite un approccio non supervisionato, ossia non avendo altri dati etichettati a disposizione a priori, sembra promettente, in quanto per ogni paziente si riesce ad ottenere un’accuratezza, ossia la capacità di etichettare correttamente i dati, superiore al 70% per quasi ognuno di essi. La fase 3, che invece sfrutta dati già etichettati, per la predizione di nuovi dati riesce ad ottenere un F1-score sempre superiore al 70%, andando a migliorare l’unico lavoro presente allo stato dell’arte che usa la classe del preFOG.</a:t>
             </a:r>
             <a:endParaRPr/>
           </a:p>
@@ -887,7 +901,7 @@
   <p:cSld>
     <p:spTree>
       <p:nvGrpSpPr>
-        <p:cNvPr id="229" name="Shape 229"/>
+        <p:cNvPr id="237" name="Shape 237"/>
         <p:cNvGrpSpPr/>
         <p:nvPr/>
       </p:nvGrpSpPr>
@@ -901,7 +915,7 @@
       </p:grpSpPr>
       <p:sp>
         <p:nvSpPr>
-          <p:cNvPr id="230" name="Shape 230"/>
+          <p:cNvPr id="238" name="Shape 238"/>
           <p:cNvSpPr/>
           <p:nvPr>
             <p:ph idx="2" type="sldImg"/>
@@ -935,7 +949,7 @@
       </p:sp>
       <p:sp>
         <p:nvSpPr>
-          <p:cNvPr id="231" name="Shape 231"/>
+          <p:cNvPr id="239" name="Shape 239"/>
           <p:cNvSpPr txBox="1"/>
           <p:nvPr>
             <p:ph idx="1" type="body"/>
@@ -966,7 +980,8 @@
               <a:buNone/>
             </a:pPr>
             <a:r>
-              <a:t/>
+              <a:rPr lang="it"/>
+              <a:t>Concludendo, è stato presentato un lavoro di apprendimento non supervisionato al fine di sostituire il medico che sembra promettente, anche attraverso uno studio della divisione temporale ad intervalli dei dati. Inoltre, è stato migliorato il lavoro di classificazione presente allo stato dell’arte. Tra i possibili sviluppi futuri sicuramente c’è la possibilità di migliorare ulteriormente la fase di classificazione e quella di apprendimento non supervisionato, integrando anche il tutto in un dispositivo indossabile per il paziente al fine di fornire stimoli uditori, evitando il blocco motorio.</a:t>
             </a:r>
             <a:endParaRPr/>
           </a:p>
@@ -1064,7 +1079,8 @@
               <a:buNone/>
             </a:pPr>
             <a:r>
-              <a:t/>
+              <a:rPr lang="it"/>
+              <a:t>Quello che oggi vi presenterò seguirà la seguente scaletta: innanzitutto spiegherò brevemente cosa è il FOG, per poi elencare le soluzioni che sono state affrontate fino ad oggi. Enuncerò quindi gli obiettivi del mio lavoro di tesi e dove si differenzia dai lavori presentati e la metodologia del lavoro svolto. Infine, presenterò i risultati sperimentali che sono stati ottenuti attraverso la metodologia usata ed ipotizzo possibili sviluppi al fine di continuare e migliorare questo lavoro di tesi.</a:t>
             </a:r>
             <a:endParaRPr/>
           </a:p>
@@ -1151,6 +1167,26 @@
             <a:noAutofit/>
           </a:bodyPr>
           <a:lstStyle/>
+          <a:p>
+            <a:pPr indent="0" lvl="0" marL="0">
+              <a:spcBef>
+                <a:spcPts val="0"/>
+              </a:spcBef>
+              <a:spcAft>
+                <a:spcPts val="0"/>
+              </a:spcAft>
+              <a:buNone/>
+            </a:pPr>
+            <a:r>
+              <a:rPr lang="it"/>
+              <a:t>Come tutti sappiamo e purtroppo qualcuno ha di noi ha potuto sperimentare di persona attraverso parenti, il Parkinson è un problema molto sentito dal paziente, che può essere debilitato anche in maniera importante da tale patologia neurodegenerativa </a:t>
+            </a:r>
+            <a:r>
+              <a:rPr lang="it"/>
+              <a:t>che coinvolge in maniera elettiva la capacità di programmare ed eseguire molti movimenti. Tra i sintomi della malattia di Parkinson, il Freezing of Gait (FOG) può sicuramente essere considerato uno dei più debilitanti. Viene  detto anche congelamento o semplicemente blocco motorio ed è un’improvvisa, temporanea e involontaria incapacità di iniziare o proseguire un movimento. I pazienti che ne soffrono affermano che “è come se i piedi rimanessero, per qualche istante, incollati al suolo e non riesco a fare il passo successivo”. Questo blocco può portare a delle cadute poiché, mentre i piedi e le gambe si bloccano, il busto prosegue nel movimento e questo può sbilanciare il paziente.</a:t>
+            </a:r>
+            <a:endParaRPr/>
+          </a:p>
           <a:p>
             <a:pPr indent="0" lvl="0" marL="0">
               <a:spcBef>
@@ -1260,7 +1296,32 @@
               <a:buNone/>
             </a:pPr>
             <a:r>
-              <a:t/>
+              <a:rPr lang="it"/>
+              <a:t>I lavori che sono stati svolti fino ad oggi riguardano principalmente l’apprendimento supervisionato, ossia l’uso di algoritmi che </a:t>
+            </a:r>
+            <a:r>
+              <a:rPr lang="it"/>
+              <a:t>sfruttano</a:t>
+            </a:r>
+            <a:r>
+              <a:rPr lang="it"/>
+              <a:t> dati i quali sono già stati divisi in determinate classi, ossia etichettati. Principalmente questi lavori si </a:t>
+            </a:r>
+            <a:r>
+              <a:rPr lang="it"/>
+              <a:t>concentrano</a:t>
+            </a:r>
+            <a:r>
+              <a:rPr lang="it"/>
+              <a:t> </a:t>
+            </a:r>
+            <a:r>
+              <a:rPr lang="it"/>
+              <a:t>nell'identificare</a:t>
+            </a:r>
+            <a:r>
+              <a:rPr lang="it"/>
+              <a:t> il FOG o il NOFOG, quindi se il paziente è in blocco motorio o meno. Un solo lavoro si è concentrato sul tentare di identificare una classe intermedia tra le due, denominata preFOG, che rappresenta il passaggio da uno stato di movimento normale del paziente ad un blocco motorio, ossia il FOG. </a:t>
             </a:r>
             <a:endParaRPr/>
           </a:p>
@@ -1358,7 +1419,8 @@
               <a:buNone/>
             </a:pPr>
             <a:r>
-              <a:t/>
+              <a:rPr lang="it"/>
+              <a:t>La tesi riprende questo lavoro e conduce innanzitutto uno studio sull’esistenza della classe chiamata preFOG e sulla sua separazione dalle altre due classi, ossia NOFOG e FOG. Successivamente, si pone l’obiettivo di sviluppare un approccio non supervisionato, ossia che usa dati non già divisi in classe da un medico, al fine di etichettare gli stessi, così da sostituire il medico stesso nelle varie fasi da test. In questa fase, inoltre, viene condotto uno studio di divisione ad intervalli dei dati al fine di cercare di ottenere quale sia la migliore divisione temporale degli stessi. Infine, tenta di classificare, e quindi predire, le etichette di nuovi dati, usando 3 classi, ossia le occorrenze di preFOG, FOG e i movimenti normali del paziente.</a:t>
             </a:r>
             <a:endParaRPr/>
           </a:p>
@@ -1456,7 +1518,8 @@
               <a:buNone/>
             </a:pPr>
             <a:r>
-              <a:t/>
+              <a:rPr lang="it"/>
+              <a:t>Il primo passi che è stato fatto, quindi, è quello di studiare l’esistenza della classe preFOG. Per fare questo, abbiamo usato dei dati provenienti da accelerometri posizionati sul paziente ed etichettati da un medico. Per prima cosa, i dati vengono vettorizzati, ossia quelli presi in un intervallo temporale vengono posti su un’unica riga, ossia vettore, invece di averli in più colonne e righe. Questi vengono poi studiati da un discriminante lineare, il cui scopo è determinare se esiste una divisione tra i dati delle varie classi passate in input. Questo passo permette di studiare se esiste la divisione che cerchiamo, ossia tra il preFOG ed il FOG e NOFOG.</a:t>
             </a:r>
             <a:endParaRPr/>
           </a:p>
@@ -1554,7 +1617,16 @@
               <a:buNone/>
             </a:pPr>
             <a:r>
-              <a:t/>
+              <a:rPr lang="it"/>
+              <a:t>Il secondo obiettivo della tesi, come detto, è di sviluppare un approccio non supervisionato per etichettare dati. Per fare questo, sono stati presi valori derivanti da accelerometri, pre processati e, scegliendo un valore di intervallo temporale con una certa sovrapposizione tra gli intervalli stessi, si calcolano delle feature, o caratteristiche, dei dati. Sulla scelta </a:t>
+            </a:r>
+            <a:r>
+              <a:rPr lang="it"/>
+              <a:t>appropriata</a:t>
+            </a:r>
+            <a:r>
+              <a:rPr lang="it"/>
+              <a:t> dell’intervallo temporale è stato condotto uno studio attraverso diverse possibili combinazioni tra la durata dell’intervallo stesso e la durata della sovrapposizione delle finestre temporali. Alle feature ottenute vengono applicati degli algoritmi di clustering, quali k-means, reti neurali o c-means, al fine di creare le etichette per i dati. Queste vengono confrontate con le etichette fornite dal paziente per valutare la bontà della metodologia sviluppata.</a:t>
             </a:r>
             <a:endParaRPr/>
           </a:p>
@@ -1652,7 +1724,8 @@
               <a:buNone/>
             </a:pPr>
             <a:r>
-              <a:t/>
+              <a:rPr lang="it"/>
+              <a:t>Per classificare e quindi predire a quale istanza, se di FOG, preFOG o NOFOG, appartengono nuovi dati a partire dalle etichette di un dataset, viene allenato un classificatore, nel nostro caso il k-nearest neighbors, dopo aver applicato la metodologia della fase 1, ossia il discriminante lineare. Una volta che il classificatore è allenato su tali dati, si prendono nuove istanze non ancora etichettate e si passano in input al classificatore, il quale restituisce l’etichettatura dei nuovi dati al fine di identificare le occorrenze di preFOG. Questo permetterebbe una previsione del FOG in quanto si riuscirebbe a dare uno stimolo uditorio al paziente, evitandogli il blocco del movimento.</a:t>
             </a:r>
             <a:endParaRPr/>
           </a:p>
@@ -1750,7 +1823,24 @@
               <a:buNone/>
             </a:pPr>
             <a:r>
-              <a:t/>
+              <a:rPr lang="it"/>
+              <a:t>Per quanto riguarda la fase 1, è stato notato fin da subito che </a:t>
+            </a:r>
+            <a:r>
+              <a:rPr lang="it"/>
+              <a:t>sussiste</a:t>
+            </a:r>
+            <a:r>
+              <a:rPr lang="it"/>
+              <a:t> una certa divisione tra i dati appartenenti al preFOG rispetto a quelli del FOG e NOFOG e, sfruttando la parte del lavoro della fase 2 riguardante la scelta degli intervalli temporali, questa distinzione è stata migliorata, soprattutto per il preFOG, sia usando i dati di un paziente alla volta che prendendo quelli di tutti i pazienti contemporaneamente, </a:t>
+            </a:r>
+            <a:r>
+              <a:rPr lang="it"/>
+              <a:t>suggerendo</a:t>
+            </a:r>
+            <a:r>
+              <a:rPr lang="it"/>
+              <a:t> che molti movimenti che portano al preFOG possono essere in comune tra i vari pazienti.</a:t>
             </a:r>
             <a:endParaRPr/>
           </a:p>
@@ -9901,7 +9991,7 @@
   <p:cSld>
     <p:spTree>
       <p:nvGrpSpPr>
-        <p:cNvPr id="225" name="Shape 225"/>
+        <p:cNvPr id="231" name="Shape 231"/>
         <p:cNvGrpSpPr/>
         <p:nvPr/>
       </p:nvGrpSpPr>
@@ -9915,7 +10005,7 @@
       </p:grpSpPr>
       <p:sp>
         <p:nvSpPr>
-          <p:cNvPr id="226" name="Shape 226"/>
+          <p:cNvPr id="232" name="Shape 232"/>
           <p:cNvSpPr txBox="1"/>
           <p:nvPr>
             <p:ph type="title"/>
@@ -9955,7 +10045,7 @@
       </p:sp>
       <p:pic>
         <p:nvPicPr>
-          <p:cNvPr id="227" name="Shape 227" title="Points scored"/>
+          <p:cNvPr id="233" name="Shape 233" title="Points scored"/>
           <p:cNvPicPr preferRelativeResize="0"/>
           <p:nvPr/>
         </p:nvPicPr>
@@ -9968,8 +10058,8 @@
         </p:blipFill>
         <p:spPr>
           <a:xfrm>
-            <a:off x="214300" y="1615350"/>
-            <a:ext cx="4425774" cy="2672575"/>
+            <a:off x="819150" y="1515900"/>
+            <a:ext cx="3671751" cy="2217250"/>
           </a:xfrm>
           <a:prstGeom prst="rect">
             <a:avLst/>
@@ -9982,7 +10072,7 @@
       </p:pic>
       <p:pic>
         <p:nvPicPr>
-          <p:cNvPr id="228" name="Shape 228" title="Points scored"/>
+          <p:cNvPr id="234" name="Shape 234" title="Points scored"/>
           <p:cNvPicPr preferRelativeResize="0"/>
           <p:nvPr/>
         </p:nvPicPr>
@@ -9996,8 +10086,8 @@
         </p:blipFill>
         <p:spPr>
           <a:xfrm>
-            <a:off x="4640075" y="2256600"/>
-            <a:ext cx="4322250" cy="2672575"/>
+            <a:off x="4703475" y="2578500"/>
+            <a:ext cx="3585870" cy="2217250"/>
           </a:xfrm>
           <a:prstGeom prst="rect">
             <a:avLst/>
@@ -10008,6 +10098,90 @@
           </a:ln>
         </p:spPr>
       </p:pic>
+      <p:sp>
+        <p:nvSpPr>
+          <p:cNvPr id="235" name="Shape 235"/>
+          <p:cNvSpPr txBox="1"/>
+          <p:nvPr/>
+        </p:nvSpPr>
+        <p:spPr>
+          <a:xfrm>
+            <a:off x="5268961" y="1979125"/>
+            <a:ext cx="2454900" cy="477300"/>
+          </a:xfrm>
+          <a:prstGeom prst="rect">
+            <a:avLst/>
+          </a:prstGeom>
+          <a:noFill/>
+          <a:ln>
+            <a:noFill/>
+          </a:ln>
+        </p:spPr>
+        <p:txBody>
+          <a:bodyPr anchorCtr="0" anchor="t" bIns="91425" lIns="91425" spcFirstLastPara="1" rIns="91425" wrap="square" tIns="91425">
+            <a:noAutofit/>
+          </a:bodyPr>
+          <a:lstStyle/>
+          <a:p>
+            <a:pPr indent="0" lvl="0" marL="0">
+              <a:spcBef>
+                <a:spcPts val="0"/>
+              </a:spcBef>
+              <a:spcAft>
+                <a:spcPts val="0"/>
+              </a:spcAft>
+              <a:buNone/>
+            </a:pPr>
+            <a:r>
+              <a:rPr lang="it"/>
+              <a:t>Miglioramento del F1-score</a:t>
+            </a:r>
+            <a:endParaRPr/>
+          </a:p>
+        </p:txBody>
+      </p:sp>
+      <p:sp>
+        <p:nvSpPr>
+          <p:cNvPr id="236" name="Shape 236"/>
+          <p:cNvSpPr txBox="1"/>
+          <p:nvPr/>
+        </p:nvSpPr>
+        <p:spPr>
+          <a:xfrm>
+            <a:off x="1075075" y="3733150"/>
+            <a:ext cx="3159900" cy="477300"/>
+          </a:xfrm>
+          <a:prstGeom prst="rect">
+            <a:avLst/>
+          </a:prstGeom>
+          <a:noFill/>
+          <a:ln>
+            <a:noFill/>
+          </a:ln>
+        </p:spPr>
+        <p:txBody>
+          <a:bodyPr anchorCtr="0" anchor="t" bIns="91425" lIns="91425" spcFirstLastPara="1" rIns="91425" wrap="square" tIns="91425">
+            <a:noAutofit/>
+          </a:bodyPr>
+          <a:lstStyle/>
+          <a:p>
+            <a:pPr indent="0" lvl="0" marL="0">
+              <a:spcBef>
+                <a:spcPts val="0"/>
+              </a:spcBef>
+              <a:spcAft>
+                <a:spcPts val="0"/>
+              </a:spcAft>
+              <a:buNone/>
+            </a:pPr>
+            <a:r>
+              <a:rPr lang="it"/>
+              <a:t>Sostituzione del medico promettente</a:t>
+            </a:r>
+            <a:endParaRPr/>
+          </a:p>
+        </p:txBody>
+      </p:sp>
     </p:spTree>
   </p:cSld>
   <p:clrMapOvr>
@@ -10021,7 +10195,7 @@
   <p:cSld>
     <p:spTree>
       <p:nvGrpSpPr>
-        <p:cNvPr id="232" name="Shape 232"/>
+        <p:cNvPr id="240" name="Shape 240"/>
         <p:cNvGrpSpPr/>
         <p:nvPr/>
       </p:nvGrpSpPr>
@@ -10035,7 +10209,7 @@
       </p:grpSpPr>
       <p:sp>
         <p:nvSpPr>
-          <p:cNvPr id="233" name="Shape 233"/>
+          <p:cNvPr id="241" name="Shape 241"/>
           <p:cNvSpPr txBox="1"/>
           <p:nvPr>
             <p:ph type="title"/>
@@ -10075,7 +10249,7 @@
       </p:sp>
       <p:sp>
         <p:nvSpPr>
-          <p:cNvPr id="234" name="Shape 234"/>
+          <p:cNvPr id="242" name="Shape 242"/>
           <p:cNvSpPr txBox="1"/>
           <p:nvPr>
             <p:ph idx="1" type="body"/>
@@ -10095,6 +10269,23 @@
             <a:noAutofit/>
           </a:bodyPr>
           <a:lstStyle/>
+          <a:p>
+            <a:pPr indent="-311150" lvl="0" marL="457200" rtl="0">
+              <a:spcBef>
+                <a:spcPts val="0"/>
+              </a:spcBef>
+              <a:spcAft>
+                <a:spcPts val="0"/>
+              </a:spcAft>
+              <a:buSzPts val="1300"/>
+              <a:buChar char="●"/>
+            </a:pPr>
+            <a:r>
+              <a:rPr lang="it"/>
+              <a:t>Primo approccio non supervisionato, studio temporale e miglioramento per la distinzione a 3 classi</a:t>
+            </a:r>
+            <a:endParaRPr/>
+          </a:p>
           <a:p>
             <a:pPr indent="-311150" lvl="0" marL="457200" rtl="0">
               <a:spcBef>
@@ -10150,7 +10341,7 @@
       </p:sp>
       <p:pic>
         <p:nvPicPr>
-          <p:cNvPr id="235" name="Shape 235"/>
+          <p:cNvPr id="243" name="Shape 243"/>
           <p:cNvPicPr preferRelativeResize="0"/>
           <p:nvPr/>
         </p:nvPicPr>
@@ -10164,8 +10355,8 @@
         </p:blipFill>
         <p:spPr>
           <a:xfrm>
-            <a:off x="2369425" y="2744000"/>
-            <a:ext cx="4405150" cy="2200300"/>
+            <a:off x="4546750" y="2731525"/>
+            <a:ext cx="4387526" cy="2191475"/>
           </a:xfrm>
           <a:prstGeom prst="rect">
             <a:avLst/>
@@ -10327,7 +10518,7 @@
             </a:pPr>
             <a:r>
               <a:rPr lang="it" sz="1800"/>
-              <a:t>Metodologia</a:t>
+              <a:t>Metodologia Seguita</a:t>
             </a:r>
             <a:endParaRPr sz="1800"/>
           </a:p>
@@ -10344,7 +10535,7 @@
             </a:pPr>
             <a:r>
               <a:rPr lang="it" sz="1800"/>
-              <a:t>Risultati</a:t>
+              <a:t>Risultati Sperimentali</a:t>
             </a:r>
             <a:endParaRPr sz="1800"/>
           </a:p>
@@ -11251,9 +11442,9 @@
           <p:nvPr/>
         </p:nvSpPr>
         <p:spPr>
-          <a:xfrm rot="1394927">
-            <a:off x="4306714" y="2432978"/>
-            <a:ext cx="1843819" cy="1036678"/>
+          <a:xfrm rot="559">
+            <a:off x="4403355" y="1963909"/>
+            <a:ext cx="1843800" cy="1036800"/>
           </a:xfrm>
           <a:prstGeom prst="ellipse">
             <a:avLst/>
@@ -11299,6 +11490,300 @@
   <p:clrMapOvr>
     <a:masterClrMapping/>
   </p:clrMapOvr>
+  <p:timing>
+    <p:tnLst>
+      <p:par>
+        <p:cTn dur="indefinite" nodeType="tmRoot" restart="never">
+          <p:childTnLst>
+            <p:seq concurrent="1" nextAc="seek">
+              <p:cTn dur="indefinite" id="2" nodeType="mainSeq">
+                <p:childTnLst>
+                  <p:par>
+                    <p:cTn fill="hold">
+                      <p:stCondLst>
+                        <p:cond delay="indefinite"/>
+                      </p:stCondLst>
+                      <p:childTnLst>
+                        <p:par>
+                          <p:cTn fill="hold">
+                            <p:stCondLst>
+                              <p:cond delay="0"/>
+                            </p:stCondLst>
+                            <p:childTnLst>
+                              <p:par>
+                                <p:cTn fill="hold" nodeType="clickEffect" presetClass="entr" presetID="10" presetSubtype="0">
+                                  <p:stCondLst>
+                                    <p:cond delay="0"/>
+                                  </p:stCondLst>
+                                  <p:childTnLst>
+                                    <p:set>
+                                      <p:cBhvr>
+                                        <p:cTn dur="1" fill="hold">
+                                          <p:stCondLst>
+                                            <p:cond delay="0"/>
+                                          </p:stCondLst>
+                                        </p:cTn>
+                                        <p:tgtEl>
+                                          <p:spTgt spid="156"/>
+                                        </p:tgtEl>
+                                        <p:attrNameLst>
+                                          <p:attrName>style.visibility</p:attrName>
+                                        </p:attrNameLst>
+                                      </p:cBhvr>
+                                      <p:to>
+                                        <p:strVal val="visible"/>
+                                      </p:to>
+                                    </p:set>
+                                    <p:animEffect filter="fade" transition="in">
+                                      <p:cBhvr>
+                                        <p:cTn dur="1000"/>
+                                        <p:tgtEl>
+                                          <p:spTgt spid="156"/>
+                                        </p:tgtEl>
+                                      </p:cBhvr>
+                                    </p:animEffect>
+                                  </p:childTnLst>
+                                </p:cTn>
+                              </p:par>
+                              <p:par>
+                                <p:cTn fill="hold" nodeType="withEffect" presetClass="entr" presetID="10" presetSubtype="0">
+                                  <p:stCondLst>
+                                    <p:cond delay="0"/>
+                                  </p:stCondLst>
+                                  <p:childTnLst>
+                                    <p:set>
+                                      <p:cBhvr>
+                                        <p:cTn dur="1" fill="hold">
+                                          <p:stCondLst>
+                                            <p:cond delay="0"/>
+                                          </p:stCondLst>
+                                        </p:cTn>
+                                        <p:tgtEl>
+                                          <p:spTgt spid="157"/>
+                                        </p:tgtEl>
+                                        <p:attrNameLst>
+                                          <p:attrName>style.visibility</p:attrName>
+                                        </p:attrNameLst>
+                                      </p:cBhvr>
+                                      <p:to>
+                                        <p:strVal val="visible"/>
+                                      </p:to>
+                                    </p:set>
+                                    <p:animEffect filter="fade" transition="in">
+                                      <p:cBhvr>
+                                        <p:cTn dur="1000"/>
+                                        <p:tgtEl>
+                                          <p:spTgt spid="157"/>
+                                        </p:tgtEl>
+                                      </p:cBhvr>
+                                    </p:animEffect>
+                                  </p:childTnLst>
+                                </p:cTn>
+                              </p:par>
+                              <p:par>
+                                <p:cTn fill="hold" nodeType="withEffect" presetClass="entr" presetID="10" presetSubtype="0">
+                                  <p:stCondLst>
+                                    <p:cond delay="0"/>
+                                  </p:stCondLst>
+                                  <p:childTnLst>
+                                    <p:set>
+                                      <p:cBhvr>
+                                        <p:cTn dur="1" fill="hold">
+                                          <p:stCondLst>
+                                            <p:cond delay="0"/>
+                                          </p:stCondLst>
+                                        </p:cTn>
+                                        <p:tgtEl>
+                                          <p:spTgt spid="158"/>
+                                        </p:tgtEl>
+                                        <p:attrNameLst>
+                                          <p:attrName>style.visibility</p:attrName>
+                                        </p:attrNameLst>
+                                      </p:cBhvr>
+                                      <p:to>
+                                        <p:strVal val="visible"/>
+                                      </p:to>
+                                    </p:set>
+                                    <p:animEffect filter="fade" transition="in">
+                                      <p:cBhvr>
+                                        <p:cTn dur="1000"/>
+                                        <p:tgtEl>
+                                          <p:spTgt spid="158"/>
+                                        </p:tgtEl>
+                                      </p:cBhvr>
+                                    </p:animEffect>
+                                  </p:childTnLst>
+                                </p:cTn>
+                              </p:par>
+                              <p:par>
+                                <p:cTn fill="hold" nodeType="withEffect" presetClass="entr" presetID="10" presetSubtype="0">
+                                  <p:stCondLst>
+                                    <p:cond delay="0"/>
+                                  </p:stCondLst>
+                                  <p:childTnLst>
+                                    <p:set>
+                                      <p:cBhvr>
+                                        <p:cTn dur="1" fill="hold">
+                                          <p:stCondLst>
+                                            <p:cond delay="0"/>
+                                          </p:stCondLst>
+                                        </p:cTn>
+                                        <p:tgtEl>
+                                          <p:spTgt spid="155"/>
+                                        </p:tgtEl>
+                                        <p:attrNameLst>
+                                          <p:attrName>style.visibility</p:attrName>
+                                        </p:attrNameLst>
+                                      </p:cBhvr>
+                                      <p:to>
+                                        <p:strVal val="visible"/>
+                                      </p:to>
+                                    </p:set>
+                                    <p:animEffect filter="fade" transition="in">
+                                      <p:cBhvr>
+                                        <p:cTn dur="1000"/>
+                                        <p:tgtEl>
+                                          <p:spTgt spid="155"/>
+                                        </p:tgtEl>
+                                      </p:cBhvr>
+                                    </p:animEffect>
+                                  </p:childTnLst>
+                                </p:cTn>
+                              </p:par>
+                            </p:childTnLst>
+                          </p:cTn>
+                        </p:par>
+                      </p:childTnLst>
+                    </p:cTn>
+                  </p:par>
+                  <p:par>
+                    <p:cTn fill="hold">
+                      <p:stCondLst>
+                        <p:cond delay="indefinite"/>
+                      </p:stCondLst>
+                      <p:childTnLst>
+                        <p:par>
+                          <p:cTn fill="hold">
+                            <p:stCondLst>
+                              <p:cond delay="0"/>
+                            </p:stCondLst>
+                            <p:childTnLst>
+                              <p:par>
+                                <p:cTn fill="hold" nodeType="clickEffect" presetClass="entr" presetID="10" presetSubtype="0">
+                                  <p:stCondLst>
+                                    <p:cond delay="0"/>
+                                  </p:stCondLst>
+                                  <p:childTnLst>
+                                    <p:set>
+                                      <p:cBhvr>
+                                        <p:cTn dur="1" fill="hold">
+                                          <p:stCondLst>
+                                            <p:cond delay="0"/>
+                                          </p:stCondLst>
+                                        </p:cTn>
+                                        <p:tgtEl>
+                                          <p:spTgt spid="159"/>
+                                        </p:tgtEl>
+                                        <p:attrNameLst>
+                                          <p:attrName>style.visibility</p:attrName>
+                                        </p:attrNameLst>
+                                      </p:cBhvr>
+                                      <p:to>
+                                        <p:strVal val="visible"/>
+                                      </p:to>
+                                    </p:set>
+                                    <p:animEffect filter="fade" transition="in">
+                                      <p:cBhvr>
+                                        <p:cTn dur="1000"/>
+                                        <p:tgtEl>
+                                          <p:spTgt spid="159"/>
+                                        </p:tgtEl>
+                                      </p:cBhvr>
+                                    </p:animEffect>
+                                  </p:childTnLst>
+                                </p:cTn>
+                              </p:par>
+                            </p:childTnLst>
+                          </p:cTn>
+                        </p:par>
+                      </p:childTnLst>
+                    </p:cTn>
+                  </p:par>
+                  <p:par>
+                    <p:cTn fill="hold">
+                      <p:stCondLst>
+                        <p:cond delay="indefinite"/>
+                      </p:stCondLst>
+                      <p:childTnLst>
+                        <p:par>
+                          <p:cTn fill="hold">
+                            <p:stCondLst>
+                              <p:cond delay="0"/>
+                            </p:stCondLst>
+                            <p:childTnLst>
+                              <p:par>
+                                <p:cTn fill="hold" nodeType="clickEffect" presetClass="entr" presetID="10" presetSubtype="0">
+                                  <p:stCondLst>
+                                    <p:cond delay="0"/>
+                                  </p:stCondLst>
+                                  <p:childTnLst>
+                                    <p:set>
+                                      <p:cBhvr>
+                                        <p:cTn dur="1" fill="hold">
+                                          <p:stCondLst>
+                                            <p:cond delay="0"/>
+                                          </p:stCondLst>
+                                        </p:cTn>
+                                        <p:tgtEl>
+                                          <p:spTgt spid="160"/>
+                                        </p:tgtEl>
+                                        <p:attrNameLst>
+                                          <p:attrName>style.visibility</p:attrName>
+                                        </p:attrNameLst>
+                                      </p:cBhvr>
+                                      <p:to>
+                                        <p:strVal val="visible"/>
+                                      </p:to>
+                                    </p:set>
+                                    <p:animEffect filter="fade" transition="in">
+                                      <p:cBhvr>
+                                        <p:cTn dur="1000"/>
+                                        <p:tgtEl>
+                                          <p:spTgt spid="160"/>
+                                        </p:tgtEl>
+                                      </p:cBhvr>
+                                    </p:animEffect>
+                                  </p:childTnLst>
+                                </p:cTn>
+                              </p:par>
+                            </p:childTnLst>
+                          </p:cTn>
+                        </p:par>
+                      </p:childTnLst>
+                    </p:cTn>
+                  </p:par>
+                </p:childTnLst>
+              </p:cTn>
+              <p:prevCondLst>
+                <p:cond evt="onPrev">
+                  <p:tgtEl>
+                    <p:sldTgt/>
+                  </p:tgtEl>
+                </p:cond>
+              </p:prevCondLst>
+              <p:nextCondLst>
+                <p:cond evt="onNext">
+                  <p:tgtEl>
+                    <p:sldTgt/>
+                  </p:tgtEl>
+                </p:cond>
+              </p:nextCondLst>
+            </p:seq>
+          </p:childTnLst>
+        </p:cTn>
+      </p:par>
+    </p:tnLst>
+  </p:timing>
 </p:sld>
 </file>
 
@@ -11397,7 +11882,7 @@
             </a:pPr>
             <a:r>
               <a:rPr lang="it" sz="1800"/>
-              <a:t>Verificare l’esistenza della classe preFOG;</a:t>
+              <a:t>Studio sull’esistenza della classe preFOG;</a:t>
             </a:r>
             <a:endParaRPr sz="1800"/>
           </a:p>
@@ -11417,7 +11902,7 @@
             </a:pPr>
             <a:r>
               <a:rPr lang="it" sz="1800"/>
-              <a:t>Usare un approccio non supervisionato per l’etichettatura dei dati;</a:t>
+              <a:t>Sviluppo di un approccio non supervisionato per l’etichettatura dei dati;</a:t>
             </a:r>
             <a:endParaRPr sz="1800"/>
           </a:p>
@@ -11788,8 +12273,8 @@
         </p:nvSpPr>
         <p:spPr>
           <a:xfrm>
-            <a:off x="4677699" y="2652738"/>
-            <a:ext cx="1418900" cy="620775"/>
+            <a:off x="4677700" y="2652750"/>
+            <a:ext cx="1530713" cy="620775"/>
           </a:xfrm>
           <a:prstGeom prst="flowChartProcess">
             <a:avLst/>
@@ -11822,7 +12307,7 @@
             </a:pPr>
             <a:r>
               <a:rPr lang="it"/>
-              <a:t>Linear Discriminant Analysis</a:t>
+              <a:t>ANALISI DISCRIMINANTI LINEARE</a:t>
             </a:r>
             <a:endParaRPr/>
           </a:p>
@@ -11947,8 +12432,8 @@
         </p:nvCxnSpPr>
         <p:spPr>
           <a:xfrm>
-            <a:off x="6096599" y="2963125"/>
-            <a:ext cx="506400" cy="0"/>
+            <a:off x="6208413" y="2963138"/>
+            <a:ext cx="394500" cy="0"/>
           </a:xfrm>
           <a:prstGeom prst="straightConnector1">
             <a:avLst/>
@@ -11970,6 +12455,300 @@
   <p:clrMapOvr>
     <a:masterClrMapping/>
   </p:clrMapOvr>
+  <p:timing>
+    <p:tnLst>
+      <p:par>
+        <p:cTn dur="indefinite" nodeType="tmRoot" restart="never">
+          <p:childTnLst>
+            <p:seq concurrent="1" nextAc="seek">
+              <p:cTn dur="indefinite" id="2" nodeType="mainSeq">
+                <p:childTnLst>
+                  <p:par>
+                    <p:cTn fill="hold">
+                      <p:stCondLst>
+                        <p:cond delay="indefinite"/>
+                      </p:stCondLst>
+                      <p:childTnLst>
+                        <p:par>
+                          <p:cTn fill="hold">
+                            <p:stCondLst>
+                              <p:cond delay="0"/>
+                            </p:stCondLst>
+                            <p:childTnLst>
+                              <p:par>
+                                <p:cTn fill="hold" nodeType="clickEffect" presetClass="entr" presetID="10" presetSubtype="0">
+                                  <p:stCondLst>
+                                    <p:cond delay="0"/>
+                                  </p:stCondLst>
+                                  <p:childTnLst>
+                                    <p:set>
+                                      <p:cBhvr>
+                                        <p:cTn dur="1" fill="hold">
+                                          <p:stCondLst>
+                                            <p:cond delay="0"/>
+                                          </p:stCondLst>
+                                        </p:cTn>
+                                        <p:tgtEl>
+                                          <p:spTgt spid="180"/>
+                                        </p:tgtEl>
+                                        <p:attrNameLst>
+                                          <p:attrName>style.visibility</p:attrName>
+                                        </p:attrNameLst>
+                                      </p:cBhvr>
+                                      <p:to>
+                                        <p:strVal val="visible"/>
+                                      </p:to>
+                                    </p:set>
+                                    <p:animEffect filter="fade" transition="in">
+                                      <p:cBhvr>
+                                        <p:cTn dur="1000"/>
+                                        <p:tgtEl>
+                                          <p:spTgt spid="180"/>
+                                        </p:tgtEl>
+                                      </p:cBhvr>
+                                    </p:animEffect>
+                                  </p:childTnLst>
+                                </p:cTn>
+                              </p:par>
+                              <p:par>
+                                <p:cTn fill="hold" nodeType="withEffect" presetClass="entr" presetID="10" presetSubtype="0">
+                                  <p:stCondLst>
+                                    <p:cond delay="0"/>
+                                  </p:stCondLst>
+                                  <p:childTnLst>
+                                    <p:set>
+                                      <p:cBhvr>
+                                        <p:cTn dur="1" fill="hold">
+                                          <p:stCondLst>
+                                            <p:cond delay="0"/>
+                                          </p:stCondLst>
+                                        </p:cTn>
+                                        <p:tgtEl>
+                                          <p:spTgt spid="177"/>
+                                        </p:tgtEl>
+                                        <p:attrNameLst>
+                                          <p:attrName>style.visibility</p:attrName>
+                                        </p:attrNameLst>
+                                      </p:cBhvr>
+                                      <p:to>
+                                        <p:strVal val="visible"/>
+                                      </p:to>
+                                    </p:set>
+                                    <p:animEffect filter="fade" transition="in">
+                                      <p:cBhvr>
+                                        <p:cTn dur="1000"/>
+                                        <p:tgtEl>
+                                          <p:spTgt spid="177"/>
+                                        </p:tgtEl>
+                                      </p:cBhvr>
+                                    </p:animEffect>
+                                  </p:childTnLst>
+                                </p:cTn>
+                              </p:par>
+                            </p:childTnLst>
+                          </p:cTn>
+                        </p:par>
+                      </p:childTnLst>
+                    </p:cTn>
+                  </p:par>
+                  <p:par>
+                    <p:cTn fill="hold">
+                      <p:stCondLst>
+                        <p:cond delay="indefinite"/>
+                      </p:stCondLst>
+                      <p:childTnLst>
+                        <p:par>
+                          <p:cTn fill="hold">
+                            <p:stCondLst>
+                              <p:cond delay="0"/>
+                            </p:stCondLst>
+                            <p:childTnLst>
+                              <p:par>
+                                <p:cTn fill="hold" nodeType="clickEffect" presetClass="entr" presetID="10" presetSubtype="0">
+                                  <p:stCondLst>
+                                    <p:cond delay="0"/>
+                                  </p:stCondLst>
+                                  <p:childTnLst>
+                                    <p:set>
+                                      <p:cBhvr>
+                                        <p:cTn dur="1" fill="hold">
+                                          <p:stCondLst>
+                                            <p:cond delay="0"/>
+                                          </p:stCondLst>
+                                        </p:cTn>
+                                        <p:tgtEl>
+                                          <p:spTgt spid="178"/>
+                                        </p:tgtEl>
+                                        <p:attrNameLst>
+                                          <p:attrName>style.visibility</p:attrName>
+                                        </p:attrNameLst>
+                                      </p:cBhvr>
+                                      <p:to>
+                                        <p:strVal val="visible"/>
+                                      </p:to>
+                                    </p:set>
+                                    <p:animEffect filter="fade" transition="in">
+                                      <p:cBhvr>
+                                        <p:cTn dur="1000"/>
+                                        <p:tgtEl>
+                                          <p:spTgt spid="178"/>
+                                        </p:tgtEl>
+                                      </p:cBhvr>
+                                    </p:animEffect>
+                                  </p:childTnLst>
+                                </p:cTn>
+                              </p:par>
+                              <p:par>
+                                <p:cTn fill="hold" nodeType="withEffect" presetClass="entr" presetID="10" presetSubtype="0">
+                                  <p:stCondLst>
+                                    <p:cond delay="0"/>
+                                  </p:stCondLst>
+                                  <p:childTnLst>
+                                    <p:set>
+                                      <p:cBhvr>
+                                        <p:cTn dur="1" fill="hold">
+                                          <p:stCondLst>
+                                            <p:cond delay="0"/>
+                                          </p:stCondLst>
+                                        </p:cTn>
+                                        <p:tgtEl>
+                                          <p:spTgt spid="181"/>
+                                        </p:tgtEl>
+                                        <p:attrNameLst>
+                                          <p:attrName>style.visibility</p:attrName>
+                                        </p:attrNameLst>
+                                      </p:cBhvr>
+                                      <p:to>
+                                        <p:strVal val="visible"/>
+                                      </p:to>
+                                    </p:set>
+                                    <p:animEffect filter="fade" transition="in">
+                                      <p:cBhvr>
+                                        <p:cTn dur="1000"/>
+                                        <p:tgtEl>
+                                          <p:spTgt spid="181"/>
+                                        </p:tgtEl>
+                                      </p:cBhvr>
+                                    </p:animEffect>
+                                  </p:childTnLst>
+                                </p:cTn>
+                              </p:par>
+                            </p:childTnLst>
+                          </p:cTn>
+                        </p:par>
+                      </p:childTnLst>
+                    </p:cTn>
+                  </p:par>
+                  <p:par>
+                    <p:cTn fill="hold">
+                      <p:stCondLst>
+                        <p:cond delay="indefinite"/>
+                      </p:stCondLst>
+                      <p:childTnLst>
+                        <p:par>
+                          <p:cTn fill="hold">
+                            <p:stCondLst>
+                              <p:cond delay="0"/>
+                            </p:stCondLst>
+                            <p:childTnLst>
+                              <p:par>
+                                <p:cTn fill="hold" nodeType="clickEffect" presetClass="entr" presetID="10" presetSubtype="0">
+                                  <p:stCondLst>
+                                    <p:cond delay="0"/>
+                                  </p:stCondLst>
+                                  <p:childTnLst>
+                                    <p:set>
+                                      <p:cBhvr>
+                                        <p:cTn dur="1" fill="hold">
+                                          <p:stCondLst>
+                                            <p:cond delay="0"/>
+                                          </p:stCondLst>
+                                        </p:cTn>
+                                        <p:tgtEl>
+                                          <p:spTgt spid="182"/>
+                                        </p:tgtEl>
+                                        <p:attrNameLst>
+                                          <p:attrName>style.visibility</p:attrName>
+                                        </p:attrNameLst>
+                                      </p:cBhvr>
+                                      <p:to>
+                                        <p:strVal val="visible"/>
+                                      </p:to>
+                                    </p:set>
+                                    <p:animEffect filter="fade" transition="in">
+                                      <p:cBhvr>
+                                        <p:cTn dur="1000"/>
+                                        <p:tgtEl>
+                                          <p:spTgt spid="182"/>
+                                        </p:tgtEl>
+                                      </p:cBhvr>
+                                    </p:animEffect>
+                                  </p:childTnLst>
+                                </p:cTn>
+                              </p:par>
+                              <p:par>
+                                <p:cTn fill="hold" nodeType="withEffect" presetClass="entr" presetID="10" presetSubtype="0">
+                                  <p:stCondLst>
+                                    <p:cond delay="0"/>
+                                  </p:stCondLst>
+                                  <p:childTnLst>
+                                    <p:set>
+                                      <p:cBhvr>
+                                        <p:cTn dur="1" fill="hold">
+                                          <p:stCondLst>
+                                            <p:cond delay="0"/>
+                                          </p:stCondLst>
+                                        </p:cTn>
+                                        <p:tgtEl>
+                                          <p:spTgt spid="179"/>
+                                        </p:tgtEl>
+                                        <p:attrNameLst>
+                                          <p:attrName>style.visibility</p:attrName>
+                                        </p:attrNameLst>
+                                      </p:cBhvr>
+                                      <p:to>
+                                        <p:strVal val="visible"/>
+                                      </p:to>
+                                    </p:set>
+                                    <p:animEffect filter="fade" transition="in">
+                                      <p:cBhvr>
+                                        <p:cTn dur="1000"/>
+                                        <p:tgtEl>
+                                          <p:spTgt spid="179"/>
+                                        </p:tgtEl>
+                                      </p:cBhvr>
+                                    </p:animEffect>
+                                  </p:childTnLst>
+                                </p:cTn>
+                              </p:par>
+                            </p:childTnLst>
+                          </p:cTn>
+                        </p:par>
+                      </p:childTnLst>
+                    </p:cTn>
+                  </p:par>
+                </p:childTnLst>
+              </p:cTn>
+              <p:prevCondLst>
+                <p:cond evt="onPrev">
+                  <p:tgtEl>
+                    <p:sldTgt/>
+                  </p:tgtEl>
+                </p:cond>
+              </p:prevCondLst>
+              <p:nextCondLst>
+                <p:cond evt="onNext">
+                  <p:tgtEl>
+                    <p:sldTgt/>
+                  </p:tgtEl>
+                </p:cond>
+              </p:nextCondLst>
+            </p:seq>
+          </p:childTnLst>
+        </p:cTn>
+      </p:par>
+    </p:tnLst>
+  </p:timing>
 </p:sld>
 </file>
 
@@ -12233,7 +13012,7 @@
             </a:pPr>
             <a:r>
               <a:rPr lang="it" sz="1000"/>
-              <a:t>INTERVALLO</a:t>
+              <a:t>INTERVALLO TEMPORALE</a:t>
             </a:r>
             <a:endParaRPr sz="1000"/>
           </a:p>
@@ -12551,6 +13330,476 @@
   <p:clrMapOvr>
     <a:masterClrMapping/>
   </p:clrMapOvr>
+  <p:timing>
+    <p:tnLst>
+      <p:par>
+        <p:cTn dur="indefinite" nodeType="tmRoot" restart="never">
+          <p:childTnLst>
+            <p:seq concurrent="1" nextAc="seek">
+              <p:cTn dur="indefinite" id="2" nodeType="mainSeq">
+                <p:childTnLst>
+                  <p:par>
+                    <p:cTn fill="hold">
+                      <p:stCondLst>
+                        <p:cond delay="indefinite"/>
+                      </p:stCondLst>
+                      <p:childTnLst>
+                        <p:par>
+                          <p:cTn fill="hold">
+                            <p:stCondLst>
+                              <p:cond delay="0"/>
+                            </p:stCondLst>
+                            <p:childTnLst>
+                              <p:par>
+                                <p:cTn fill="hold" nodeType="clickEffect" presetClass="entr" presetID="10" presetSubtype="0">
+                                  <p:stCondLst>
+                                    <p:cond delay="0"/>
+                                  </p:stCondLst>
+                                  <p:childTnLst>
+                                    <p:set>
+                                      <p:cBhvr>
+                                        <p:cTn dur="1" fill="hold">
+                                          <p:stCondLst>
+                                            <p:cond delay="0"/>
+                                          </p:stCondLst>
+                                        </p:cTn>
+                                        <p:tgtEl>
+                                          <p:spTgt spid="194"/>
+                                        </p:tgtEl>
+                                        <p:attrNameLst>
+                                          <p:attrName>style.visibility</p:attrName>
+                                        </p:attrNameLst>
+                                      </p:cBhvr>
+                                      <p:to>
+                                        <p:strVal val="visible"/>
+                                      </p:to>
+                                    </p:set>
+                                    <p:animEffect filter="fade" transition="in">
+                                      <p:cBhvr>
+                                        <p:cTn dur="1000"/>
+                                        <p:tgtEl>
+                                          <p:spTgt spid="194"/>
+                                        </p:tgtEl>
+                                      </p:cBhvr>
+                                    </p:animEffect>
+                                  </p:childTnLst>
+                                </p:cTn>
+                              </p:par>
+                              <p:par>
+                                <p:cTn fill="hold" nodeType="withEffect" presetClass="entr" presetID="10" presetSubtype="0">
+                                  <p:stCondLst>
+                                    <p:cond delay="0"/>
+                                  </p:stCondLst>
+                                  <p:childTnLst>
+                                    <p:set>
+                                      <p:cBhvr>
+                                        <p:cTn dur="1" fill="hold">
+                                          <p:stCondLst>
+                                            <p:cond delay="0"/>
+                                          </p:stCondLst>
+                                        </p:cTn>
+                                        <p:tgtEl>
+                                          <p:spTgt spid="189"/>
+                                        </p:tgtEl>
+                                        <p:attrNameLst>
+                                          <p:attrName>style.visibility</p:attrName>
+                                        </p:attrNameLst>
+                                      </p:cBhvr>
+                                      <p:to>
+                                        <p:strVal val="visible"/>
+                                      </p:to>
+                                    </p:set>
+                                    <p:animEffect filter="fade" transition="in">
+                                      <p:cBhvr>
+                                        <p:cTn dur="1000"/>
+                                        <p:tgtEl>
+                                          <p:spTgt spid="189"/>
+                                        </p:tgtEl>
+                                      </p:cBhvr>
+                                    </p:animEffect>
+                                  </p:childTnLst>
+                                </p:cTn>
+                              </p:par>
+                            </p:childTnLst>
+                          </p:cTn>
+                        </p:par>
+                      </p:childTnLst>
+                    </p:cTn>
+                  </p:par>
+                  <p:par>
+                    <p:cTn fill="hold">
+                      <p:stCondLst>
+                        <p:cond delay="indefinite"/>
+                      </p:stCondLst>
+                      <p:childTnLst>
+                        <p:par>
+                          <p:cTn fill="hold">
+                            <p:stCondLst>
+                              <p:cond delay="0"/>
+                            </p:stCondLst>
+                            <p:childTnLst>
+                              <p:par>
+                                <p:cTn fill="hold" nodeType="clickEffect" presetClass="entr" presetID="10" presetSubtype="0">
+                                  <p:stCondLst>
+                                    <p:cond delay="0"/>
+                                  </p:stCondLst>
+                                  <p:childTnLst>
+                                    <p:set>
+                                      <p:cBhvr>
+                                        <p:cTn dur="1" fill="hold">
+                                          <p:stCondLst>
+                                            <p:cond delay="0"/>
+                                          </p:stCondLst>
+                                        </p:cTn>
+                                        <p:tgtEl>
+                                          <p:spTgt spid="195"/>
+                                        </p:tgtEl>
+                                        <p:attrNameLst>
+                                          <p:attrName>style.visibility</p:attrName>
+                                        </p:attrNameLst>
+                                      </p:cBhvr>
+                                      <p:to>
+                                        <p:strVal val="visible"/>
+                                      </p:to>
+                                    </p:set>
+                                    <p:animEffect filter="fade" transition="in">
+                                      <p:cBhvr>
+                                        <p:cTn dur="1000"/>
+                                        <p:tgtEl>
+                                          <p:spTgt spid="195"/>
+                                        </p:tgtEl>
+                                      </p:cBhvr>
+                                    </p:animEffect>
+                                  </p:childTnLst>
+                                </p:cTn>
+                              </p:par>
+                              <p:par>
+                                <p:cTn fill="hold" nodeType="withEffect" presetClass="entr" presetID="10" presetSubtype="0">
+                                  <p:stCondLst>
+                                    <p:cond delay="0"/>
+                                  </p:stCondLst>
+                                  <p:childTnLst>
+                                    <p:set>
+                                      <p:cBhvr>
+                                        <p:cTn dur="1" fill="hold">
+                                          <p:stCondLst>
+                                            <p:cond delay="0"/>
+                                          </p:stCondLst>
+                                        </p:cTn>
+                                        <p:tgtEl>
+                                          <p:spTgt spid="190"/>
+                                        </p:tgtEl>
+                                        <p:attrNameLst>
+                                          <p:attrName>style.visibility</p:attrName>
+                                        </p:attrNameLst>
+                                      </p:cBhvr>
+                                      <p:to>
+                                        <p:strVal val="visible"/>
+                                      </p:to>
+                                    </p:set>
+                                    <p:animEffect filter="fade" transition="in">
+                                      <p:cBhvr>
+                                        <p:cTn dur="1000"/>
+                                        <p:tgtEl>
+                                          <p:spTgt spid="190"/>
+                                        </p:tgtEl>
+                                      </p:cBhvr>
+                                    </p:animEffect>
+                                  </p:childTnLst>
+                                </p:cTn>
+                              </p:par>
+                            </p:childTnLst>
+                          </p:cTn>
+                        </p:par>
+                      </p:childTnLst>
+                    </p:cTn>
+                  </p:par>
+                  <p:par>
+                    <p:cTn fill="hold">
+                      <p:stCondLst>
+                        <p:cond delay="indefinite"/>
+                      </p:stCondLst>
+                      <p:childTnLst>
+                        <p:par>
+                          <p:cTn fill="hold">
+                            <p:stCondLst>
+                              <p:cond delay="0"/>
+                            </p:stCondLst>
+                            <p:childTnLst>
+                              <p:par>
+                                <p:cTn fill="hold" nodeType="clickEffect" presetClass="entr" presetID="10" presetSubtype="0">
+                                  <p:stCondLst>
+                                    <p:cond delay="0"/>
+                                  </p:stCondLst>
+                                  <p:childTnLst>
+                                    <p:set>
+                                      <p:cBhvr>
+                                        <p:cTn dur="1" fill="hold">
+                                          <p:stCondLst>
+                                            <p:cond delay="0"/>
+                                          </p:stCondLst>
+                                        </p:cTn>
+                                        <p:tgtEl>
+                                          <p:spTgt spid="196"/>
+                                        </p:tgtEl>
+                                        <p:attrNameLst>
+                                          <p:attrName>style.visibility</p:attrName>
+                                        </p:attrNameLst>
+                                      </p:cBhvr>
+                                      <p:to>
+                                        <p:strVal val="visible"/>
+                                      </p:to>
+                                    </p:set>
+                                    <p:animEffect filter="fade" transition="in">
+                                      <p:cBhvr>
+                                        <p:cTn dur="1000"/>
+                                        <p:tgtEl>
+                                          <p:spTgt spid="196"/>
+                                        </p:tgtEl>
+                                      </p:cBhvr>
+                                    </p:animEffect>
+                                  </p:childTnLst>
+                                </p:cTn>
+                              </p:par>
+                              <p:par>
+                                <p:cTn fill="hold" nodeType="withEffect" presetClass="entr" presetID="10" presetSubtype="0">
+                                  <p:stCondLst>
+                                    <p:cond delay="0"/>
+                                  </p:stCondLst>
+                                  <p:childTnLst>
+                                    <p:set>
+                                      <p:cBhvr>
+                                        <p:cTn dur="1" fill="hold">
+                                          <p:stCondLst>
+                                            <p:cond delay="0"/>
+                                          </p:stCondLst>
+                                        </p:cTn>
+                                        <p:tgtEl>
+                                          <p:spTgt spid="191"/>
+                                        </p:tgtEl>
+                                        <p:attrNameLst>
+                                          <p:attrName>style.visibility</p:attrName>
+                                        </p:attrNameLst>
+                                      </p:cBhvr>
+                                      <p:to>
+                                        <p:strVal val="visible"/>
+                                      </p:to>
+                                    </p:set>
+                                    <p:animEffect filter="fade" transition="in">
+                                      <p:cBhvr>
+                                        <p:cTn dur="1000"/>
+                                        <p:tgtEl>
+                                          <p:spTgt spid="191"/>
+                                        </p:tgtEl>
+                                      </p:cBhvr>
+                                    </p:animEffect>
+                                  </p:childTnLst>
+                                </p:cTn>
+                              </p:par>
+                            </p:childTnLst>
+                          </p:cTn>
+                        </p:par>
+                      </p:childTnLst>
+                    </p:cTn>
+                  </p:par>
+                  <p:par>
+                    <p:cTn fill="hold">
+                      <p:stCondLst>
+                        <p:cond delay="indefinite"/>
+                      </p:stCondLst>
+                      <p:childTnLst>
+                        <p:par>
+                          <p:cTn fill="hold">
+                            <p:stCondLst>
+                              <p:cond delay="0"/>
+                            </p:stCondLst>
+                            <p:childTnLst>
+                              <p:par>
+                                <p:cTn fill="hold" nodeType="clickEffect" presetClass="entr" presetID="10" presetSubtype="0">
+                                  <p:stCondLst>
+                                    <p:cond delay="0"/>
+                                  </p:stCondLst>
+                                  <p:childTnLst>
+                                    <p:set>
+                                      <p:cBhvr>
+                                        <p:cTn dur="1" fill="hold">
+                                          <p:stCondLst>
+                                            <p:cond delay="0"/>
+                                          </p:stCondLst>
+                                        </p:cTn>
+                                        <p:tgtEl>
+                                          <p:spTgt spid="197"/>
+                                        </p:tgtEl>
+                                        <p:attrNameLst>
+                                          <p:attrName>style.visibility</p:attrName>
+                                        </p:attrNameLst>
+                                      </p:cBhvr>
+                                      <p:to>
+                                        <p:strVal val="visible"/>
+                                      </p:to>
+                                    </p:set>
+                                    <p:animEffect filter="fade" transition="in">
+                                      <p:cBhvr>
+                                        <p:cTn dur="1000"/>
+                                        <p:tgtEl>
+                                          <p:spTgt spid="197"/>
+                                        </p:tgtEl>
+                                      </p:cBhvr>
+                                    </p:animEffect>
+                                  </p:childTnLst>
+                                </p:cTn>
+                              </p:par>
+                              <p:par>
+                                <p:cTn fill="hold" nodeType="withEffect" presetClass="entr" presetID="10" presetSubtype="0">
+                                  <p:stCondLst>
+                                    <p:cond delay="0"/>
+                                  </p:stCondLst>
+                                  <p:childTnLst>
+                                    <p:set>
+                                      <p:cBhvr>
+                                        <p:cTn dur="1" fill="hold">
+                                          <p:stCondLst>
+                                            <p:cond delay="0"/>
+                                          </p:stCondLst>
+                                        </p:cTn>
+                                        <p:tgtEl>
+                                          <p:spTgt spid="192"/>
+                                        </p:tgtEl>
+                                        <p:attrNameLst>
+                                          <p:attrName>style.visibility</p:attrName>
+                                        </p:attrNameLst>
+                                      </p:cBhvr>
+                                      <p:to>
+                                        <p:strVal val="visible"/>
+                                      </p:to>
+                                    </p:set>
+                                    <p:animEffect filter="fade" transition="in">
+                                      <p:cBhvr>
+                                        <p:cTn dur="1000"/>
+                                        <p:tgtEl>
+                                          <p:spTgt spid="192"/>
+                                        </p:tgtEl>
+                                      </p:cBhvr>
+                                    </p:animEffect>
+                                  </p:childTnLst>
+                                </p:cTn>
+                              </p:par>
+                            </p:childTnLst>
+                          </p:cTn>
+                        </p:par>
+                      </p:childTnLst>
+                    </p:cTn>
+                  </p:par>
+                  <p:par>
+                    <p:cTn fill="hold">
+                      <p:stCondLst>
+                        <p:cond delay="indefinite"/>
+                      </p:stCondLst>
+                      <p:childTnLst>
+                        <p:par>
+                          <p:cTn fill="hold">
+                            <p:stCondLst>
+                              <p:cond delay="0"/>
+                            </p:stCondLst>
+                            <p:childTnLst>
+                              <p:par>
+                                <p:cTn fill="hold" nodeType="clickEffect" presetClass="entr" presetID="10" presetSubtype="0">
+                                  <p:stCondLst>
+                                    <p:cond delay="0"/>
+                                  </p:stCondLst>
+                                  <p:childTnLst>
+                                    <p:set>
+                                      <p:cBhvr>
+                                        <p:cTn dur="1" fill="hold">
+                                          <p:stCondLst>
+                                            <p:cond delay="0"/>
+                                          </p:stCondLst>
+                                        </p:cTn>
+                                        <p:tgtEl>
+                                          <p:spTgt spid="198"/>
+                                        </p:tgtEl>
+                                        <p:attrNameLst>
+                                          <p:attrName>style.visibility</p:attrName>
+                                        </p:attrNameLst>
+                                      </p:cBhvr>
+                                      <p:to>
+                                        <p:strVal val="visible"/>
+                                      </p:to>
+                                    </p:set>
+                                    <p:animEffect filter="fade" transition="in">
+                                      <p:cBhvr>
+                                        <p:cTn dur="1200"/>
+                                        <p:tgtEl>
+                                          <p:spTgt spid="198"/>
+                                        </p:tgtEl>
+                                      </p:cBhvr>
+                                    </p:animEffect>
+                                  </p:childTnLst>
+                                </p:cTn>
+                              </p:par>
+                              <p:par>
+                                <p:cTn fill="hold" nodeType="withEffect" presetClass="entr" presetID="10" presetSubtype="0">
+                                  <p:stCondLst>
+                                    <p:cond delay="0"/>
+                                  </p:stCondLst>
+                                  <p:childTnLst>
+                                    <p:set>
+                                      <p:cBhvr>
+                                        <p:cTn dur="1" fill="hold">
+                                          <p:stCondLst>
+                                            <p:cond delay="0"/>
+                                          </p:stCondLst>
+                                        </p:cTn>
+                                        <p:tgtEl>
+                                          <p:spTgt spid="193"/>
+                                        </p:tgtEl>
+                                        <p:attrNameLst>
+                                          <p:attrName>style.visibility</p:attrName>
+                                        </p:attrNameLst>
+                                      </p:cBhvr>
+                                      <p:to>
+                                        <p:strVal val="visible"/>
+                                      </p:to>
+                                    </p:set>
+                                    <p:animEffect filter="fade" transition="in">
+                                      <p:cBhvr>
+                                        <p:cTn dur="1000"/>
+                                        <p:tgtEl>
+                                          <p:spTgt spid="193"/>
+                                        </p:tgtEl>
+                                      </p:cBhvr>
+                                    </p:animEffect>
+                                  </p:childTnLst>
+                                </p:cTn>
+                              </p:par>
+                            </p:childTnLst>
+                          </p:cTn>
+                        </p:par>
+                      </p:childTnLst>
+                    </p:cTn>
+                  </p:par>
+                </p:childTnLst>
+              </p:cTn>
+              <p:prevCondLst>
+                <p:cond evt="onPrev">
+                  <p:tgtEl>
+                    <p:sldTgt/>
+                  </p:tgtEl>
+                </p:cond>
+              </p:prevCondLst>
+              <p:nextCondLst>
+                <p:cond evt="onNext">
+                  <p:tgtEl>
+                    <p:sldTgt/>
+                  </p:tgtEl>
+                </p:cond>
+              </p:nextCondLst>
+            </p:seq>
+          </p:childTnLst>
+        </p:cTn>
+      </p:par>
+    </p:tnLst>
+  </p:timing>
 </p:sld>
 </file>
 
@@ -12700,8 +13949,8 @@
         </p:nvSpPr>
         <p:spPr>
           <a:xfrm>
-            <a:off x="2868124" y="2208088"/>
-            <a:ext cx="1418900" cy="620775"/>
+            <a:off x="2756300" y="2208100"/>
+            <a:ext cx="1530725" cy="620775"/>
           </a:xfrm>
           <a:prstGeom prst="flowChartProcess">
             <a:avLst/>
@@ -12734,7 +13983,7 @@
             </a:pPr>
             <a:r>
               <a:rPr lang="it"/>
-              <a:t>Linear Discriminant Analysis</a:t>
+              <a:t>ANALISI DISCRIMINANTI LINEARE</a:t>
             </a:r>
             <a:endParaRPr/>
           </a:p>
@@ -12920,7 +14169,7 @@
         <p:spPr>
           <a:xfrm>
             <a:off x="2186675" y="2518488"/>
-            <a:ext cx="681300" cy="0"/>
+            <a:ext cx="569700" cy="0"/>
           </a:xfrm>
           <a:prstGeom prst="straightConnector1">
             <a:avLst/>
@@ -12948,7 +14197,7 @@
         </p:nvCxnSpPr>
         <p:spPr>
           <a:xfrm>
-            <a:off x="4287024" y="2518475"/>
+            <a:off x="4287025" y="2518488"/>
             <a:ext cx="681300" cy="0"/>
           </a:xfrm>
           <a:prstGeom prst="straightConnector1">
@@ -13106,6 +14355,458 @@
   <p:clrMapOvr>
     <a:masterClrMapping/>
   </p:clrMapOvr>
+  <p:timing>
+    <p:tnLst>
+      <p:par>
+        <p:cTn dur="indefinite" nodeType="tmRoot" restart="never">
+          <p:childTnLst>
+            <p:seq concurrent="1" nextAc="seek">
+              <p:cTn dur="indefinite" id="2" nodeType="mainSeq">
+                <p:childTnLst>
+                  <p:par>
+                    <p:cTn fill="hold">
+                      <p:stCondLst>
+                        <p:cond delay="indefinite"/>
+                      </p:stCondLst>
+                      <p:childTnLst>
+                        <p:par>
+                          <p:cTn fill="hold">
+                            <p:stCondLst>
+                              <p:cond delay="0"/>
+                            </p:stCondLst>
+                            <p:childTnLst>
+                              <p:par>
+                                <p:cTn fill="hold" nodeType="clickEffect" presetClass="entr" presetID="10" presetSubtype="0">
+                                  <p:stCondLst>
+                                    <p:cond delay="0"/>
+                                  </p:stCondLst>
+                                  <p:childTnLst>
+                                    <p:set>
+                                      <p:cBhvr>
+                                        <p:cTn dur="1" fill="hold">
+                                          <p:stCondLst>
+                                            <p:cond delay="0"/>
+                                          </p:stCondLst>
+                                        </p:cTn>
+                                        <p:tgtEl>
+                                          <p:spTgt spid="209"/>
+                                        </p:tgtEl>
+                                        <p:attrNameLst>
+                                          <p:attrName>style.visibility</p:attrName>
+                                        </p:attrNameLst>
+                                      </p:cBhvr>
+                                      <p:to>
+                                        <p:strVal val="visible"/>
+                                      </p:to>
+                                    </p:set>
+                                    <p:animEffect filter="fade" transition="in">
+                                      <p:cBhvr>
+                                        <p:cTn dur="1000"/>
+                                        <p:tgtEl>
+                                          <p:spTgt spid="209"/>
+                                        </p:tgtEl>
+                                      </p:cBhvr>
+                                    </p:animEffect>
+                                  </p:childTnLst>
+                                </p:cTn>
+                              </p:par>
+                              <p:par>
+                                <p:cTn fill="hold" nodeType="withEffect" presetClass="entr" presetID="10" presetSubtype="0">
+                                  <p:stCondLst>
+                                    <p:cond delay="0"/>
+                                  </p:stCondLst>
+                                  <p:childTnLst>
+                                    <p:set>
+                                      <p:cBhvr>
+                                        <p:cTn dur="1" fill="hold">
+                                          <p:stCondLst>
+                                            <p:cond delay="0"/>
+                                          </p:stCondLst>
+                                        </p:cTn>
+                                        <p:tgtEl>
+                                          <p:spTgt spid="205"/>
+                                        </p:tgtEl>
+                                        <p:attrNameLst>
+                                          <p:attrName>style.visibility</p:attrName>
+                                        </p:attrNameLst>
+                                      </p:cBhvr>
+                                      <p:to>
+                                        <p:strVal val="visible"/>
+                                      </p:to>
+                                    </p:set>
+                                    <p:animEffect filter="fade" transition="in">
+                                      <p:cBhvr>
+                                        <p:cTn dur="1000"/>
+                                        <p:tgtEl>
+                                          <p:spTgt spid="205"/>
+                                        </p:tgtEl>
+                                      </p:cBhvr>
+                                    </p:animEffect>
+                                  </p:childTnLst>
+                                </p:cTn>
+                              </p:par>
+                            </p:childTnLst>
+                          </p:cTn>
+                        </p:par>
+                      </p:childTnLst>
+                    </p:cTn>
+                  </p:par>
+                  <p:par>
+                    <p:cTn fill="hold">
+                      <p:stCondLst>
+                        <p:cond delay="indefinite"/>
+                      </p:stCondLst>
+                      <p:childTnLst>
+                        <p:par>
+                          <p:cTn fill="hold">
+                            <p:stCondLst>
+                              <p:cond delay="0"/>
+                            </p:stCondLst>
+                            <p:childTnLst>
+                              <p:par>
+                                <p:cTn fill="hold" nodeType="clickEffect" presetClass="entr" presetID="10" presetSubtype="0">
+                                  <p:stCondLst>
+                                    <p:cond delay="0"/>
+                                  </p:stCondLst>
+                                  <p:childTnLst>
+                                    <p:set>
+                                      <p:cBhvr>
+                                        <p:cTn dur="1" fill="hold">
+                                          <p:stCondLst>
+                                            <p:cond delay="0"/>
+                                          </p:stCondLst>
+                                        </p:cTn>
+                                        <p:tgtEl>
+                                          <p:spTgt spid="210"/>
+                                        </p:tgtEl>
+                                        <p:attrNameLst>
+                                          <p:attrName>style.visibility</p:attrName>
+                                        </p:attrNameLst>
+                                      </p:cBhvr>
+                                      <p:to>
+                                        <p:strVal val="visible"/>
+                                      </p:to>
+                                    </p:set>
+                                    <p:animEffect filter="fade" transition="in">
+                                      <p:cBhvr>
+                                        <p:cTn dur="1000"/>
+                                        <p:tgtEl>
+                                          <p:spTgt spid="210"/>
+                                        </p:tgtEl>
+                                      </p:cBhvr>
+                                    </p:animEffect>
+                                  </p:childTnLst>
+                                </p:cTn>
+                              </p:par>
+                              <p:par>
+                                <p:cTn fill="hold" nodeType="withEffect" presetClass="entr" presetID="10" presetSubtype="0">
+                                  <p:stCondLst>
+                                    <p:cond delay="0"/>
+                                  </p:stCondLst>
+                                  <p:childTnLst>
+                                    <p:set>
+                                      <p:cBhvr>
+                                        <p:cTn dur="1" fill="hold">
+                                          <p:stCondLst>
+                                            <p:cond delay="0"/>
+                                          </p:stCondLst>
+                                        </p:cTn>
+                                        <p:tgtEl>
+                                          <p:spTgt spid="206"/>
+                                        </p:tgtEl>
+                                        <p:attrNameLst>
+                                          <p:attrName>style.visibility</p:attrName>
+                                        </p:attrNameLst>
+                                      </p:cBhvr>
+                                      <p:to>
+                                        <p:strVal val="visible"/>
+                                      </p:to>
+                                    </p:set>
+                                    <p:animEffect filter="fade" transition="in">
+                                      <p:cBhvr>
+                                        <p:cTn dur="1000"/>
+                                        <p:tgtEl>
+                                          <p:spTgt spid="206"/>
+                                        </p:tgtEl>
+                                      </p:cBhvr>
+                                    </p:animEffect>
+                                  </p:childTnLst>
+                                </p:cTn>
+                              </p:par>
+                            </p:childTnLst>
+                          </p:cTn>
+                        </p:par>
+                      </p:childTnLst>
+                    </p:cTn>
+                  </p:par>
+                  <p:par>
+                    <p:cTn fill="hold">
+                      <p:stCondLst>
+                        <p:cond delay="indefinite"/>
+                      </p:stCondLst>
+                      <p:childTnLst>
+                        <p:par>
+                          <p:cTn fill="hold">
+                            <p:stCondLst>
+                              <p:cond delay="0"/>
+                            </p:stCondLst>
+                            <p:childTnLst>
+                              <p:par>
+                                <p:cTn fill="hold" nodeType="clickEffect" presetClass="entr" presetID="10" presetSubtype="0">
+                                  <p:stCondLst>
+                                    <p:cond delay="0"/>
+                                  </p:stCondLst>
+                                  <p:childTnLst>
+                                    <p:set>
+                                      <p:cBhvr>
+                                        <p:cTn dur="1" fill="hold">
+                                          <p:stCondLst>
+                                            <p:cond delay="0"/>
+                                          </p:stCondLst>
+                                        </p:cTn>
+                                        <p:tgtEl>
+                                          <p:spTgt spid="207"/>
+                                        </p:tgtEl>
+                                        <p:attrNameLst>
+                                          <p:attrName>style.visibility</p:attrName>
+                                        </p:attrNameLst>
+                                      </p:cBhvr>
+                                      <p:to>
+                                        <p:strVal val="visible"/>
+                                      </p:to>
+                                    </p:set>
+                                    <p:animEffect filter="fade" transition="in">
+                                      <p:cBhvr>
+                                        <p:cTn dur="1000"/>
+                                        <p:tgtEl>
+                                          <p:spTgt spid="207"/>
+                                        </p:tgtEl>
+                                      </p:cBhvr>
+                                    </p:animEffect>
+                                  </p:childTnLst>
+                                </p:cTn>
+                              </p:par>
+                              <p:par>
+                                <p:cTn fill="hold" nodeType="withEffect" presetClass="entr" presetID="10" presetSubtype="0">
+                                  <p:stCondLst>
+                                    <p:cond delay="0"/>
+                                  </p:stCondLst>
+                                  <p:childTnLst>
+                                    <p:set>
+                                      <p:cBhvr>
+                                        <p:cTn dur="1" fill="hold">
+                                          <p:stCondLst>
+                                            <p:cond delay="0"/>
+                                          </p:stCondLst>
+                                        </p:cTn>
+                                        <p:tgtEl>
+                                          <p:spTgt spid="211"/>
+                                        </p:tgtEl>
+                                        <p:attrNameLst>
+                                          <p:attrName>style.visibility</p:attrName>
+                                        </p:attrNameLst>
+                                      </p:cBhvr>
+                                      <p:to>
+                                        <p:strVal val="visible"/>
+                                      </p:to>
+                                    </p:set>
+                                    <p:animEffect filter="fade" transition="in">
+                                      <p:cBhvr>
+                                        <p:cTn dur="1000"/>
+                                        <p:tgtEl>
+                                          <p:spTgt spid="211"/>
+                                        </p:tgtEl>
+                                      </p:cBhvr>
+                                    </p:animEffect>
+                                  </p:childTnLst>
+                                </p:cTn>
+                              </p:par>
+                              <p:par>
+                                <p:cTn fill="hold" nodeType="withEffect" presetClass="entr" presetID="10" presetSubtype="0">
+                                  <p:stCondLst>
+                                    <p:cond delay="0"/>
+                                  </p:stCondLst>
+                                  <p:childTnLst>
+                                    <p:set>
+                                      <p:cBhvr>
+                                        <p:cTn dur="1" fill="hold">
+                                          <p:stCondLst>
+                                            <p:cond delay="0"/>
+                                          </p:stCondLst>
+                                        </p:cTn>
+                                        <p:tgtEl>
+                                          <p:spTgt spid="212"/>
+                                        </p:tgtEl>
+                                        <p:attrNameLst>
+                                          <p:attrName>style.visibility</p:attrName>
+                                        </p:attrNameLst>
+                                      </p:cBhvr>
+                                      <p:to>
+                                        <p:strVal val="visible"/>
+                                      </p:to>
+                                    </p:set>
+                                    <p:animEffect filter="fade" transition="in">
+                                      <p:cBhvr>
+                                        <p:cTn dur="1000"/>
+                                        <p:tgtEl>
+                                          <p:spTgt spid="212"/>
+                                        </p:tgtEl>
+                                      </p:cBhvr>
+                                    </p:animEffect>
+                                  </p:childTnLst>
+                                </p:cTn>
+                              </p:par>
+                              <p:par>
+                                <p:cTn fill="hold" nodeType="withEffect" presetClass="entr" presetID="10" presetSubtype="0">
+                                  <p:stCondLst>
+                                    <p:cond delay="0"/>
+                                  </p:stCondLst>
+                                  <p:childTnLst>
+                                    <p:set>
+                                      <p:cBhvr>
+                                        <p:cTn dur="1" fill="hold">
+                                          <p:stCondLst>
+                                            <p:cond delay="0"/>
+                                          </p:stCondLst>
+                                        </p:cTn>
+                                        <p:tgtEl>
+                                          <p:spTgt spid="208"/>
+                                        </p:tgtEl>
+                                        <p:attrNameLst>
+                                          <p:attrName>style.visibility</p:attrName>
+                                        </p:attrNameLst>
+                                      </p:cBhvr>
+                                      <p:to>
+                                        <p:strVal val="visible"/>
+                                      </p:to>
+                                    </p:set>
+                                    <p:animEffect filter="fade" transition="in">
+                                      <p:cBhvr>
+                                        <p:cTn dur="1000"/>
+                                        <p:tgtEl>
+                                          <p:spTgt spid="208"/>
+                                        </p:tgtEl>
+                                      </p:cBhvr>
+                                    </p:animEffect>
+                                  </p:childTnLst>
+                                </p:cTn>
+                              </p:par>
+                            </p:childTnLst>
+                          </p:cTn>
+                        </p:par>
+                      </p:childTnLst>
+                    </p:cTn>
+                  </p:par>
+                  <p:par>
+                    <p:cTn fill="hold">
+                      <p:stCondLst>
+                        <p:cond delay="indefinite"/>
+                      </p:stCondLst>
+                      <p:childTnLst>
+                        <p:par>
+                          <p:cTn fill="hold">
+                            <p:stCondLst>
+                              <p:cond delay="0"/>
+                            </p:stCondLst>
+                            <p:childTnLst>
+                              <p:par>
+                                <p:cTn fill="hold" nodeType="clickEffect" presetClass="entr" presetID="10" presetSubtype="0">
+                                  <p:stCondLst>
+                                    <p:cond delay="0"/>
+                                  </p:stCondLst>
+                                  <p:childTnLst>
+                                    <p:set>
+                                      <p:cBhvr>
+                                        <p:cTn dur="1" fill="hold">
+                                          <p:stCondLst>
+                                            <p:cond delay="0"/>
+                                          </p:stCondLst>
+                                        </p:cTn>
+                                        <p:tgtEl>
+                                          <p:spTgt spid="214"/>
+                                        </p:tgtEl>
+                                        <p:attrNameLst>
+                                          <p:attrName>style.visibility</p:attrName>
+                                        </p:attrNameLst>
+                                      </p:cBhvr>
+                                      <p:to>
+                                        <p:strVal val="visible"/>
+                                      </p:to>
+                                    </p:set>
+                                    <p:animEffect filter="fade" transition="in">
+                                      <p:cBhvr>
+                                        <p:cTn dur="1000"/>
+                                        <p:tgtEl>
+                                          <p:spTgt spid="214"/>
+                                        </p:tgtEl>
+                                      </p:cBhvr>
+                                    </p:animEffect>
+                                  </p:childTnLst>
+                                </p:cTn>
+                              </p:par>
+                              <p:par>
+                                <p:cTn fill="hold" nodeType="withEffect" presetClass="entr" presetID="10" presetSubtype="0">
+                                  <p:stCondLst>
+                                    <p:cond delay="0"/>
+                                  </p:stCondLst>
+                                  <p:childTnLst>
+                                    <p:set>
+                                      <p:cBhvr>
+                                        <p:cTn dur="1" fill="hold">
+                                          <p:stCondLst>
+                                            <p:cond delay="0"/>
+                                          </p:stCondLst>
+                                        </p:cTn>
+                                        <p:tgtEl>
+                                          <p:spTgt spid="213"/>
+                                        </p:tgtEl>
+                                        <p:attrNameLst>
+                                          <p:attrName>style.visibility</p:attrName>
+                                        </p:attrNameLst>
+                                      </p:cBhvr>
+                                      <p:to>
+                                        <p:strVal val="visible"/>
+                                      </p:to>
+                                    </p:set>
+                                    <p:animEffect filter="fade" transition="in">
+                                      <p:cBhvr>
+                                        <p:cTn dur="1000"/>
+                                        <p:tgtEl>
+                                          <p:spTgt spid="213"/>
+                                        </p:tgtEl>
+                                      </p:cBhvr>
+                                    </p:animEffect>
+                                  </p:childTnLst>
+                                </p:cTn>
+                              </p:par>
+                            </p:childTnLst>
+                          </p:cTn>
+                        </p:par>
+                      </p:childTnLst>
+                    </p:cTn>
+                  </p:par>
+                </p:childTnLst>
+              </p:cTn>
+              <p:prevCondLst>
+                <p:cond evt="onPrev">
+                  <p:tgtEl>
+                    <p:sldTgt/>
+                  </p:tgtEl>
+                </p:cond>
+              </p:prevCondLst>
+              <p:nextCondLst>
+                <p:cond evt="onNext">
+                  <p:tgtEl>
+                    <p:sldTgt/>
+                  </p:tgtEl>
+                </p:cond>
+              </p:nextCondLst>
+            </p:seq>
+          </p:childTnLst>
+        </p:cTn>
+      </p:par>
+    </p:tnLst>
+  </p:timing>
 </p:sld>
 </file>
 
@@ -13166,9 +14867,93 @@
           </a:p>
         </p:txBody>
       </p:sp>
+      <p:sp>
+        <p:nvSpPr>
+          <p:cNvPr id="220" name="Shape 220"/>
+          <p:cNvSpPr txBox="1"/>
+          <p:nvPr/>
+        </p:nvSpPr>
+        <p:spPr>
+          <a:xfrm>
+            <a:off x="3338000" y="1712025"/>
+            <a:ext cx="2455200" cy="866700"/>
+          </a:xfrm>
+          <a:prstGeom prst="rect">
+            <a:avLst/>
+          </a:prstGeom>
+          <a:noFill/>
+          <a:ln>
+            <a:noFill/>
+          </a:ln>
+        </p:spPr>
+        <p:txBody>
+          <a:bodyPr anchorCtr="0" anchor="t" bIns="91425" lIns="91425" spcFirstLastPara="1" rIns="91425" wrap="square" tIns="91425">
+            <a:noAutofit/>
+          </a:bodyPr>
+          <a:lstStyle/>
+          <a:p>
+            <a:pPr indent="0" lvl="0" marL="0" algn="ctr">
+              <a:spcBef>
+                <a:spcPts val="0"/>
+              </a:spcBef>
+              <a:spcAft>
+                <a:spcPts val="0"/>
+              </a:spcAft>
+              <a:buNone/>
+            </a:pPr>
+            <a:r>
+              <a:rPr lang="it"/>
+              <a:t>Studio delle 3 classi usando LDA su singolo paziente...</a:t>
+            </a:r>
+            <a:endParaRPr/>
+          </a:p>
+        </p:txBody>
+      </p:sp>
+      <p:sp>
+        <p:nvSpPr>
+          <p:cNvPr id="221" name="Shape 221"/>
+          <p:cNvSpPr txBox="1"/>
+          <p:nvPr/>
+        </p:nvSpPr>
+        <p:spPr>
+          <a:xfrm>
+            <a:off x="3806688" y="2731575"/>
+            <a:ext cx="1591500" cy="398700"/>
+          </a:xfrm>
+          <a:prstGeom prst="rect">
+            <a:avLst/>
+          </a:prstGeom>
+          <a:noFill/>
+          <a:ln>
+            <a:noFill/>
+          </a:ln>
+        </p:spPr>
+        <p:txBody>
+          <a:bodyPr anchorCtr="0" anchor="t" bIns="91425" lIns="91425" spcFirstLastPara="1" rIns="91425" wrap="square" tIns="91425">
+            <a:noAutofit/>
+          </a:bodyPr>
+          <a:lstStyle/>
+          <a:p>
+            <a:pPr indent="0" lvl="0" marL="0">
+              <a:spcBef>
+                <a:spcPts val="0"/>
+              </a:spcBef>
+              <a:spcAft>
+                <a:spcPts val="0"/>
+              </a:spcAft>
+              <a:buNone/>
+            </a:pPr>
+            <a:r>
+              <a:rPr lang="it"/>
+              <a:t>Studio intervallo</a:t>
+            </a:r>
+            <a:endParaRPr/>
+          </a:p>
+        </p:txBody>
+      </p:sp>
       <p:pic>
         <p:nvPicPr>
-          <p:cNvPr id="220" name="Shape 220"/>
+          <p:cNvPr id="222" name="Shape 222"/>
           <p:cNvPicPr preferRelativeResize="0"/>
           <p:nvPr/>
         </p:nvPicPr>
@@ -13182,8 +14967,8 @@
         </p:blipFill>
         <p:spPr>
           <a:xfrm>
-            <a:off x="211925" y="1533525"/>
-            <a:ext cx="4723426" cy="2302675"/>
+            <a:off x="206475" y="1524425"/>
+            <a:ext cx="3131515" cy="1605851"/>
           </a:xfrm>
           <a:prstGeom prst="rect">
             <a:avLst/>
@@ -13196,7 +14981,7 @@
       </p:pic>
       <p:pic>
         <p:nvPicPr>
-          <p:cNvPr id="221" name="Shape 221"/>
+          <p:cNvPr id="223" name="Shape 223"/>
           <p:cNvPicPr preferRelativeResize="0"/>
           <p:nvPr/>
         </p:nvPicPr>
@@ -13210,8 +14995,8 @@
         </p:blipFill>
         <p:spPr>
           <a:xfrm>
-            <a:off x="4514850" y="2127025"/>
-            <a:ext cx="4441049" cy="2790375"/>
+            <a:off x="5793132" y="1543149"/>
+            <a:ext cx="3145944" cy="1605851"/>
           </a:xfrm>
           <a:prstGeom prst="rect">
             <a:avLst/>
@@ -13222,6 +15007,160 @@
           </a:ln>
         </p:spPr>
       </p:pic>
+      <p:sp>
+        <p:nvSpPr>
+          <p:cNvPr id="224" name="Shape 224"/>
+          <p:cNvSpPr/>
+          <p:nvPr/>
+        </p:nvSpPr>
+        <p:spPr>
+          <a:xfrm>
+            <a:off x="3983475" y="3069275"/>
+            <a:ext cx="1120200" cy="369300"/>
+          </a:xfrm>
+          <a:prstGeom prst="rightArrow">
+            <a:avLst>
+              <a:gd fmla="val 50000" name="adj1"/>
+              <a:gd fmla="val 50000" name="adj2"/>
+            </a:avLst>
+          </a:prstGeom>
+          <a:solidFill>
+            <a:schemeClr val="lt2"/>
+          </a:solidFill>
+          <a:ln cap="flat" cmpd="sng" w="9525">
+            <a:solidFill>
+              <a:schemeClr val="dk2"/>
+            </a:solidFill>
+            <a:prstDash val="solid"/>
+            <a:round/>
+            <a:headEnd len="sm" w="sm" type="none"/>
+            <a:tailEnd len="sm" w="sm" type="none"/>
+          </a:ln>
+        </p:spPr>
+        <p:txBody>
+          <a:bodyPr anchorCtr="0" anchor="ctr" bIns="91425" lIns="91425" spcFirstLastPara="1" rIns="91425" wrap="square" tIns="91425">
+            <a:noAutofit/>
+          </a:bodyPr>
+          <a:lstStyle/>
+          <a:p>
+            <a:pPr indent="0" lvl="0" marL="0">
+              <a:spcBef>
+                <a:spcPts val="0"/>
+              </a:spcBef>
+              <a:spcAft>
+                <a:spcPts val="0"/>
+              </a:spcAft>
+              <a:buNone/>
+            </a:pPr>
+            <a:r>
+              <a:t/>
+            </a:r>
+            <a:endParaRPr/>
+          </a:p>
+        </p:txBody>
+      </p:sp>
+      <p:pic>
+        <p:nvPicPr>
+          <p:cNvPr id="225" name="Shape 225"/>
+          <p:cNvPicPr preferRelativeResize="0"/>
+          <p:nvPr/>
+        </p:nvPicPr>
+        <p:blipFill>
+          <a:blip r:embed="rId5">
+            <a:alphaModFix/>
+          </a:blip>
+          <a:stretch>
+            <a:fillRect/>
+          </a:stretch>
+        </p:blipFill>
+        <p:spPr>
+          <a:xfrm>
+            <a:off x="206475" y="3130275"/>
+            <a:ext cx="3131524" cy="1810401"/>
+          </a:xfrm>
+          <a:prstGeom prst="rect">
+            <a:avLst/>
+          </a:prstGeom>
+          <a:noFill/>
+          <a:ln>
+            <a:noFill/>
+          </a:ln>
+        </p:spPr>
+      </p:pic>
+      <p:pic>
+        <p:nvPicPr>
+          <p:cNvPr id="226" name="Shape 226"/>
+          <p:cNvPicPr preferRelativeResize="0"/>
+          <p:nvPr/>
+        </p:nvPicPr>
+        <p:blipFill>
+          <a:blip r:embed="rId6">
+            <a:alphaModFix/>
+          </a:blip>
+          <a:stretch>
+            <a:fillRect/>
+          </a:stretch>
+        </p:blipFill>
+        <p:spPr>
+          <a:xfrm>
+            <a:off x="5793126" y="3250975"/>
+            <a:ext cx="3145950" cy="1689701"/>
+          </a:xfrm>
+          <a:prstGeom prst="rect">
+            <a:avLst/>
+          </a:prstGeom>
+          <a:noFill/>
+          <a:ln>
+            <a:noFill/>
+          </a:ln>
+        </p:spPr>
+      </p:pic>
+      <p:sp>
+        <p:nvSpPr>
+          <p:cNvPr id="227" name="Shape 227"/>
+          <p:cNvSpPr txBox="1"/>
+          <p:nvPr/>
+        </p:nvSpPr>
+        <p:spPr>
+          <a:xfrm>
+            <a:off x="3338000" y="3822100"/>
+            <a:ext cx="2455200" cy="618000"/>
+          </a:xfrm>
+          <a:prstGeom prst="rect">
+            <a:avLst/>
+          </a:prstGeom>
+          <a:noFill/>
+          <a:ln>
+            <a:noFill/>
+          </a:ln>
+        </p:spPr>
+        <p:txBody>
+          <a:bodyPr anchorCtr="0" anchor="t" bIns="91425" lIns="91425" spcFirstLastPara="1" rIns="91425" wrap="square" tIns="91425">
+            <a:noAutofit/>
+          </a:bodyPr>
+          <a:lstStyle/>
+          <a:p>
+            <a:pPr indent="0" lvl="0" marL="0" algn="ctr">
+              <a:spcBef>
+                <a:spcPts val="0"/>
+              </a:spcBef>
+              <a:spcAft>
+                <a:spcPts val="0"/>
+              </a:spcAft>
+              <a:buNone/>
+            </a:pPr>
+            <a:r>
+              <a:rPr lang="it"/>
+              <a:t>...</a:t>
+            </a:r>
+            <a:r>
+              <a:rPr lang="it"/>
+              <a:t>e tutti i pazienti contemporaneamente</a:t>
+            </a:r>
+            <a:endParaRPr/>
+          </a:p>
+        </p:txBody>
+      </p:sp>
     </p:spTree>
   </p:cSld>
   <p:clrMapOvr>

--- a/tex_tesi/Apprendimento non supervisionato per l’identificazione di contesti di Freezing of Gait (FOG) in pazienti affetti da Morbo di Parkinson.pptx
+++ b/tex_tesi/Apprendimento non supervisionato per l’identificazione di contesti di Freezing of Gait (FOG) in pazienti affetti da Morbo di Parkinson.pptx
@@ -19,16 +19,17 @@
     <p:sldId id="264" r:id="rId13"/>
     <p:sldId id="265" r:id="rId14"/>
     <p:sldId id="266" r:id="rId15"/>
+    <p:sldId id="267" r:id="rId16"/>
   </p:sldIdLst>
   <p:sldSz cy="5143500" cx="9144000"/>
   <p:notesSz cx="6858000" cy="9144000"/>
   <p:embeddedFontLst>
     <p:embeddedFont>
       <p:font typeface="Nunito"/>
-      <p:regular r:id="rId16"/>
-      <p:bold r:id="rId17"/>
-      <p:italic r:id="rId18"/>
-      <p:boldItalic r:id="rId19"/>
+      <p:regular r:id="rId17"/>
+      <p:bold r:id="rId18"/>
+      <p:italic r:id="rId19"/>
+      <p:boldItalic r:id="rId20"/>
     </p:embeddedFont>
   </p:embeddedFontLst>
   <p:defaultTextStyle>
@@ -790,7 +791,7 @@
   <p:cSld>
     <p:spTree>
       <p:nvGrpSpPr>
-        <p:cNvPr id="228" name="Shape 228"/>
+        <p:cNvPr id="221" name="Shape 221"/>
         <p:cNvGrpSpPr/>
         <p:nvPr/>
       </p:nvGrpSpPr>
@@ -804,7 +805,7 @@
       </p:grpSpPr>
       <p:sp>
         <p:nvSpPr>
-          <p:cNvPr id="229" name="Shape 229"/>
+          <p:cNvPr id="222" name="Shape 222"/>
           <p:cNvSpPr/>
           <p:nvPr>
             <p:ph idx="2" type="sldImg"/>
@@ -838,7 +839,122 @@
       </p:sp>
       <p:sp>
         <p:nvSpPr>
-          <p:cNvPr id="230" name="Shape 230"/>
+          <p:cNvPr id="223" name="Shape 223"/>
+          <p:cNvSpPr txBox="1"/>
+          <p:nvPr>
+            <p:ph idx="1" type="body"/>
+          </p:nvPr>
+        </p:nvSpPr>
+        <p:spPr>
+          <a:xfrm>
+            <a:off x="685800" y="4343400"/>
+            <a:ext cx="5486400" cy="4114800"/>
+          </a:xfrm>
+          <a:prstGeom prst="rect">
+            <a:avLst/>
+          </a:prstGeom>
+        </p:spPr>
+        <p:txBody>
+          <a:bodyPr anchorCtr="0" anchor="t" bIns="91425" lIns="91425" spcFirstLastPara="1" rIns="91425" wrap="square" tIns="91425">
+            <a:noAutofit/>
+          </a:bodyPr>
+          <a:lstStyle/>
+          <a:p>
+            <a:pPr indent="0" lvl="0" marL="0">
+              <a:spcBef>
+                <a:spcPts val="0"/>
+              </a:spcBef>
+              <a:spcAft>
+                <a:spcPts val="0"/>
+              </a:spcAft>
+              <a:buNone/>
+            </a:pPr>
+            <a:r>
+              <a:rPr lang="it"/>
+              <a:t>Il dataset utilizzato per i test è composto da 10 pazienti, di cui 8 hanno avuto episodi di FOG. Ogni paziente ha seguito dei percorsi ed i dati del movimento venivano registrati da 3 accelerometri 3D, posizionati sulla caviglia, sul retro del ginocchio e nella zona lombare. Per quanto riguarda la fase 1, è stato notato fin da subito che </a:t>
+            </a:r>
+            <a:r>
+              <a:rPr lang="it"/>
+              <a:t>sussiste</a:t>
+            </a:r>
+            <a:r>
+              <a:rPr lang="it"/>
+              <a:t> una certa divisione tra i dati appartenenti al preFOG rispetto a quelli del FOG e NOFOG e, sfruttando la parte del lavoro della fase 2 riguardante la scelta degli intervalli temporali, questa distinzione è stata migliorata, soprattutto per il preFOG, sia usando i dati di un paziente alla volta che prendendo quelli di tutti i pazienti contemporaneamente, </a:t>
+            </a:r>
+            <a:r>
+              <a:rPr lang="it"/>
+              <a:t>suggerendo</a:t>
+            </a:r>
+            <a:r>
+              <a:rPr lang="it"/>
+              <a:t> che molti movimenti che portano al preFOG possono essere in comune tra i vari pazienti.</a:t>
+            </a:r>
+            <a:endParaRPr/>
+          </a:p>
+        </p:txBody>
+      </p:sp>
+    </p:spTree>
+  </p:cSld>
+  <p:clrMapOvr>
+    <a:masterClrMapping/>
+  </p:clrMapOvr>
+</p:notes>
+</file>
+
+<file path=ppt/notesSlides/notesSlide11.xml><?xml version="1.0" encoding="utf-8"?>
+<p:notes xmlns:a="http://schemas.openxmlformats.org/drawingml/2006/main" xmlns:r="http://schemas.openxmlformats.org/officeDocument/2006/relationships" xmlns:mc="http://schemas.openxmlformats.org/markup-compatibility/2006" xmlns:mv="urn:schemas-microsoft-com:mac:vml" xmlns:p="http://schemas.openxmlformats.org/presentationml/2006/main" xmlns:c="http://schemas.openxmlformats.org/drawingml/2006/chart" xmlns:dgm="http://schemas.openxmlformats.org/drawingml/2006/diagram" xmlns:o="urn:schemas-microsoft-com:office:office" xmlns:v="urn:schemas-microsoft-com:vml" xmlns:pvml="urn:schemas-microsoft-com:office:powerpoint" xmlns:com="http://schemas.openxmlformats.org/drawingml/2006/compatibility" xmlns:p14="http://schemas.microsoft.com/office/powerpoint/2010/main" xmlns:p15="http://schemas.microsoft.com/office/powerpoint/2012/main" showMasterPhAnim="0" showMasterSp="0">
+  <p:cSld>
+    <p:spTree>
+      <p:nvGrpSpPr>
+        <p:cNvPr id="235" name="Shape 235"/>
+        <p:cNvGrpSpPr/>
+        <p:nvPr/>
+      </p:nvGrpSpPr>
+      <p:grpSpPr>
+        <a:xfrm>
+          <a:off x="0" y="0"/>
+          <a:ext cx="0" cy="0"/>
+          <a:chOff x="0" y="0"/>
+          <a:chExt cx="0" cy="0"/>
+        </a:xfrm>
+      </p:grpSpPr>
+      <p:sp>
+        <p:nvSpPr>
+          <p:cNvPr id="236" name="Shape 236"/>
+          <p:cNvSpPr/>
+          <p:nvPr>
+            <p:ph idx="2" type="sldImg"/>
+          </p:nvPr>
+        </p:nvSpPr>
+        <p:spPr>
+          <a:xfrm>
+            <a:off x="381300" y="685800"/>
+            <a:ext cx="6096000" cy="3429000"/>
+          </a:xfrm>
+          <a:custGeom>
+            <a:pathLst>
+              <a:path extrusionOk="0" h="120000" w="120000">
+                <a:moveTo>
+                  <a:pt x="0" y="0"/>
+                </a:moveTo>
+                <a:lnTo>
+                  <a:pt x="120000" y="0"/>
+                </a:lnTo>
+                <a:lnTo>
+                  <a:pt x="120000" y="120000"/>
+                </a:lnTo>
+                <a:lnTo>
+                  <a:pt x="0" y="120000"/>
+                </a:lnTo>
+                <a:close/>
+              </a:path>
+            </a:pathLst>
+          </a:custGeom>
+        </p:spPr>
+      </p:sp>
+      <p:sp>
+        <p:nvSpPr>
+          <p:cNvPr id="237" name="Shape 237"/>
           <p:cNvSpPr txBox="1"/>
           <p:nvPr>
             <p:ph idx="1" type="body"/>
@@ -896,12 +1012,12 @@
 </p:notes>
 </file>
 
-<file path=ppt/notesSlides/notesSlide11.xml><?xml version="1.0" encoding="utf-8"?>
+<file path=ppt/notesSlides/notesSlide12.xml><?xml version="1.0" encoding="utf-8"?>
 <p:notes xmlns:a="http://schemas.openxmlformats.org/drawingml/2006/main" xmlns:r="http://schemas.openxmlformats.org/officeDocument/2006/relationships" xmlns:mc="http://schemas.openxmlformats.org/markup-compatibility/2006" xmlns:mv="urn:schemas-microsoft-com:mac:vml" xmlns:p="http://schemas.openxmlformats.org/presentationml/2006/main" xmlns:c="http://schemas.openxmlformats.org/drawingml/2006/chart" xmlns:dgm="http://schemas.openxmlformats.org/drawingml/2006/diagram" xmlns:o="urn:schemas-microsoft-com:office:office" xmlns:v="urn:schemas-microsoft-com:vml" xmlns:pvml="urn:schemas-microsoft-com:office:powerpoint" xmlns:com="http://schemas.openxmlformats.org/drawingml/2006/compatibility" xmlns:p14="http://schemas.microsoft.com/office/powerpoint/2010/main" xmlns:p15="http://schemas.microsoft.com/office/powerpoint/2012/main" showMasterPhAnim="0" showMasterSp="0">
   <p:cSld>
     <p:spTree>
       <p:nvGrpSpPr>
-        <p:cNvPr id="237" name="Shape 237"/>
+        <p:cNvPr id="244" name="Shape 244"/>
         <p:cNvGrpSpPr/>
         <p:nvPr/>
       </p:nvGrpSpPr>
@@ -915,7 +1031,7 @@
       </p:grpSpPr>
       <p:sp>
         <p:nvSpPr>
-          <p:cNvPr id="238" name="Shape 238"/>
+          <p:cNvPr id="245" name="Shape 245"/>
           <p:cNvSpPr/>
           <p:nvPr>
             <p:ph idx="2" type="sldImg"/>
@@ -949,7 +1065,7 @@
       </p:sp>
       <p:sp>
         <p:nvSpPr>
-          <p:cNvPr id="239" name="Shape 239"/>
+          <p:cNvPr id="246" name="Shape 246"/>
           <p:cNvSpPr txBox="1"/>
           <p:nvPr>
             <p:ph idx="1" type="body"/>
@@ -1420,7 +1536,15 @@
             </a:pPr>
             <a:r>
               <a:rPr lang="it"/>
-              <a:t>La tesi riprende questo lavoro e conduce innanzitutto uno studio sull’esistenza della classe chiamata preFOG e sulla sua separazione dalle altre due classi, ossia NOFOG e FOG. Successivamente, si pone l’obiettivo di sviluppare un approccio non supervisionato, ossia che usa dati non già divisi in classe da un medico, al fine di etichettare gli stessi, così da sostituire il medico stesso nelle varie fasi da test. In questa fase, inoltre, viene condotto uno studio di divisione ad intervalli dei dati al fine di cercare di ottenere quale sia la migliore divisione temporale degli stessi. Infine, tenta di classificare, e quindi predire, le etichette di nuovi dati, usando 3 classi, ossia le occorrenze di preFOG, FOG e i movimenti normali del paziente.</a:t>
+              <a:t>La tesi riprende questo lavoro e conduce innanzitutto uno studio sull’esistenza della classe chiamata preFOG e sulla sua separazione dalle altre due classi, ossia NOFOG e FOG. Successivamente, si pone l’obiettivo di sviluppare un approccio non supervisionato, ossia che usa dati non già divisi in classe da un medico, al fine di etichettare gli stessi, così da sostituire il medico stesso nelle varie fasi da test. In questa fase, inoltre, viene condotto uno studio di divisione ad intervalli dei dati al fine di cercare di ottenere quale sia la migliore divisione temporale degli stessi. Infine, tenta di classificare, e quindi predire, le etichette di nuovi dati, usando 3 classi, ossia le occorrenze di preFOG, FOG e i movimenti normali del paziente. </a:t>
+            </a:r>
+            <a:r>
+              <a:rPr lang="it">
+                <a:highlight>
+                  <a:srgbClr val="FFFFFF"/>
+                </a:highlight>
+              </a:rPr>
+              <a:t>L’obiettivo principale in cui la tua tesi si inserisce è quello di realizzare un dispositivo indossabile per evitare FOG.</a:t>
             </a:r>
             <a:endParaRPr/>
           </a:p>
@@ -1519,7 +1643,15 @@
             </a:pPr>
             <a:r>
               <a:rPr lang="it"/>
-              <a:t>Il primo passi che è stato fatto, quindi, è quello di studiare l’esistenza della classe preFOG. Per fare questo, abbiamo usato dei dati provenienti da accelerometri posizionati sul paziente ed etichettati da un medico. Per prima cosa, i dati vengono vettorizzati, ossia quelli presi in un intervallo temporale vengono posti su un’unica riga, ossia vettore, invece di averli in più colonne e righe. Questi vengono poi studiati da un discriminante lineare, il cui scopo è determinare se esiste una divisione tra i dati delle varie classi passate in input. Questo passo permette di studiare se esiste la divisione che cerchiamo, ossia tra il preFOG ed il FOG e NOFOG.</a:t>
+              <a:t>L’obiettivo finale della tesi sarebbe quello di applicare gli algoritmi sviluppati in un contesto real time attraverso un dispositivo indossabile dal paziente definito dal seguente schema: raccolgo dati ed attraverso un apprendimento non supervisionato li etichetto, per poi allenare un classificatore su questi dati al fine di rilevare, in tempo reale attraverso un dispositivo, le occorrenze di preFOG, fornendo uno stimolo uditorio al paziente per evitare il blocco del </a:t>
+            </a:r>
+            <a:r>
+              <a:rPr lang="it"/>
+              <a:t>movimento</a:t>
+            </a:r>
+            <a:r>
+              <a:rPr lang="it"/>
+              <a:t>.</a:t>
             </a:r>
             <a:endParaRPr/>
           </a:p>
@@ -1538,7 +1670,7 @@
   <p:cSld>
     <p:spTree>
       <p:nvGrpSpPr>
-        <p:cNvPr id="183" name="Shape 183"/>
+        <p:cNvPr id="173" name="Shape 173"/>
         <p:cNvGrpSpPr/>
         <p:nvPr/>
       </p:nvGrpSpPr>
@@ -1552,7 +1684,7 @@
       </p:grpSpPr>
       <p:sp>
         <p:nvSpPr>
-          <p:cNvPr id="184" name="Shape 184"/>
+          <p:cNvPr id="174" name="Shape 174"/>
           <p:cNvSpPr/>
           <p:nvPr>
             <p:ph idx="2" type="sldImg"/>
@@ -1586,7 +1718,106 @@
       </p:sp>
       <p:sp>
         <p:nvSpPr>
-          <p:cNvPr id="185" name="Shape 185"/>
+          <p:cNvPr id="175" name="Shape 175"/>
+          <p:cNvSpPr txBox="1"/>
+          <p:nvPr>
+            <p:ph idx="1" type="body"/>
+          </p:nvPr>
+        </p:nvSpPr>
+        <p:spPr>
+          <a:xfrm>
+            <a:off x="685800" y="4343400"/>
+            <a:ext cx="5486400" cy="4114800"/>
+          </a:xfrm>
+          <a:prstGeom prst="rect">
+            <a:avLst/>
+          </a:prstGeom>
+        </p:spPr>
+        <p:txBody>
+          <a:bodyPr anchorCtr="0" anchor="t" bIns="91425" lIns="91425" spcFirstLastPara="1" rIns="91425" wrap="square" tIns="91425">
+            <a:noAutofit/>
+          </a:bodyPr>
+          <a:lstStyle/>
+          <a:p>
+            <a:pPr indent="0" lvl="0" marL="0">
+              <a:spcBef>
+                <a:spcPts val="0"/>
+              </a:spcBef>
+              <a:spcAft>
+                <a:spcPts val="0"/>
+              </a:spcAft>
+              <a:buNone/>
+            </a:pPr>
+            <a:r>
+              <a:rPr lang="it"/>
+              <a:t>Il primo passi che è stato fatto, quindi, è quello di studiare l’esistenza della classe preFOG. Per fare questo, abbiamo usato dei dati provenienti da accelerometri posizionati sul paziente ed etichettati da un medico. Per prima cosa, i dati vengono vettorizzati, ossia quelli presi in un intervallo temporale vengono posti su un’unica riga, ossia vettore, invece di averli in più colonne e righe. Questi vengono poi studiati da un discriminante lineare, il cui scopo è determinare se esiste una divisione tra i dati delle varie classi passate in input. Questo passo permette di studiare se esiste la divisione che cerchiamo, ossia tra il preFOG ed il FOG e NOFOG.</a:t>
+            </a:r>
+            <a:endParaRPr/>
+          </a:p>
+        </p:txBody>
+      </p:sp>
+    </p:spTree>
+  </p:cSld>
+  <p:clrMapOvr>
+    <a:masterClrMapping/>
+  </p:clrMapOvr>
+</p:notes>
+</file>
+
+<file path=ppt/notesSlides/notesSlide8.xml><?xml version="1.0" encoding="utf-8"?>
+<p:notes xmlns:a="http://schemas.openxmlformats.org/drawingml/2006/main" xmlns:r="http://schemas.openxmlformats.org/officeDocument/2006/relationships" xmlns:mc="http://schemas.openxmlformats.org/markup-compatibility/2006" xmlns:mv="urn:schemas-microsoft-com:mac:vml" xmlns:p="http://schemas.openxmlformats.org/presentationml/2006/main" xmlns:c="http://schemas.openxmlformats.org/drawingml/2006/chart" xmlns:dgm="http://schemas.openxmlformats.org/drawingml/2006/diagram" xmlns:o="urn:schemas-microsoft-com:office:office" xmlns:v="urn:schemas-microsoft-com:vml" xmlns:pvml="urn:schemas-microsoft-com:office:powerpoint" xmlns:com="http://schemas.openxmlformats.org/drawingml/2006/compatibility" xmlns:p14="http://schemas.microsoft.com/office/powerpoint/2010/main" xmlns:p15="http://schemas.microsoft.com/office/powerpoint/2012/main" showMasterPhAnim="0" showMasterSp="0">
+  <p:cSld>
+    <p:spTree>
+      <p:nvGrpSpPr>
+        <p:cNvPr id="189" name="Shape 189"/>
+        <p:cNvGrpSpPr/>
+        <p:nvPr/>
+      </p:nvGrpSpPr>
+      <p:grpSpPr>
+        <a:xfrm>
+          <a:off x="0" y="0"/>
+          <a:ext cx="0" cy="0"/>
+          <a:chOff x="0" y="0"/>
+          <a:chExt cx="0" cy="0"/>
+        </a:xfrm>
+      </p:grpSpPr>
+      <p:sp>
+        <p:nvSpPr>
+          <p:cNvPr id="190" name="Shape 190"/>
+          <p:cNvSpPr/>
+          <p:nvPr>
+            <p:ph idx="2" type="sldImg"/>
+          </p:nvPr>
+        </p:nvSpPr>
+        <p:spPr>
+          <a:xfrm>
+            <a:off x="381300" y="685800"/>
+            <a:ext cx="6096000" cy="3429000"/>
+          </a:xfrm>
+          <a:custGeom>
+            <a:pathLst>
+              <a:path extrusionOk="0" h="120000" w="120000">
+                <a:moveTo>
+                  <a:pt x="0" y="0"/>
+                </a:moveTo>
+                <a:lnTo>
+                  <a:pt x="120000" y="0"/>
+                </a:lnTo>
+                <a:lnTo>
+                  <a:pt x="120000" y="120000"/>
+                </a:lnTo>
+                <a:lnTo>
+                  <a:pt x="0" y="120000"/>
+                </a:lnTo>
+                <a:close/>
+              </a:path>
+            </a:pathLst>
+          </a:custGeom>
+        </p:spPr>
+      </p:sp>
+      <p:sp>
+        <p:nvSpPr>
+          <p:cNvPr id="191" name="Shape 191"/>
           <p:cNvSpPr txBox="1"/>
           <p:nvPr>
             <p:ph idx="1" type="body"/>
@@ -1640,12 +1871,12 @@
 </p:notes>
 </file>
 
-<file path=ppt/notesSlides/notesSlide8.xml><?xml version="1.0" encoding="utf-8"?>
+<file path=ppt/notesSlides/notesSlide9.xml><?xml version="1.0" encoding="utf-8"?>
 <p:notes xmlns:a="http://schemas.openxmlformats.org/drawingml/2006/main" xmlns:r="http://schemas.openxmlformats.org/officeDocument/2006/relationships" xmlns:mc="http://schemas.openxmlformats.org/markup-compatibility/2006" xmlns:mv="urn:schemas-microsoft-com:mac:vml" xmlns:p="http://schemas.openxmlformats.org/presentationml/2006/main" xmlns:c="http://schemas.openxmlformats.org/drawingml/2006/chart" xmlns:dgm="http://schemas.openxmlformats.org/drawingml/2006/diagram" xmlns:o="urn:schemas-microsoft-com:office:office" xmlns:v="urn:schemas-microsoft-com:vml" xmlns:pvml="urn:schemas-microsoft-com:office:powerpoint" xmlns:com="http://schemas.openxmlformats.org/drawingml/2006/compatibility" xmlns:p14="http://schemas.microsoft.com/office/powerpoint/2010/main" xmlns:p15="http://schemas.microsoft.com/office/powerpoint/2012/main" showMasterPhAnim="0" showMasterSp="0">
   <p:cSld>
     <p:spTree>
       <p:nvGrpSpPr>
-        <p:cNvPr id="199" name="Shape 199"/>
+        <p:cNvPr id="205" name="Shape 205"/>
         <p:cNvGrpSpPr/>
         <p:nvPr/>
       </p:nvGrpSpPr>
@@ -1659,7 +1890,7 @@
       </p:grpSpPr>
       <p:sp>
         <p:nvSpPr>
-          <p:cNvPr id="200" name="Shape 200"/>
+          <p:cNvPr id="206" name="Shape 206"/>
           <p:cNvSpPr/>
           <p:nvPr>
             <p:ph idx="2" type="sldImg"/>
@@ -1693,7 +1924,7 @@
       </p:sp>
       <p:sp>
         <p:nvSpPr>
-          <p:cNvPr id="201" name="Shape 201"/>
+          <p:cNvPr id="207" name="Shape 207"/>
           <p:cNvSpPr txBox="1"/>
           <p:nvPr>
             <p:ph idx="1" type="body"/>
@@ -1726,121 +1957,6 @@
             <a:r>
               <a:rPr lang="it"/>
               <a:t>Per classificare e quindi predire a quale istanza, se di FOG, preFOG o NOFOG, appartengono nuovi dati a partire dalle etichette di un dataset, viene allenato un classificatore, nel nostro caso il k-nearest neighbors, dopo aver applicato la metodologia della fase 1, ossia il discriminante lineare. Una volta che il classificatore è allenato su tali dati, si prendono nuove istanze non ancora etichettate e si passano in input al classificatore, il quale restituisce l’etichettatura dei nuovi dati al fine di identificare le occorrenze di preFOG. Questo permetterebbe una previsione del FOG in quanto si riuscirebbe a dare uno stimolo uditorio al paziente, evitandogli il blocco del movimento.</a:t>
-            </a:r>
-            <a:endParaRPr/>
-          </a:p>
-        </p:txBody>
-      </p:sp>
-    </p:spTree>
-  </p:cSld>
-  <p:clrMapOvr>
-    <a:masterClrMapping/>
-  </p:clrMapOvr>
-</p:notes>
-</file>
-
-<file path=ppt/notesSlides/notesSlide9.xml><?xml version="1.0" encoding="utf-8"?>
-<p:notes xmlns:a="http://schemas.openxmlformats.org/drawingml/2006/main" xmlns:r="http://schemas.openxmlformats.org/officeDocument/2006/relationships" xmlns:mc="http://schemas.openxmlformats.org/markup-compatibility/2006" xmlns:mv="urn:schemas-microsoft-com:mac:vml" xmlns:p="http://schemas.openxmlformats.org/presentationml/2006/main" xmlns:c="http://schemas.openxmlformats.org/drawingml/2006/chart" xmlns:dgm="http://schemas.openxmlformats.org/drawingml/2006/diagram" xmlns:o="urn:schemas-microsoft-com:office:office" xmlns:v="urn:schemas-microsoft-com:vml" xmlns:pvml="urn:schemas-microsoft-com:office:powerpoint" xmlns:com="http://schemas.openxmlformats.org/drawingml/2006/compatibility" xmlns:p14="http://schemas.microsoft.com/office/powerpoint/2010/main" xmlns:p15="http://schemas.microsoft.com/office/powerpoint/2012/main" showMasterPhAnim="0" showMasterSp="0">
-  <p:cSld>
-    <p:spTree>
-      <p:nvGrpSpPr>
-        <p:cNvPr id="215" name="Shape 215"/>
-        <p:cNvGrpSpPr/>
-        <p:nvPr/>
-      </p:nvGrpSpPr>
-      <p:grpSpPr>
-        <a:xfrm>
-          <a:off x="0" y="0"/>
-          <a:ext cx="0" cy="0"/>
-          <a:chOff x="0" y="0"/>
-          <a:chExt cx="0" cy="0"/>
-        </a:xfrm>
-      </p:grpSpPr>
-      <p:sp>
-        <p:nvSpPr>
-          <p:cNvPr id="216" name="Shape 216"/>
-          <p:cNvSpPr/>
-          <p:nvPr>
-            <p:ph idx="2" type="sldImg"/>
-          </p:nvPr>
-        </p:nvSpPr>
-        <p:spPr>
-          <a:xfrm>
-            <a:off x="381300" y="685800"/>
-            <a:ext cx="6096000" cy="3429000"/>
-          </a:xfrm>
-          <a:custGeom>
-            <a:pathLst>
-              <a:path extrusionOk="0" h="120000" w="120000">
-                <a:moveTo>
-                  <a:pt x="0" y="0"/>
-                </a:moveTo>
-                <a:lnTo>
-                  <a:pt x="120000" y="0"/>
-                </a:lnTo>
-                <a:lnTo>
-                  <a:pt x="120000" y="120000"/>
-                </a:lnTo>
-                <a:lnTo>
-                  <a:pt x="0" y="120000"/>
-                </a:lnTo>
-                <a:close/>
-              </a:path>
-            </a:pathLst>
-          </a:custGeom>
-        </p:spPr>
-      </p:sp>
-      <p:sp>
-        <p:nvSpPr>
-          <p:cNvPr id="217" name="Shape 217"/>
-          <p:cNvSpPr txBox="1"/>
-          <p:nvPr>
-            <p:ph idx="1" type="body"/>
-          </p:nvPr>
-        </p:nvSpPr>
-        <p:spPr>
-          <a:xfrm>
-            <a:off x="685800" y="4343400"/>
-            <a:ext cx="5486400" cy="4114800"/>
-          </a:xfrm>
-          <a:prstGeom prst="rect">
-            <a:avLst/>
-          </a:prstGeom>
-        </p:spPr>
-        <p:txBody>
-          <a:bodyPr anchorCtr="0" anchor="t" bIns="91425" lIns="91425" spcFirstLastPara="1" rIns="91425" wrap="square" tIns="91425">
-            <a:noAutofit/>
-          </a:bodyPr>
-          <a:lstStyle/>
-          <a:p>
-            <a:pPr indent="0" lvl="0" marL="0">
-              <a:spcBef>
-                <a:spcPts val="0"/>
-              </a:spcBef>
-              <a:spcAft>
-                <a:spcPts val="0"/>
-              </a:spcAft>
-              <a:buNone/>
-            </a:pPr>
-            <a:r>
-              <a:rPr lang="it"/>
-              <a:t>Per quanto riguarda la fase 1, è stato notato fin da subito che </a:t>
-            </a:r>
-            <a:r>
-              <a:rPr lang="it"/>
-              <a:t>sussiste</a:t>
-            </a:r>
-            <a:r>
-              <a:rPr lang="it"/>
-              <a:t> una certa divisione tra i dati appartenenti al preFOG rispetto a quelli del FOG e NOFOG e, sfruttando la parte del lavoro della fase 2 riguardante la scelta degli intervalli temporali, questa distinzione è stata migliorata, soprattutto per il preFOG, sia usando i dati di un paziente alla volta che prendendo quelli di tutti i pazienti contemporaneamente, </a:t>
-            </a:r>
-            <a:r>
-              <a:rPr lang="it"/>
-              <a:t>suggerendo</a:t>
-            </a:r>
-            <a:r>
-              <a:rPr lang="it"/>
-              <a:t> che molti movimenti che portano al preFOG possono essere in comune tra i vari pazienti.</a:t>
             </a:r>
             <a:endParaRPr/>
           </a:p>
@@ -9991,7 +10107,7 @@
   <p:cSld>
     <p:spTree>
       <p:nvGrpSpPr>
-        <p:cNvPr id="231" name="Shape 231"/>
+        <p:cNvPr id="224" name="Shape 224"/>
         <p:cNvGrpSpPr/>
         <p:nvPr/>
       </p:nvGrpSpPr>
@@ -10005,7 +10121,658 @@
       </p:grpSpPr>
       <p:sp>
         <p:nvSpPr>
+          <p:cNvPr id="225" name="Shape 225"/>
+          <p:cNvSpPr txBox="1"/>
+          <p:nvPr>
+            <p:ph type="title"/>
+          </p:nvPr>
+        </p:nvSpPr>
+        <p:spPr>
+          <a:xfrm>
+            <a:off x="819150" y="348300"/>
+            <a:ext cx="7505700" cy="954600"/>
+          </a:xfrm>
+          <a:prstGeom prst="rect">
+            <a:avLst/>
+          </a:prstGeom>
+        </p:spPr>
+        <p:txBody>
+          <a:bodyPr anchorCtr="0" anchor="t" bIns="91425" lIns="91425" spcFirstLastPara="1" rIns="91425" wrap="square" tIns="91425">
+            <a:noAutofit/>
+          </a:bodyPr>
+          <a:lstStyle/>
+          <a:p>
+            <a:pPr indent="0" lvl="0" marL="0" rtl="0" algn="ctr">
+              <a:spcBef>
+                <a:spcPts val="0"/>
+              </a:spcBef>
+              <a:spcAft>
+                <a:spcPts val="0"/>
+              </a:spcAft>
+              <a:buNone/>
+            </a:pPr>
+            <a:r>
+              <a:rPr lang="it"/>
+              <a:t>Risultati Sperimentali</a:t>
+            </a:r>
+            <a:endParaRPr/>
+          </a:p>
+        </p:txBody>
+      </p:sp>
+      <p:sp>
+        <p:nvSpPr>
+          <p:cNvPr id="226" name="Shape 226"/>
+          <p:cNvSpPr txBox="1"/>
+          <p:nvPr/>
+        </p:nvSpPr>
+        <p:spPr>
+          <a:xfrm>
+            <a:off x="3338000" y="1712025"/>
+            <a:ext cx="2455200" cy="866700"/>
+          </a:xfrm>
+          <a:prstGeom prst="rect">
+            <a:avLst/>
+          </a:prstGeom>
+          <a:noFill/>
+          <a:ln>
+            <a:noFill/>
+          </a:ln>
+        </p:spPr>
+        <p:txBody>
+          <a:bodyPr anchorCtr="0" anchor="t" bIns="91425" lIns="91425" spcFirstLastPara="1" rIns="91425" wrap="square" tIns="91425">
+            <a:noAutofit/>
+          </a:bodyPr>
+          <a:lstStyle/>
+          <a:p>
+            <a:pPr indent="0" lvl="0" marL="0" algn="ctr">
+              <a:spcBef>
+                <a:spcPts val="0"/>
+              </a:spcBef>
+              <a:spcAft>
+                <a:spcPts val="0"/>
+              </a:spcAft>
+              <a:buNone/>
+            </a:pPr>
+            <a:r>
+              <a:rPr lang="it"/>
+              <a:t>Studio delle 3 classi usando LDA su singolo paziente...</a:t>
+            </a:r>
+            <a:endParaRPr/>
+          </a:p>
+        </p:txBody>
+      </p:sp>
+      <p:sp>
+        <p:nvSpPr>
+          <p:cNvPr id="227" name="Shape 227"/>
+          <p:cNvSpPr txBox="1"/>
+          <p:nvPr/>
+        </p:nvSpPr>
+        <p:spPr>
+          <a:xfrm>
+            <a:off x="3806688" y="2731575"/>
+            <a:ext cx="1591500" cy="398700"/>
+          </a:xfrm>
+          <a:prstGeom prst="rect">
+            <a:avLst/>
+          </a:prstGeom>
+          <a:noFill/>
+          <a:ln>
+            <a:noFill/>
+          </a:ln>
+        </p:spPr>
+        <p:txBody>
+          <a:bodyPr anchorCtr="0" anchor="t" bIns="91425" lIns="91425" spcFirstLastPara="1" rIns="91425" wrap="square" tIns="91425">
+            <a:noAutofit/>
+          </a:bodyPr>
+          <a:lstStyle/>
+          <a:p>
+            <a:pPr indent="0" lvl="0" marL="0">
+              <a:spcBef>
+                <a:spcPts val="0"/>
+              </a:spcBef>
+              <a:spcAft>
+                <a:spcPts val="0"/>
+              </a:spcAft>
+              <a:buNone/>
+            </a:pPr>
+            <a:r>
+              <a:rPr lang="it"/>
+              <a:t>Studio intervallo</a:t>
+            </a:r>
+            <a:endParaRPr/>
+          </a:p>
+        </p:txBody>
+      </p:sp>
+      <p:pic>
+        <p:nvPicPr>
+          <p:cNvPr id="228" name="Shape 228"/>
+          <p:cNvPicPr preferRelativeResize="0"/>
+          <p:nvPr/>
+        </p:nvPicPr>
+        <p:blipFill>
+          <a:blip r:embed="rId3">
+            <a:alphaModFix/>
+          </a:blip>
+          <a:stretch>
+            <a:fillRect/>
+          </a:stretch>
+        </p:blipFill>
+        <p:spPr>
+          <a:xfrm>
+            <a:off x="206475" y="1886138"/>
+            <a:ext cx="2721174" cy="1395425"/>
+          </a:xfrm>
+          <a:prstGeom prst="rect">
+            <a:avLst/>
+          </a:prstGeom>
+          <a:noFill/>
+          <a:ln>
+            <a:noFill/>
+          </a:ln>
+        </p:spPr>
+      </p:pic>
+      <p:pic>
+        <p:nvPicPr>
+          <p:cNvPr id="229" name="Shape 229"/>
+          <p:cNvPicPr preferRelativeResize="0"/>
+          <p:nvPr/>
+        </p:nvPicPr>
+        <p:blipFill>
+          <a:blip r:embed="rId4">
+            <a:alphaModFix/>
+          </a:blip>
+          <a:stretch>
+            <a:fillRect/>
+          </a:stretch>
+        </p:blipFill>
+        <p:spPr>
+          <a:xfrm>
+            <a:off x="5793197" y="1797275"/>
+            <a:ext cx="3081904" cy="1573175"/>
+          </a:xfrm>
+          <a:prstGeom prst="rect">
+            <a:avLst/>
+          </a:prstGeom>
+          <a:noFill/>
+          <a:ln>
+            <a:noFill/>
+          </a:ln>
+        </p:spPr>
+      </p:pic>
+      <p:sp>
+        <p:nvSpPr>
+          <p:cNvPr id="230" name="Shape 230"/>
+          <p:cNvSpPr/>
+          <p:nvPr/>
+        </p:nvSpPr>
+        <p:spPr>
+          <a:xfrm>
+            <a:off x="3983475" y="3069275"/>
+            <a:ext cx="1120200" cy="369300"/>
+          </a:xfrm>
+          <a:prstGeom prst="rightArrow">
+            <a:avLst>
+              <a:gd fmla="val 50000" name="adj1"/>
+              <a:gd fmla="val 50000" name="adj2"/>
+            </a:avLst>
+          </a:prstGeom>
+          <a:solidFill>
+            <a:schemeClr val="lt2"/>
+          </a:solidFill>
+          <a:ln cap="flat" cmpd="sng" w="9525">
+            <a:solidFill>
+              <a:schemeClr val="dk2"/>
+            </a:solidFill>
+            <a:prstDash val="solid"/>
+            <a:round/>
+            <a:headEnd len="sm" w="sm" type="none"/>
+            <a:tailEnd len="sm" w="sm" type="none"/>
+          </a:ln>
+        </p:spPr>
+        <p:txBody>
+          <a:bodyPr anchorCtr="0" anchor="ctr" bIns="91425" lIns="91425" spcFirstLastPara="1" rIns="91425" wrap="square" tIns="91425">
+            <a:noAutofit/>
+          </a:bodyPr>
+          <a:lstStyle/>
+          <a:p>
+            <a:pPr indent="0" lvl="0" marL="0">
+              <a:spcBef>
+                <a:spcPts val="0"/>
+              </a:spcBef>
+              <a:spcAft>
+                <a:spcPts val="0"/>
+              </a:spcAft>
+              <a:buNone/>
+            </a:pPr>
+            <a:r>
+              <a:t/>
+            </a:r>
+            <a:endParaRPr/>
+          </a:p>
+        </p:txBody>
+      </p:sp>
+      <p:pic>
+        <p:nvPicPr>
+          <p:cNvPr id="231" name="Shape 231"/>
+          <p:cNvPicPr preferRelativeResize="0"/>
+          <p:nvPr/>
+        </p:nvPicPr>
+        <p:blipFill>
+          <a:blip r:embed="rId5">
+            <a:alphaModFix/>
+          </a:blip>
+          <a:stretch>
+            <a:fillRect/>
+          </a:stretch>
+        </p:blipFill>
+        <p:spPr>
+          <a:xfrm>
+            <a:off x="206475" y="3367500"/>
+            <a:ext cx="2721175" cy="1573168"/>
+          </a:xfrm>
+          <a:prstGeom prst="rect">
+            <a:avLst/>
+          </a:prstGeom>
+          <a:noFill/>
+          <a:ln>
+            <a:noFill/>
+          </a:ln>
+        </p:spPr>
+      </p:pic>
+      <p:pic>
+        <p:nvPicPr>
           <p:cNvPr id="232" name="Shape 232"/>
+          <p:cNvPicPr preferRelativeResize="0"/>
+          <p:nvPr/>
+        </p:nvPicPr>
+        <p:blipFill>
+          <a:blip r:embed="rId6">
+            <a:alphaModFix/>
+          </a:blip>
+          <a:stretch>
+            <a:fillRect/>
+          </a:stretch>
+        </p:blipFill>
+        <p:spPr>
+          <a:xfrm>
+            <a:off x="5793125" y="3367500"/>
+            <a:ext cx="2928998" cy="1573175"/>
+          </a:xfrm>
+          <a:prstGeom prst="rect">
+            <a:avLst/>
+          </a:prstGeom>
+          <a:noFill/>
+          <a:ln>
+            <a:noFill/>
+          </a:ln>
+        </p:spPr>
+      </p:pic>
+      <p:sp>
+        <p:nvSpPr>
+          <p:cNvPr id="233" name="Shape 233"/>
+          <p:cNvSpPr txBox="1"/>
+          <p:nvPr/>
+        </p:nvSpPr>
+        <p:spPr>
+          <a:xfrm>
+            <a:off x="3338000" y="3822100"/>
+            <a:ext cx="2455200" cy="618000"/>
+          </a:xfrm>
+          <a:prstGeom prst="rect">
+            <a:avLst/>
+          </a:prstGeom>
+          <a:noFill/>
+          <a:ln>
+            <a:noFill/>
+          </a:ln>
+        </p:spPr>
+        <p:txBody>
+          <a:bodyPr anchorCtr="0" anchor="t" bIns="91425" lIns="91425" spcFirstLastPara="1" rIns="91425" wrap="square" tIns="91425">
+            <a:noAutofit/>
+          </a:bodyPr>
+          <a:lstStyle/>
+          <a:p>
+            <a:pPr indent="0" lvl="0" marL="0" algn="ctr">
+              <a:spcBef>
+                <a:spcPts val="0"/>
+              </a:spcBef>
+              <a:spcAft>
+                <a:spcPts val="0"/>
+              </a:spcAft>
+              <a:buNone/>
+            </a:pPr>
+            <a:r>
+              <a:rPr lang="it"/>
+              <a:t>...</a:t>
+            </a:r>
+            <a:r>
+              <a:rPr lang="it"/>
+              <a:t>e tutti i pazienti contemporaneamente</a:t>
+            </a:r>
+            <a:endParaRPr/>
+          </a:p>
+        </p:txBody>
+      </p:sp>
+      <p:sp>
+        <p:nvSpPr>
+          <p:cNvPr id="234" name="Shape 234"/>
+          <p:cNvSpPr txBox="1"/>
+          <p:nvPr/>
+        </p:nvSpPr>
+        <p:spPr>
+          <a:xfrm>
+            <a:off x="440475" y="1001700"/>
+            <a:ext cx="8281800" cy="477300"/>
+          </a:xfrm>
+          <a:prstGeom prst="rect">
+            <a:avLst/>
+          </a:prstGeom>
+          <a:noFill/>
+          <a:ln>
+            <a:noFill/>
+          </a:ln>
+        </p:spPr>
+        <p:txBody>
+          <a:bodyPr anchorCtr="0" anchor="t" bIns="91425" lIns="91425" spcFirstLastPara="1" rIns="91425" wrap="square" tIns="91425">
+            <a:noAutofit/>
+          </a:bodyPr>
+          <a:lstStyle/>
+          <a:p>
+            <a:pPr indent="0" lvl="0" marL="0" algn="ctr">
+              <a:spcBef>
+                <a:spcPts val="0"/>
+              </a:spcBef>
+              <a:spcAft>
+                <a:spcPts val="0"/>
+              </a:spcAft>
+              <a:buNone/>
+            </a:pPr>
+            <a:r>
+              <a:rPr lang="it"/>
+              <a:t>Dataset utilizzato: 10 pazienti, dati da 3 accelerometri, per ogni </a:t>
+            </a:r>
+            <a:r>
+              <a:rPr lang="it"/>
+              <a:t>accelerometro</a:t>
+            </a:r>
+            <a:r>
+              <a:rPr lang="it"/>
+              <a:t> 3 assi</a:t>
+            </a:r>
+            <a:endParaRPr/>
+          </a:p>
+        </p:txBody>
+      </p:sp>
+    </p:spTree>
+  </p:cSld>
+  <p:clrMapOvr>
+    <a:masterClrMapping/>
+  </p:clrMapOvr>
+  <p:timing>
+    <p:tnLst>
+      <p:par>
+        <p:cTn dur="indefinite" nodeType="tmRoot" restart="never">
+          <p:childTnLst>
+            <p:seq concurrent="1" nextAc="seek">
+              <p:cTn dur="indefinite" id="2" nodeType="mainSeq">
+                <p:childTnLst>
+                  <p:par>
+                    <p:cTn fill="hold">
+                      <p:stCondLst>
+                        <p:cond delay="indefinite"/>
+                      </p:stCondLst>
+                      <p:childTnLst>
+                        <p:par>
+                          <p:cTn fill="hold">
+                            <p:stCondLst>
+                              <p:cond delay="0"/>
+                            </p:stCondLst>
+                            <p:childTnLst>
+                              <p:par>
+                                <p:cTn fill="hold" nodeType="clickEffect" presetClass="entr" presetID="10" presetSubtype="0">
+                                  <p:stCondLst>
+                                    <p:cond delay="0"/>
+                                  </p:stCondLst>
+                                  <p:childTnLst>
+                                    <p:set>
+                                      <p:cBhvr>
+                                        <p:cTn dur="1" fill="hold">
+                                          <p:stCondLst>
+                                            <p:cond delay="0"/>
+                                          </p:stCondLst>
+                                        </p:cTn>
+                                        <p:tgtEl>
+                                          <p:spTgt spid="228"/>
+                                        </p:tgtEl>
+                                        <p:attrNameLst>
+                                          <p:attrName>style.visibility</p:attrName>
+                                        </p:attrNameLst>
+                                      </p:cBhvr>
+                                      <p:to>
+                                        <p:strVal val="visible"/>
+                                      </p:to>
+                                    </p:set>
+                                    <p:animEffect filter="fade" transition="in">
+                                      <p:cBhvr>
+                                        <p:cTn dur="1000"/>
+                                        <p:tgtEl>
+                                          <p:spTgt spid="228"/>
+                                        </p:tgtEl>
+                                      </p:cBhvr>
+                                    </p:animEffect>
+                                  </p:childTnLst>
+                                </p:cTn>
+                              </p:par>
+                            </p:childTnLst>
+                          </p:cTn>
+                        </p:par>
+                      </p:childTnLst>
+                    </p:cTn>
+                  </p:par>
+                  <p:par>
+                    <p:cTn fill="hold">
+                      <p:stCondLst>
+                        <p:cond delay="indefinite"/>
+                      </p:stCondLst>
+                      <p:childTnLst>
+                        <p:par>
+                          <p:cTn fill="hold">
+                            <p:stCondLst>
+                              <p:cond delay="0"/>
+                            </p:stCondLst>
+                            <p:childTnLst>
+                              <p:par>
+                                <p:cTn fill="hold" nodeType="clickEffect" presetClass="entr" presetID="10" presetSubtype="0">
+                                  <p:stCondLst>
+                                    <p:cond delay="0"/>
+                                  </p:stCondLst>
+                                  <p:childTnLst>
+                                    <p:set>
+                                      <p:cBhvr>
+                                        <p:cTn dur="1" fill="hold">
+                                          <p:stCondLst>
+                                            <p:cond delay="0"/>
+                                          </p:stCondLst>
+                                        </p:cTn>
+                                        <p:tgtEl>
+                                          <p:spTgt spid="231"/>
+                                        </p:tgtEl>
+                                        <p:attrNameLst>
+                                          <p:attrName>style.visibility</p:attrName>
+                                        </p:attrNameLst>
+                                      </p:cBhvr>
+                                      <p:to>
+                                        <p:strVal val="visible"/>
+                                      </p:to>
+                                    </p:set>
+                                    <p:animEffect filter="fade" transition="in">
+                                      <p:cBhvr>
+                                        <p:cTn dur="1000"/>
+                                        <p:tgtEl>
+                                          <p:spTgt spid="231"/>
+                                        </p:tgtEl>
+                                      </p:cBhvr>
+                                    </p:animEffect>
+                                  </p:childTnLst>
+                                </p:cTn>
+                              </p:par>
+                            </p:childTnLst>
+                          </p:cTn>
+                        </p:par>
+                      </p:childTnLst>
+                    </p:cTn>
+                  </p:par>
+                  <p:par>
+                    <p:cTn fill="hold">
+                      <p:stCondLst>
+                        <p:cond delay="indefinite"/>
+                      </p:stCondLst>
+                      <p:childTnLst>
+                        <p:par>
+                          <p:cTn fill="hold">
+                            <p:stCondLst>
+                              <p:cond delay="0"/>
+                            </p:stCondLst>
+                            <p:childTnLst>
+                              <p:par>
+                                <p:cTn fill="hold" nodeType="clickEffect" presetClass="entr" presetID="10" presetSubtype="0">
+                                  <p:stCondLst>
+                                    <p:cond delay="0"/>
+                                  </p:stCondLst>
+                                  <p:childTnLst>
+                                    <p:set>
+                                      <p:cBhvr>
+                                        <p:cTn dur="1" fill="hold">
+                                          <p:stCondLst>
+                                            <p:cond delay="0"/>
+                                          </p:stCondLst>
+                                        </p:cTn>
+                                        <p:tgtEl>
+                                          <p:spTgt spid="229"/>
+                                        </p:tgtEl>
+                                        <p:attrNameLst>
+                                          <p:attrName>style.visibility</p:attrName>
+                                        </p:attrNameLst>
+                                      </p:cBhvr>
+                                      <p:to>
+                                        <p:strVal val="visible"/>
+                                      </p:to>
+                                    </p:set>
+                                    <p:animEffect filter="fade" transition="in">
+                                      <p:cBhvr>
+                                        <p:cTn dur="1000"/>
+                                        <p:tgtEl>
+                                          <p:spTgt spid="229"/>
+                                        </p:tgtEl>
+                                      </p:cBhvr>
+                                    </p:animEffect>
+                                  </p:childTnLst>
+                                </p:cTn>
+                              </p:par>
+                            </p:childTnLst>
+                          </p:cTn>
+                        </p:par>
+                      </p:childTnLst>
+                    </p:cTn>
+                  </p:par>
+                  <p:par>
+                    <p:cTn fill="hold">
+                      <p:stCondLst>
+                        <p:cond delay="indefinite"/>
+                      </p:stCondLst>
+                      <p:childTnLst>
+                        <p:par>
+                          <p:cTn fill="hold">
+                            <p:stCondLst>
+                              <p:cond delay="0"/>
+                            </p:stCondLst>
+                            <p:childTnLst>
+                              <p:par>
+                                <p:cTn fill="hold" nodeType="clickEffect" presetClass="entr" presetID="10" presetSubtype="0">
+                                  <p:stCondLst>
+                                    <p:cond delay="0"/>
+                                  </p:stCondLst>
+                                  <p:childTnLst>
+                                    <p:set>
+                                      <p:cBhvr>
+                                        <p:cTn dur="1" fill="hold">
+                                          <p:stCondLst>
+                                            <p:cond delay="0"/>
+                                          </p:stCondLst>
+                                        </p:cTn>
+                                        <p:tgtEl>
+                                          <p:spTgt spid="232"/>
+                                        </p:tgtEl>
+                                        <p:attrNameLst>
+                                          <p:attrName>style.visibility</p:attrName>
+                                        </p:attrNameLst>
+                                      </p:cBhvr>
+                                      <p:to>
+                                        <p:strVal val="visible"/>
+                                      </p:to>
+                                    </p:set>
+                                    <p:animEffect filter="fade" transition="in">
+                                      <p:cBhvr>
+                                        <p:cTn dur="1000"/>
+                                        <p:tgtEl>
+                                          <p:spTgt spid="232"/>
+                                        </p:tgtEl>
+                                      </p:cBhvr>
+                                    </p:animEffect>
+                                  </p:childTnLst>
+                                </p:cTn>
+                              </p:par>
+                            </p:childTnLst>
+                          </p:cTn>
+                        </p:par>
+                      </p:childTnLst>
+                    </p:cTn>
+                  </p:par>
+                </p:childTnLst>
+              </p:cTn>
+              <p:prevCondLst>
+                <p:cond evt="onPrev">
+                  <p:tgtEl>
+                    <p:sldTgt/>
+                  </p:tgtEl>
+                </p:cond>
+              </p:prevCondLst>
+              <p:nextCondLst>
+                <p:cond evt="onNext">
+                  <p:tgtEl>
+                    <p:sldTgt/>
+                  </p:tgtEl>
+                </p:cond>
+              </p:nextCondLst>
+            </p:seq>
+          </p:childTnLst>
+        </p:cTn>
+      </p:par>
+    </p:tnLst>
+  </p:timing>
+</p:sld>
+</file>
+
+<file path=ppt/slides/slide11.xml><?xml version="1.0" encoding="utf-8"?>
+<p:sld xmlns:a="http://schemas.openxmlformats.org/drawingml/2006/main" xmlns:r="http://schemas.openxmlformats.org/officeDocument/2006/relationships" xmlns:mc="http://schemas.openxmlformats.org/markup-compatibility/2006" xmlns:mv="urn:schemas-microsoft-com:mac:vml" xmlns:p="http://schemas.openxmlformats.org/presentationml/2006/main" xmlns:c="http://schemas.openxmlformats.org/drawingml/2006/chart" xmlns:dgm="http://schemas.openxmlformats.org/drawingml/2006/diagram" xmlns:o="urn:schemas-microsoft-com:office:office" xmlns:v="urn:schemas-microsoft-com:vml" xmlns:pvml="urn:schemas-microsoft-com:office:powerpoint" xmlns:com="http://schemas.openxmlformats.org/drawingml/2006/compatibility" xmlns:p14="http://schemas.microsoft.com/office/powerpoint/2010/main" xmlns:p15="http://schemas.microsoft.com/office/powerpoint/2012/main">
+  <p:cSld>
+    <p:spTree>
+      <p:nvGrpSpPr>
+        <p:cNvPr id="238" name="Shape 238"/>
+        <p:cNvGrpSpPr/>
+        <p:nvPr/>
+      </p:nvGrpSpPr>
+      <p:grpSpPr>
+        <a:xfrm>
+          <a:off x="0" y="0"/>
+          <a:ext cx="0" cy="0"/>
+          <a:chOff x="0" y="0"/>
+          <a:chExt cx="0" cy="0"/>
+        </a:xfrm>
+      </p:grpSpPr>
+      <p:sp>
+        <p:nvSpPr>
+          <p:cNvPr id="239" name="Shape 239"/>
           <p:cNvSpPr txBox="1"/>
           <p:nvPr>
             <p:ph type="title"/>
@@ -10045,7 +10812,7 @@
       </p:sp>
       <p:pic>
         <p:nvPicPr>
-          <p:cNvPr id="233" name="Shape 233" title="Points scored"/>
+          <p:cNvPr id="240" name="Shape 240" title="Points scored"/>
           <p:cNvPicPr preferRelativeResize="0"/>
           <p:nvPr/>
         </p:nvPicPr>
@@ -10072,7 +10839,7 @@
       </p:pic>
       <p:pic>
         <p:nvPicPr>
-          <p:cNvPr id="234" name="Shape 234" title="Points scored"/>
+          <p:cNvPr id="241" name="Shape 241" title="Points scored"/>
           <p:cNvPicPr preferRelativeResize="0"/>
           <p:nvPr/>
         </p:nvPicPr>
@@ -10100,7 +10867,7 @@
       </p:pic>
       <p:sp>
         <p:nvSpPr>
-          <p:cNvPr id="235" name="Shape 235"/>
+          <p:cNvPr id="242" name="Shape 242"/>
           <p:cNvSpPr txBox="1"/>
           <p:nvPr/>
         </p:nvSpPr>
@@ -10142,7 +10909,7 @@
       </p:sp>
       <p:sp>
         <p:nvSpPr>
-          <p:cNvPr id="236" name="Shape 236"/>
+          <p:cNvPr id="243" name="Shape 243"/>
           <p:cNvSpPr txBox="1"/>
           <p:nvPr/>
         </p:nvSpPr>
@@ -10187,15 +10954,221 @@
   <p:clrMapOvr>
     <a:masterClrMapping/>
   </p:clrMapOvr>
+  <p:timing>
+    <p:tnLst>
+      <p:par>
+        <p:cTn dur="indefinite" nodeType="tmRoot" restart="never">
+          <p:childTnLst>
+            <p:seq concurrent="1" nextAc="seek">
+              <p:cTn dur="indefinite" id="2" nodeType="mainSeq">
+                <p:childTnLst>
+                  <p:par>
+                    <p:cTn fill="hold">
+                      <p:stCondLst>
+                        <p:cond delay="indefinite"/>
+                      </p:stCondLst>
+                      <p:childTnLst>
+                        <p:par>
+                          <p:cTn fill="hold">
+                            <p:stCondLst>
+                              <p:cond delay="0"/>
+                            </p:stCondLst>
+                            <p:childTnLst>
+                              <p:par>
+                                <p:cTn fill="hold" nodeType="clickEffect" presetClass="entr" presetID="10" presetSubtype="0">
+                                  <p:stCondLst>
+                                    <p:cond delay="0"/>
+                                  </p:stCondLst>
+                                  <p:childTnLst>
+                                    <p:set>
+                                      <p:cBhvr>
+                                        <p:cTn dur="1" fill="hold">
+                                          <p:stCondLst>
+                                            <p:cond delay="0"/>
+                                          </p:stCondLst>
+                                        </p:cTn>
+                                        <p:tgtEl>
+                                          <p:spTgt spid="240"/>
+                                        </p:tgtEl>
+                                        <p:attrNameLst>
+                                          <p:attrName>style.visibility</p:attrName>
+                                        </p:attrNameLst>
+                                      </p:cBhvr>
+                                      <p:to>
+                                        <p:strVal val="visible"/>
+                                      </p:to>
+                                    </p:set>
+                                    <p:animEffect filter="fade" transition="in">
+                                      <p:cBhvr>
+                                        <p:cTn dur="1000"/>
+                                        <p:tgtEl>
+                                          <p:spTgt spid="240"/>
+                                        </p:tgtEl>
+                                      </p:cBhvr>
+                                    </p:animEffect>
+                                  </p:childTnLst>
+                                </p:cTn>
+                              </p:par>
+                              <p:par>
+                                <p:cTn fill="hold" nodeType="withEffect" presetClass="entr" presetID="10" presetSubtype="0">
+                                  <p:stCondLst>
+                                    <p:cond delay="0"/>
+                                  </p:stCondLst>
+                                  <p:childTnLst>
+                                    <p:set>
+                                      <p:cBhvr>
+                                        <p:cTn dur="1" fill="hold">
+                                          <p:stCondLst>
+                                            <p:cond delay="0"/>
+                                          </p:stCondLst>
+                                        </p:cTn>
+                                        <p:tgtEl>
+                                          <p:spTgt spid="243"/>
+                                        </p:tgtEl>
+                                        <p:attrNameLst>
+                                          <p:attrName>style.visibility</p:attrName>
+                                        </p:attrNameLst>
+                                      </p:cBhvr>
+                                      <p:to>
+                                        <p:strVal val="visible"/>
+                                      </p:to>
+                                    </p:set>
+                                    <p:animEffect filter="fade" transition="in">
+                                      <p:cBhvr>
+                                        <p:cTn dur="1000"/>
+                                        <p:tgtEl>
+                                          <p:spTgt spid="243"/>
+                                        </p:tgtEl>
+                                      </p:cBhvr>
+                                    </p:animEffect>
+                                  </p:childTnLst>
+                                </p:cTn>
+                              </p:par>
+                            </p:childTnLst>
+                          </p:cTn>
+                        </p:par>
+                      </p:childTnLst>
+                    </p:cTn>
+                  </p:par>
+                  <p:par>
+                    <p:cTn fill="hold">
+                      <p:stCondLst>
+                        <p:cond delay="indefinite"/>
+                      </p:stCondLst>
+                      <p:childTnLst>
+                        <p:par>
+                          <p:cTn fill="hold">
+                            <p:stCondLst>
+                              <p:cond delay="0"/>
+                            </p:stCondLst>
+                            <p:childTnLst>
+                              <p:par>
+                                <p:cTn fill="hold" nodeType="clickEffect" presetClass="entr" presetID="10" presetSubtype="0">
+                                  <p:stCondLst>
+                                    <p:cond delay="0"/>
+                                  </p:stCondLst>
+                                  <p:childTnLst>
+                                    <p:set>
+                                      <p:cBhvr>
+                                        <p:cTn dur="1" fill="hold">
+                                          <p:stCondLst>
+                                            <p:cond delay="0"/>
+                                          </p:stCondLst>
+                                        </p:cTn>
+                                        <p:tgtEl>
+                                          <p:spTgt spid="242"/>
+                                        </p:tgtEl>
+                                        <p:attrNameLst>
+                                          <p:attrName>style.visibility</p:attrName>
+                                        </p:attrNameLst>
+                                      </p:cBhvr>
+                                      <p:to>
+                                        <p:strVal val="visible"/>
+                                      </p:to>
+                                    </p:set>
+                                    <p:animEffect filter="fade" transition="in">
+                                      <p:cBhvr>
+                                        <p:cTn dur="1000"/>
+                                        <p:tgtEl>
+                                          <p:spTgt spid="242"/>
+                                        </p:tgtEl>
+                                      </p:cBhvr>
+                                    </p:animEffect>
+                                  </p:childTnLst>
+                                </p:cTn>
+                              </p:par>
+                              <p:par>
+                                <p:cTn fill="hold" nodeType="withEffect" presetClass="entr" presetID="10" presetSubtype="0">
+                                  <p:stCondLst>
+                                    <p:cond delay="0"/>
+                                  </p:stCondLst>
+                                  <p:childTnLst>
+                                    <p:set>
+                                      <p:cBhvr>
+                                        <p:cTn dur="1" fill="hold">
+                                          <p:stCondLst>
+                                            <p:cond delay="0"/>
+                                          </p:stCondLst>
+                                        </p:cTn>
+                                        <p:tgtEl>
+                                          <p:spTgt spid="241"/>
+                                        </p:tgtEl>
+                                        <p:attrNameLst>
+                                          <p:attrName>style.visibility</p:attrName>
+                                        </p:attrNameLst>
+                                      </p:cBhvr>
+                                      <p:to>
+                                        <p:strVal val="visible"/>
+                                      </p:to>
+                                    </p:set>
+                                    <p:animEffect filter="fade" transition="in">
+                                      <p:cBhvr>
+                                        <p:cTn dur="1000"/>
+                                        <p:tgtEl>
+                                          <p:spTgt spid="241"/>
+                                        </p:tgtEl>
+                                      </p:cBhvr>
+                                    </p:animEffect>
+                                  </p:childTnLst>
+                                </p:cTn>
+                              </p:par>
+                            </p:childTnLst>
+                          </p:cTn>
+                        </p:par>
+                      </p:childTnLst>
+                    </p:cTn>
+                  </p:par>
+                </p:childTnLst>
+              </p:cTn>
+              <p:prevCondLst>
+                <p:cond evt="onPrev">
+                  <p:tgtEl>
+                    <p:sldTgt/>
+                  </p:tgtEl>
+                </p:cond>
+              </p:prevCondLst>
+              <p:nextCondLst>
+                <p:cond evt="onNext">
+                  <p:tgtEl>
+                    <p:sldTgt/>
+                  </p:tgtEl>
+                </p:cond>
+              </p:nextCondLst>
+            </p:seq>
+          </p:childTnLst>
+        </p:cTn>
+      </p:par>
+    </p:tnLst>
+  </p:timing>
 </p:sld>
 </file>
 
-<file path=ppt/slides/slide11.xml><?xml version="1.0" encoding="utf-8"?>
+<file path=ppt/slides/slide12.xml><?xml version="1.0" encoding="utf-8"?>
 <p:sld xmlns:a="http://schemas.openxmlformats.org/drawingml/2006/main" xmlns:r="http://schemas.openxmlformats.org/officeDocument/2006/relationships" xmlns:mc="http://schemas.openxmlformats.org/markup-compatibility/2006" xmlns:mv="urn:schemas-microsoft-com:mac:vml" xmlns:p="http://schemas.openxmlformats.org/presentationml/2006/main" xmlns:c="http://schemas.openxmlformats.org/drawingml/2006/chart" xmlns:dgm="http://schemas.openxmlformats.org/drawingml/2006/diagram" xmlns:o="urn:schemas-microsoft-com:office:office" xmlns:v="urn:schemas-microsoft-com:vml" xmlns:pvml="urn:schemas-microsoft-com:office:powerpoint" xmlns:com="http://schemas.openxmlformats.org/drawingml/2006/compatibility" xmlns:p14="http://schemas.microsoft.com/office/powerpoint/2010/main" xmlns:p15="http://schemas.microsoft.com/office/powerpoint/2012/main">
   <p:cSld>
     <p:spTree>
       <p:nvGrpSpPr>
-        <p:cNvPr id="240" name="Shape 240"/>
+        <p:cNvPr id="247" name="Shape 247"/>
         <p:cNvGrpSpPr/>
         <p:nvPr/>
       </p:nvGrpSpPr>
@@ -10209,7 +11182,7 @@
       </p:grpSpPr>
       <p:sp>
         <p:nvSpPr>
-          <p:cNvPr id="241" name="Shape 241"/>
+          <p:cNvPr id="248" name="Shape 248"/>
           <p:cNvSpPr txBox="1"/>
           <p:nvPr>
             <p:ph type="title"/>
@@ -10249,7 +11222,7 @@
       </p:sp>
       <p:sp>
         <p:nvSpPr>
-          <p:cNvPr id="242" name="Shape 242"/>
+          <p:cNvPr id="249" name="Shape 249"/>
           <p:cNvSpPr txBox="1"/>
           <p:nvPr>
             <p:ph idx="1" type="body"/>
@@ -10339,39 +11312,338 @@
           </a:p>
         </p:txBody>
       </p:sp>
-      <p:pic>
-        <p:nvPicPr>
-          <p:cNvPr id="243" name="Shape 243"/>
-          <p:cNvPicPr preferRelativeResize="0"/>
-          <p:nvPr/>
-        </p:nvPicPr>
-        <p:blipFill>
-          <a:blip r:embed="rId3">
-            <a:alphaModFix/>
-          </a:blip>
-          <a:stretch>
-            <a:fillRect/>
-          </a:stretch>
-        </p:blipFill>
-        <p:spPr>
-          <a:xfrm>
-            <a:off x="4546750" y="2731525"/>
-            <a:ext cx="4387526" cy="2191475"/>
-          </a:xfrm>
-          <a:prstGeom prst="rect">
-            <a:avLst/>
-          </a:prstGeom>
-          <a:noFill/>
-          <a:ln>
-            <a:noFill/>
-          </a:ln>
-        </p:spPr>
-      </p:pic>
     </p:spTree>
   </p:cSld>
   <p:clrMapOvr>
     <a:masterClrMapping/>
   </p:clrMapOvr>
+  <p:timing>
+    <p:tnLst>
+      <p:par>
+        <p:cTn dur="indefinite" nodeType="tmRoot" restart="never">
+          <p:childTnLst>
+            <p:seq concurrent="1" nextAc="seek">
+              <p:cTn dur="indefinite" id="2" nodeType="mainSeq">
+                <p:childTnLst>
+                  <p:par>
+                    <p:cTn fill="hold">
+                      <p:stCondLst>
+                        <p:cond delay="indefinite"/>
+                      </p:stCondLst>
+                      <p:childTnLst>
+                        <p:par>
+                          <p:cTn fill="hold">
+                            <p:stCondLst>
+                              <p:cond delay="0"/>
+                            </p:stCondLst>
+                            <p:childTnLst>
+                              <p:par>
+                                <p:cTn fill="hold" nodeType="clickEffect" presetClass="entr" presetID="10" presetSubtype="0">
+                                  <p:stCondLst>
+                                    <p:cond delay="0"/>
+                                  </p:stCondLst>
+                                  <p:childTnLst>
+                                    <p:set>
+                                      <p:cBhvr>
+                                        <p:cTn dur="1" fill="hold">
+                                          <p:stCondLst>
+                                            <p:cond delay="0"/>
+                                          </p:stCondLst>
+                                        </p:cTn>
+                                        <p:tgtEl>
+                                          <p:spTgt spid="249">
+                                            <p:txEl>
+                                              <p:pRg end="0" st="0"/>
+                                            </p:txEl>
+                                          </p:spTgt>
+                                        </p:tgtEl>
+                                        <p:attrNameLst>
+                                          <p:attrName>style.visibility</p:attrName>
+                                        </p:attrNameLst>
+                                      </p:cBhvr>
+                                      <p:to>
+                                        <p:strVal val="visible"/>
+                                      </p:to>
+                                    </p:set>
+                                    <p:animEffect filter="fade" transition="in">
+                                      <p:cBhvr>
+                                        <p:cTn dur="1000"/>
+                                        <p:tgtEl>
+                                          <p:spTgt spid="249">
+                                            <p:txEl>
+                                              <p:pRg end="0" st="0"/>
+                                            </p:txEl>
+                                          </p:spTgt>
+                                        </p:tgtEl>
+                                      </p:cBhvr>
+                                    </p:animEffect>
+                                  </p:childTnLst>
+                                </p:cTn>
+                              </p:par>
+                            </p:childTnLst>
+                          </p:cTn>
+                        </p:par>
+                      </p:childTnLst>
+                    </p:cTn>
+                  </p:par>
+                  <p:par>
+                    <p:cTn fill="hold">
+                      <p:stCondLst>
+                        <p:cond delay="indefinite"/>
+                      </p:stCondLst>
+                      <p:childTnLst>
+                        <p:par>
+                          <p:cTn fill="hold">
+                            <p:stCondLst>
+                              <p:cond delay="0"/>
+                            </p:stCondLst>
+                            <p:childTnLst>
+                              <p:par>
+                                <p:cTn fill="hold" nodeType="clickEffect" presetClass="entr" presetID="10" presetSubtype="0">
+                                  <p:stCondLst>
+                                    <p:cond delay="0"/>
+                                  </p:stCondLst>
+                                  <p:childTnLst>
+                                    <p:set>
+                                      <p:cBhvr>
+                                        <p:cTn dur="1" fill="hold">
+                                          <p:stCondLst>
+                                            <p:cond delay="0"/>
+                                          </p:stCondLst>
+                                        </p:cTn>
+                                        <p:tgtEl>
+                                          <p:spTgt spid="249">
+                                            <p:txEl>
+                                              <p:pRg end="1" st="1"/>
+                                            </p:txEl>
+                                          </p:spTgt>
+                                        </p:tgtEl>
+                                        <p:attrNameLst>
+                                          <p:attrName>style.visibility</p:attrName>
+                                        </p:attrNameLst>
+                                      </p:cBhvr>
+                                      <p:to>
+                                        <p:strVal val="visible"/>
+                                      </p:to>
+                                    </p:set>
+                                    <p:animEffect filter="fade" transition="in">
+                                      <p:cBhvr>
+                                        <p:cTn dur="1000"/>
+                                        <p:tgtEl>
+                                          <p:spTgt spid="249">
+                                            <p:txEl>
+                                              <p:pRg end="1" st="1"/>
+                                            </p:txEl>
+                                          </p:spTgt>
+                                        </p:tgtEl>
+                                      </p:cBhvr>
+                                    </p:animEffect>
+                                  </p:childTnLst>
+                                </p:cTn>
+                              </p:par>
+                            </p:childTnLst>
+                          </p:cTn>
+                        </p:par>
+                      </p:childTnLst>
+                    </p:cTn>
+                  </p:par>
+                  <p:par>
+                    <p:cTn fill="hold">
+                      <p:stCondLst>
+                        <p:cond delay="indefinite"/>
+                      </p:stCondLst>
+                      <p:childTnLst>
+                        <p:par>
+                          <p:cTn fill="hold">
+                            <p:stCondLst>
+                              <p:cond delay="0"/>
+                            </p:stCondLst>
+                            <p:childTnLst>
+                              <p:par>
+                                <p:cTn fill="hold" nodeType="clickEffect" presetClass="entr" presetID="10" presetSubtype="0">
+                                  <p:stCondLst>
+                                    <p:cond delay="0"/>
+                                  </p:stCondLst>
+                                  <p:childTnLst>
+                                    <p:set>
+                                      <p:cBhvr>
+                                        <p:cTn dur="1" fill="hold">
+                                          <p:stCondLst>
+                                            <p:cond delay="0"/>
+                                          </p:stCondLst>
+                                        </p:cTn>
+                                        <p:tgtEl>
+                                          <p:spTgt spid="249">
+                                            <p:txEl>
+                                              <p:pRg end="2" st="2"/>
+                                            </p:txEl>
+                                          </p:spTgt>
+                                        </p:tgtEl>
+                                        <p:attrNameLst>
+                                          <p:attrName>style.visibility</p:attrName>
+                                        </p:attrNameLst>
+                                      </p:cBhvr>
+                                      <p:to>
+                                        <p:strVal val="visible"/>
+                                      </p:to>
+                                    </p:set>
+                                    <p:animEffect filter="fade" transition="in">
+                                      <p:cBhvr>
+                                        <p:cTn dur="1000"/>
+                                        <p:tgtEl>
+                                          <p:spTgt spid="249">
+                                            <p:txEl>
+                                              <p:pRg end="2" st="2"/>
+                                            </p:txEl>
+                                          </p:spTgt>
+                                        </p:tgtEl>
+                                      </p:cBhvr>
+                                    </p:animEffect>
+                                  </p:childTnLst>
+                                </p:cTn>
+                              </p:par>
+                            </p:childTnLst>
+                          </p:cTn>
+                        </p:par>
+                      </p:childTnLst>
+                    </p:cTn>
+                  </p:par>
+                  <p:par>
+                    <p:cTn fill="hold">
+                      <p:stCondLst>
+                        <p:cond delay="indefinite"/>
+                      </p:stCondLst>
+                      <p:childTnLst>
+                        <p:par>
+                          <p:cTn fill="hold">
+                            <p:stCondLst>
+                              <p:cond delay="0"/>
+                            </p:stCondLst>
+                            <p:childTnLst>
+                              <p:par>
+                                <p:cTn fill="hold" nodeType="clickEffect" presetClass="entr" presetID="10" presetSubtype="0">
+                                  <p:stCondLst>
+                                    <p:cond delay="0"/>
+                                  </p:stCondLst>
+                                  <p:childTnLst>
+                                    <p:set>
+                                      <p:cBhvr>
+                                        <p:cTn dur="1" fill="hold">
+                                          <p:stCondLst>
+                                            <p:cond delay="0"/>
+                                          </p:stCondLst>
+                                        </p:cTn>
+                                        <p:tgtEl>
+                                          <p:spTgt spid="249">
+                                            <p:txEl>
+                                              <p:pRg end="3" st="3"/>
+                                            </p:txEl>
+                                          </p:spTgt>
+                                        </p:tgtEl>
+                                        <p:attrNameLst>
+                                          <p:attrName>style.visibility</p:attrName>
+                                        </p:attrNameLst>
+                                      </p:cBhvr>
+                                      <p:to>
+                                        <p:strVal val="visible"/>
+                                      </p:to>
+                                    </p:set>
+                                    <p:animEffect filter="fade" transition="in">
+                                      <p:cBhvr>
+                                        <p:cTn dur="1000"/>
+                                        <p:tgtEl>
+                                          <p:spTgt spid="249">
+                                            <p:txEl>
+                                              <p:pRg end="3" st="3"/>
+                                            </p:txEl>
+                                          </p:spTgt>
+                                        </p:tgtEl>
+                                      </p:cBhvr>
+                                    </p:animEffect>
+                                  </p:childTnLst>
+                                </p:cTn>
+                              </p:par>
+                            </p:childTnLst>
+                          </p:cTn>
+                        </p:par>
+                      </p:childTnLst>
+                    </p:cTn>
+                  </p:par>
+                  <p:par>
+                    <p:cTn fill="hold">
+                      <p:stCondLst>
+                        <p:cond delay="indefinite"/>
+                      </p:stCondLst>
+                      <p:childTnLst>
+                        <p:par>
+                          <p:cTn fill="hold">
+                            <p:stCondLst>
+                              <p:cond delay="0"/>
+                            </p:stCondLst>
+                            <p:childTnLst>
+                              <p:par>
+                                <p:cTn fill="hold" nodeType="clickEffect" presetClass="entr" presetID="10" presetSubtype="0">
+                                  <p:stCondLst>
+                                    <p:cond delay="0"/>
+                                  </p:stCondLst>
+                                  <p:childTnLst>
+                                    <p:set>
+                                      <p:cBhvr>
+                                        <p:cTn dur="1" fill="hold">
+                                          <p:stCondLst>
+                                            <p:cond delay="0"/>
+                                          </p:stCondLst>
+                                        </p:cTn>
+                                        <p:tgtEl>
+                                          <p:spTgt spid="249"/>
+                                        </p:tgtEl>
+                                        <p:attrNameLst>
+                                          <p:attrName>style.visibility</p:attrName>
+                                        </p:attrNameLst>
+                                      </p:cBhvr>
+                                      <p:to>
+                                        <p:strVal val="visible"/>
+                                      </p:to>
+                                    </p:set>
+                                    <p:animEffect filter="fade" transition="in">
+                                      <p:cBhvr>
+                                        <p:cTn dur="1"/>
+                                        <p:tgtEl>
+                                          <p:spTgt spid="249"/>
+                                        </p:tgtEl>
+                                      </p:cBhvr>
+                                    </p:animEffect>
+                                  </p:childTnLst>
+                                </p:cTn>
+                              </p:par>
+                            </p:childTnLst>
+                          </p:cTn>
+                        </p:par>
+                      </p:childTnLst>
+                    </p:cTn>
+                  </p:par>
+                </p:childTnLst>
+              </p:cTn>
+              <p:prevCondLst>
+                <p:cond evt="onPrev">
+                  <p:tgtEl>
+                    <p:sldTgt/>
+                  </p:tgtEl>
+                </p:cond>
+              </p:prevCondLst>
+              <p:nextCondLst>
+                <p:cond evt="onNext">
+                  <p:tgtEl>
+                    <p:sldTgt/>
+                  </p:tgtEl>
+                </p:cond>
+              </p:nextCondLst>
+            </p:seq>
+          </p:childTnLst>
+        </p:cTn>
+      </p:par>
+    </p:tnLst>
+  </p:timing>
 </p:sld>
 </file>
 
@@ -10563,6 +11835,402 @@
   <p:clrMapOvr>
     <a:masterClrMapping/>
   </p:clrMapOvr>
+  <p:timing>
+    <p:tnLst>
+      <p:par>
+        <p:cTn dur="indefinite" nodeType="tmRoot" restart="never">
+          <p:childTnLst>
+            <p:seq concurrent="1" nextAc="seek">
+              <p:cTn dur="indefinite" id="2" nodeType="mainSeq">
+                <p:childTnLst>
+                  <p:par>
+                    <p:cTn fill="hold">
+                      <p:stCondLst>
+                        <p:cond delay="indefinite"/>
+                      </p:stCondLst>
+                      <p:childTnLst>
+                        <p:par>
+                          <p:cTn fill="hold">
+                            <p:stCondLst>
+                              <p:cond delay="0"/>
+                            </p:stCondLst>
+                            <p:childTnLst>
+                              <p:par>
+                                <p:cTn fill="hold" nodeType="clickEffect" presetClass="entr" presetID="10" presetSubtype="0">
+                                  <p:stCondLst>
+                                    <p:cond delay="0"/>
+                                  </p:stCondLst>
+                                  <p:childTnLst>
+                                    <p:set>
+                                      <p:cBhvr>
+                                        <p:cTn dur="1" fill="hold">
+                                          <p:stCondLst>
+                                            <p:cond delay="0"/>
+                                          </p:stCondLst>
+                                        </p:cTn>
+                                        <p:tgtEl>
+                                          <p:spTgt spid="135">
+                                            <p:txEl>
+                                              <p:pRg end="0" st="0"/>
+                                            </p:txEl>
+                                          </p:spTgt>
+                                        </p:tgtEl>
+                                        <p:attrNameLst>
+                                          <p:attrName>style.visibility</p:attrName>
+                                        </p:attrNameLst>
+                                      </p:cBhvr>
+                                      <p:to>
+                                        <p:strVal val="visible"/>
+                                      </p:to>
+                                    </p:set>
+                                    <p:animEffect filter="fade" transition="in">
+                                      <p:cBhvr>
+                                        <p:cTn dur="1"/>
+                                        <p:tgtEl>
+                                          <p:spTgt spid="135">
+                                            <p:txEl>
+                                              <p:pRg end="0" st="0"/>
+                                            </p:txEl>
+                                          </p:spTgt>
+                                        </p:tgtEl>
+                                      </p:cBhvr>
+                                    </p:animEffect>
+                                  </p:childTnLst>
+                                </p:cTn>
+                              </p:par>
+                            </p:childTnLst>
+                          </p:cTn>
+                        </p:par>
+                      </p:childTnLst>
+                    </p:cTn>
+                  </p:par>
+                  <p:par>
+                    <p:cTn fill="hold">
+                      <p:stCondLst>
+                        <p:cond delay="indefinite"/>
+                      </p:stCondLst>
+                      <p:childTnLst>
+                        <p:par>
+                          <p:cTn fill="hold">
+                            <p:stCondLst>
+                              <p:cond delay="0"/>
+                            </p:stCondLst>
+                            <p:childTnLst>
+                              <p:par>
+                                <p:cTn fill="hold" nodeType="clickEffect" presetClass="entr" presetID="10" presetSubtype="0">
+                                  <p:stCondLst>
+                                    <p:cond delay="0"/>
+                                  </p:stCondLst>
+                                  <p:childTnLst>
+                                    <p:set>
+                                      <p:cBhvr>
+                                        <p:cTn dur="1" fill="hold">
+                                          <p:stCondLst>
+                                            <p:cond delay="0"/>
+                                          </p:stCondLst>
+                                        </p:cTn>
+                                        <p:tgtEl>
+                                          <p:spTgt spid="135">
+                                            <p:txEl>
+                                              <p:pRg end="1" st="1"/>
+                                            </p:txEl>
+                                          </p:spTgt>
+                                        </p:tgtEl>
+                                        <p:attrNameLst>
+                                          <p:attrName>style.visibility</p:attrName>
+                                        </p:attrNameLst>
+                                      </p:cBhvr>
+                                      <p:to>
+                                        <p:strVal val="visible"/>
+                                      </p:to>
+                                    </p:set>
+                                    <p:animEffect filter="fade" transition="in">
+                                      <p:cBhvr>
+                                        <p:cTn dur="1"/>
+                                        <p:tgtEl>
+                                          <p:spTgt spid="135">
+                                            <p:txEl>
+                                              <p:pRg end="1" st="1"/>
+                                            </p:txEl>
+                                          </p:spTgt>
+                                        </p:tgtEl>
+                                      </p:cBhvr>
+                                    </p:animEffect>
+                                  </p:childTnLst>
+                                </p:cTn>
+                              </p:par>
+                            </p:childTnLst>
+                          </p:cTn>
+                        </p:par>
+                      </p:childTnLst>
+                    </p:cTn>
+                  </p:par>
+                  <p:par>
+                    <p:cTn fill="hold">
+                      <p:stCondLst>
+                        <p:cond delay="indefinite"/>
+                      </p:stCondLst>
+                      <p:childTnLst>
+                        <p:par>
+                          <p:cTn fill="hold">
+                            <p:stCondLst>
+                              <p:cond delay="0"/>
+                            </p:stCondLst>
+                            <p:childTnLst>
+                              <p:par>
+                                <p:cTn fill="hold" nodeType="clickEffect" presetClass="entr" presetID="10" presetSubtype="0">
+                                  <p:stCondLst>
+                                    <p:cond delay="0"/>
+                                  </p:stCondLst>
+                                  <p:childTnLst>
+                                    <p:set>
+                                      <p:cBhvr>
+                                        <p:cTn dur="1" fill="hold">
+                                          <p:stCondLst>
+                                            <p:cond delay="0"/>
+                                          </p:stCondLst>
+                                        </p:cTn>
+                                        <p:tgtEl>
+                                          <p:spTgt spid="135">
+                                            <p:txEl>
+                                              <p:pRg end="2" st="2"/>
+                                            </p:txEl>
+                                          </p:spTgt>
+                                        </p:tgtEl>
+                                        <p:attrNameLst>
+                                          <p:attrName>style.visibility</p:attrName>
+                                        </p:attrNameLst>
+                                      </p:cBhvr>
+                                      <p:to>
+                                        <p:strVal val="visible"/>
+                                      </p:to>
+                                    </p:set>
+                                    <p:animEffect filter="fade" transition="in">
+                                      <p:cBhvr>
+                                        <p:cTn dur="1"/>
+                                        <p:tgtEl>
+                                          <p:spTgt spid="135">
+                                            <p:txEl>
+                                              <p:pRg end="2" st="2"/>
+                                            </p:txEl>
+                                          </p:spTgt>
+                                        </p:tgtEl>
+                                      </p:cBhvr>
+                                    </p:animEffect>
+                                  </p:childTnLst>
+                                </p:cTn>
+                              </p:par>
+                            </p:childTnLst>
+                          </p:cTn>
+                        </p:par>
+                      </p:childTnLst>
+                    </p:cTn>
+                  </p:par>
+                  <p:par>
+                    <p:cTn fill="hold">
+                      <p:stCondLst>
+                        <p:cond delay="indefinite"/>
+                      </p:stCondLst>
+                      <p:childTnLst>
+                        <p:par>
+                          <p:cTn fill="hold">
+                            <p:stCondLst>
+                              <p:cond delay="0"/>
+                            </p:stCondLst>
+                            <p:childTnLst>
+                              <p:par>
+                                <p:cTn fill="hold" nodeType="clickEffect" presetClass="entr" presetID="10" presetSubtype="0">
+                                  <p:stCondLst>
+                                    <p:cond delay="0"/>
+                                  </p:stCondLst>
+                                  <p:childTnLst>
+                                    <p:set>
+                                      <p:cBhvr>
+                                        <p:cTn dur="1" fill="hold">
+                                          <p:stCondLst>
+                                            <p:cond delay="0"/>
+                                          </p:stCondLst>
+                                        </p:cTn>
+                                        <p:tgtEl>
+                                          <p:spTgt spid="135">
+                                            <p:txEl>
+                                              <p:pRg end="3" st="3"/>
+                                            </p:txEl>
+                                          </p:spTgt>
+                                        </p:tgtEl>
+                                        <p:attrNameLst>
+                                          <p:attrName>style.visibility</p:attrName>
+                                        </p:attrNameLst>
+                                      </p:cBhvr>
+                                      <p:to>
+                                        <p:strVal val="visible"/>
+                                      </p:to>
+                                    </p:set>
+                                    <p:animEffect filter="fade" transition="in">
+                                      <p:cBhvr>
+                                        <p:cTn dur="1"/>
+                                        <p:tgtEl>
+                                          <p:spTgt spid="135">
+                                            <p:txEl>
+                                              <p:pRg end="3" st="3"/>
+                                            </p:txEl>
+                                          </p:spTgt>
+                                        </p:tgtEl>
+                                      </p:cBhvr>
+                                    </p:animEffect>
+                                  </p:childTnLst>
+                                </p:cTn>
+                              </p:par>
+                            </p:childTnLst>
+                          </p:cTn>
+                        </p:par>
+                      </p:childTnLst>
+                    </p:cTn>
+                  </p:par>
+                  <p:par>
+                    <p:cTn fill="hold">
+                      <p:stCondLst>
+                        <p:cond delay="indefinite"/>
+                      </p:stCondLst>
+                      <p:childTnLst>
+                        <p:par>
+                          <p:cTn fill="hold">
+                            <p:stCondLst>
+                              <p:cond delay="0"/>
+                            </p:stCondLst>
+                            <p:childTnLst>
+                              <p:par>
+                                <p:cTn fill="hold" nodeType="clickEffect" presetClass="entr" presetID="10" presetSubtype="0">
+                                  <p:stCondLst>
+                                    <p:cond delay="0"/>
+                                  </p:stCondLst>
+                                  <p:childTnLst>
+                                    <p:set>
+                                      <p:cBhvr>
+                                        <p:cTn dur="1" fill="hold">
+                                          <p:stCondLst>
+                                            <p:cond delay="0"/>
+                                          </p:stCondLst>
+                                        </p:cTn>
+                                        <p:tgtEl>
+                                          <p:spTgt spid="135">
+                                            <p:txEl>
+                                              <p:pRg end="4" st="4"/>
+                                            </p:txEl>
+                                          </p:spTgt>
+                                        </p:tgtEl>
+                                        <p:attrNameLst>
+                                          <p:attrName>style.visibility</p:attrName>
+                                        </p:attrNameLst>
+                                      </p:cBhvr>
+                                      <p:to>
+                                        <p:strVal val="visible"/>
+                                      </p:to>
+                                    </p:set>
+                                    <p:animEffect filter="fade" transition="in">
+                                      <p:cBhvr>
+                                        <p:cTn dur="1"/>
+                                        <p:tgtEl>
+                                          <p:spTgt spid="135">
+                                            <p:txEl>
+                                              <p:pRg end="4" st="4"/>
+                                            </p:txEl>
+                                          </p:spTgt>
+                                        </p:tgtEl>
+                                      </p:cBhvr>
+                                    </p:animEffect>
+                                  </p:childTnLst>
+                                </p:cTn>
+                              </p:par>
+                            </p:childTnLst>
+                          </p:cTn>
+                        </p:par>
+                      </p:childTnLst>
+                    </p:cTn>
+                  </p:par>
+                  <p:par>
+                    <p:cTn fill="hold">
+                      <p:stCondLst>
+                        <p:cond delay="indefinite"/>
+                      </p:stCondLst>
+                      <p:childTnLst>
+                        <p:par>
+                          <p:cTn fill="hold">
+                            <p:stCondLst>
+                              <p:cond delay="0"/>
+                            </p:stCondLst>
+                            <p:childTnLst>
+                              <p:par>
+                                <p:cTn fill="hold" nodeType="clickEffect" presetClass="entr" presetID="10" presetSubtype="0">
+                                  <p:stCondLst>
+                                    <p:cond delay="0"/>
+                                  </p:stCondLst>
+                                  <p:childTnLst>
+                                    <p:set>
+                                      <p:cBhvr>
+                                        <p:cTn dur="1" fill="hold">
+                                          <p:stCondLst>
+                                            <p:cond delay="0"/>
+                                          </p:stCondLst>
+                                        </p:cTn>
+                                        <p:tgtEl>
+                                          <p:spTgt spid="135">
+                                            <p:txEl>
+                                              <p:pRg end="5" st="5"/>
+                                            </p:txEl>
+                                          </p:spTgt>
+                                        </p:tgtEl>
+                                        <p:attrNameLst>
+                                          <p:attrName>style.visibility</p:attrName>
+                                        </p:attrNameLst>
+                                      </p:cBhvr>
+                                      <p:to>
+                                        <p:strVal val="visible"/>
+                                      </p:to>
+                                    </p:set>
+                                    <p:animEffect filter="fade" transition="in">
+                                      <p:cBhvr>
+                                        <p:cTn dur="1"/>
+                                        <p:tgtEl>
+                                          <p:spTgt spid="135">
+                                            <p:txEl>
+                                              <p:pRg end="5" st="5"/>
+                                            </p:txEl>
+                                          </p:spTgt>
+                                        </p:tgtEl>
+                                      </p:cBhvr>
+                                    </p:animEffect>
+                                  </p:childTnLst>
+                                </p:cTn>
+                              </p:par>
+                            </p:childTnLst>
+                          </p:cTn>
+                        </p:par>
+                      </p:childTnLst>
+                    </p:cTn>
+                  </p:par>
+                </p:childTnLst>
+              </p:cTn>
+              <p:prevCondLst>
+                <p:cond evt="onPrev">
+                  <p:tgtEl>
+                    <p:sldTgt/>
+                  </p:tgtEl>
+                </p:cond>
+              </p:prevCondLst>
+              <p:nextCondLst>
+                <p:cond evt="onNext">
+                  <p:tgtEl>
+                    <p:sldTgt/>
+                  </p:tgtEl>
+                </p:cond>
+              </p:nextCondLst>
+            </p:seq>
+          </p:childTnLst>
+        </p:cTn>
+      </p:par>
+    </p:tnLst>
+  </p:timing>
 </p:sld>
 </file>
 
@@ -11926,6 +13594,32 @@
             </a:r>
             <a:endParaRPr sz="1800"/>
           </a:p>
+          <a:p>
+            <a:pPr indent="0" lvl="0" marL="0" rtl="0">
+              <a:lnSpc>
+                <a:spcPct val="150000"/>
+              </a:lnSpc>
+              <a:spcBef>
+                <a:spcPts val="1600"/>
+              </a:spcBef>
+              <a:spcAft>
+                <a:spcPts val="1600"/>
+              </a:spcAft>
+              <a:buNone/>
+            </a:pPr>
+            <a:r>
+              <a:rPr lang="it" sz="1800">
+                <a:solidFill>
+                  <a:srgbClr val="000000"/>
+                </a:solidFill>
+                <a:highlight>
+                  <a:srgbClr val="FFFFFF"/>
+                </a:highlight>
+              </a:rPr>
+              <a:t>L’obiettivo principale in cui la tua tesi si inserisce è quello di realizzare un dispositivo indossabile per evitare FOG</a:t>
+            </a:r>
+            <a:endParaRPr sz="1800"/>
+          </a:p>
         </p:txBody>
       </p:sp>
     </p:spTree>
@@ -11987,6 +13681,99 @@
             </a:pPr>
             <a:r>
               <a:rPr lang="it"/>
+              <a:t>Obiettivi della tesi</a:t>
+            </a:r>
+            <a:endParaRPr/>
+          </a:p>
+        </p:txBody>
+      </p:sp>
+      <p:pic>
+        <p:nvPicPr>
+          <p:cNvPr id="172" name="Shape 172"/>
+          <p:cNvPicPr preferRelativeResize="0"/>
+          <p:nvPr/>
+        </p:nvPicPr>
+        <p:blipFill>
+          <a:blip r:embed="rId3">
+            <a:alphaModFix/>
+          </a:blip>
+          <a:stretch>
+            <a:fillRect/>
+          </a:stretch>
+        </p:blipFill>
+        <p:spPr>
+          <a:xfrm>
+            <a:off x="1801338" y="1950050"/>
+            <a:ext cx="5541325" cy="2767775"/>
+          </a:xfrm>
+          <a:prstGeom prst="rect">
+            <a:avLst/>
+          </a:prstGeom>
+          <a:noFill/>
+          <a:ln>
+            <a:noFill/>
+          </a:ln>
+        </p:spPr>
+      </p:pic>
+    </p:spTree>
+  </p:cSld>
+  <p:clrMapOvr>
+    <a:masterClrMapping/>
+  </p:clrMapOvr>
+</p:sld>
+</file>
+
+<file path=ppt/slides/slide7.xml><?xml version="1.0" encoding="utf-8"?>
+<p:sld xmlns:a="http://schemas.openxmlformats.org/drawingml/2006/main" xmlns:r="http://schemas.openxmlformats.org/officeDocument/2006/relationships" xmlns:mc="http://schemas.openxmlformats.org/markup-compatibility/2006" xmlns:mv="urn:schemas-microsoft-com:mac:vml" xmlns:p="http://schemas.openxmlformats.org/presentationml/2006/main" xmlns:c="http://schemas.openxmlformats.org/drawingml/2006/chart" xmlns:dgm="http://schemas.openxmlformats.org/drawingml/2006/diagram" xmlns:o="urn:schemas-microsoft-com:office:office" xmlns:v="urn:schemas-microsoft-com:vml" xmlns:pvml="urn:schemas-microsoft-com:office:powerpoint" xmlns:com="http://schemas.openxmlformats.org/drawingml/2006/compatibility" xmlns:p14="http://schemas.microsoft.com/office/powerpoint/2010/main" xmlns:p15="http://schemas.microsoft.com/office/powerpoint/2012/main">
+  <p:cSld>
+    <p:spTree>
+      <p:nvGrpSpPr>
+        <p:cNvPr id="176" name="Shape 176"/>
+        <p:cNvGrpSpPr/>
+        <p:nvPr/>
+      </p:nvGrpSpPr>
+      <p:grpSpPr>
+        <a:xfrm>
+          <a:off x="0" y="0"/>
+          <a:ext cx="0" cy="0"/>
+          <a:chOff x="0" y="0"/>
+          <a:chExt cx="0" cy="0"/>
+        </a:xfrm>
+      </p:grpSpPr>
+      <p:sp>
+        <p:nvSpPr>
+          <p:cNvPr id="177" name="Shape 177"/>
+          <p:cNvSpPr txBox="1"/>
+          <p:nvPr>
+            <p:ph type="title"/>
+          </p:nvPr>
+        </p:nvSpPr>
+        <p:spPr>
+          <a:xfrm>
+            <a:off x="819150" y="845600"/>
+            <a:ext cx="7505700" cy="954600"/>
+          </a:xfrm>
+          <a:prstGeom prst="rect">
+            <a:avLst/>
+          </a:prstGeom>
+        </p:spPr>
+        <p:txBody>
+          <a:bodyPr anchorCtr="0" anchor="t" bIns="91425" lIns="91425" spcFirstLastPara="1" rIns="91425" wrap="square" tIns="91425">
+            <a:noAutofit/>
+          </a:bodyPr>
+          <a:lstStyle/>
+          <a:p>
+            <a:pPr indent="0" lvl="0" marL="0" algn="ctr">
+              <a:spcBef>
+                <a:spcPts val="0"/>
+              </a:spcBef>
+              <a:spcAft>
+                <a:spcPts val="0"/>
+              </a:spcAft>
+              <a:buNone/>
+            </a:pPr>
+            <a:r>
+              <a:rPr lang="it"/>
               <a:t>Metodologia - Fase 1</a:t>
             </a:r>
             <a:endParaRPr/>
@@ -11995,13 +13782,13 @@
       </p:sp>
       <p:sp>
         <p:nvSpPr>
-          <p:cNvPr id="172" name="Shape 172"/>
+          <p:cNvPr id="178" name="Shape 178"/>
           <p:cNvSpPr/>
           <p:nvPr/>
         </p:nvSpPr>
         <p:spPr>
           <a:xfrm>
-            <a:off x="1062200" y="2652725"/>
+            <a:off x="1062200" y="2517750"/>
             <a:ext cx="798150" cy="620775"/>
           </a:xfrm>
           <a:prstGeom prst="flowChartMagneticDisk">
@@ -12045,13 +13832,13 @@
       </p:sp>
       <p:sp>
         <p:nvSpPr>
-          <p:cNvPr id="173" name="Shape 173"/>
+          <p:cNvPr id="179" name="Shape 179"/>
           <p:cNvSpPr/>
           <p:nvPr/>
         </p:nvSpPr>
         <p:spPr>
           <a:xfrm>
-            <a:off x="1062200" y="1665850"/>
+            <a:off x="1062200" y="1530875"/>
             <a:ext cx="798150" cy="654875"/>
           </a:xfrm>
           <a:prstGeom prst="flowChartPreparation">
@@ -12111,13 +13898,13 @@
       </p:sp>
       <p:sp>
         <p:nvSpPr>
-          <p:cNvPr id="174" name="Shape 174"/>
+          <p:cNvPr id="180" name="Shape 180"/>
           <p:cNvSpPr/>
           <p:nvPr/>
         </p:nvSpPr>
         <p:spPr>
           <a:xfrm>
-            <a:off x="857550" y="3605525"/>
+            <a:off x="857550" y="3470550"/>
             <a:ext cx="1207450" cy="654875"/>
           </a:xfrm>
           <a:prstGeom prst="flowChartPreparation">
@@ -12161,16 +13948,16 @@
       </p:sp>
       <p:cxnSp>
         <p:nvCxnSpPr>
-          <p:cNvPr id="175" name="Shape 175"/>
+          <p:cNvPr id="181" name="Shape 181"/>
           <p:cNvCxnSpPr>
-            <a:stCxn id="174" idx="0"/>
-            <a:endCxn id="172" idx="3"/>
+            <a:stCxn id="180" idx="0"/>
+            <a:endCxn id="178" idx="3"/>
           </p:cNvCxnSpPr>
           <p:nvPr/>
         </p:nvCxnSpPr>
         <p:spPr>
           <a:xfrm rot="10800000">
-            <a:off x="1461275" y="3273425"/>
+            <a:off x="1461275" y="3138450"/>
             <a:ext cx="0" cy="332100"/>
           </a:xfrm>
           <a:prstGeom prst="straightConnector1">
@@ -12190,16 +13977,16 @@
       </p:cxnSp>
       <p:cxnSp>
         <p:nvCxnSpPr>
-          <p:cNvPr id="176" name="Shape 176"/>
+          <p:cNvPr id="182" name="Shape 182"/>
           <p:cNvCxnSpPr>
-            <a:stCxn id="173" idx="2"/>
-            <a:endCxn id="172" idx="1"/>
+            <a:stCxn id="179" idx="2"/>
+            <a:endCxn id="178" idx="1"/>
           </p:cNvCxnSpPr>
           <p:nvPr/>
         </p:nvCxnSpPr>
         <p:spPr>
           <a:xfrm>
-            <a:off x="1461275" y="2320725"/>
+            <a:off x="1461275" y="2185750"/>
             <a:ext cx="0" cy="332100"/>
           </a:xfrm>
           <a:prstGeom prst="straightConnector1">
@@ -12219,13 +14006,13 @@
       </p:cxnSp>
       <p:sp>
         <p:nvSpPr>
-          <p:cNvPr id="177" name="Shape 177"/>
+          <p:cNvPr id="183" name="Shape 183"/>
           <p:cNvSpPr/>
           <p:nvPr/>
         </p:nvSpPr>
         <p:spPr>
           <a:xfrm>
-            <a:off x="2457238" y="2652725"/>
+            <a:off x="2457238" y="2517750"/>
             <a:ext cx="1853625" cy="620775"/>
           </a:xfrm>
           <a:prstGeom prst="flowChartProcess">
@@ -12267,14 +14054,14 @@
       </p:sp>
       <p:sp>
         <p:nvSpPr>
-          <p:cNvPr id="178" name="Shape 178"/>
+          <p:cNvPr id="184" name="Shape 184"/>
           <p:cNvSpPr/>
           <p:nvPr/>
         </p:nvSpPr>
         <p:spPr>
           <a:xfrm>
-            <a:off x="4677700" y="2652750"/>
-            <a:ext cx="1530713" cy="620775"/>
+            <a:off x="4677700" y="2517775"/>
+            <a:ext cx="1652225" cy="620775"/>
           </a:xfrm>
           <a:prstGeom prst="flowChartProcess">
             <a:avLst/>
@@ -12307,7 +14094,7 @@
             </a:pPr>
             <a:r>
               <a:rPr lang="it"/>
-              <a:t>ANALISI DISCRIMINANTI LINEARE</a:t>
+              <a:t>ANALISI DISCRIMINANTE LINEARE</a:t>
             </a:r>
             <a:endParaRPr/>
           </a:p>
@@ -12315,13 +14102,13 @@
       </p:sp>
       <p:sp>
         <p:nvSpPr>
-          <p:cNvPr id="179" name="Shape 179"/>
+          <p:cNvPr id="185" name="Shape 185"/>
           <p:cNvSpPr/>
           <p:nvPr/>
         </p:nvSpPr>
         <p:spPr>
           <a:xfrm>
-            <a:off x="6602913" y="2652725"/>
+            <a:off x="6602913" y="2517750"/>
             <a:ext cx="1683525" cy="620775"/>
           </a:xfrm>
           <a:prstGeom prst="flowChartProcess">
@@ -12365,16 +14152,16 @@
       </p:sp>
       <p:cxnSp>
         <p:nvCxnSpPr>
-          <p:cNvPr id="180" name="Shape 180"/>
+          <p:cNvPr id="186" name="Shape 186"/>
           <p:cNvCxnSpPr>
-            <a:stCxn id="172" idx="4"/>
-            <a:endCxn id="177" idx="1"/>
+            <a:stCxn id="178" idx="4"/>
+            <a:endCxn id="183" idx="1"/>
           </p:cNvCxnSpPr>
           <p:nvPr/>
         </p:nvCxnSpPr>
         <p:spPr>
           <a:xfrm>
-            <a:off x="1860350" y="2963113"/>
+            <a:off x="1860350" y="2828138"/>
             <a:ext cx="597000" cy="0"/>
           </a:xfrm>
           <a:prstGeom prst="straightConnector1">
@@ -12394,16 +14181,16 @@
       </p:cxnSp>
       <p:cxnSp>
         <p:nvCxnSpPr>
-          <p:cNvPr id="181" name="Shape 181"/>
+          <p:cNvPr id="187" name="Shape 187"/>
           <p:cNvCxnSpPr>
-            <a:stCxn id="177" idx="3"/>
-            <a:endCxn id="178" idx="1"/>
+            <a:stCxn id="183" idx="3"/>
+            <a:endCxn id="184" idx="1"/>
           </p:cNvCxnSpPr>
           <p:nvPr/>
         </p:nvCxnSpPr>
         <p:spPr>
           <a:xfrm>
-            <a:off x="4310863" y="2963113"/>
+            <a:off x="4310863" y="2828138"/>
             <a:ext cx="366900" cy="0"/>
           </a:xfrm>
           <a:prstGeom prst="straightConnector1">
@@ -12423,17 +14210,17 @@
       </p:cxnSp>
       <p:cxnSp>
         <p:nvCxnSpPr>
-          <p:cNvPr id="182" name="Shape 182"/>
+          <p:cNvPr id="188" name="Shape 188"/>
           <p:cNvCxnSpPr>
-            <a:stCxn id="178" idx="3"/>
-            <a:endCxn id="179" idx="1"/>
+            <a:stCxn id="184" idx="3"/>
+            <a:endCxn id="185" idx="1"/>
           </p:cNvCxnSpPr>
           <p:nvPr/>
         </p:nvCxnSpPr>
         <p:spPr>
           <a:xfrm>
-            <a:off x="6208413" y="2963138"/>
-            <a:ext cx="394500" cy="0"/>
+            <a:off x="6329925" y="2828163"/>
+            <a:ext cx="273000" cy="0"/>
           </a:xfrm>
           <a:prstGeom prst="straightConnector1">
             <a:avLst/>
@@ -12489,7 +14276,7 @@
                                           </p:stCondLst>
                                         </p:cTn>
                                         <p:tgtEl>
-                                          <p:spTgt spid="180"/>
+                                          <p:spTgt spid="186"/>
                                         </p:tgtEl>
                                         <p:attrNameLst>
                                           <p:attrName>style.visibility</p:attrName>
@@ -12503,7 +14290,7 @@
                                       <p:cBhvr>
                                         <p:cTn dur="1000"/>
                                         <p:tgtEl>
-                                          <p:spTgt spid="180"/>
+                                          <p:spTgt spid="186"/>
                                         </p:tgtEl>
                                       </p:cBhvr>
                                     </p:animEffect>
@@ -12524,7 +14311,7 @@
                                           </p:stCondLst>
                                         </p:cTn>
                                         <p:tgtEl>
-                                          <p:spTgt spid="177"/>
+                                          <p:spTgt spid="183"/>
                                         </p:tgtEl>
                                         <p:attrNameLst>
                                           <p:attrName>style.visibility</p:attrName>
@@ -12538,7 +14325,7 @@
                                       <p:cBhvr>
                                         <p:cTn dur="1000"/>
                                         <p:tgtEl>
-                                          <p:spTgt spid="177"/>
+                                          <p:spTgt spid="183"/>
                                         </p:tgtEl>
                                       </p:cBhvr>
                                     </p:animEffect>
@@ -12577,7 +14364,7 @@
                                           </p:stCondLst>
                                         </p:cTn>
                                         <p:tgtEl>
-                                          <p:spTgt spid="178"/>
+                                          <p:spTgt spid="184"/>
                                         </p:tgtEl>
                                         <p:attrNameLst>
                                           <p:attrName>style.visibility</p:attrName>
@@ -12591,7 +14378,7 @@
                                       <p:cBhvr>
                                         <p:cTn dur="1000"/>
                                         <p:tgtEl>
-                                          <p:spTgt spid="178"/>
+                                          <p:spTgt spid="184"/>
                                         </p:tgtEl>
                                       </p:cBhvr>
                                     </p:animEffect>
@@ -12612,7 +14399,7 @@
                                           </p:stCondLst>
                                         </p:cTn>
                                         <p:tgtEl>
-                                          <p:spTgt spid="181"/>
+                                          <p:spTgt spid="187"/>
                                         </p:tgtEl>
                                         <p:attrNameLst>
                                           <p:attrName>style.visibility</p:attrName>
@@ -12626,7 +14413,7 @@
                                       <p:cBhvr>
                                         <p:cTn dur="1000"/>
                                         <p:tgtEl>
-                                          <p:spTgt spid="181"/>
+                                          <p:spTgt spid="187"/>
                                         </p:tgtEl>
                                       </p:cBhvr>
                                     </p:animEffect>
@@ -12665,7 +14452,7 @@
                                           </p:stCondLst>
                                         </p:cTn>
                                         <p:tgtEl>
-                                          <p:spTgt spid="182"/>
+                                          <p:spTgt spid="188"/>
                                         </p:tgtEl>
                                         <p:attrNameLst>
                                           <p:attrName>style.visibility</p:attrName>
@@ -12679,7 +14466,7 @@
                                       <p:cBhvr>
                                         <p:cTn dur="1000"/>
                                         <p:tgtEl>
-                                          <p:spTgt spid="182"/>
+                                          <p:spTgt spid="188"/>
                                         </p:tgtEl>
                                       </p:cBhvr>
                                     </p:animEffect>
@@ -12700,7 +14487,7 @@
                                           </p:stCondLst>
                                         </p:cTn>
                                         <p:tgtEl>
-                                          <p:spTgt spid="179"/>
+                                          <p:spTgt spid="185"/>
                                         </p:tgtEl>
                                         <p:attrNameLst>
                                           <p:attrName>style.visibility</p:attrName>
@@ -12714,7 +14501,7 @@
                                       <p:cBhvr>
                                         <p:cTn dur="1000"/>
                                         <p:tgtEl>
-                                          <p:spTgt spid="179"/>
+                                          <p:spTgt spid="185"/>
                                         </p:tgtEl>
                                       </p:cBhvr>
                                     </p:animEffect>
@@ -12752,12 +14539,12 @@
 </p:sld>
 </file>
 
-<file path=ppt/slides/slide7.xml><?xml version="1.0" encoding="utf-8"?>
+<file path=ppt/slides/slide8.xml><?xml version="1.0" encoding="utf-8"?>
 <p:sld xmlns:a="http://schemas.openxmlformats.org/drawingml/2006/main" xmlns:r="http://schemas.openxmlformats.org/officeDocument/2006/relationships" xmlns:mc="http://schemas.openxmlformats.org/markup-compatibility/2006" xmlns:mv="urn:schemas-microsoft-com:mac:vml" xmlns:p="http://schemas.openxmlformats.org/presentationml/2006/main" xmlns:c="http://schemas.openxmlformats.org/drawingml/2006/chart" xmlns:dgm="http://schemas.openxmlformats.org/drawingml/2006/diagram" xmlns:o="urn:schemas-microsoft-com:office:office" xmlns:v="urn:schemas-microsoft-com:vml" xmlns:pvml="urn:schemas-microsoft-com:office:powerpoint" xmlns:com="http://schemas.openxmlformats.org/drawingml/2006/compatibility" xmlns:p14="http://schemas.microsoft.com/office/powerpoint/2010/main" xmlns:p15="http://schemas.microsoft.com/office/powerpoint/2012/main">
   <p:cSld>
     <p:spTree>
       <p:nvGrpSpPr>
-        <p:cNvPr id="186" name="Shape 186"/>
+        <p:cNvPr id="192" name="Shape 192"/>
         <p:cNvGrpSpPr/>
         <p:nvPr/>
       </p:nvGrpSpPr>
@@ -12771,7 +14558,7 @@
       </p:grpSpPr>
       <p:sp>
         <p:nvSpPr>
-          <p:cNvPr id="187" name="Shape 187"/>
+          <p:cNvPr id="193" name="Shape 193"/>
           <p:cNvSpPr txBox="1"/>
           <p:nvPr>
             <p:ph type="title"/>
@@ -12826,7 +14613,7 @@
       </p:sp>
       <p:sp>
         <p:nvSpPr>
-          <p:cNvPr id="188" name="Shape 188"/>
+          <p:cNvPr id="194" name="Shape 194"/>
           <p:cNvSpPr/>
           <p:nvPr/>
         </p:nvSpPr>
@@ -12892,7 +14679,7 @@
       </p:sp>
       <p:sp>
         <p:nvSpPr>
-          <p:cNvPr id="189" name="Shape 189"/>
+          <p:cNvPr id="195" name="Shape 195"/>
           <p:cNvSpPr/>
           <p:nvPr/>
         </p:nvSpPr>
@@ -12956,7 +14743,7 @@
       </p:sp>
       <p:sp>
         <p:nvSpPr>
-          <p:cNvPr id="190" name="Shape 190"/>
+          <p:cNvPr id="196" name="Shape 196"/>
           <p:cNvSpPr/>
           <p:nvPr/>
         </p:nvSpPr>
@@ -13020,7 +14807,7 @@
       </p:sp>
       <p:sp>
         <p:nvSpPr>
-          <p:cNvPr id="191" name="Shape 191"/>
+          <p:cNvPr id="197" name="Shape 197"/>
           <p:cNvSpPr/>
           <p:nvPr/>
         </p:nvSpPr>
@@ -13084,7 +14871,7 @@
       </p:sp>
       <p:sp>
         <p:nvSpPr>
-          <p:cNvPr id="192" name="Shape 192"/>
+          <p:cNvPr id="198" name="Shape 198"/>
           <p:cNvSpPr/>
           <p:nvPr/>
         </p:nvSpPr>
@@ -13132,7 +14919,7 @@
       </p:sp>
       <p:sp>
         <p:nvSpPr>
-          <p:cNvPr id="193" name="Shape 193"/>
+          <p:cNvPr id="199" name="Shape 199"/>
           <p:cNvSpPr/>
           <p:nvPr/>
         </p:nvSpPr>
@@ -13182,10 +14969,10 @@
       </p:sp>
       <p:cxnSp>
         <p:nvCxnSpPr>
-          <p:cNvPr id="194" name="Shape 194"/>
+          <p:cNvPr id="200" name="Shape 200"/>
           <p:cNvCxnSpPr>
-            <a:stCxn id="188" idx="3"/>
-            <a:endCxn id="189" idx="1"/>
+            <a:stCxn id="194" idx="3"/>
+            <a:endCxn id="195" idx="1"/>
           </p:cNvCxnSpPr>
           <p:nvPr/>
         </p:nvCxnSpPr>
@@ -13211,10 +14998,10 @@
       </p:cxnSp>
       <p:cxnSp>
         <p:nvCxnSpPr>
-          <p:cNvPr id="195" name="Shape 195"/>
+          <p:cNvPr id="201" name="Shape 201"/>
           <p:cNvCxnSpPr>
-            <a:stCxn id="189" idx="3"/>
-            <a:endCxn id="190" idx="1"/>
+            <a:stCxn id="195" idx="3"/>
+            <a:endCxn id="196" idx="1"/>
           </p:cNvCxnSpPr>
           <p:nvPr/>
         </p:nvCxnSpPr>
@@ -13240,10 +15027,10 @@
       </p:cxnSp>
       <p:cxnSp>
         <p:nvCxnSpPr>
-          <p:cNvPr id="196" name="Shape 196"/>
+          <p:cNvPr id="202" name="Shape 202"/>
           <p:cNvCxnSpPr>
-            <a:stCxn id="190" idx="3"/>
-            <a:endCxn id="191" idx="1"/>
+            <a:stCxn id="196" idx="3"/>
+            <a:endCxn id="197" idx="1"/>
           </p:cNvCxnSpPr>
           <p:nvPr/>
         </p:nvCxnSpPr>
@@ -13269,10 +15056,10 @@
       </p:cxnSp>
       <p:cxnSp>
         <p:nvCxnSpPr>
-          <p:cNvPr id="197" name="Shape 197"/>
+          <p:cNvPr id="203" name="Shape 203"/>
           <p:cNvCxnSpPr>
-            <a:stCxn id="191" idx="2"/>
-            <a:endCxn id="192" idx="3"/>
+            <a:stCxn id="197" idx="2"/>
+            <a:endCxn id="198" idx="3"/>
           </p:cNvCxnSpPr>
           <p:nvPr/>
         </p:nvCxnSpPr>
@@ -13298,10 +15085,10 @@
       </p:cxnSp>
       <p:cxnSp>
         <p:nvCxnSpPr>
-          <p:cNvPr id="198" name="Shape 198"/>
+          <p:cNvPr id="204" name="Shape 204"/>
           <p:cNvCxnSpPr>
-            <a:stCxn id="192" idx="1"/>
-            <a:endCxn id="193" idx="3"/>
+            <a:stCxn id="198" idx="1"/>
+            <a:endCxn id="199" idx="3"/>
           </p:cNvCxnSpPr>
           <p:nvPr/>
         </p:nvCxnSpPr>
@@ -13364,7 +15151,7 @@
                                           </p:stCondLst>
                                         </p:cTn>
                                         <p:tgtEl>
-                                          <p:spTgt spid="194"/>
+                                          <p:spTgt spid="200"/>
                                         </p:tgtEl>
                                         <p:attrNameLst>
                                           <p:attrName>style.visibility</p:attrName>
@@ -13378,7 +15165,7 @@
                                       <p:cBhvr>
                                         <p:cTn dur="1000"/>
                                         <p:tgtEl>
-                                          <p:spTgt spid="194"/>
+                                          <p:spTgt spid="200"/>
                                         </p:tgtEl>
                                       </p:cBhvr>
                                     </p:animEffect>
@@ -13399,7 +15186,7 @@
                                           </p:stCondLst>
                                         </p:cTn>
                                         <p:tgtEl>
-                                          <p:spTgt spid="189"/>
+                                          <p:spTgt spid="195"/>
                                         </p:tgtEl>
                                         <p:attrNameLst>
                                           <p:attrName>style.visibility</p:attrName>
@@ -13413,7 +15200,7 @@
                                       <p:cBhvr>
                                         <p:cTn dur="1000"/>
                                         <p:tgtEl>
-                                          <p:spTgt spid="189"/>
+                                          <p:spTgt spid="195"/>
                                         </p:tgtEl>
                                       </p:cBhvr>
                                     </p:animEffect>
@@ -13452,7 +15239,7 @@
                                           </p:stCondLst>
                                         </p:cTn>
                                         <p:tgtEl>
-                                          <p:spTgt spid="195"/>
+                                          <p:spTgt spid="201"/>
                                         </p:tgtEl>
                                         <p:attrNameLst>
                                           <p:attrName>style.visibility</p:attrName>
@@ -13466,7 +15253,7 @@
                                       <p:cBhvr>
                                         <p:cTn dur="1000"/>
                                         <p:tgtEl>
-                                          <p:spTgt spid="195"/>
+                                          <p:spTgt spid="201"/>
                                         </p:tgtEl>
                                       </p:cBhvr>
                                     </p:animEffect>
@@ -13487,7 +15274,7 @@
                                           </p:stCondLst>
                                         </p:cTn>
                                         <p:tgtEl>
-                                          <p:spTgt spid="190"/>
+                                          <p:spTgt spid="196"/>
                                         </p:tgtEl>
                                         <p:attrNameLst>
                                           <p:attrName>style.visibility</p:attrName>
@@ -13501,7 +15288,7 @@
                                       <p:cBhvr>
                                         <p:cTn dur="1000"/>
                                         <p:tgtEl>
-                                          <p:spTgt spid="190"/>
+                                          <p:spTgt spid="196"/>
                                         </p:tgtEl>
                                       </p:cBhvr>
                                     </p:animEffect>
@@ -13540,7 +15327,7 @@
                                           </p:stCondLst>
                                         </p:cTn>
                                         <p:tgtEl>
-                                          <p:spTgt spid="196"/>
+                                          <p:spTgt spid="202"/>
                                         </p:tgtEl>
                                         <p:attrNameLst>
                                           <p:attrName>style.visibility</p:attrName>
@@ -13554,7 +15341,7 @@
                                       <p:cBhvr>
                                         <p:cTn dur="1000"/>
                                         <p:tgtEl>
-                                          <p:spTgt spid="196"/>
+                                          <p:spTgt spid="202"/>
                                         </p:tgtEl>
                                       </p:cBhvr>
                                     </p:animEffect>
@@ -13575,7 +15362,7 @@
                                           </p:stCondLst>
                                         </p:cTn>
                                         <p:tgtEl>
-                                          <p:spTgt spid="191"/>
+                                          <p:spTgt spid="197"/>
                                         </p:tgtEl>
                                         <p:attrNameLst>
                                           <p:attrName>style.visibility</p:attrName>
@@ -13589,7 +15376,7 @@
                                       <p:cBhvr>
                                         <p:cTn dur="1000"/>
                                         <p:tgtEl>
-                                          <p:spTgt spid="191"/>
+                                          <p:spTgt spid="197"/>
                                         </p:tgtEl>
                                       </p:cBhvr>
                                     </p:animEffect>
@@ -13628,7 +15415,7 @@
                                           </p:stCondLst>
                                         </p:cTn>
                                         <p:tgtEl>
-                                          <p:spTgt spid="197"/>
+                                          <p:spTgt spid="203"/>
                                         </p:tgtEl>
                                         <p:attrNameLst>
                                           <p:attrName>style.visibility</p:attrName>
@@ -13642,7 +15429,7 @@
                                       <p:cBhvr>
                                         <p:cTn dur="1000"/>
                                         <p:tgtEl>
-                                          <p:spTgt spid="197"/>
+                                          <p:spTgt spid="203"/>
                                         </p:tgtEl>
                                       </p:cBhvr>
                                     </p:animEffect>
@@ -13663,7 +15450,7 @@
                                           </p:stCondLst>
                                         </p:cTn>
                                         <p:tgtEl>
-                                          <p:spTgt spid="192"/>
+                                          <p:spTgt spid="198"/>
                                         </p:tgtEl>
                                         <p:attrNameLst>
                                           <p:attrName>style.visibility</p:attrName>
@@ -13677,7 +15464,7 @@
                                       <p:cBhvr>
                                         <p:cTn dur="1000"/>
                                         <p:tgtEl>
-                                          <p:spTgt spid="192"/>
+                                          <p:spTgt spid="198"/>
                                         </p:tgtEl>
                                       </p:cBhvr>
                                     </p:animEffect>
@@ -13716,7 +15503,7 @@
                                           </p:stCondLst>
                                         </p:cTn>
                                         <p:tgtEl>
-                                          <p:spTgt spid="198"/>
+                                          <p:spTgt spid="204"/>
                                         </p:tgtEl>
                                         <p:attrNameLst>
                                           <p:attrName>style.visibility</p:attrName>
@@ -13730,7 +15517,7 @@
                                       <p:cBhvr>
                                         <p:cTn dur="1200"/>
                                         <p:tgtEl>
-                                          <p:spTgt spid="198"/>
+                                          <p:spTgt spid="204"/>
                                         </p:tgtEl>
                                       </p:cBhvr>
                                     </p:animEffect>
@@ -13751,7 +15538,7 @@
                                           </p:stCondLst>
                                         </p:cTn>
                                         <p:tgtEl>
-                                          <p:spTgt spid="193"/>
+                                          <p:spTgt spid="199"/>
                                         </p:tgtEl>
                                         <p:attrNameLst>
                                           <p:attrName>style.visibility</p:attrName>
@@ -13765,7 +15552,7 @@
                                       <p:cBhvr>
                                         <p:cTn dur="1000"/>
                                         <p:tgtEl>
-                                          <p:spTgt spid="193"/>
+                                          <p:spTgt spid="199"/>
                                         </p:tgtEl>
                                       </p:cBhvr>
                                     </p:animEffect>
@@ -13803,12 +15590,12 @@
 </p:sld>
 </file>
 
-<file path=ppt/slides/slide8.xml><?xml version="1.0" encoding="utf-8"?>
+<file path=ppt/slides/slide9.xml><?xml version="1.0" encoding="utf-8"?>
 <p:sld xmlns:a="http://schemas.openxmlformats.org/drawingml/2006/main" xmlns:r="http://schemas.openxmlformats.org/officeDocument/2006/relationships" xmlns:mc="http://schemas.openxmlformats.org/markup-compatibility/2006" xmlns:mv="urn:schemas-microsoft-com:mac:vml" xmlns:p="http://schemas.openxmlformats.org/presentationml/2006/main" xmlns:c="http://schemas.openxmlformats.org/drawingml/2006/chart" xmlns:dgm="http://schemas.openxmlformats.org/drawingml/2006/diagram" xmlns:o="urn:schemas-microsoft-com:office:office" xmlns:v="urn:schemas-microsoft-com:vml" xmlns:pvml="urn:schemas-microsoft-com:office:powerpoint" xmlns:com="http://schemas.openxmlformats.org/drawingml/2006/compatibility" xmlns:p14="http://schemas.microsoft.com/office/powerpoint/2010/main" xmlns:p15="http://schemas.microsoft.com/office/powerpoint/2012/main">
   <p:cSld>
     <p:spTree>
       <p:nvGrpSpPr>
-        <p:cNvPr id="202" name="Shape 202"/>
+        <p:cNvPr id="208" name="Shape 208"/>
         <p:cNvGrpSpPr/>
         <p:nvPr/>
       </p:nvGrpSpPr>
@@ -13822,7 +15609,7 @@
       </p:grpSpPr>
       <p:sp>
         <p:nvSpPr>
-          <p:cNvPr id="203" name="Shape 203"/>
+          <p:cNvPr id="209" name="Shape 209"/>
           <p:cNvSpPr txBox="1"/>
           <p:nvPr>
             <p:ph type="title"/>
@@ -13877,7 +15664,7 @@
       </p:sp>
       <p:sp>
         <p:nvSpPr>
-          <p:cNvPr id="204" name="Shape 204"/>
+          <p:cNvPr id="210" name="Shape 210"/>
           <p:cNvSpPr/>
           <p:nvPr/>
         </p:nvSpPr>
@@ -13943,14 +15730,14 @@
       </p:sp>
       <p:sp>
         <p:nvSpPr>
-          <p:cNvPr id="205" name="Shape 205"/>
+          <p:cNvPr id="211" name="Shape 211"/>
           <p:cNvSpPr/>
           <p:nvPr/>
         </p:nvSpPr>
         <p:spPr>
           <a:xfrm>
             <a:off x="2756300" y="2208100"/>
-            <a:ext cx="1530725" cy="620775"/>
+            <a:ext cx="1645437" cy="620775"/>
           </a:xfrm>
           <a:prstGeom prst="flowChartProcess">
             <a:avLst/>
@@ -13983,7 +15770,7 @@
             </a:pPr>
             <a:r>
               <a:rPr lang="it"/>
-              <a:t>ANALISI DISCRIMINANTI LINEARE</a:t>
+              <a:t>ANALISI DISCRIMINANTE LINEARE</a:t>
             </a:r>
             <a:endParaRPr/>
           </a:p>
@@ -13991,7 +15778,7 @@
       </p:sp>
       <p:sp>
         <p:nvSpPr>
-          <p:cNvPr id="206" name="Shape 206"/>
+          <p:cNvPr id="212" name="Shape 212"/>
           <p:cNvSpPr/>
           <p:nvPr/>
         </p:nvSpPr>
@@ -14039,7 +15826,7 @@
       </p:sp>
       <p:sp>
         <p:nvSpPr>
-          <p:cNvPr id="207" name="Shape 207"/>
+          <p:cNvPr id="213" name="Shape 213"/>
           <p:cNvSpPr/>
           <p:nvPr/>
         </p:nvSpPr>
@@ -14105,7 +15892,7 @@
       </p:sp>
       <p:sp>
         <p:nvSpPr>
-          <p:cNvPr id="208" name="Shape 208"/>
+          <p:cNvPr id="214" name="Shape 214"/>
           <p:cNvSpPr/>
           <p:nvPr/>
         </p:nvSpPr>
@@ -14159,10 +15946,10 @@
       </p:sp>
       <p:cxnSp>
         <p:nvCxnSpPr>
-          <p:cNvPr id="209" name="Shape 209"/>
+          <p:cNvPr id="215" name="Shape 215"/>
           <p:cNvCxnSpPr>
-            <a:stCxn id="204" idx="3"/>
-            <a:endCxn id="205" idx="1"/>
+            <a:stCxn id="210" idx="3"/>
+            <a:endCxn id="211" idx="1"/>
           </p:cNvCxnSpPr>
           <p:nvPr/>
         </p:nvCxnSpPr>
@@ -14188,17 +15975,17 @@
       </p:cxnSp>
       <p:cxnSp>
         <p:nvCxnSpPr>
-          <p:cNvPr id="210" name="Shape 210"/>
+          <p:cNvPr id="216" name="Shape 216"/>
           <p:cNvCxnSpPr>
-            <a:stCxn id="205" idx="3"/>
-            <a:endCxn id="206" idx="1"/>
+            <a:stCxn id="211" idx="3"/>
+            <a:endCxn id="212" idx="1"/>
           </p:cNvCxnSpPr>
           <p:nvPr/>
         </p:nvCxnSpPr>
         <p:spPr>
           <a:xfrm>
-            <a:off x="4287025" y="2518488"/>
-            <a:ext cx="681300" cy="0"/>
+            <a:off x="4401737" y="2518488"/>
+            <a:ext cx="566700" cy="0"/>
           </a:xfrm>
           <a:prstGeom prst="straightConnector1">
             <a:avLst/>
@@ -14217,10 +16004,10 @@
       </p:cxnSp>
       <p:cxnSp>
         <p:nvCxnSpPr>
-          <p:cNvPr id="211" name="Shape 211"/>
+          <p:cNvPr id="217" name="Shape 217"/>
           <p:cNvCxnSpPr>
-            <a:stCxn id="206" idx="2"/>
-            <a:endCxn id="208" idx="0"/>
+            <a:stCxn id="212" idx="2"/>
+            <a:endCxn id="214" idx="0"/>
           </p:cNvCxnSpPr>
           <p:nvPr/>
         </p:nvCxnSpPr>
@@ -14246,10 +16033,10 @@
       </p:cxnSp>
       <p:cxnSp>
         <p:nvCxnSpPr>
-          <p:cNvPr id="212" name="Shape 212"/>
+          <p:cNvPr id="218" name="Shape 218"/>
           <p:cNvCxnSpPr>
-            <a:stCxn id="207" idx="1"/>
-            <a:endCxn id="208" idx="3"/>
+            <a:stCxn id="213" idx="1"/>
+            <a:endCxn id="214" idx="3"/>
           </p:cNvCxnSpPr>
           <p:nvPr/>
         </p:nvCxnSpPr>
@@ -14275,7 +16062,7 @@
       </p:cxnSp>
       <p:sp>
         <p:nvSpPr>
-          <p:cNvPr id="213" name="Shape 213"/>
+          <p:cNvPr id="219" name="Shape 219"/>
           <p:cNvSpPr/>
           <p:nvPr/>
         </p:nvSpPr>
@@ -14323,10 +16110,10 @@
       </p:sp>
       <p:cxnSp>
         <p:nvCxnSpPr>
-          <p:cNvPr id="214" name="Shape 214"/>
+          <p:cNvPr id="220" name="Shape 220"/>
           <p:cNvCxnSpPr>
-            <a:stCxn id="208" idx="1"/>
-            <a:endCxn id="213" idx="3"/>
+            <a:stCxn id="214" idx="1"/>
+            <a:endCxn id="219" idx="3"/>
           </p:cNvCxnSpPr>
           <p:nvPr/>
         </p:nvCxnSpPr>
@@ -14389,7 +16176,7 @@
                                           </p:stCondLst>
                                         </p:cTn>
                                         <p:tgtEl>
-                                          <p:spTgt spid="209"/>
+                                          <p:spTgt spid="215"/>
                                         </p:tgtEl>
                                         <p:attrNameLst>
                                           <p:attrName>style.visibility</p:attrName>
@@ -14403,183 +16190,7 @@
                                       <p:cBhvr>
                                         <p:cTn dur="1000"/>
                                         <p:tgtEl>
-                                          <p:spTgt spid="209"/>
-                                        </p:tgtEl>
-                                      </p:cBhvr>
-                                    </p:animEffect>
-                                  </p:childTnLst>
-                                </p:cTn>
-                              </p:par>
-                              <p:par>
-                                <p:cTn fill="hold" nodeType="withEffect" presetClass="entr" presetID="10" presetSubtype="0">
-                                  <p:stCondLst>
-                                    <p:cond delay="0"/>
-                                  </p:stCondLst>
-                                  <p:childTnLst>
-                                    <p:set>
-                                      <p:cBhvr>
-                                        <p:cTn dur="1" fill="hold">
-                                          <p:stCondLst>
-                                            <p:cond delay="0"/>
-                                          </p:stCondLst>
-                                        </p:cTn>
-                                        <p:tgtEl>
-                                          <p:spTgt spid="205"/>
-                                        </p:tgtEl>
-                                        <p:attrNameLst>
-                                          <p:attrName>style.visibility</p:attrName>
-                                        </p:attrNameLst>
-                                      </p:cBhvr>
-                                      <p:to>
-                                        <p:strVal val="visible"/>
-                                      </p:to>
-                                    </p:set>
-                                    <p:animEffect filter="fade" transition="in">
-                                      <p:cBhvr>
-                                        <p:cTn dur="1000"/>
-                                        <p:tgtEl>
-                                          <p:spTgt spid="205"/>
-                                        </p:tgtEl>
-                                      </p:cBhvr>
-                                    </p:animEffect>
-                                  </p:childTnLst>
-                                </p:cTn>
-                              </p:par>
-                            </p:childTnLst>
-                          </p:cTn>
-                        </p:par>
-                      </p:childTnLst>
-                    </p:cTn>
-                  </p:par>
-                  <p:par>
-                    <p:cTn fill="hold">
-                      <p:stCondLst>
-                        <p:cond delay="indefinite"/>
-                      </p:stCondLst>
-                      <p:childTnLst>
-                        <p:par>
-                          <p:cTn fill="hold">
-                            <p:stCondLst>
-                              <p:cond delay="0"/>
-                            </p:stCondLst>
-                            <p:childTnLst>
-                              <p:par>
-                                <p:cTn fill="hold" nodeType="clickEffect" presetClass="entr" presetID="10" presetSubtype="0">
-                                  <p:stCondLst>
-                                    <p:cond delay="0"/>
-                                  </p:stCondLst>
-                                  <p:childTnLst>
-                                    <p:set>
-                                      <p:cBhvr>
-                                        <p:cTn dur="1" fill="hold">
-                                          <p:stCondLst>
-                                            <p:cond delay="0"/>
-                                          </p:stCondLst>
-                                        </p:cTn>
-                                        <p:tgtEl>
-                                          <p:spTgt spid="210"/>
-                                        </p:tgtEl>
-                                        <p:attrNameLst>
-                                          <p:attrName>style.visibility</p:attrName>
-                                        </p:attrNameLst>
-                                      </p:cBhvr>
-                                      <p:to>
-                                        <p:strVal val="visible"/>
-                                      </p:to>
-                                    </p:set>
-                                    <p:animEffect filter="fade" transition="in">
-                                      <p:cBhvr>
-                                        <p:cTn dur="1000"/>
-                                        <p:tgtEl>
-                                          <p:spTgt spid="210"/>
-                                        </p:tgtEl>
-                                      </p:cBhvr>
-                                    </p:animEffect>
-                                  </p:childTnLst>
-                                </p:cTn>
-                              </p:par>
-                              <p:par>
-                                <p:cTn fill="hold" nodeType="withEffect" presetClass="entr" presetID="10" presetSubtype="0">
-                                  <p:stCondLst>
-                                    <p:cond delay="0"/>
-                                  </p:stCondLst>
-                                  <p:childTnLst>
-                                    <p:set>
-                                      <p:cBhvr>
-                                        <p:cTn dur="1" fill="hold">
-                                          <p:stCondLst>
-                                            <p:cond delay="0"/>
-                                          </p:stCondLst>
-                                        </p:cTn>
-                                        <p:tgtEl>
-                                          <p:spTgt spid="206"/>
-                                        </p:tgtEl>
-                                        <p:attrNameLst>
-                                          <p:attrName>style.visibility</p:attrName>
-                                        </p:attrNameLst>
-                                      </p:cBhvr>
-                                      <p:to>
-                                        <p:strVal val="visible"/>
-                                      </p:to>
-                                    </p:set>
-                                    <p:animEffect filter="fade" transition="in">
-                                      <p:cBhvr>
-                                        <p:cTn dur="1000"/>
-                                        <p:tgtEl>
-                                          <p:spTgt spid="206"/>
-                                        </p:tgtEl>
-                                      </p:cBhvr>
-                                    </p:animEffect>
-                                  </p:childTnLst>
-                                </p:cTn>
-                              </p:par>
-                            </p:childTnLst>
-                          </p:cTn>
-                        </p:par>
-                      </p:childTnLst>
-                    </p:cTn>
-                  </p:par>
-                  <p:par>
-                    <p:cTn fill="hold">
-                      <p:stCondLst>
-                        <p:cond delay="indefinite"/>
-                      </p:stCondLst>
-                      <p:childTnLst>
-                        <p:par>
-                          <p:cTn fill="hold">
-                            <p:stCondLst>
-                              <p:cond delay="0"/>
-                            </p:stCondLst>
-                            <p:childTnLst>
-                              <p:par>
-                                <p:cTn fill="hold" nodeType="clickEffect" presetClass="entr" presetID="10" presetSubtype="0">
-                                  <p:stCondLst>
-                                    <p:cond delay="0"/>
-                                  </p:stCondLst>
-                                  <p:childTnLst>
-                                    <p:set>
-                                      <p:cBhvr>
-                                        <p:cTn dur="1" fill="hold">
-                                          <p:stCondLst>
-                                            <p:cond delay="0"/>
-                                          </p:stCondLst>
-                                        </p:cTn>
-                                        <p:tgtEl>
-                                          <p:spTgt spid="207"/>
-                                        </p:tgtEl>
-                                        <p:attrNameLst>
-                                          <p:attrName>style.visibility</p:attrName>
-                                        </p:attrNameLst>
-                                      </p:cBhvr>
-                                      <p:to>
-                                        <p:strVal val="visible"/>
-                                      </p:to>
-                                    </p:set>
-                                    <p:animEffect filter="fade" transition="in">
-                                      <p:cBhvr>
-                                        <p:cTn dur="1000"/>
-                                        <p:tgtEl>
-                                          <p:spTgt spid="207"/>
+                                          <p:spTgt spid="215"/>
                                         </p:tgtEl>
                                       </p:cBhvr>
                                     </p:animEffect>
@@ -14621,6 +16232,59 @@
                                   </p:childTnLst>
                                 </p:cTn>
                               </p:par>
+                            </p:childTnLst>
+                          </p:cTn>
+                        </p:par>
+                      </p:childTnLst>
+                    </p:cTn>
+                  </p:par>
+                  <p:par>
+                    <p:cTn fill="hold">
+                      <p:stCondLst>
+                        <p:cond delay="indefinite"/>
+                      </p:stCondLst>
+                      <p:childTnLst>
+                        <p:par>
+                          <p:cTn fill="hold">
+                            <p:stCondLst>
+                              <p:cond delay="0"/>
+                            </p:stCondLst>
+                            <p:childTnLst>
+                              <p:par>
+                                <p:cTn fill="hold" nodeType="clickEffect" presetClass="entr" presetID="10" presetSubtype="0">
+                                  <p:stCondLst>
+                                    <p:cond delay="0"/>
+                                  </p:stCondLst>
+                                  <p:childTnLst>
+                                    <p:set>
+                                      <p:cBhvr>
+                                        <p:cTn dur="1" fill="hold">
+                                          <p:stCondLst>
+                                            <p:cond delay="0"/>
+                                          </p:stCondLst>
+                                        </p:cTn>
+                                        <p:tgtEl>
+                                          <p:spTgt spid="216"/>
+                                        </p:tgtEl>
+                                        <p:attrNameLst>
+                                          <p:attrName>style.visibility</p:attrName>
+                                        </p:attrNameLst>
+                                      </p:cBhvr>
+                                      <p:to>
+                                        <p:strVal val="visible"/>
+                                      </p:to>
+                                    </p:set>
+                                    <p:animEffect filter="fade" transition="in">
+                                      <p:cBhvr>
+                                        <p:cTn dur="1000"/>
+                                        <p:tgtEl>
+                                          <p:spTgt spid="216"/>
+                                        </p:tgtEl>
+                                      </p:cBhvr>
+                                    </p:animEffect>
+                                  </p:childTnLst>
+                                </p:cTn>
+                              </p:par>
                               <p:par>
                                 <p:cTn fill="hold" nodeType="withEffect" presetClass="entr" presetID="10" presetSubtype="0">
                                   <p:stCondLst>
@@ -14650,41 +16314,6 @@
                                         <p:cTn dur="1000"/>
                                         <p:tgtEl>
                                           <p:spTgt spid="212"/>
-                                        </p:tgtEl>
-                                      </p:cBhvr>
-                                    </p:animEffect>
-                                  </p:childTnLst>
-                                </p:cTn>
-                              </p:par>
-                              <p:par>
-                                <p:cTn fill="hold" nodeType="withEffect" presetClass="entr" presetID="10" presetSubtype="0">
-                                  <p:stCondLst>
-                                    <p:cond delay="0"/>
-                                  </p:stCondLst>
-                                  <p:childTnLst>
-                                    <p:set>
-                                      <p:cBhvr>
-                                        <p:cTn dur="1" fill="hold">
-                                          <p:stCondLst>
-                                            <p:cond delay="0"/>
-                                          </p:stCondLst>
-                                        </p:cTn>
-                                        <p:tgtEl>
-                                          <p:spTgt spid="208"/>
-                                        </p:tgtEl>
-                                        <p:attrNameLst>
-                                          <p:attrName>style.visibility</p:attrName>
-                                        </p:attrNameLst>
-                                      </p:cBhvr>
-                                      <p:to>
-                                        <p:strVal val="visible"/>
-                                      </p:to>
-                                    </p:set>
-                                    <p:animEffect filter="fade" transition="in">
-                                      <p:cBhvr>
-                                        <p:cTn dur="1000"/>
-                                        <p:tgtEl>
-                                          <p:spTgt spid="208"/>
                                         </p:tgtEl>
                                       </p:cBhvr>
                                     </p:animEffect>
@@ -14723,6 +16352,111 @@
                                           </p:stCondLst>
                                         </p:cTn>
                                         <p:tgtEl>
+                                          <p:spTgt spid="213"/>
+                                        </p:tgtEl>
+                                        <p:attrNameLst>
+                                          <p:attrName>style.visibility</p:attrName>
+                                        </p:attrNameLst>
+                                      </p:cBhvr>
+                                      <p:to>
+                                        <p:strVal val="visible"/>
+                                      </p:to>
+                                    </p:set>
+                                    <p:animEffect filter="fade" transition="in">
+                                      <p:cBhvr>
+                                        <p:cTn dur="1000"/>
+                                        <p:tgtEl>
+                                          <p:spTgt spid="213"/>
+                                        </p:tgtEl>
+                                      </p:cBhvr>
+                                    </p:animEffect>
+                                  </p:childTnLst>
+                                </p:cTn>
+                              </p:par>
+                              <p:par>
+                                <p:cTn fill="hold" nodeType="withEffect" presetClass="entr" presetID="10" presetSubtype="0">
+                                  <p:stCondLst>
+                                    <p:cond delay="0"/>
+                                  </p:stCondLst>
+                                  <p:childTnLst>
+                                    <p:set>
+                                      <p:cBhvr>
+                                        <p:cTn dur="1" fill="hold">
+                                          <p:stCondLst>
+                                            <p:cond delay="0"/>
+                                          </p:stCondLst>
+                                        </p:cTn>
+                                        <p:tgtEl>
+                                          <p:spTgt spid="217"/>
+                                        </p:tgtEl>
+                                        <p:attrNameLst>
+                                          <p:attrName>style.visibility</p:attrName>
+                                        </p:attrNameLst>
+                                      </p:cBhvr>
+                                      <p:to>
+                                        <p:strVal val="visible"/>
+                                      </p:to>
+                                    </p:set>
+                                    <p:animEffect filter="fade" transition="in">
+                                      <p:cBhvr>
+                                        <p:cTn dur="1000"/>
+                                        <p:tgtEl>
+                                          <p:spTgt spid="217"/>
+                                        </p:tgtEl>
+                                      </p:cBhvr>
+                                    </p:animEffect>
+                                  </p:childTnLst>
+                                </p:cTn>
+                              </p:par>
+                              <p:par>
+                                <p:cTn fill="hold" nodeType="withEffect" presetClass="entr" presetID="10" presetSubtype="0">
+                                  <p:stCondLst>
+                                    <p:cond delay="0"/>
+                                  </p:stCondLst>
+                                  <p:childTnLst>
+                                    <p:set>
+                                      <p:cBhvr>
+                                        <p:cTn dur="1" fill="hold">
+                                          <p:stCondLst>
+                                            <p:cond delay="0"/>
+                                          </p:stCondLst>
+                                        </p:cTn>
+                                        <p:tgtEl>
+                                          <p:spTgt spid="218"/>
+                                        </p:tgtEl>
+                                        <p:attrNameLst>
+                                          <p:attrName>style.visibility</p:attrName>
+                                        </p:attrNameLst>
+                                      </p:cBhvr>
+                                      <p:to>
+                                        <p:strVal val="visible"/>
+                                      </p:to>
+                                    </p:set>
+                                    <p:animEffect filter="fade" transition="in">
+                                      <p:cBhvr>
+                                        <p:cTn dur="1000"/>
+                                        <p:tgtEl>
+                                          <p:spTgt spid="218"/>
+                                        </p:tgtEl>
+                                      </p:cBhvr>
+                                    </p:animEffect>
+                                  </p:childTnLst>
+                                </p:cTn>
+                              </p:par>
+                              <p:par>
+                                <p:cTn fill="hold" nodeType="withEffect" presetClass="entr" presetID="10" presetSubtype="0">
+                                  <p:stCondLst>
+                                    <p:cond delay="0"/>
+                                  </p:stCondLst>
+                                  <p:childTnLst>
+                                    <p:set>
+                                      <p:cBhvr>
+                                        <p:cTn dur="1" fill="hold">
+                                          <p:stCondLst>
+                                            <p:cond delay="0"/>
+                                          </p:stCondLst>
+                                        </p:cTn>
+                                        <p:tgtEl>
                                           <p:spTgt spid="214"/>
                                         </p:tgtEl>
                                         <p:attrNameLst>
@@ -14744,6 +16478,59 @@
                                   </p:childTnLst>
                                 </p:cTn>
                               </p:par>
+                            </p:childTnLst>
+                          </p:cTn>
+                        </p:par>
+                      </p:childTnLst>
+                    </p:cTn>
+                  </p:par>
+                  <p:par>
+                    <p:cTn fill="hold">
+                      <p:stCondLst>
+                        <p:cond delay="indefinite"/>
+                      </p:stCondLst>
+                      <p:childTnLst>
+                        <p:par>
+                          <p:cTn fill="hold">
+                            <p:stCondLst>
+                              <p:cond delay="0"/>
+                            </p:stCondLst>
+                            <p:childTnLst>
+                              <p:par>
+                                <p:cTn fill="hold" nodeType="clickEffect" presetClass="entr" presetID="10" presetSubtype="0">
+                                  <p:stCondLst>
+                                    <p:cond delay="0"/>
+                                  </p:stCondLst>
+                                  <p:childTnLst>
+                                    <p:set>
+                                      <p:cBhvr>
+                                        <p:cTn dur="1" fill="hold">
+                                          <p:stCondLst>
+                                            <p:cond delay="0"/>
+                                          </p:stCondLst>
+                                        </p:cTn>
+                                        <p:tgtEl>
+                                          <p:spTgt spid="220"/>
+                                        </p:tgtEl>
+                                        <p:attrNameLst>
+                                          <p:attrName>style.visibility</p:attrName>
+                                        </p:attrNameLst>
+                                      </p:cBhvr>
+                                      <p:to>
+                                        <p:strVal val="visible"/>
+                                      </p:to>
+                                    </p:set>
+                                    <p:animEffect filter="fade" transition="in">
+                                      <p:cBhvr>
+                                        <p:cTn dur="1000"/>
+                                        <p:tgtEl>
+                                          <p:spTgt spid="220"/>
+                                        </p:tgtEl>
+                                      </p:cBhvr>
+                                    </p:animEffect>
+                                  </p:childTnLst>
+                                </p:cTn>
+                              </p:par>
                               <p:par>
                                 <p:cTn fill="hold" nodeType="withEffect" presetClass="entr" presetID="10" presetSubtype="0">
                                   <p:stCondLst>
@@ -14758,7 +16545,7 @@
                                           </p:stCondLst>
                                         </p:cTn>
                                         <p:tgtEl>
-                                          <p:spTgt spid="213"/>
+                                          <p:spTgt spid="219"/>
                                         </p:tgtEl>
                                         <p:attrNameLst>
                                           <p:attrName>style.visibility</p:attrName>
@@ -14772,7 +16559,7 @@
                                       <p:cBhvr>
                                         <p:cTn dur="1000"/>
                                         <p:tgtEl>
-                                          <p:spTgt spid="213"/>
+                                          <p:spTgt spid="219"/>
                                         </p:tgtEl>
                                       </p:cBhvr>
                                     </p:animEffect>
@@ -14810,366 +16597,286 @@
 </p:sld>
 </file>
 
-<file path=ppt/slides/slide9.xml><?xml version="1.0" encoding="utf-8"?>
-<p:sld xmlns:a="http://schemas.openxmlformats.org/drawingml/2006/main" xmlns:r="http://schemas.openxmlformats.org/officeDocument/2006/relationships" xmlns:mc="http://schemas.openxmlformats.org/markup-compatibility/2006" xmlns:mv="urn:schemas-microsoft-com:mac:vml" xmlns:p="http://schemas.openxmlformats.org/presentationml/2006/main" xmlns:c="http://schemas.openxmlformats.org/drawingml/2006/chart" xmlns:dgm="http://schemas.openxmlformats.org/drawingml/2006/diagram" xmlns:o="urn:schemas-microsoft-com:office:office" xmlns:v="urn:schemas-microsoft-com:vml" xmlns:pvml="urn:schemas-microsoft-com:office:powerpoint" xmlns:com="http://schemas.openxmlformats.org/drawingml/2006/compatibility" xmlns:p14="http://schemas.microsoft.com/office/powerpoint/2010/main" xmlns:p15="http://schemas.microsoft.com/office/powerpoint/2012/main">
-  <p:cSld>
-    <p:spTree>
-      <p:nvGrpSpPr>
-        <p:cNvPr id="218" name="Shape 218"/>
-        <p:cNvGrpSpPr/>
-        <p:nvPr/>
-      </p:nvGrpSpPr>
-      <p:grpSpPr>
-        <a:xfrm>
-          <a:off x="0" y="0"/>
-          <a:ext cx="0" cy="0"/>
-          <a:chOff x="0" y="0"/>
-          <a:chExt cx="0" cy="0"/>
-        </a:xfrm>
-      </p:grpSpPr>
-      <p:sp>
-        <p:nvSpPr>
-          <p:cNvPr id="219" name="Shape 219"/>
-          <p:cNvSpPr txBox="1"/>
-          <p:nvPr>
-            <p:ph type="title"/>
-          </p:nvPr>
-        </p:nvSpPr>
-        <p:spPr>
-          <a:xfrm>
-            <a:off x="819150" y="845600"/>
-            <a:ext cx="7505700" cy="954600"/>
-          </a:xfrm>
-          <a:prstGeom prst="rect">
-            <a:avLst/>
-          </a:prstGeom>
-        </p:spPr>
-        <p:txBody>
-          <a:bodyPr anchorCtr="0" anchor="t" bIns="91425" lIns="91425" spcFirstLastPara="1" rIns="91425" wrap="square" tIns="91425">
-            <a:noAutofit/>
-          </a:bodyPr>
-          <a:lstStyle/>
-          <a:p>
-            <a:pPr indent="0" lvl="0" marL="0" rtl="0" algn="ctr">
-              <a:spcBef>
-                <a:spcPts val="0"/>
-              </a:spcBef>
-              <a:spcAft>
-                <a:spcPts val="0"/>
-              </a:spcAft>
-              <a:buNone/>
-            </a:pPr>
-            <a:r>
-              <a:rPr lang="it"/>
-              <a:t>Risultati Sperimentali</a:t>
-            </a:r>
-            <a:endParaRPr/>
-          </a:p>
-        </p:txBody>
-      </p:sp>
-      <p:sp>
-        <p:nvSpPr>
-          <p:cNvPr id="220" name="Shape 220"/>
-          <p:cNvSpPr txBox="1"/>
-          <p:nvPr/>
-        </p:nvSpPr>
-        <p:spPr>
-          <a:xfrm>
-            <a:off x="3338000" y="1712025"/>
-            <a:ext cx="2455200" cy="866700"/>
-          </a:xfrm>
-          <a:prstGeom prst="rect">
-            <a:avLst/>
-          </a:prstGeom>
-          <a:noFill/>
-          <a:ln>
-            <a:noFill/>
-          </a:ln>
-        </p:spPr>
-        <p:txBody>
-          <a:bodyPr anchorCtr="0" anchor="t" bIns="91425" lIns="91425" spcFirstLastPara="1" rIns="91425" wrap="square" tIns="91425">
-            <a:noAutofit/>
-          </a:bodyPr>
-          <a:lstStyle/>
-          <a:p>
-            <a:pPr indent="0" lvl="0" marL="0" algn="ctr">
-              <a:spcBef>
-                <a:spcPts val="0"/>
-              </a:spcBef>
-              <a:spcAft>
-                <a:spcPts val="0"/>
-              </a:spcAft>
-              <a:buNone/>
-            </a:pPr>
-            <a:r>
-              <a:rPr lang="it"/>
-              <a:t>Studio delle 3 classi usando LDA su singolo paziente...</a:t>
-            </a:r>
-            <a:endParaRPr/>
-          </a:p>
-        </p:txBody>
-      </p:sp>
-      <p:sp>
-        <p:nvSpPr>
-          <p:cNvPr id="221" name="Shape 221"/>
-          <p:cNvSpPr txBox="1"/>
-          <p:nvPr/>
-        </p:nvSpPr>
-        <p:spPr>
-          <a:xfrm>
-            <a:off x="3806688" y="2731575"/>
-            <a:ext cx="1591500" cy="398700"/>
-          </a:xfrm>
-          <a:prstGeom prst="rect">
-            <a:avLst/>
-          </a:prstGeom>
-          <a:noFill/>
-          <a:ln>
-            <a:noFill/>
-          </a:ln>
-        </p:spPr>
-        <p:txBody>
-          <a:bodyPr anchorCtr="0" anchor="t" bIns="91425" lIns="91425" spcFirstLastPara="1" rIns="91425" wrap="square" tIns="91425">
-            <a:noAutofit/>
-          </a:bodyPr>
-          <a:lstStyle/>
-          <a:p>
-            <a:pPr indent="0" lvl="0" marL="0">
-              <a:spcBef>
-                <a:spcPts val="0"/>
-              </a:spcBef>
-              <a:spcAft>
-                <a:spcPts val="0"/>
-              </a:spcAft>
-              <a:buNone/>
-            </a:pPr>
-            <a:r>
-              <a:rPr lang="it"/>
-              <a:t>Studio intervallo</a:t>
-            </a:r>
-            <a:endParaRPr/>
-          </a:p>
-        </p:txBody>
-      </p:sp>
-      <p:pic>
-        <p:nvPicPr>
-          <p:cNvPr id="222" name="Shape 222"/>
-          <p:cNvPicPr preferRelativeResize="0"/>
-          <p:nvPr/>
-        </p:nvPicPr>
-        <p:blipFill>
-          <a:blip r:embed="rId3">
-            <a:alphaModFix/>
-          </a:blip>
-          <a:stretch>
-            <a:fillRect/>
-          </a:stretch>
-        </p:blipFill>
-        <p:spPr>
-          <a:xfrm>
-            <a:off x="206475" y="1524425"/>
-            <a:ext cx="3131515" cy="1605851"/>
-          </a:xfrm>
-          <a:prstGeom prst="rect">
-            <a:avLst/>
-          </a:prstGeom>
-          <a:noFill/>
-          <a:ln>
-            <a:noFill/>
-          </a:ln>
-        </p:spPr>
-      </p:pic>
-      <p:pic>
-        <p:nvPicPr>
-          <p:cNvPr id="223" name="Shape 223"/>
-          <p:cNvPicPr preferRelativeResize="0"/>
-          <p:nvPr/>
-        </p:nvPicPr>
-        <p:blipFill>
-          <a:blip r:embed="rId4">
-            <a:alphaModFix/>
-          </a:blip>
-          <a:stretch>
-            <a:fillRect/>
-          </a:stretch>
-        </p:blipFill>
-        <p:spPr>
-          <a:xfrm>
-            <a:off x="5793132" y="1543149"/>
-            <a:ext cx="3145944" cy="1605851"/>
-          </a:xfrm>
-          <a:prstGeom prst="rect">
-            <a:avLst/>
-          </a:prstGeom>
-          <a:noFill/>
-          <a:ln>
-            <a:noFill/>
-          </a:ln>
-        </p:spPr>
-      </p:pic>
-      <p:sp>
-        <p:nvSpPr>
-          <p:cNvPr id="224" name="Shape 224"/>
-          <p:cNvSpPr/>
-          <p:nvPr/>
-        </p:nvSpPr>
-        <p:spPr>
-          <a:xfrm>
-            <a:off x="3983475" y="3069275"/>
-            <a:ext cx="1120200" cy="369300"/>
-          </a:xfrm>
-          <a:prstGeom prst="rightArrow">
-            <a:avLst>
-              <a:gd fmla="val 50000" name="adj1"/>
-              <a:gd fmla="val 50000" name="adj2"/>
-            </a:avLst>
-          </a:prstGeom>
+<file path=ppt/theme/theme1.xml><?xml version="1.0" encoding="utf-8"?>
+<a:theme xmlns:a="http://schemas.openxmlformats.org/drawingml/2006/main" xmlns:r="http://schemas.openxmlformats.org/officeDocument/2006/relationships" name="Shift">
+  <a:themeElements>
+    <a:clrScheme name="Shift">
+      <a:dk1>
+        <a:srgbClr val="FFFFFF"/>
+      </a:dk1>
+      <a:lt1>
+        <a:srgbClr val="AF7B51"/>
+      </a:lt1>
+      <a:dk2>
+        <a:srgbClr val="233A44"/>
+      </a:dk2>
+      <a:lt2>
+        <a:srgbClr val="D9D9D9"/>
+      </a:lt2>
+      <a:accent1>
+        <a:srgbClr val="00796B"/>
+      </a:accent1>
+      <a:accent2>
+        <a:srgbClr val="D9563F"/>
+      </a:accent2>
+      <a:accent3>
+        <a:srgbClr val="C4A15A"/>
+      </a:accent3>
+      <a:accent4>
+        <a:srgbClr val="14F597"/>
+      </a:accent4>
+      <a:accent5>
+        <a:srgbClr val="3D4594"/>
+      </a:accent5>
+      <a:accent6>
+        <a:srgbClr val="163EF5"/>
+      </a:accent6>
+      <a:hlink>
+        <a:srgbClr val="3D4594"/>
+      </a:hlink>
+      <a:folHlink>
+        <a:srgbClr val="3D4594"/>
+      </a:folHlink>
+    </a:clrScheme>
+    <a:fontScheme name="Office">
+      <a:majorFont>
+        <a:latin typeface="Arial"/>
+        <a:ea typeface=""/>
+        <a:cs typeface=""/>
+        <a:font script="Jpan" typeface="ＭＳ Ｐゴシック"/>
+        <a:font script="Hang" typeface="맑은 고딕"/>
+        <a:font script="Hans" typeface="宋体"/>
+        <a:font script="Hant" typeface="新細明體"/>
+        <a:font script="Arab" typeface="Times New Roman"/>
+        <a:font script="Hebr" typeface="Times New Roman"/>
+        <a:font script="Thai" typeface="Angsana New"/>
+        <a:font script="Ethi" typeface="Nyala"/>
+        <a:font script="Beng" typeface="Vrinda"/>
+        <a:font script="Gujr" typeface="Shruti"/>
+        <a:font script="Khmr" typeface="MoolBoran"/>
+        <a:font script="Knda" typeface="Tunga"/>
+        <a:font script="Guru" typeface="Raavi"/>
+        <a:font script="Cans" typeface="Euphemia"/>
+        <a:font script="Cher" typeface="Plantagenet Cherokee"/>
+        <a:font script="Yiii" typeface="Microsoft Yi Baiti"/>
+        <a:font script="Tibt" typeface="Microsoft Himalaya"/>
+        <a:font script="Thaa" typeface="MV Boli"/>
+        <a:font script="Deva" typeface="Mangal"/>
+        <a:font script="Telu" typeface="Gautami"/>
+        <a:font script="Taml" typeface="Latha"/>
+        <a:font script="Syrc" typeface="Estrangelo Edessa"/>
+        <a:font script="Orya" typeface="Kalinga"/>
+        <a:font script="Mlym" typeface="Kartika"/>
+        <a:font script="Laoo" typeface="DokChampa"/>
+        <a:font script="Sinh" typeface="Iskoola Pota"/>
+        <a:font script="Mong" typeface="Mongolian Baiti"/>
+        <a:font script="Viet" typeface="Times New Roman"/>
+        <a:font script="Uigh" typeface="Microsoft Uighur"/>
+        <a:font script="Geor" typeface="Sylfaen"/>
+      </a:majorFont>
+      <a:minorFont>
+        <a:latin typeface="Arial"/>
+        <a:ea typeface=""/>
+        <a:cs typeface=""/>
+        <a:font script="Jpan" typeface="ＭＳ Ｐゴシック"/>
+        <a:font script="Hang" typeface="맑은 고딕"/>
+        <a:font script="Hans" typeface="宋体"/>
+        <a:font script="Hant" typeface="新細明體"/>
+        <a:font script="Arab" typeface="Arial"/>
+        <a:font script="Hebr" typeface="Arial"/>
+        <a:font script="Thai" typeface="Cordia New"/>
+        <a:font script="Ethi" typeface="Nyala"/>
+        <a:font script="Beng" typeface="Vrinda"/>
+        <a:font script="Gujr" typeface="Shruti"/>
+        <a:font script="Khmr" typeface="DaunPenh"/>
+        <a:font script="Knda" typeface="Tunga"/>
+        <a:font script="Guru" typeface="Raavi"/>
+        <a:font script="Cans" typeface="Euphemia"/>
+        <a:font script="Cher" typeface="Plantagenet Cherokee"/>
+        <a:font script="Yiii" typeface="Microsoft Yi Baiti"/>
+        <a:font script="Tibt" typeface="Microsoft Himalaya"/>
+        <a:font script="Thaa" typeface="MV Boli"/>
+        <a:font script="Deva" typeface="Mangal"/>
+        <a:font script="Telu" typeface="Gautami"/>
+        <a:font script="Taml" typeface="Latha"/>
+        <a:font script="Syrc" typeface="Estrangelo Edessa"/>
+        <a:font script="Orya" typeface="Kalinga"/>
+        <a:font script="Mlym" typeface="Kartika"/>
+        <a:font script="Laoo" typeface="DokChampa"/>
+        <a:font script="Sinh" typeface="Iskoola Pota"/>
+        <a:font script="Mong" typeface="Mongolian Baiti"/>
+        <a:font script="Viet" typeface="Arial"/>
+        <a:font script="Uigh" typeface="Microsoft Uighur"/>
+        <a:font script="Geor" typeface="Sylfaen"/>
+      </a:minorFont>
+    </a:fontScheme>
+    <a:fmtScheme name="Office">
+      <a:fillStyleLst>
+        <a:solidFill>
+          <a:schemeClr val="phClr"/>
+        </a:solidFill>
+        <a:gradFill rotWithShape="1">
+          <a:gsLst>
+            <a:gs pos="0">
+              <a:schemeClr val="phClr">
+                <a:tint val="50000"/>
+                <a:satMod val="300000"/>
+              </a:schemeClr>
+            </a:gs>
+            <a:gs pos="35000">
+              <a:schemeClr val="phClr">
+                <a:tint val="37000"/>
+                <a:satMod val="300000"/>
+              </a:schemeClr>
+            </a:gs>
+            <a:gs pos="100000">
+              <a:schemeClr val="phClr">
+                <a:tint val="15000"/>
+                <a:satMod val="350000"/>
+              </a:schemeClr>
+            </a:gs>
+          </a:gsLst>
+          <a:lin ang="16200000" scaled="1"/>
+        </a:gradFill>
+        <a:gradFill rotWithShape="1">
+          <a:gsLst>
+            <a:gs pos="0">
+              <a:schemeClr val="phClr">
+                <a:tint val="100000"/>
+                <a:shade val="100000"/>
+                <a:satMod val="130000"/>
+              </a:schemeClr>
+            </a:gs>
+            <a:gs pos="100000">
+              <a:schemeClr val="phClr">
+                <a:tint val="50000"/>
+                <a:shade val="100000"/>
+                <a:satMod val="350000"/>
+              </a:schemeClr>
+            </a:gs>
+          </a:gsLst>
+          <a:lin ang="16200000" scaled="0"/>
+        </a:gradFill>
+      </a:fillStyleLst>
+      <a:lnStyleLst>
+        <a:ln w="9525" cap="flat" cmpd="sng" algn="ctr">
           <a:solidFill>
-            <a:schemeClr val="lt2"/>
+            <a:schemeClr val="phClr">
+              <a:shade val="95000"/>
+              <a:satMod val="105000"/>
+            </a:schemeClr>
           </a:solidFill>
-          <a:ln cap="flat" cmpd="sng" w="9525">
-            <a:solidFill>
-              <a:schemeClr val="dk2"/>
-            </a:solidFill>
-            <a:prstDash val="solid"/>
-            <a:round/>
-            <a:headEnd len="sm" w="sm" type="none"/>
-            <a:tailEnd len="sm" w="sm" type="none"/>
-          </a:ln>
-        </p:spPr>
-        <p:txBody>
-          <a:bodyPr anchorCtr="0" anchor="ctr" bIns="91425" lIns="91425" spcFirstLastPara="1" rIns="91425" wrap="square" tIns="91425">
-            <a:noAutofit/>
-          </a:bodyPr>
-          <a:lstStyle/>
-          <a:p>
-            <a:pPr indent="0" lvl="0" marL="0">
-              <a:spcBef>
-                <a:spcPts val="0"/>
-              </a:spcBef>
-              <a:spcAft>
-                <a:spcPts val="0"/>
-              </a:spcAft>
-              <a:buNone/>
-            </a:pPr>
-            <a:r>
-              <a:t/>
-            </a:r>
-            <a:endParaRPr/>
-          </a:p>
-        </p:txBody>
-      </p:sp>
-      <p:pic>
-        <p:nvPicPr>
-          <p:cNvPr id="225" name="Shape 225"/>
-          <p:cNvPicPr preferRelativeResize="0"/>
-          <p:nvPr/>
-        </p:nvPicPr>
-        <p:blipFill>
-          <a:blip r:embed="rId5">
-            <a:alphaModFix/>
-          </a:blip>
-          <a:stretch>
-            <a:fillRect/>
-          </a:stretch>
-        </p:blipFill>
-        <p:spPr>
-          <a:xfrm>
-            <a:off x="206475" y="3130275"/>
-            <a:ext cx="3131524" cy="1810401"/>
-          </a:xfrm>
-          <a:prstGeom prst="rect">
-            <a:avLst/>
-          </a:prstGeom>
-          <a:noFill/>
-          <a:ln>
-            <a:noFill/>
-          </a:ln>
-        </p:spPr>
-      </p:pic>
-      <p:pic>
-        <p:nvPicPr>
-          <p:cNvPr id="226" name="Shape 226"/>
-          <p:cNvPicPr preferRelativeResize="0"/>
-          <p:nvPr/>
-        </p:nvPicPr>
-        <p:blipFill>
-          <a:blip r:embed="rId6">
-            <a:alphaModFix/>
-          </a:blip>
-          <a:stretch>
-            <a:fillRect/>
-          </a:stretch>
-        </p:blipFill>
-        <p:spPr>
-          <a:xfrm>
-            <a:off x="5793126" y="3250975"/>
-            <a:ext cx="3145950" cy="1689701"/>
-          </a:xfrm>
-          <a:prstGeom prst="rect">
-            <a:avLst/>
-          </a:prstGeom>
-          <a:noFill/>
-          <a:ln>
-            <a:noFill/>
-          </a:ln>
-        </p:spPr>
-      </p:pic>
-      <p:sp>
-        <p:nvSpPr>
-          <p:cNvPr id="227" name="Shape 227"/>
-          <p:cNvSpPr txBox="1"/>
-          <p:nvPr/>
-        </p:nvSpPr>
-        <p:spPr>
-          <a:xfrm>
-            <a:off x="3338000" y="3822100"/>
-            <a:ext cx="2455200" cy="618000"/>
-          </a:xfrm>
-          <a:prstGeom prst="rect">
-            <a:avLst/>
-          </a:prstGeom>
-          <a:noFill/>
-          <a:ln>
-            <a:noFill/>
-          </a:ln>
-        </p:spPr>
-        <p:txBody>
-          <a:bodyPr anchorCtr="0" anchor="t" bIns="91425" lIns="91425" spcFirstLastPara="1" rIns="91425" wrap="square" tIns="91425">
-            <a:noAutofit/>
-          </a:bodyPr>
-          <a:lstStyle/>
-          <a:p>
-            <a:pPr indent="0" lvl="0" marL="0" algn="ctr">
-              <a:spcBef>
-                <a:spcPts val="0"/>
-              </a:spcBef>
-              <a:spcAft>
-                <a:spcPts val="0"/>
-              </a:spcAft>
-              <a:buNone/>
-            </a:pPr>
-            <a:r>
-              <a:rPr lang="it"/>
-              <a:t>...</a:t>
-            </a:r>
-            <a:r>
-              <a:rPr lang="it"/>
-              <a:t>e tutti i pazienti contemporaneamente</a:t>
-            </a:r>
-            <a:endParaRPr/>
-          </a:p>
-        </p:txBody>
-      </p:sp>
-    </p:spTree>
-  </p:cSld>
-  <p:clrMapOvr>
-    <a:masterClrMapping/>
-  </p:clrMapOvr>
-</p:sld>
+          <a:prstDash val="solid"/>
+        </a:ln>
+        <a:ln w="25400" cap="flat" cmpd="sng" algn="ctr">
+          <a:solidFill>
+            <a:schemeClr val="phClr"/>
+          </a:solidFill>
+          <a:prstDash val="solid"/>
+        </a:ln>
+        <a:ln w="38100" cap="flat" cmpd="sng" algn="ctr">
+          <a:solidFill>
+            <a:schemeClr val="phClr"/>
+          </a:solidFill>
+          <a:prstDash val="solid"/>
+        </a:ln>
+      </a:lnStyleLst>
+      <a:effectStyleLst>
+        <a:effectStyle>
+          <a:effectLst>
+            <a:outerShdw blurRad="40000" dist="20000" dir="5400000" rotWithShape="0">
+              <a:srgbClr val="000000">
+                <a:alpha val="38000"/>
+              </a:srgbClr>
+            </a:outerShdw>
+          </a:effectLst>
+        </a:effectStyle>
+        <a:effectStyle>
+          <a:effectLst>
+            <a:outerShdw blurRad="40000" dist="23000" dir="5400000" rotWithShape="0">
+              <a:srgbClr val="000000">
+                <a:alpha val="35000"/>
+              </a:srgbClr>
+            </a:outerShdw>
+          </a:effectLst>
+        </a:effectStyle>
+        <a:effectStyle>
+          <a:effectLst>
+            <a:outerShdw blurRad="40000" dist="23000" dir="5400000" rotWithShape="0">
+              <a:srgbClr val="000000">
+                <a:alpha val="35000"/>
+              </a:srgbClr>
+            </a:outerShdw>
+          </a:effectLst>
+          <a:scene3d>
+            <a:camera prst="orthographicFront">
+              <a:rot lat="0" lon="0" rev="0"/>
+            </a:camera>
+            <a:lightRig rig="threePt" dir="t">
+              <a:rot lat="0" lon="0" rev="1200000"/>
+            </a:lightRig>
+          </a:scene3d>
+          <a:sp3d>
+            <a:bevelT w="63500" h="25400"/>
+          </a:sp3d>
+        </a:effectStyle>
+      </a:effectStyleLst>
+      <a:bgFillStyleLst>
+        <a:solidFill>
+          <a:schemeClr val="phClr"/>
+        </a:solidFill>
+        <a:gradFill rotWithShape="1">
+          <a:gsLst>
+            <a:gs pos="0">
+              <a:schemeClr val="phClr">
+                <a:tint val="40000"/>
+                <a:satMod val="350000"/>
+              </a:schemeClr>
+            </a:gs>
+            <a:gs pos="40000">
+              <a:schemeClr val="phClr">
+                <a:tint val="45000"/>
+                <a:shade val="99000"/>
+                <a:satMod val="350000"/>
+              </a:schemeClr>
+            </a:gs>
+            <a:gs pos="100000">
+              <a:schemeClr val="phClr">
+                <a:shade val="20000"/>
+                <a:satMod val="255000"/>
+              </a:schemeClr>
+            </a:gs>
+          </a:gsLst>
+          <a:path path="circle">
+            <a:fillToRect l="50000" t="-80000" r="50000" b="180000"/>
+          </a:path>
+        </a:gradFill>
+        <a:gradFill rotWithShape="1">
+          <a:gsLst>
+            <a:gs pos="0">
+              <a:schemeClr val="phClr">
+                <a:tint val="80000"/>
+                <a:satMod val="300000"/>
+              </a:schemeClr>
+            </a:gs>
+            <a:gs pos="100000">
+              <a:schemeClr val="phClr">
+                <a:shade val="30000"/>
+                <a:satMod val="200000"/>
+              </a:schemeClr>
+            </a:gs>
+          </a:gsLst>
+          <a:path path="circle">
+            <a:fillToRect l="50000" t="50000" r="50000" b="50000"/>
+          </a:path>
+        </a:gradFill>
+      </a:bgFillStyleLst>
+    </a:fmtScheme>
+  </a:themeElements>
+</a:theme>
 </file>
 
-<file path=ppt/theme/theme1.xml><?xml version="1.0" encoding="utf-8"?>
+<file path=ppt/theme/theme2.xml><?xml version="1.0" encoding="utf-8"?>
 <a:theme xmlns:a="http://schemas.openxmlformats.org/drawingml/2006/main" xmlns:r="http://schemas.openxmlformats.org/officeDocument/2006/relationships">
   <a:themeElements>
     <a:clrScheme name="Default">
@@ -15446,283 +17153,4 @@
     </a:fmtScheme>
   </a:themeElements>
 </a:theme>
-</file>
-
-<file path=ppt/theme/theme2.xml><?xml version="1.0" encoding="utf-8"?>
-<a:theme xmlns:a="http://schemas.openxmlformats.org/drawingml/2006/main" xmlns:r="http://schemas.openxmlformats.org/officeDocument/2006/relationships" name="Shift">
-  <a:themeElements>
-    <a:clrScheme name="Shift">
-      <a:dk1>
-        <a:srgbClr val="FFFFFF"/>
-      </a:dk1>
-      <a:lt1>
-        <a:srgbClr val="AF7B51"/>
-      </a:lt1>
-      <a:dk2>
-        <a:srgbClr val="233A44"/>
-      </a:dk2>
-      <a:lt2>
-        <a:srgbClr val="D9D9D9"/>
-      </a:lt2>
-      <a:accent1>
-        <a:srgbClr val="00796B"/>
-      </a:accent1>
-      <a:accent2>
-        <a:srgbClr val="D9563F"/>
-      </a:accent2>
-      <a:accent3>
-        <a:srgbClr val="C4A15A"/>
-      </a:accent3>
-      <a:accent4>
-        <a:srgbClr val="14F597"/>
-      </a:accent4>
-      <a:accent5>
-        <a:srgbClr val="3D4594"/>
-      </a:accent5>
-      <a:accent6>
-        <a:srgbClr val="163EF5"/>
-      </a:accent6>
-      <a:hlink>
-        <a:srgbClr val="3D4594"/>
-      </a:hlink>
-      <a:folHlink>
-        <a:srgbClr val="3D4594"/>
-      </a:folHlink>
-    </a:clrScheme>
-    <a:fontScheme name="Office">
-      <a:majorFont>
-        <a:latin typeface="Arial"/>
-        <a:ea typeface=""/>
-        <a:cs typeface=""/>
-        <a:font script="Jpan" typeface="ＭＳ Ｐゴシック"/>
-        <a:font script="Hang" typeface="맑은 고딕"/>
-        <a:font script="Hans" typeface="宋体"/>
-        <a:font script="Hant" typeface="新細明體"/>
-        <a:font script="Arab" typeface="Times New Roman"/>
-        <a:font script="Hebr" typeface="Times New Roman"/>
-        <a:font script="Thai" typeface="Angsana New"/>
-        <a:font script="Ethi" typeface="Nyala"/>
-        <a:font script="Beng" typeface="Vrinda"/>
-        <a:font script="Gujr" typeface="Shruti"/>
-        <a:font script="Khmr" typeface="MoolBoran"/>
-        <a:font script="Knda" typeface="Tunga"/>
-        <a:font script="Guru" typeface="Raavi"/>
-        <a:font script="Cans" typeface="Euphemia"/>
-        <a:font script="Cher" typeface="Plantagenet Cherokee"/>
-        <a:font script="Yiii" typeface="Microsoft Yi Baiti"/>
-        <a:font script="Tibt" typeface="Microsoft Himalaya"/>
-        <a:font script="Thaa" typeface="MV Boli"/>
-        <a:font script="Deva" typeface="Mangal"/>
-        <a:font script="Telu" typeface="Gautami"/>
-        <a:font script="Taml" typeface="Latha"/>
-        <a:font script="Syrc" typeface="Estrangelo Edessa"/>
-        <a:font script="Orya" typeface="Kalinga"/>
-        <a:font script="Mlym" typeface="Kartika"/>
-        <a:font script="Laoo" typeface="DokChampa"/>
-        <a:font script="Sinh" typeface="Iskoola Pota"/>
-        <a:font script="Mong" typeface="Mongolian Baiti"/>
-        <a:font script="Viet" typeface="Times New Roman"/>
-        <a:font script="Uigh" typeface="Microsoft Uighur"/>
-        <a:font script="Geor" typeface="Sylfaen"/>
-      </a:majorFont>
-      <a:minorFont>
-        <a:latin typeface="Arial"/>
-        <a:ea typeface=""/>
-        <a:cs typeface=""/>
-        <a:font script="Jpan" typeface="ＭＳ Ｐゴシック"/>
-        <a:font script="Hang" typeface="맑은 고딕"/>
-        <a:font script="Hans" typeface="宋体"/>
-        <a:font script="Hant" typeface="新細明體"/>
-        <a:font script="Arab" typeface="Arial"/>
-        <a:font script="Hebr" typeface="Arial"/>
-        <a:font script="Thai" typeface="Cordia New"/>
-        <a:font script="Ethi" typeface="Nyala"/>
-        <a:font script="Beng" typeface="Vrinda"/>
-        <a:font script="Gujr" typeface="Shruti"/>
-        <a:font script="Khmr" typeface="DaunPenh"/>
-        <a:font script="Knda" typeface="Tunga"/>
-        <a:font script="Guru" typeface="Raavi"/>
-        <a:font script="Cans" typeface="Euphemia"/>
-        <a:font script="Cher" typeface="Plantagenet Cherokee"/>
-        <a:font script="Yiii" typeface="Microsoft Yi Baiti"/>
-        <a:font script="Tibt" typeface="Microsoft Himalaya"/>
-        <a:font script="Thaa" typeface="MV Boli"/>
-        <a:font script="Deva" typeface="Mangal"/>
-        <a:font script="Telu" typeface="Gautami"/>
-        <a:font script="Taml" typeface="Latha"/>
-        <a:font script="Syrc" typeface="Estrangelo Edessa"/>
-        <a:font script="Orya" typeface="Kalinga"/>
-        <a:font script="Mlym" typeface="Kartika"/>
-        <a:font script="Laoo" typeface="DokChampa"/>
-        <a:font script="Sinh" typeface="Iskoola Pota"/>
-        <a:font script="Mong" typeface="Mongolian Baiti"/>
-        <a:font script="Viet" typeface="Arial"/>
-        <a:font script="Uigh" typeface="Microsoft Uighur"/>
-        <a:font script="Geor" typeface="Sylfaen"/>
-      </a:minorFont>
-    </a:fontScheme>
-    <a:fmtScheme name="Office">
-      <a:fillStyleLst>
-        <a:solidFill>
-          <a:schemeClr val="phClr"/>
-        </a:solidFill>
-        <a:gradFill rotWithShape="1">
-          <a:gsLst>
-            <a:gs pos="0">
-              <a:schemeClr val="phClr">
-                <a:tint val="50000"/>
-                <a:satMod val="300000"/>
-              </a:schemeClr>
-            </a:gs>
-            <a:gs pos="35000">
-              <a:schemeClr val="phClr">
-                <a:tint val="37000"/>
-                <a:satMod val="300000"/>
-              </a:schemeClr>
-            </a:gs>
-            <a:gs pos="100000">
-              <a:schemeClr val="phClr">
-                <a:tint val="15000"/>
-                <a:satMod val="350000"/>
-              </a:schemeClr>
-            </a:gs>
-          </a:gsLst>
-          <a:lin ang="16200000" scaled="1"/>
-        </a:gradFill>
-        <a:gradFill rotWithShape="1">
-          <a:gsLst>
-            <a:gs pos="0">
-              <a:schemeClr val="phClr">
-                <a:tint val="100000"/>
-                <a:shade val="100000"/>
-                <a:satMod val="130000"/>
-              </a:schemeClr>
-            </a:gs>
-            <a:gs pos="100000">
-              <a:schemeClr val="phClr">
-                <a:tint val="50000"/>
-                <a:shade val="100000"/>
-                <a:satMod val="350000"/>
-              </a:schemeClr>
-            </a:gs>
-          </a:gsLst>
-          <a:lin ang="16200000" scaled="0"/>
-        </a:gradFill>
-      </a:fillStyleLst>
-      <a:lnStyleLst>
-        <a:ln w="9525" cap="flat" cmpd="sng" algn="ctr">
-          <a:solidFill>
-            <a:schemeClr val="phClr">
-              <a:shade val="95000"/>
-              <a:satMod val="105000"/>
-            </a:schemeClr>
-          </a:solidFill>
-          <a:prstDash val="solid"/>
-        </a:ln>
-        <a:ln w="25400" cap="flat" cmpd="sng" algn="ctr">
-          <a:solidFill>
-            <a:schemeClr val="phClr"/>
-          </a:solidFill>
-          <a:prstDash val="solid"/>
-        </a:ln>
-        <a:ln w="38100" cap="flat" cmpd="sng" algn="ctr">
-          <a:solidFill>
-            <a:schemeClr val="phClr"/>
-          </a:solidFill>
-          <a:prstDash val="solid"/>
-        </a:ln>
-      </a:lnStyleLst>
-      <a:effectStyleLst>
-        <a:effectStyle>
-          <a:effectLst>
-            <a:outerShdw blurRad="40000" dist="20000" dir="5400000" rotWithShape="0">
-              <a:srgbClr val="000000">
-                <a:alpha val="38000"/>
-              </a:srgbClr>
-            </a:outerShdw>
-          </a:effectLst>
-        </a:effectStyle>
-        <a:effectStyle>
-          <a:effectLst>
-            <a:outerShdw blurRad="40000" dist="23000" dir="5400000" rotWithShape="0">
-              <a:srgbClr val="000000">
-                <a:alpha val="35000"/>
-              </a:srgbClr>
-            </a:outerShdw>
-          </a:effectLst>
-        </a:effectStyle>
-        <a:effectStyle>
-          <a:effectLst>
-            <a:outerShdw blurRad="40000" dist="23000" dir="5400000" rotWithShape="0">
-              <a:srgbClr val="000000">
-                <a:alpha val="35000"/>
-              </a:srgbClr>
-            </a:outerShdw>
-          </a:effectLst>
-          <a:scene3d>
-            <a:camera prst="orthographicFront">
-              <a:rot lat="0" lon="0" rev="0"/>
-            </a:camera>
-            <a:lightRig rig="threePt" dir="t">
-              <a:rot lat="0" lon="0" rev="1200000"/>
-            </a:lightRig>
-          </a:scene3d>
-          <a:sp3d>
-            <a:bevelT w="63500" h="25400"/>
-          </a:sp3d>
-        </a:effectStyle>
-      </a:effectStyleLst>
-      <a:bgFillStyleLst>
-        <a:solidFill>
-          <a:schemeClr val="phClr"/>
-        </a:solidFill>
-        <a:gradFill rotWithShape="1">
-          <a:gsLst>
-            <a:gs pos="0">
-              <a:schemeClr val="phClr">
-                <a:tint val="40000"/>
-                <a:satMod val="350000"/>
-              </a:schemeClr>
-            </a:gs>
-            <a:gs pos="40000">
-              <a:schemeClr val="phClr">
-                <a:tint val="45000"/>
-                <a:shade val="99000"/>
-                <a:satMod val="350000"/>
-              </a:schemeClr>
-            </a:gs>
-            <a:gs pos="100000">
-              <a:schemeClr val="phClr">
-                <a:shade val="20000"/>
-                <a:satMod val="255000"/>
-              </a:schemeClr>
-            </a:gs>
-          </a:gsLst>
-          <a:path path="circle">
-            <a:fillToRect l="50000" t="-80000" r="50000" b="180000"/>
-          </a:path>
-        </a:gradFill>
-        <a:gradFill rotWithShape="1">
-          <a:gsLst>
-            <a:gs pos="0">
-              <a:schemeClr val="phClr">
-                <a:tint val="80000"/>
-                <a:satMod val="300000"/>
-              </a:schemeClr>
-            </a:gs>
-            <a:gs pos="100000">
-              <a:schemeClr val="phClr">
-                <a:shade val="30000"/>
-                <a:satMod val="200000"/>
-              </a:schemeClr>
-            </a:gs>
-          </a:gsLst>
-          <a:path path="circle">
-            <a:fillToRect l="50000" t="50000" r="50000" b="50000"/>
-          </a:path>
-        </a:gradFill>
-      </a:bgFillStyleLst>
-    </a:fmtScheme>
-  </a:themeElements>
-</a:theme>
 </file>
--- a/tex_tesi/Apprendimento non supervisionato per l’identificazione di contesti di Freezing of Gait (FOG) in pazienti affetti da Morbo di Parkinson.pptx
+++ b/tex_tesi/Apprendimento non supervisionato per l’identificazione di contesti di Freezing of Gait (FOG) in pazienti affetti da Morbo di Parkinson.pptx
@@ -791,7 +791,7 @@
   <p:cSld>
     <p:spTree>
       <p:nvGrpSpPr>
-        <p:cNvPr id="221" name="Shape 221"/>
+        <p:cNvPr id="249" name="Shape 249"/>
         <p:cNvGrpSpPr/>
         <p:nvPr/>
       </p:nvGrpSpPr>
@@ -805,7 +805,7 @@
       </p:grpSpPr>
       <p:sp>
         <p:nvSpPr>
-          <p:cNvPr id="222" name="Shape 222"/>
+          <p:cNvPr id="250" name="Shape 250"/>
           <p:cNvSpPr/>
           <p:nvPr>
             <p:ph idx="2" type="sldImg"/>
@@ -839,7 +839,7 @@
       </p:sp>
       <p:sp>
         <p:nvSpPr>
-          <p:cNvPr id="223" name="Shape 223"/>
+          <p:cNvPr id="251" name="Shape 251"/>
           <p:cNvSpPr txBox="1"/>
           <p:nvPr>
             <p:ph idx="1" type="body"/>
@@ -906,7 +906,7 @@
   <p:cSld>
     <p:spTree>
       <p:nvGrpSpPr>
-        <p:cNvPr id="235" name="Shape 235"/>
+        <p:cNvPr id="263" name="Shape 263"/>
         <p:cNvGrpSpPr/>
         <p:nvPr/>
       </p:nvGrpSpPr>
@@ -920,7 +920,7 @@
       </p:grpSpPr>
       <p:sp>
         <p:nvSpPr>
-          <p:cNvPr id="236" name="Shape 236"/>
+          <p:cNvPr id="264" name="Shape 264"/>
           <p:cNvSpPr/>
           <p:nvPr>
             <p:ph idx="2" type="sldImg"/>
@@ -954,7 +954,7 @@
       </p:sp>
       <p:sp>
         <p:nvSpPr>
-          <p:cNvPr id="237" name="Shape 237"/>
+          <p:cNvPr id="265" name="Shape 265"/>
           <p:cNvSpPr txBox="1"/>
           <p:nvPr>
             <p:ph idx="1" type="body"/>
@@ -1017,7 +1017,7 @@
   <p:cSld>
     <p:spTree>
       <p:nvGrpSpPr>
-        <p:cNvPr id="244" name="Shape 244"/>
+        <p:cNvPr id="272" name="Shape 272"/>
         <p:cNvGrpSpPr/>
         <p:nvPr/>
       </p:nvGrpSpPr>
@@ -1031,7 +1031,7 @@
       </p:grpSpPr>
       <p:sp>
         <p:nvSpPr>
-          <p:cNvPr id="245" name="Shape 245"/>
+          <p:cNvPr id="273" name="Shape 273"/>
           <p:cNvSpPr/>
           <p:nvPr>
             <p:ph idx="2" type="sldImg"/>
@@ -1065,7 +1065,7 @@
       </p:sp>
       <p:sp>
         <p:nvSpPr>
-          <p:cNvPr id="246" name="Shape 246"/>
+          <p:cNvPr id="274" name="Shape 274"/>
           <p:cNvSpPr txBox="1"/>
           <p:nvPr>
             <p:ph idx="1" type="body"/>
@@ -1421,7 +1421,7 @@
             </a:r>
             <a:r>
               <a:rPr lang="it"/>
-              <a:t> dati i quali sono già stati divisi in determinate classi, ossia etichettati. Principalmente questi lavori si </a:t>
+              <a:t> dati i quali sono già stati divisi in determinate classi, quindi etichettati. Principalmente questi lavori si </a:t>
             </a:r>
             <a:r>
               <a:rPr lang="it"/>
@@ -1437,7 +1437,7 @@
             </a:r>
             <a:r>
               <a:rPr lang="it"/>
-              <a:t> il FOG o il NOFOG, quindi se il paziente è in blocco motorio o meno. Un solo lavoro si è concentrato sul tentare di identificare una classe intermedia tra le due, denominata preFOG, che rappresenta il passaggio da uno stato di movimento normale del paziente ad un blocco motorio, ossia il FOG. </a:t>
+              <a:t> il FOG o il NOFOG, quindi se il paziente è in blocco motorio o meno, raggiungendo buone percentuali di accuratezza. Un solo lavoro si è concentrato sul tentare di identificare una classe intermedia tra le due, denominata preFOG, che rappresenta il passaggio da uno stato di movimento normale del paziente ad un blocco motorio, ossia il FOG. </a:t>
             </a:r>
             <a:endParaRPr/>
           </a:p>
@@ -1536,7 +1536,11 @@
             </a:pPr>
             <a:r>
               <a:rPr lang="it"/>
-              <a:t>La tesi riprende questo lavoro e conduce innanzitutto uno studio sull’esistenza della classe chiamata preFOG e sulla sua separazione dalle altre due classi, ossia NOFOG e FOG. Successivamente, si pone l’obiettivo di sviluppare un approccio non supervisionato, ossia che usa dati non già divisi in classe da un medico, al fine di etichettare gli stessi, così da sostituire il medico stesso nelle varie fasi da test. In questa fase, inoltre, viene condotto uno studio di divisione ad intervalli dei dati al fine di cercare di ottenere quale sia la migliore divisione temporale degli stessi. Infine, tenta di classificare, e quindi predire, le etichette di nuovi dati, usando 3 classi, ossia le occorrenze di preFOG, FOG e i movimenti normali del paziente. </a:t>
+              <a:t>Il lavoro di</a:t>
+            </a:r>
+            <a:r>
+              <a:rPr lang="it"/>
+              <a:t> tesi vuole riprendere questo lavoro e condurre innanzitutto uno studio sull’esistenza della classe chiamata preFOG e sulla sua separazione dalle altre due classi, ossia NOFOG e FOG. Successivamente, si pone l’obiettivo di sviluppare un approccio non supervisionato, ossia che usa dati non già divisi in classe da un medico, al fine di etichettare gli stessi, così da sostituire il medico nelle varie fasi di test. In questa sezione, inoltre, viene condotto uno studio di divisione ad intervalli dei dati al fine di ottenere quale sia la migliore divisione temporale degli stessi. Infine, tenta di classificare, e quindi predire, le etichette di nuovi dati, usando 3 classi, ossia le occorrenze di preFOG, FOG e i movimenti normali del paziente. </a:t>
             </a:r>
             <a:r>
               <a:rPr lang="it">
@@ -1643,7 +1647,7 @@
             </a:pPr>
             <a:r>
               <a:rPr lang="it"/>
-              <a:t>L’obiettivo finale della tesi sarebbe quello di applicare gli algoritmi sviluppati in un contesto real time attraverso un dispositivo indossabile dal paziente definito dal seguente schema: raccolgo dati ed attraverso un apprendimento non supervisionato li etichetto, per poi allenare un classificatore su questi dati al fine di rilevare, in tempo reale attraverso un dispositivo, le occorrenze di preFOG, fornendo uno stimolo uditorio al paziente per evitare il blocco del </a:t>
+              <a:t>L’obiettivo finale della tesi sarebbe quello di applicare gli algoritmi sviluppati in un contesto real time attraverso un dispositivo indossabile dal paziente definito dal seguente schema: raccolgo dati dal dispositivo ed attraverso un apprendimento non supervisionato li etichetto per poi allenare un classificatore su tali dati al fine di rilevare, in tempo reale attraverso un dispositivo, le occorrenze di preFOG, fornendo uno stimolo uditorio al paziente per evitare il blocco del </a:t>
             </a:r>
             <a:r>
               <a:rPr lang="it"/>
@@ -1750,7 +1754,7 @@
             </a:pPr>
             <a:r>
               <a:rPr lang="it"/>
-              <a:t>Il primo passi che è stato fatto, quindi, è quello di studiare l’esistenza della classe preFOG. Per fare questo, abbiamo usato dei dati provenienti da accelerometri posizionati sul paziente ed etichettati da un medico. Per prima cosa, i dati vengono vettorizzati, ossia quelli presi in un intervallo temporale vengono posti su un’unica riga, ossia vettore, invece di averli in più colonne e righe. Questi vengono poi studiati da un discriminante lineare, il cui scopo è determinare se esiste una divisione tra i dati delle varie classi passate in input. Questo passo permette di studiare se esiste la divisione che cerchiamo, ossia tra il preFOG ed il FOG e NOFOG.</a:t>
+              <a:t>Il primo passo che è stato fatto, quindi, è quello di studiare l’esistenza della classe preFOG. Per fare questo, abbiamo usato dei dati provenienti da accelerometri posizionati sul paziente ed etichettati da un medico. Per prima cosa, i dati vengono vettorizzati, ossia quelli presi in un intervallo temporale vengono posti su un’unica riga, ossia vettore, invece di averli in più colonne e righe. Questi vengono poi studiati da un discriminante lineare, il cui scopo è determinare se esiste una divisione tra i dati delle varie classi passate in input. Questo passo permette di studiare se esiste la divisione che cerchiamo, ossia tra il preFOG ed il FOG e NOFOG.</a:t>
             </a:r>
             <a:endParaRPr/>
           </a:p>
@@ -1769,7 +1773,7 @@
   <p:cSld>
     <p:spTree>
       <p:nvGrpSpPr>
-        <p:cNvPr id="189" name="Shape 189"/>
+        <p:cNvPr id="199" name="Shape 199"/>
         <p:cNvGrpSpPr/>
         <p:nvPr/>
       </p:nvGrpSpPr>
@@ -1783,7 +1787,7 @@
       </p:grpSpPr>
       <p:sp>
         <p:nvSpPr>
-          <p:cNvPr id="190" name="Shape 190"/>
+          <p:cNvPr id="200" name="Shape 200"/>
           <p:cNvSpPr/>
           <p:nvPr>
             <p:ph idx="2" type="sldImg"/>
@@ -1817,7 +1821,7 @@
       </p:sp>
       <p:sp>
         <p:nvSpPr>
-          <p:cNvPr id="191" name="Shape 191"/>
+          <p:cNvPr id="201" name="Shape 201"/>
           <p:cNvSpPr txBox="1"/>
           <p:nvPr>
             <p:ph idx="1" type="body"/>
@@ -1876,7 +1880,7 @@
   <p:cSld>
     <p:spTree>
       <p:nvGrpSpPr>
-        <p:cNvPr id="205" name="Shape 205"/>
+        <p:cNvPr id="225" name="Shape 225"/>
         <p:cNvGrpSpPr/>
         <p:nvPr/>
       </p:nvGrpSpPr>
@@ -1890,7 +1894,7 @@
       </p:grpSpPr>
       <p:sp>
         <p:nvSpPr>
-          <p:cNvPr id="206" name="Shape 206"/>
+          <p:cNvPr id="226" name="Shape 226"/>
           <p:cNvSpPr/>
           <p:nvPr>
             <p:ph idx="2" type="sldImg"/>
@@ -1924,7 +1928,7 @@
       </p:sp>
       <p:sp>
         <p:nvSpPr>
-          <p:cNvPr id="207" name="Shape 207"/>
+          <p:cNvPr id="227" name="Shape 227"/>
           <p:cNvSpPr txBox="1"/>
           <p:nvPr>
             <p:ph idx="1" type="body"/>
@@ -10107,7 +10111,7 @@
   <p:cSld>
     <p:spTree>
       <p:nvGrpSpPr>
-        <p:cNvPr id="224" name="Shape 224"/>
+        <p:cNvPr id="252" name="Shape 252"/>
         <p:cNvGrpSpPr/>
         <p:nvPr/>
       </p:nvGrpSpPr>
@@ -10121,7 +10125,7 @@
       </p:grpSpPr>
       <p:sp>
         <p:nvSpPr>
-          <p:cNvPr id="225" name="Shape 225"/>
+          <p:cNvPr id="253" name="Shape 253"/>
           <p:cNvSpPr txBox="1"/>
           <p:nvPr>
             <p:ph type="title"/>
@@ -10161,7 +10165,7 @@
       </p:sp>
       <p:sp>
         <p:nvSpPr>
-          <p:cNvPr id="226" name="Shape 226"/>
+          <p:cNvPr id="254" name="Shape 254"/>
           <p:cNvSpPr txBox="1"/>
           <p:nvPr/>
         </p:nvSpPr>
@@ -10203,7 +10207,7 @@
       </p:sp>
       <p:sp>
         <p:nvSpPr>
-          <p:cNvPr id="227" name="Shape 227"/>
+          <p:cNvPr id="255" name="Shape 255"/>
           <p:cNvSpPr txBox="1"/>
           <p:nvPr/>
         </p:nvSpPr>
@@ -10245,7 +10249,7 @@
       </p:sp>
       <p:pic>
         <p:nvPicPr>
-          <p:cNvPr id="228" name="Shape 228"/>
+          <p:cNvPr id="256" name="Shape 256"/>
           <p:cNvPicPr preferRelativeResize="0"/>
           <p:nvPr/>
         </p:nvPicPr>
@@ -10273,7 +10277,7 @@
       </p:pic>
       <p:pic>
         <p:nvPicPr>
-          <p:cNvPr id="229" name="Shape 229"/>
+          <p:cNvPr id="257" name="Shape 257"/>
           <p:cNvPicPr preferRelativeResize="0"/>
           <p:nvPr/>
         </p:nvPicPr>
@@ -10301,7 +10305,7 @@
       </p:pic>
       <p:sp>
         <p:nvSpPr>
-          <p:cNvPr id="230" name="Shape 230"/>
+          <p:cNvPr id="258" name="Shape 258"/>
           <p:cNvSpPr/>
           <p:nvPr/>
         </p:nvSpPr>
@@ -10353,7 +10357,7 @@
       </p:sp>
       <p:pic>
         <p:nvPicPr>
-          <p:cNvPr id="231" name="Shape 231"/>
+          <p:cNvPr id="259" name="Shape 259"/>
           <p:cNvPicPr preferRelativeResize="0"/>
           <p:nvPr/>
         </p:nvPicPr>
@@ -10381,7 +10385,7 @@
       </p:pic>
       <p:pic>
         <p:nvPicPr>
-          <p:cNvPr id="232" name="Shape 232"/>
+          <p:cNvPr id="260" name="Shape 260"/>
           <p:cNvPicPr preferRelativeResize="0"/>
           <p:nvPr/>
         </p:nvPicPr>
@@ -10409,7 +10413,7 @@
       </p:pic>
       <p:sp>
         <p:nvSpPr>
-          <p:cNvPr id="233" name="Shape 233"/>
+          <p:cNvPr id="261" name="Shape 261"/>
           <p:cNvSpPr txBox="1"/>
           <p:nvPr/>
         </p:nvSpPr>
@@ -10455,7 +10459,7 @@
       </p:sp>
       <p:sp>
         <p:nvSpPr>
-          <p:cNvPr id="234" name="Shape 234"/>
+          <p:cNvPr id="262" name="Shape 262"/>
           <p:cNvSpPr txBox="1"/>
           <p:nvPr/>
         </p:nvSpPr>
@@ -10542,7 +10546,7 @@
                                           </p:stCondLst>
                                         </p:cTn>
                                         <p:tgtEl>
-                                          <p:spTgt spid="228"/>
+                                          <p:spTgt spid="256"/>
                                         </p:tgtEl>
                                         <p:attrNameLst>
                                           <p:attrName>style.visibility</p:attrName>
@@ -10556,7 +10560,7 @@
                                       <p:cBhvr>
                                         <p:cTn dur="1000"/>
                                         <p:tgtEl>
-                                          <p:spTgt spid="228"/>
+                                          <p:spTgt spid="256"/>
                                         </p:tgtEl>
                                       </p:cBhvr>
                                     </p:animEffect>
@@ -10595,7 +10599,7 @@
                                           </p:stCondLst>
                                         </p:cTn>
                                         <p:tgtEl>
-                                          <p:spTgt spid="231"/>
+                                          <p:spTgt spid="259"/>
                                         </p:tgtEl>
                                         <p:attrNameLst>
                                           <p:attrName>style.visibility</p:attrName>
@@ -10609,7 +10613,7 @@
                                       <p:cBhvr>
                                         <p:cTn dur="1000"/>
                                         <p:tgtEl>
-                                          <p:spTgt spid="231"/>
+                                          <p:spTgt spid="259"/>
                                         </p:tgtEl>
                                       </p:cBhvr>
                                     </p:animEffect>
@@ -10648,7 +10652,7 @@
                                           </p:stCondLst>
                                         </p:cTn>
                                         <p:tgtEl>
-                                          <p:spTgt spid="229"/>
+                                          <p:spTgt spid="257"/>
                                         </p:tgtEl>
                                         <p:attrNameLst>
                                           <p:attrName>style.visibility</p:attrName>
@@ -10662,7 +10666,7 @@
                                       <p:cBhvr>
                                         <p:cTn dur="1000"/>
                                         <p:tgtEl>
-                                          <p:spTgt spid="229"/>
+                                          <p:spTgt spid="257"/>
                                         </p:tgtEl>
                                       </p:cBhvr>
                                     </p:animEffect>
@@ -10701,7 +10705,7 @@
                                           </p:stCondLst>
                                         </p:cTn>
                                         <p:tgtEl>
-                                          <p:spTgt spid="232"/>
+                                          <p:spTgt spid="260"/>
                                         </p:tgtEl>
                                         <p:attrNameLst>
                                           <p:attrName>style.visibility</p:attrName>
@@ -10715,7 +10719,7 @@
                                       <p:cBhvr>
                                         <p:cTn dur="1000"/>
                                         <p:tgtEl>
-                                          <p:spTgt spid="232"/>
+                                          <p:spTgt spid="260"/>
                                         </p:tgtEl>
                                       </p:cBhvr>
                                     </p:animEffect>
@@ -10758,7 +10762,7 @@
   <p:cSld>
     <p:spTree>
       <p:nvGrpSpPr>
-        <p:cNvPr id="238" name="Shape 238"/>
+        <p:cNvPr id="266" name="Shape 266"/>
         <p:cNvGrpSpPr/>
         <p:nvPr/>
       </p:nvGrpSpPr>
@@ -10772,7 +10776,7 @@
       </p:grpSpPr>
       <p:sp>
         <p:nvSpPr>
-          <p:cNvPr id="239" name="Shape 239"/>
+          <p:cNvPr id="267" name="Shape 267"/>
           <p:cNvSpPr txBox="1"/>
           <p:nvPr>
             <p:ph type="title"/>
@@ -10812,7 +10816,7 @@
       </p:sp>
       <p:pic>
         <p:nvPicPr>
-          <p:cNvPr id="240" name="Shape 240" title="Points scored"/>
+          <p:cNvPr id="268" name="Shape 268" title="Points scored"/>
           <p:cNvPicPr preferRelativeResize="0"/>
           <p:nvPr/>
         </p:nvPicPr>
@@ -10839,7 +10843,7 @@
       </p:pic>
       <p:pic>
         <p:nvPicPr>
-          <p:cNvPr id="241" name="Shape 241" title="Points scored"/>
+          <p:cNvPr id="269" name="Shape 269" title="Points scored"/>
           <p:cNvPicPr preferRelativeResize="0"/>
           <p:nvPr/>
         </p:nvPicPr>
@@ -10867,7 +10871,7 @@
       </p:pic>
       <p:sp>
         <p:nvSpPr>
-          <p:cNvPr id="242" name="Shape 242"/>
+          <p:cNvPr id="270" name="Shape 270"/>
           <p:cNvSpPr txBox="1"/>
           <p:nvPr/>
         </p:nvSpPr>
@@ -10909,7 +10913,7 @@
       </p:sp>
       <p:sp>
         <p:nvSpPr>
-          <p:cNvPr id="243" name="Shape 243"/>
+          <p:cNvPr id="271" name="Shape 271"/>
           <p:cNvSpPr txBox="1"/>
           <p:nvPr/>
         </p:nvSpPr>
@@ -10988,7 +10992,7 @@
                                           </p:stCondLst>
                                         </p:cTn>
                                         <p:tgtEl>
-                                          <p:spTgt spid="240"/>
+                                          <p:spTgt spid="268"/>
                                         </p:tgtEl>
                                         <p:attrNameLst>
                                           <p:attrName>style.visibility</p:attrName>
@@ -11002,7 +11006,7 @@
                                       <p:cBhvr>
                                         <p:cTn dur="1000"/>
                                         <p:tgtEl>
-                                          <p:spTgt spid="240"/>
+                                          <p:spTgt spid="268"/>
                                         </p:tgtEl>
                                       </p:cBhvr>
                                     </p:animEffect>
@@ -11023,7 +11027,7 @@
                                           </p:stCondLst>
                                         </p:cTn>
                                         <p:tgtEl>
-                                          <p:spTgt spid="243"/>
+                                          <p:spTgt spid="271"/>
                                         </p:tgtEl>
                                         <p:attrNameLst>
                                           <p:attrName>style.visibility</p:attrName>
@@ -11037,7 +11041,7 @@
                                       <p:cBhvr>
                                         <p:cTn dur="1000"/>
                                         <p:tgtEl>
-                                          <p:spTgt spid="243"/>
+                                          <p:spTgt spid="271"/>
                                         </p:tgtEl>
                                       </p:cBhvr>
                                     </p:animEffect>
@@ -11076,7 +11080,7 @@
                                           </p:stCondLst>
                                         </p:cTn>
                                         <p:tgtEl>
-                                          <p:spTgt spid="242"/>
+                                          <p:spTgt spid="270"/>
                                         </p:tgtEl>
                                         <p:attrNameLst>
                                           <p:attrName>style.visibility</p:attrName>
@@ -11090,7 +11094,7 @@
                                       <p:cBhvr>
                                         <p:cTn dur="1000"/>
                                         <p:tgtEl>
-                                          <p:spTgt spid="242"/>
+                                          <p:spTgt spid="270"/>
                                         </p:tgtEl>
                                       </p:cBhvr>
                                     </p:animEffect>
@@ -11111,7 +11115,7 @@
                                           </p:stCondLst>
                                         </p:cTn>
                                         <p:tgtEl>
-                                          <p:spTgt spid="241"/>
+                                          <p:spTgt spid="269"/>
                                         </p:tgtEl>
                                         <p:attrNameLst>
                                           <p:attrName>style.visibility</p:attrName>
@@ -11125,7 +11129,7 @@
                                       <p:cBhvr>
                                         <p:cTn dur="1000"/>
                                         <p:tgtEl>
-                                          <p:spTgt spid="241"/>
+                                          <p:spTgt spid="269"/>
                                         </p:tgtEl>
                                       </p:cBhvr>
                                     </p:animEffect>
@@ -11168,7 +11172,7 @@
   <p:cSld>
     <p:spTree>
       <p:nvGrpSpPr>
-        <p:cNvPr id="247" name="Shape 247"/>
+        <p:cNvPr id="275" name="Shape 275"/>
         <p:cNvGrpSpPr/>
         <p:nvPr/>
       </p:nvGrpSpPr>
@@ -11182,7 +11186,7 @@
       </p:grpSpPr>
       <p:sp>
         <p:nvSpPr>
-          <p:cNvPr id="248" name="Shape 248"/>
+          <p:cNvPr id="276" name="Shape 276"/>
           <p:cNvSpPr txBox="1"/>
           <p:nvPr>
             <p:ph type="title"/>
@@ -11222,7 +11226,7 @@
       </p:sp>
       <p:sp>
         <p:nvSpPr>
-          <p:cNvPr id="249" name="Shape 249"/>
+          <p:cNvPr id="277" name="Shape 277"/>
           <p:cNvSpPr txBox="1"/>
           <p:nvPr>
             <p:ph idx="1" type="body"/>
@@ -11351,7 +11355,7 @@
                                           </p:stCondLst>
                                         </p:cTn>
                                         <p:tgtEl>
-                                          <p:spTgt spid="249">
+                                          <p:spTgt spid="277">
                                             <p:txEl>
                                               <p:pRg end="0" st="0"/>
                                             </p:txEl>
@@ -11369,7 +11373,7 @@
                                       <p:cBhvr>
                                         <p:cTn dur="1000"/>
                                         <p:tgtEl>
-                                          <p:spTgt spid="249">
+                                          <p:spTgt spid="277">
                                             <p:txEl>
                                               <p:pRg end="0" st="0"/>
                                             </p:txEl>
@@ -11412,7 +11416,7 @@
                                           </p:stCondLst>
                                         </p:cTn>
                                         <p:tgtEl>
-                                          <p:spTgt spid="249">
+                                          <p:spTgt spid="277">
                                             <p:txEl>
                                               <p:pRg end="1" st="1"/>
                                             </p:txEl>
@@ -11430,7 +11434,7 @@
                                       <p:cBhvr>
                                         <p:cTn dur="1000"/>
                                         <p:tgtEl>
-                                          <p:spTgt spid="249">
+                                          <p:spTgt spid="277">
                                             <p:txEl>
                                               <p:pRg end="1" st="1"/>
                                             </p:txEl>
@@ -11473,7 +11477,7 @@
                                           </p:stCondLst>
                                         </p:cTn>
                                         <p:tgtEl>
-                                          <p:spTgt spid="249">
+                                          <p:spTgt spid="277">
                                             <p:txEl>
                                               <p:pRg end="2" st="2"/>
                                             </p:txEl>
@@ -11491,7 +11495,7 @@
                                       <p:cBhvr>
                                         <p:cTn dur="1000"/>
                                         <p:tgtEl>
-                                          <p:spTgt spid="249">
+                                          <p:spTgt spid="277">
                                             <p:txEl>
                                               <p:pRg end="2" st="2"/>
                                             </p:txEl>
@@ -11534,7 +11538,7 @@
                                           </p:stCondLst>
                                         </p:cTn>
                                         <p:tgtEl>
-                                          <p:spTgt spid="249">
+                                          <p:spTgt spid="277">
                                             <p:txEl>
                                               <p:pRg end="3" st="3"/>
                                             </p:txEl>
@@ -11552,7 +11556,7 @@
                                       <p:cBhvr>
                                         <p:cTn dur="1000"/>
                                         <p:tgtEl>
-                                          <p:spTgt spid="249">
+                                          <p:spTgt spid="277">
                                             <p:txEl>
                                               <p:pRg end="3" st="3"/>
                                             </p:txEl>
@@ -11595,7 +11599,7 @@
                                           </p:stCondLst>
                                         </p:cTn>
                                         <p:tgtEl>
-                                          <p:spTgt spid="249"/>
+                                          <p:spTgt spid="277"/>
                                         </p:tgtEl>
                                         <p:attrNameLst>
                                           <p:attrName>style.visibility</p:attrName>
@@ -11609,7 +11613,7 @@
                                       <p:cBhvr>
                                         <p:cTn dur="1"/>
                                         <p:tgtEl>
-                                          <p:spTgt spid="249"/>
+                                          <p:spTgt spid="277"/>
                                         </p:tgtEl>
                                       </p:cBhvr>
                                     </p:animEffect>
@@ -14237,6 +14241,499 @@
           </a:ln>
         </p:spPr>
       </p:cxnSp>
+      <p:sp>
+        <p:nvSpPr>
+          <p:cNvPr id="189" name="Shape 189"/>
+          <p:cNvSpPr txBox="1"/>
+          <p:nvPr/>
+        </p:nvSpPr>
+        <p:spPr>
+          <a:xfrm>
+            <a:off x="2127663" y="1976975"/>
+            <a:ext cx="902100" cy="476100"/>
+          </a:xfrm>
+          <a:prstGeom prst="rect">
+            <a:avLst/>
+          </a:prstGeom>
+          <a:noFill/>
+          <a:ln>
+            <a:noFill/>
+          </a:ln>
+        </p:spPr>
+        <p:txBody>
+          <a:bodyPr anchorCtr="0" anchor="t" bIns="91425" lIns="91425" spcFirstLastPara="1" rIns="91425" wrap="square" tIns="91425">
+            <a:noAutofit/>
+          </a:bodyPr>
+          <a:lstStyle/>
+          <a:p>
+            <a:pPr indent="0" lvl="0" marL="0" rtl="0">
+              <a:spcBef>
+                <a:spcPts val="0"/>
+              </a:spcBef>
+              <a:spcAft>
+                <a:spcPts val="0"/>
+              </a:spcAft>
+              <a:buNone/>
+            </a:pPr>
+            <a:r>
+              <a:rPr lang="it" sz="600"/>
+              <a:t>N righe dati</a:t>
+            </a:r>
+            <a:endParaRPr sz="600"/>
+          </a:p>
+          <a:p>
+            <a:pPr indent="0" lvl="0" marL="0" rtl="0">
+              <a:spcBef>
+                <a:spcPts val="0"/>
+              </a:spcBef>
+              <a:spcAft>
+                <a:spcPts val="0"/>
+              </a:spcAft>
+              <a:buNone/>
+            </a:pPr>
+            <a:r>
+              <a:rPr lang="it" sz="600"/>
+              <a:t>M assi accelerometri</a:t>
+            </a:r>
+            <a:endParaRPr sz="600"/>
+          </a:p>
+          <a:p>
+            <a:pPr indent="0" lvl="0" marL="0">
+              <a:spcBef>
+                <a:spcPts val="0"/>
+              </a:spcBef>
+              <a:spcAft>
+                <a:spcPts val="0"/>
+              </a:spcAft>
+              <a:buNone/>
+            </a:pPr>
+            <a:r>
+              <a:rPr lang="it" sz="600"/>
+              <a:t>P finestra temporale</a:t>
+            </a:r>
+            <a:endParaRPr sz="600"/>
+          </a:p>
+        </p:txBody>
+      </p:sp>
+      <p:sp>
+        <p:nvSpPr>
+          <p:cNvPr id="190" name="Shape 190"/>
+          <p:cNvSpPr txBox="1"/>
+          <p:nvPr/>
+        </p:nvSpPr>
+        <p:spPr>
+          <a:xfrm>
+            <a:off x="3879700" y="3331375"/>
+            <a:ext cx="798000" cy="332100"/>
+          </a:xfrm>
+          <a:prstGeom prst="rect">
+            <a:avLst/>
+          </a:prstGeom>
+          <a:noFill/>
+          <a:ln>
+            <a:noFill/>
+          </a:ln>
+        </p:spPr>
+        <p:txBody>
+          <a:bodyPr anchorCtr="0" anchor="t" bIns="91425" lIns="91425" spcFirstLastPara="1" rIns="91425" wrap="square" tIns="91425">
+            <a:noAutofit/>
+          </a:bodyPr>
+          <a:lstStyle/>
+          <a:p>
+            <a:pPr indent="0" lvl="0" marL="0" rtl="0">
+              <a:spcBef>
+                <a:spcPts val="0"/>
+              </a:spcBef>
+              <a:spcAft>
+                <a:spcPts val="0"/>
+              </a:spcAft>
+              <a:buNone/>
+            </a:pPr>
+            <a:r>
+              <a:rPr lang="it" sz="600"/>
+              <a:t>L vettori (N/P)*M</a:t>
+            </a:r>
+            <a:endParaRPr sz="600"/>
+          </a:p>
+        </p:txBody>
+      </p:sp>
+      <p:sp>
+        <p:nvSpPr>
+          <p:cNvPr id="191" name="Shape 191"/>
+          <p:cNvSpPr txBox="1"/>
+          <p:nvPr/>
+        </p:nvSpPr>
+        <p:spPr>
+          <a:xfrm>
+            <a:off x="4777891" y="1982649"/>
+            <a:ext cx="1056900" cy="449700"/>
+          </a:xfrm>
+          <a:prstGeom prst="rect">
+            <a:avLst/>
+          </a:prstGeom>
+          <a:noFill/>
+          <a:ln>
+            <a:noFill/>
+          </a:ln>
+        </p:spPr>
+        <p:txBody>
+          <a:bodyPr anchorCtr="0" anchor="t" bIns="91425" lIns="91425" spcFirstLastPara="1" rIns="91425" wrap="square" tIns="91425">
+            <a:noAutofit/>
+          </a:bodyPr>
+          <a:lstStyle/>
+          <a:p>
+            <a:pPr indent="0" lvl="0" marL="0" rtl="0">
+              <a:spcBef>
+                <a:spcPts val="0"/>
+              </a:spcBef>
+              <a:spcAft>
+                <a:spcPts val="0"/>
+              </a:spcAft>
+              <a:buNone/>
+            </a:pPr>
+            <a:r>
+              <a:rPr lang="it" sz="600"/>
+              <a:t>C numero classi dataset</a:t>
+            </a:r>
+            <a:endParaRPr sz="600"/>
+          </a:p>
+          <a:p>
+            <a:pPr indent="0" lvl="0" marL="0" rtl="0">
+              <a:spcBef>
+                <a:spcPts val="0"/>
+              </a:spcBef>
+              <a:spcAft>
+                <a:spcPts val="0"/>
+              </a:spcAft>
+              <a:buNone/>
+            </a:pPr>
+            <a:r>
+              <a:rPr lang="it" sz="600"/>
+              <a:t>L vettori</a:t>
+            </a:r>
+            <a:endParaRPr sz="600"/>
+          </a:p>
+        </p:txBody>
+      </p:sp>
+      <p:sp>
+        <p:nvSpPr>
+          <p:cNvPr id="192" name="Shape 192"/>
+          <p:cNvSpPr txBox="1"/>
+          <p:nvPr/>
+        </p:nvSpPr>
+        <p:spPr>
+          <a:xfrm>
+            <a:off x="5752725" y="3352025"/>
+            <a:ext cx="798300" cy="281100"/>
+          </a:xfrm>
+          <a:prstGeom prst="rect">
+            <a:avLst/>
+          </a:prstGeom>
+          <a:noFill/>
+          <a:ln>
+            <a:noFill/>
+          </a:ln>
+        </p:spPr>
+        <p:txBody>
+          <a:bodyPr anchorCtr="0" anchor="t" bIns="91425" lIns="91425" spcFirstLastPara="1" rIns="91425" wrap="square" tIns="91425">
+            <a:noAutofit/>
+          </a:bodyPr>
+          <a:lstStyle/>
+          <a:p>
+            <a:pPr indent="0" lvl="0" marL="0" rtl="0">
+              <a:spcBef>
+                <a:spcPts val="0"/>
+              </a:spcBef>
+              <a:spcAft>
+                <a:spcPts val="0"/>
+              </a:spcAft>
+              <a:buNone/>
+            </a:pPr>
+            <a:r>
+              <a:rPr lang="it" sz="600"/>
+              <a:t>C-1 vettori feature</a:t>
+            </a:r>
+            <a:endParaRPr sz="600"/>
+          </a:p>
+        </p:txBody>
+      </p:sp>
+      <p:sp>
+        <p:nvSpPr>
+          <p:cNvPr id="193" name="Shape 193"/>
+          <p:cNvSpPr txBox="1"/>
+          <p:nvPr/>
+        </p:nvSpPr>
+        <p:spPr>
+          <a:xfrm>
+            <a:off x="7246900" y="2081075"/>
+            <a:ext cx="486900" cy="281100"/>
+          </a:xfrm>
+          <a:prstGeom prst="rect">
+            <a:avLst/>
+          </a:prstGeom>
+          <a:noFill/>
+          <a:ln>
+            <a:noFill/>
+          </a:ln>
+        </p:spPr>
+        <p:txBody>
+          <a:bodyPr anchorCtr="0" anchor="t" bIns="91425" lIns="91425" spcFirstLastPara="1" rIns="91425" wrap="square" tIns="91425">
+            <a:noAutofit/>
+          </a:bodyPr>
+          <a:lstStyle/>
+          <a:p>
+            <a:pPr indent="0" lvl="0" marL="0" rtl="0">
+              <a:spcBef>
+                <a:spcPts val="0"/>
+              </a:spcBef>
+              <a:spcAft>
+                <a:spcPts val="0"/>
+              </a:spcAft>
+              <a:buNone/>
+            </a:pPr>
+            <a:r>
+              <a:rPr lang="it" sz="600"/>
+              <a:t>Grafico</a:t>
+            </a:r>
+            <a:endParaRPr sz="600"/>
+          </a:p>
+        </p:txBody>
+      </p:sp>
+      <p:sp>
+        <p:nvSpPr>
+          <p:cNvPr id="194" name="Shape 194"/>
+          <p:cNvSpPr/>
+          <p:nvPr/>
+        </p:nvSpPr>
+        <p:spPr>
+          <a:xfrm>
+            <a:off x="2065000" y="2034863"/>
+            <a:ext cx="902100" cy="333900"/>
+          </a:xfrm>
+          <a:prstGeom prst="flowChartInternalStorage">
+            <a:avLst/>
+          </a:prstGeom>
+          <a:noFill/>
+          <a:ln cap="flat" cmpd="sng" w="9525">
+            <a:solidFill>
+              <a:schemeClr val="dk2"/>
+            </a:solidFill>
+            <a:prstDash val="solid"/>
+            <a:round/>
+            <a:headEnd len="sm" w="sm" type="none"/>
+            <a:tailEnd len="sm" w="sm" type="none"/>
+          </a:ln>
+        </p:spPr>
+        <p:txBody>
+          <a:bodyPr anchorCtr="0" anchor="ctr" bIns="91425" lIns="91425" spcFirstLastPara="1" rIns="91425" wrap="square" tIns="91425">
+            <a:noAutofit/>
+          </a:bodyPr>
+          <a:lstStyle/>
+          <a:p>
+            <a:pPr indent="0" lvl="0" marL="0">
+              <a:spcBef>
+                <a:spcPts val="0"/>
+              </a:spcBef>
+              <a:spcAft>
+                <a:spcPts val="0"/>
+              </a:spcAft>
+              <a:buNone/>
+            </a:pPr>
+            <a:r>
+              <a:t/>
+            </a:r>
+            <a:endParaRPr/>
+          </a:p>
+        </p:txBody>
+      </p:sp>
+      <p:sp>
+        <p:nvSpPr>
+          <p:cNvPr id="195" name="Shape 195"/>
+          <p:cNvSpPr/>
+          <p:nvPr/>
+        </p:nvSpPr>
+        <p:spPr>
+          <a:xfrm>
+            <a:off x="4677700" y="1971300"/>
+            <a:ext cx="1056900" cy="333900"/>
+          </a:xfrm>
+          <a:prstGeom prst="flowChartInternalStorage">
+            <a:avLst/>
+          </a:prstGeom>
+          <a:noFill/>
+          <a:ln cap="flat" cmpd="sng" w="9525">
+            <a:solidFill>
+              <a:schemeClr val="dk2"/>
+            </a:solidFill>
+            <a:prstDash val="solid"/>
+            <a:round/>
+            <a:headEnd len="sm" w="sm" type="none"/>
+            <a:tailEnd len="sm" w="sm" type="none"/>
+          </a:ln>
+        </p:spPr>
+        <p:txBody>
+          <a:bodyPr anchorCtr="0" anchor="ctr" bIns="91425" lIns="91425" spcFirstLastPara="1" rIns="91425" wrap="square" tIns="91425">
+            <a:noAutofit/>
+          </a:bodyPr>
+          <a:lstStyle/>
+          <a:p>
+            <a:pPr indent="0" lvl="0" marL="0">
+              <a:spcBef>
+                <a:spcPts val="0"/>
+              </a:spcBef>
+              <a:spcAft>
+                <a:spcPts val="0"/>
+              </a:spcAft>
+              <a:buNone/>
+            </a:pPr>
+            <a:r>
+              <a:t/>
+            </a:r>
+            <a:endParaRPr/>
+          </a:p>
+        </p:txBody>
+      </p:sp>
+      <p:sp>
+        <p:nvSpPr>
+          <p:cNvPr id="196" name="Shape 196"/>
+          <p:cNvSpPr/>
+          <p:nvPr/>
+        </p:nvSpPr>
+        <p:spPr>
+          <a:xfrm>
+            <a:off x="3775600" y="3330473"/>
+            <a:ext cx="846800" cy="281100"/>
+          </a:xfrm>
+          <a:prstGeom prst="flowChartInternalStorage">
+            <a:avLst/>
+          </a:prstGeom>
+          <a:noFill/>
+          <a:ln cap="flat" cmpd="sng" w="9525">
+            <a:solidFill>
+              <a:schemeClr val="dk2"/>
+            </a:solidFill>
+            <a:prstDash val="solid"/>
+            <a:round/>
+            <a:headEnd len="sm" w="sm" type="none"/>
+            <a:tailEnd len="sm" w="sm" type="none"/>
+          </a:ln>
+        </p:spPr>
+        <p:txBody>
+          <a:bodyPr anchorCtr="0" anchor="ctr" bIns="91425" lIns="91425" spcFirstLastPara="1" rIns="91425" wrap="square" tIns="91425">
+            <a:noAutofit/>
+          </a:bodyPr>
+          <a:lstStyle/>
+          <a:p>
+            <a:pPr indent="0" lvl="0" marL="0">
+              <a:spcBef>
+                <a:spcPts val="0"/>
+              </a:spcBef>
+              <a:spcAft>
+                <a:spcPts val="0"/>
+              </a:spcAft>
+              <a:buNone/>
+            </a:pPr>
+            <a:r>
+              <a:t/>
+            </a:r>
+            <a:endParaRPr/>
+          </a:p>
+        </p:txBody>
+      </p:sp>
+      <p:sp>
+        <p:nvSpPr>
+          <p:cNvPr id="197" name="Shape 197"/>
+          <p:cNvSpPr/>
+          <p:nvPr/>
+        </p:nvSpPr>
+        <p:spPr>
+          <a:xfrm>
+            <a:off x="5700825" y="3351123"/>
+            <a:ext cx="902100" cy="281100"/>
+          </a:xfrm>
+          <a:prstGeom prst="flowChartInternalStorage">
+            <a:avLst/>
+          </a:prstGeom>
+          <a:noFill/>
+          <a:ln cap="flat" cmpd="sng" w="9525">
+            <a:solidFill>
+              <a:schemeClr val="dk2"/>
+            </a:solidFill>
+            <a:prstDash val="solid"/>
+            <a:round/>
+            <a:headEnd len="sm" w="sm" type="none"/>
+            <a:tailEnd len="sm" w="sm" type="none"/>
+          </a:ln>
+        </p:spPr>
+        <p:txBody>
+          <a:bodyPr anchorCtr="0" anchor="ctr" bIns="91425" lIns="91425" spcFirstLastPara="1" rIns="91425" wrap="square" tIns="91425">
+            <a:noAutofit/>
+          </a:bodyPr>
+          <a:lstStyle/>
+          <a:p>
+            <a:pPr indent="0" lvl="0" marL="0">
+              <a:spcBef>
+                <a:spcPts val="0"/>
+              </a:spcBef>
+              <a:spcAft>
+                <a:spcPts val="0"/>
+              </a:spcAft>
+              <a:buNone/>
+            </a:pPr>
+            <a:r>
+              <a:t/>
+            </a:r>
+            <a:endParaRPr/>
+          </a:p>
+        </p:txBody>
+      </p:sp>
+      <p:sp>
+        <p:nvSpPr>
+          <p:cNvPr id="198" name="Shape 198"/>
+          <p:cNvSpPr/>
+          <p:nvPr/>
+        </p:nvSpPr>
+        <p:spPr>
+          <a:xfrm>
+            <a:off x="7146188" y="2067873"/>
+            <a:ext cx="597000" cy="281100"/>
+          </a:xfrm>
+          <a:prstGeom prst="flowChartInternalStorage">
+            <a:avLst/>
+          </a:prstGeom>
+          <a:noFill/>
+          <a:ln cap="flat" cmpd="sng" w="9525">
+            <a:solidFill>
+              <a:schemeClr val="dk2"/>
+            </a:solidFill>
+            <a:prstDash val="solid"/>
+            <a:round/>
+            <a:headEnd len="sm" w="sm" type="none"/>
+            <a:tailEnd len="sm" w="sm" type="none"/>
+          </a:ln>
+        </p:spPr>
+        <p:txBody>
+          <a:bodyPr anchorCtr="0" anchor="ctr" bIns="91425" lIns="91425" spcFirstLastPara="1" rIns="91425" wrap="square" tIns="91425">
+            <a:noAutofit/>
+          </a:bodyPr>
+          <a:lstStyle/>
+          <a:p>
+            <a:pPr indent="0" lvl="0" marL="0">
+              <a:spcBef>
+                <a:spcPts val="0"/>
+              </a:spcBef>
+              <a:spcAft>
+                <a:spcPts val="0"/>
+              </a:spcAft>
+              <a:buNone/>
+            </a:pPr>
+            <a:r>
+              <a:t/>
+            </a:r>
+            <a:endParaRPr/>
+          </a:p>
+        </p:txBody>
+      </p:sp>
     </p:spTree>
   </p:cSld>
   <p:clrMapOvr>
@@ -14332,6 +14829,146 @@
                                   </p:childTnLst>
                                 </p:cTn>
                               </p:par>
+                              <p:par>
+                                <p:cTn fill="hold" nodeType="withEffect" presetClass="entr" presetID="10" presetSubtype="0">
+                                  <p:stCondLst>
+                                    <p:cond delay="0"/>
+                                  </p:stCondLst>
+                                  <p:childTnLst>
+                                    <p:set>
+                                      <p:cBhvr>
+                                        <p:cTn dur="1" fill="hold">
+                                          <p:stCondLst>
+                                            <p:cond delay="0"/>
+                                          </p:stCondLst>
+                                        </p:cTn>
+                                        <p:tgtEl>
+                                          <p:spTgt spid="189"/>
+                                        </p:tgtEl>
+                                        <p:attrNameLst>
+                                          <p:attrName>style.visibility</p:attrName>
+                                        </p:attrNameLst>
+                                      </p:cBhvr>
+                                      <p:to>
+                                        <p:strVal val="visible"/>
+                                      </p:to>
+                                    </p:set>
+                                    <p:animEffect filter="fade" transition="in">
+                                      <p:cBhvr>
+                                        <p:cTn dur="1000"/>
+                                        <p:tgtEl>
+                                          <p:spTgt spid="189"/>
+                                        </p:tgtEl>
+                                      </p:cBhvr>
+                                    </p:animEffect>
+                                  </p:childTnLst>
+                                </p:cTn>
+                              </p:par>
+                              <p:par>
+                                <p:cTn fill="hold" nodeType="withEffect" presetClass="entr" presetID="10" presetSubtype="0">
+                                  <p:stCondLst>
+                                    <p:cond delay="0"/>
+                                  </p:stCondLst>
+                                  <p:childTnLst>
+                                    <p:set>
+                                      <p:cBhvr>
+                                        <p:cTn dur="1" fill="hold">
+                                          <p:stCondLst>
+                                            <p:cond delay="0"/>
+                                          </p:stCondLst>
+                                        </p:cTn>
+                                        <p:tgtEl>
+                                          <p:spTgt spid="190"/>
+                                        </p:tgtEl>
+                                        <p:attrNameLst>
+                                          <p:attrName>style.visibility</p:attrName>
+                                        </p:attrNameLst>
+                                      </p:cBhvr>
+                                      <p:to>
+                                        <p:strVal val="visible"/>
+                                      </p:to>
+                                    </p:set>
+                                    <p:animEffect filter="fade" transition="in">
+                                      <p:cBhvr>
+                                        <p:cTn dur="1000"/>
+                                        <p:tgtEl>
+                                          <p:spTgt spid="190"/>
+                                        </p:tgtEl>
+                                      </p:cBhvr>
+                                    </p:animEffect>
+                                  </p:childTnLst>
+                                </p:cTn>
+                              </p:par>
+                              <p:par>
+                                <p:cTn fill="hold" nodeType="withEffect" presetClass="entr" presetID="10" presetSubtype="0">
+                                  <p:stCondLst>
+                                    <p:cond delay="0"/>
+                                  </p:stCondLst>
+                                  <p:childTnLst>
+                                    <p:set>
+                                      <p:cBhvr>
+                                        <p:cTn dur="1" fill="hold">
+                                          <p:stCondLst>
+                                            <p:cond delay="0"/>
+                                          </p:stCondLst>
+                                        </p:cTn>
+                                        <p:tgtEl>
+                                          <p:spTgt spid="196"/>
+                                        </p:tgtEl>
+                                        <p:attrNameLst>
+                                          <p:attrName>style.visibility</p:attrName>
+                                        </p:attrNameLst>
+                                      </p:cBhvr>
+                                      <p:to>
+                                        <p:strVal val="visible"/>
+                                      </p:to>
+                                    </p:set>
+                                    <p:animEffect filter="fade" transition="in">
+                                      <p:cBhvr>
+                                        <p:cTn dur="1000"/>
+                                        <p:tgtEl>
+                                          <p:spTgt spid="196"/>
+                                        </p:tgtEl>
+                                      </p:cBhvr>
+                                    </p:animEffect>
+                                  </p:childTnLst>
+                                </p:cTn>
+                              </p:par>
+                              <p:par>
+                                <p:cTn fill="hold" nodeType="withEffect" presetClass="entr" presetID="10" presetSubtype="0">
+                                  <p:stCondLst>
+                                    <p:cond delay="0"/>
+                                  </p:stCondLst>
+                                  <p:childTnLst>
+                                    <p:set>
+                                      <p:cBhvr>
+                                        <p:cTn dur="1" fill="hold">
+                                          <p:stCondLst>
+                                            <p:cond delay="0"/>
+                                          </p:stCondLst>
+                                        </p:cTn>
+                                        <p:tgtEl>
+                                          <p:spTgt spid="194"/>
+                                        </p:tgtEl>
+                                        <p:attrNameLst>
+                                          <p:attrName>style.visibility</p:attrName>
+                                        </p:attrNameLst>
+                                      </p:cBhvr>
+                                      <p:to>
+                                        <p:strVal val="visible"/>
+                                      </p:to>
+                                    </p:set>
+                                    <p:animEffect filter="fade" transition="in">
+                                      <p:cBhvr>
+                                        <p:cTn dur="1000"/>
+                                        <p:tgtEl>
+                                          <p:spTgt spid="194"/>
+                                        </p:tgtEl>
+                                      </p:cBhvr>
+                                    </p:animEffect>
+                                  </p:childTnLst>
+                                </p:cTn>
+                              </p:par>
                             </p:childTnLst>
                           </p:cTn>
                         </p:par>
@@ -14399,6 +15036,76 @@
                                           </p:stCondLst>
                                         </p:cTn>
                                         <p:tgtEl>
+                                          <p:spTgt spid="191"/>
+                                        </p:tgtEl>
+                                        <p:attrNameLst>
+                                          <p:attrName>style.visibility</p:attrName>
+                                        </p:attrNameLst>
+                                      </p:cBhvr>
+                                      <p:to>
+                                        <p:strVal val="visible"/>
+                                      </p:to>
+                                    </p:set>
+                                    <p:animEffect filter="fade" transition="in">
+                                      <p:cBhvr>
+                                        <p:cTn dur="1000"/>
+                                        <p:tgtEl>
+                                          <p:spTgt spid="191"/>
+                                        </p:tgtEl>
+                                      </p:cBhvr>
+                                    </p:animEffect>
+                                  </p:childTnLst>
+                                </p:cTn>
+                              </p:par>
+                              <p:par>
+                                <p:cTn fill="hold" nodeType="withEffect" presetClass="entr" presetID="10" presetSubtype="0">
+                                  <p:stCondLst>
+                                    <p:cond delay="0"/>
+                                  </p:stCondLst>
+                                  <p:childTnLst>
+                                    <p:set>
+                                      <p:cBhvr>
+                                        <p:cTn dur="1" fill="hold">
+                                          <p:stCondLst>
+                                            <p:cond delay="0"/>
+                                          </p:stCondLst>
+                                        </p:cTn>
+                                        <p:tgtEl>
+                                          <p:spTgt spid="192"/>
+                                        </p:tgtEl>
+                                        <p:attrNameLst>
+                                          <p:attrName>style.visibility</p:attrName>
+                                        </p:attrNameLst>
+                                      </p:cBhvr>
+                                      <p:to>
+                                        <p:strVal val="visible"/>
+                                      </p:to>
+                                    </p:set>
+                                    <p:animEffect filter="fade" transition="in">
+                                      <p:cBhvr>
+                                        <p:cTn dur="1000"/>
+                                        <p:tgtEl>
+                                          <p:spTgt spid="192"/>
+                                        </p:tgtEl>
+                                      </p:cBhvr>
+                                    </p:animEffect>
+                                  </p:childTnLst>
+                                </p:cTn>
+                              </p:par>
+                              <p:par>
+                                <p:cTn fill="hold" nodeType="withEffect" presetClass="entr" presetID="10" presetSubtype="0">
+                                  <p:stCondLst>
+                                    <p:cond delay="0"/>
+                                  </p:stCondLst>
+                                  <p:childTnLst>
+                                    <p:set>
+                                      <p:cBhvr>
+                                        <p:cTn dur="1" fill="hold">
+                                          <p:stCondLst>
+                                            <p:cond delay="0"/>
+                                          </p:stCondLst>
+                                        </p:cTn>
+                                        <p:tgtEl>
                                           <p:spTgt spid="187"/>
                                         </p:tgtEl>
                                         <p:attrNameLst>
@@ -14414,6 +15121,76 @@
                                         <p:cTn dur="1000"/>
                                         <p:tgtEl>
                                           <p:spTgt spid="187"/>
+                                        </p:tgtEl>
+                                      </p:cBhvr>
+                                    </p:animEffect>
+                                  </p:childTnLst>
+                                </p:cTn>
+                              </p:par>
+                              <p:par>
+                                <p:cTn fill="hold" nodeType="withEffect" presetClass="entr" presetID="10" presetSubtype="0">
+                                  <p:stCondLst>
+                                    <p:cond delay="0"/>
+                                  </p:stCondLst>
+                                  <p:childTnLst>
+                                    <p:set>
+                                      <p:cBhvr>
+                                        <p:cTn dur="1" fill="hold">
+                                          <p:stCondLst>
+                                            <p:cond delay="0"/>
+                                          </p:stCondLst>
+                                        </p:cTn>
+                                        <p:tgtEl>
+                                          <p:spTgt spid="197"/>
+                                        </p:tgtEl>
+                                        <p:attrNameLst>
+                                          <p:attrName>style.visibility</p:attrName>
+                                        </p:attrNameLst>
+                                      </p:cBhvr>
+                                      <p:to>
+                                        <p:strVal val="visible"/>
+                                      </p:to>
+                                    </p:set>
+                                    <p:animEffect filter="fade" transition="in">
+                                      <p:cBhvr>
+                                        <p:cTn dur="1000"/>
+                                        <p:tgtEl>
+                                          <p:spTgt spid="197"/>
+                                        </p:tgtEl>
+                                      </p:cBhvr>
+                                    </p:animEffect>
+                                  </p:childTnLst>
+                                </p:cTn>
+                              </p:par>
+                              <p:par>
+                                <p:cTn fill="hold" nodeType="withEffect" presetClass="entr" presetID="10" presetSubtype="0">
+                                  <p:stCondLst>
+                                    <p:cond delay="0"/>
+                                  </p:stCondLst>
+                                  <p:childTnLst>
+                                    <p:set>
+                                      <p:cBhvr>
+                                        <p:cTn dur="1" fill="hold">
+                                          <p:stCondLst>
+                                            <p:cond delay="0"/>
+                                          </p:stCondLst>
+                                        </p:cTn>
+                                        <p:tgtEl>
+                                          <p:spTgt spid="195"/>
+                                        </p:tgtEl>
+                                        <p:attrNameLst>
+                                          <p:attrName>style.visibility</p:attrName>
+                                        </p:attrNameLst>
+                                      </p:cBhvr>
+                                      <p:to>
+                                        <p:strVal val="visible"/>
+                                      </p:to>
+                                    </p:set>
+                                    <p:animEffect filter="fade" transition="in">
+                                      <p:cBhvr>
+                                        <p:cTn dur="1000"/>
+                                        <p:tgtEl>
+                                          <p:spTgt spid="195"/>
                                         </p:tgtEl>
                                       </p:cBhvr>
                                     </p:animEffect>
@@ -14508,6 +15285,76 @@
                                   </p:childTnLst>
                                 </p:cTn>
                               </p:par>
+                              <p:par>
+                                <p:cTn fill="hold" nodeType="withEffect" presetClass="entr" presetID="10" presetSubtype="0">
+                                  <p:stCondLst>
+                                    <p:cond delay="0"/>
+                                  </p:stCondLst>
+                                  <p:childTnLst>
+                                    <p:set>
+                                      <p:cBhvr>
+                                        <p:cTn dur="1" fill="hold">
+                                          <p:stCondLst>
+                                            <p:cond delay="0"/>
+                                          </p:stCondLst>
+                                        </p:cTn>
+                                        <p:tgtEl>
+                                          <p:spTgt spid="198"/>
+                                        </p:tgtEl>
+                                        <p:attrNameLst>
+                                          <p:attrName>style.visibility</p:attrName>
+                                        </p:attrNameLst>
+                                      </p:cBhvr>
+                                      <p:to>
+                                        <p:strVal val="visible"/>
+                                      </p:to>
+                                    </p:set>
+                                    <p:animEffect filter="fade" transition="in">
+                                      <p:cBhvr>
+                                        <p:cTn dur="1000"/>
+                                        <p:tgtEl>
+                                          <p:spTgt spid="198"/>
+                                        </p:tgtEl>
+                                      </p:cBhvr>
+                                    </p:animEffect>
+                                  </p:childTnLst>
+                                </p:cTn>
+                              </p:par>
+                              <p:par>
+                                <p:cTn fill="hold" nodeType="withEffect" presetClass="entr" presetID="10" presetSubtype="0">
+                                  <p:stCondLst>
+                                    <p:cond delay="0"/>
+                                  </p:stCondLst>
+                                  <p:childTnLst>
+                                    <p:set>
+                                      <p:cBhvr>
+                                        <p:cTn dur="1" fill="hold">
+                                          <p:stCondLst>
+                                            <p:cond delay="0"/>
+                                          </p:stCondLst>
+                                        </p:cTn>
+                                        <p:tgtEl>
+                                          <p:spTgt spid="193"/>
+                                        </p:tgtEl>
+                                        <p:attrNameLst>
+                                          <p:attrName>style.visibility</p:attrName>
+                                        </p:attrNameLst>
+                                      </p:cBhvr>
+                                      <p:to>
+                                        <p:strVal val="visible"/>
+                                      </p:to>
+                                    </p:set>
+                                    <p:animEffect filter="fade" transition="in">
+                                      <p:cBhvr>
+                                        <p:cTn dur="1000"/>
+                                        <p:tgtEl>
+                                          <p:spTgt spid="193"/>
+                                        </p:tgtEl>
+                                      </p:cBhvr>
+                                    </p:animEffect>
+                                  </p:childTnLst>
+                                </p:cTn>
+                              </p:par>
                             </p:childTnLst>
                           </p:cTn>
                         </p:par>
@@ -14544,7 +15391,7 @@
   <p:cSld>
     <p:spTree>
       <p:nvGrpSpPr>
-        <p:cNvPr id="192" name="Shape 192"/>
+        <p:cNvPr id="202" name="Shape 202"/>
         <p:cNvGrpSpPr/>
         <p:nvPr/>
       </p:nvGrpSpPr>
@@ -14558,7 +15405,7 @@
       </p:grpSpPr>
       <p:sp>
         <p:nvSpPr>
-          <p:cNvPr id="193" name="Shape 193"/>
+          <p:cNvPr id="203" name="Shape 203"/>
           <p:cNvSpPr txBox="1"/>
           <p:nvPr>
             <p:ph type="title"/>
@@ -14613,7 +15460,7 @@
       </p:sp>
       <p:sp>
         <p:nvSpPr>
-          <p:cNvPr id="194" name="Shape 194"/>
+          <p:cNvPr id="204" name="Shape 204"/>
           <p:cNvSpPr/>
           <p:nvPr/>
         </p:nvSpPr>
@@ -14679,7 +15526,7 @@
       </p:sp>
       <p:sp>
         <p:nvSpPr>
-          <p:cNvPr id="195" name="Shape 195"/>
+          <p:cNvPr id="205" name="Shape 205"/>
           <p:cNvSpPr/>
           <p:nvPr/>
         </p:nvSpPr>
@@ -14743,7 +15590,7 @@
       </p:sp>
       <p:sp>
         <p:nvSpPr>
-          <p:cNvPr id="196" name="Shape 196"/>
+          <p:cNvPr id="206" name="Shape 206"/>
           <p:cNvSpPr/>
           <p:nvPr/>
         </p:nvSpPr>
@@ -14807,7 +15654,7 @@
       </p:sp>
       <p:sp>
         <p:nvSpPr>
-          <p:cNvPr id="197" name="Shape 197"/>
+          <p:cNvPr id="207" name="Shape 207"/>
           <p:cNvSpPr/>
           <p:nvPr/>
         </p:nvSpPr>
@@ -14863,7 +15710,7 @@
             </a:pPr>
             <a:r>
               <a:rPr lang="it" sz="1000"/>
-              <a:t>FEATURE</a:t>
+              <a:t>FEATURE STATISTICHE</a:t>
             </a:r>
             <a:endParaRPr sz="1000"/>
           </a:p>
@@ -14871,7 +15718,7 @@
       </p:sp>
       <p:sp>
         <p:nvSpPr>
-          <p:cNvPr id="198" name="Shape 198"/>
+          <p:cNvPr id="208" name="Shape 208"/>
           <p:cNvSpPr/>
           <p:nvPr/>
         </p:nvSpPr>
@@ -14919,7 +15766,7 @@
       </p:sp>
       <p:sp>
         <p:nvSpPr>
-          <p:cNvPr id="199" name="Shape 199"/>
+          <p:cNvPr id="209" name="Shape 209"/>
           <p:cNvSpPr/>
           <p:nvPr/>
         </p:nvSpPr>
@@ -14969,10 +15816,10 @@
       </p:sp>
       <p:cxnSp>
         <p:nvCxnSpPr>
-          <p:cNvPr id="200" name="Shape 200"/>
+          <p:cNvPr id="210" name="Shape 210"/>
           <p:cNvCxnSpPr>
-            <a:stCxn id="194" idx="3"/>
-            <a:endCxn id="195" idx="1"/>
+            <a:stCxn id="204" idx="3"/>
+            <a:endCxn id="205" idx="1"/>
           </p:cNvCxnSpPr>
           <p:nvPr/>
         </p:nvCxnSpPr>
@@ -14998,10 +15845,10 @@
       </p:cxnSp>
       <p:cxnSp>
         <p:nvCxnSpPr>
-          <p:cNvPr id="201" name="Shape 201"/>
+          <p:cNvPr id="211" name="Shape 211"/>
           <p:cNvCxnSpPr>
-            <a:stCxn id="195" idx="3"/>
-            <a:endCxn id="196" idx="1"/>
+            <a:stCxn id="205" idx="3"/>
+            <a:endCxn id="206" idx="1"/>
           </p:cNvCxnSpPr>
           <p:nvPr/>
         </p:nvCxnSpPr>
@@ -15027,10 +15874,10 @@
       </p:cxnSp>
       <p:cxnSp>
         <p:nvCxnSpPr>
-          <p:cNvPr id="202" name="Shape 202"/>
+          <p:cNvPr id="212" name="Shape 212"/>
           <p:cNvCxnSpPr>
-            <a:stCxn id="196" idx="3"/>
-            <a:endCxn id="197" idx="1"/>
+            <a:stCxn id="206" idx="3"/>
+            <a:endCxn id="207" idx="1"/>
           </p:cNvCxnSpPr>
           <p:nvPr/>
         </p:nvCxnSpPr>
@@ -15056,10 +15903,10 @@
       </p:cxnSp>
       <p:cxnSp>
         <p:nvCxnSpPr>
-          <p:cNvPr id="203" name="Shape 203"/>
+          <p:cNvPr id="213" name="Shape 213"/>
           <p:cNvCxnSpPr>
-            <a:stCxn id="197" idx="2"/>
-            <a:endCxn id="198" idx="3"/>
+            <a:stCxn id="207" idx="2"/>
+            <a:endCxn id="208" idx="3"/>
           </p:cNvCxnSpPr>
           <p:nvPr/>
         </p:nvCxnSpPr>
@@ -15085,10 +15932,10 @@
       </p:cxnSp>
       <p:cxnSp>
         <p:nvCxnSpPr>
-          <p:cNvPr id="204" name="Shape 204"/>
+          <p:cNvPr id="214" name="Shape 214"/>
           <p:cNvCxnSpPr>
-            <a:stCxn id="198" idx="1"/>
-            <a:endCxn id="199" idx="3"/>
+            <a:stCxn id="208" idx="1"/>
+            <a:endCxn id="209" idx="3"/>
           </p:cNvCxnSpPr>
           <p:nvPr/>
         </p:nvCxnSpPr>
@@ -15112,6 +15959,642 @@
           </a:ln>
         </p:spPr>
       </p:cxnSp>
+      <p:sp>
+        <p:nvSpPr>
+          <p:cNvPr id="215" name="Shape 215"/>
+          <p:cNvSpPr txBox="1"/>
+          <p:nvPr/>
+        </p:nvSpPr>
+        <p:spPr>
+          <a:xfrm>
+            <a:off x="1659475" y="2927275"/>
+            <a:ext cx="902100" cy="333900"/>
+          </a:xfrm>
+          <a:prstGeom prst="rect">
+            <a:avLst/>
+          </a:prstGeom>
+          <a:noFill/>
+          <a:ln>
+            <a:noFill/>
+          </a:ln>
+        </p:spPr>
+        <p:txBody>
+          <a:bodyPr anchorCtr="0" anchor="t" bIns="91425" lIns="91425" spcFirstLastPara="1" rIns="91425" wrap="square" tIns="91425">
+            <a:noAutofit/>
+          </a:bodyPr>
+          <a:lstStyle/>
+          <a:p>
+            <a:pPr indent="0" lvl="0" marL="0" rtl="0">
+              <a:spcBef>
+                <a:spcPts val="0"/>
+              </a:spcBef>
+              <a:spcAft>
+                <a:spcPts val="0"/>
+              </a:spcAft>
+              <a:buNone/>
+            </a:pPr>
+            <a:r>
+              <a:rPr lang="it" sz="600"/>
+              <a:t>N righe dati</a:t>
+            </a:r>
+            <a:endParaRPr sz="600"/>
+          </a:p>
+          <a:p>
+            <a:pPr indent="0" lvl="0" marL="0" rtl="0">
+              <a:spcBef>
+                <a:spcPts val="0"/>
+              </a:spcBef>
+              <a:spcAft>
+                <a:spcPts val="0"/>
+              </a:spcAft>
+              <a:buNone/>
+            </a:pPr>
+            <a:r>
+              <a:rPr lang="it" sz="600"/>
+              <a:t>M assi accelerometri</a:t>
+            </a:r>
+            <a:endParaRPr sz="600"/>
+          </a:p>
+        </p:txBody>
+      </p:sp>
+      <p:sp>
+        <p:nvSpPr>
+          <p:cNvPr id="216" name="Shape 216"/>
+          <p:cNvSpPr txBox="1"/>
+          <p:nvPr/>
+        </p:nvSpPr>
+        <p:spPr>
+          <a:xfrm>
+            <a:off x="3640538" y="2918750"/>
+            <a:ext cx="902100" cy="333900"/>
+          </a:xfrm>
+          <a:prstGeom prst="rect">
+            <a:avLst/>
+          </a:prstGeom>
+          <a:noFill/>
+          <a:ln>
+            <a:noFill/>
+          </a:ln>
+        </p:spPr>
+        <p:txBody>
+          <a:bodyPr anchorCtr="0" anchor="t" bIns="91425" lIns="91425" spcFirstLastPara="1" rIns="91425" wrap="square" tIns="91425">
+            <a:noAutofit/>
+          </a:bodyPr>
+          <a:lstStyle/>
+          <a:p>
+            <a:pPr indent="0" lvl="0" marL="0" rtl="0">
+              <a:spcBef>
+                <a:spcPts val="0"/>
+              </a:spcBef>
+              <a:spcAft>
+                <a:spcPts val="0"/>
+              </a:spcAft>
+              <a:buNone/>
+            </a:pPr>
+            <a:r>
+              <a:rPr lang="it" sz="600"/>
+              <a:t>N righe dati filtrati</a:t>
+            </a:r>
+            <a:endParaRPr sz="600"/>
+          </a:p>
+          <a:p>
+            <a:pPr indent="0" lvl="0" marL="0" rtl="0">
+              <a:spcBef>
+                <a:spcPts val="0"/>
+              </a:spcBef>
+              <a:spcAft>
+                <a:spcPts val="0"/>
+              </a:spcAft>
+              <a:buNone/>
+            </a:pPr>
+            <a:r>
+              <a:rPr lang="it" sz="600"/>
+              <a:t>M assi accelerometri</a:t>
+            </a:r>
+            <a:endParaRPr sz="600"/>
+          </a:p>
+        </p:txBody>
+      </p:sp>
+      <p:sp>
+        <p:nvSpPr>
+          <p:cNvPr id="217" name="Shape 217"/>
+          <p:cNvSpPr txBox="1"/>
+          <p:nvPr/>
+        </p:nvSpPr>
+        <p:spPr>
+          <a:xfrm>
+            <a:off x="5650663" y="2918750"/>
+            <a:ext cx="902100" cy="476100"/>
+          </a:xfrm>
+          <a:prstGeom prst="rect">
+            <a:avLst/>
+          </a:prstGeom>
+          <a:noFill/>
+          <a:ln>
+            <a:noFill/>
+          </a:ln>
+        </p:spPr>
+        <p:txBody>
+          <a:bodyPr anchorCtr="0" anchor="t" bIns="91425" lIns="91425" spcFirstLastPara="1" rIns="91425" wrap="square" tIns="91425">
+            <a:noAutofit/>
+          </a:bodyPr>
+          <a:lstStyle/>
+          <a:p>
+            <a:pPr indent="0" lvl="0" marL="0" rtl="0">
+              <a:spcBef>
+                <a:spcPts val="0"/>
+              </a:spcBef>
+              <a:spcAft>
+                <a:spcPts val="0"/>
+              </a:spcAft>
+              <a:buNone/>
+            </a:pPr>
+            <a:r>
+              <a:rPr lang="it" sz="600"/>
+              <a:t>N righe dati filtrati</a:t>
+            </a:r>
+            <a:endParaRPr sz="600"/>
+          </a:p>
+          <a:p>
+            <a:pPr indent="0" lvl="0" marL="0" rtl="0">
+              <a:spcBef>
+                <a:spcPts val="0"/>
+              </a:spcBef>
+              <a:spcAft>
+                <a:spcPts val="0"/>
+              </a:spcAft>
+              <a:buNone/>
+            </a:pPr>
+            <a:r>
+              <a:rPr lang="it" sz="600"/>
+              <a:t>M assi accelerometri</a:t>
+            </a:r>
+            <a:endParaRPr sz="600"/>
+          </a:p>
+          <a:p>
+            <a:pPr indent="0" lvl="0" marL="0" rtl="0">
+              <a:spcBef>
+                <a:spcPts val="0"/>
+              </a:spcBef>
+              <a:spcAft>
+                <a:spcPts val="0"/>
+              </a:spcAft>
+              <a:buNone/>
+            </a:pPr>
+            <a:r>
+              <a:rPr lang="it" sz="600"/>
+              <a:t>P finestra temporale</a:t>
+            </a:r>
+            <a:endParaRPr sz="600"/>
+          </a:p>
+          <a:p>
+            <a:pPr indent="0" lvl="0" marL="0" rtl="0">
+              <a:spcBef>
+                <a:spcPts val="0"/>
+              </a:spcBef>
+              <a:spcAft>
+                <a:spcPts val="0"/>
+              </a:spcAft>
+              <a:buNone/>
+            </a:pPr>
+            <a:r>
+              <a:rPr lang="it" sz="600"/>
+              <a:t>S sovrapposizione</a:t>
+            </a:r>
+            <a:endParaRPr sz="600"/>
+          </a:p>
+        </p:txBody>
+      </p:sp>
+      <p:sp>
+        <p:nvSpPr>
+          <p:cNvPr id="218" name="Shape 218"/>
+          <p:cNvSpPr/>
+          <p:nvPr/>
+        </p:nvSpPr>
+        <p:spPr>
+          <a:xfrm>
+            <a:off x="1595525" y="2918750"/>
+            <a:ext cx="902100" cy="333900"/>
+          </a:xfrm>
+          <a:prstGeom prst="flowChartInternalStorage">
+            <a:avLst/>
+          </a:prstGeom>
+          <a:noFill/>
+          <a:ln cap="flat" cmpd="sng" w="9525">
+            <a:solidFill>
+              <a:schemeClr val="dk2"/>
+            </a:solidFill>
+            <a:prstDash val="solid"/>
+            <a:round/>
+            <a:headEnd len="sm" w="sm" type="none"/>
+            <a:tailEnd len="sm" w="sm" type="none"/>
+          </a:ln>
+        </p:spPr>
+        <p:txBody>
+          <a:bodyPr anchorCtr="0" anchor="ctr" bIns="91425" lIns="91425" spcFirstLastPara="1" rIns="91425" wrap="square" tIns="91425">
+            <a:noAutofit/>
+          </a:bodyPr>
+          <a:lstStyle/>
+          <a:p>
+            <a:pPr indent="0" lvl="0" marL="0">
+              <a:spcBef>
+                <a:spcPts val="0"/>
+              </a:spcBef>
+              <a:spcAft>
+                <a:spcPts val="0"/>
+              </a:spcAft>
+              <a:buNone/>
+            </a:pPr>
+            <a:r>
+              <a:t/>
+            </a:r>
+            <a:endParaRPr/>
+          </a:p>
+        </p:txBody>
+      </p:sp>
+      <p:sp>
+        <p:nvSpPr>
+          <p:cNvPr id="219" name="Shape 219"/>
+          <p:cNvSpPr/>
+          <p:nvPr/>
+        </p:nvSpPr>
+        <p:spPr>
+          <a:xfrm>
+            <a:off x="3583613" y="2918750"/>
+            <a:ext cx="902100" cy="333900"/>
+          </a:xfrm>
+          <a:prstGeom prst="flowChartInternalStorage">
+            <a:avLst/>
+          </a:prstGeom>
+          <a:noFill/>
+          <a:ln cap="flat" cmpd="sng" w="9525">
+            <a:solidFill>
+              <a:schemeClr val="dk2"/>
+            </a:solidFill>
+            <a:prstDash val="solid"/>
+            <a:round/>
+            <a:headEnd len="sm" w="sm" type="none"/>
+            <a:tailEnd len="sm" w="sm" type="none"/>
+          </a:ln>
+        </p:spPr>
+        <p:txBody>
+          <a:bodyPr anchorCtr="0" anchor="ctr" bIns="91425" lIns="91425" spcFirstLastPara="1" rIns="91425" wrap="square" tIns="91425">
+            <a:noAutofit/>
+          </a:bodyPr>
+          <a:lstStyle/>
+          <a:p>
+            <a:pPr indent="0" lvl="0" marL="0">
+              <a:spcBef>
+                <a:spcPts val="0"/>
+              </a:spcBef>
+              <a:spcAft>
+                <a:spcPts val="0"/>
+              </a:spcAft>
+              <a:buNone/>
+            </a:pPr>
+            <a:r>
+              <a:t/>
+            </a:r>
+            <a:endParaRPr/>
+          </a:p>
+        </p:txBody>
+      </p:sp>
+      <p:sp>
+        <p:nvSpPr>
+          <p:cNvPr id="220" name="Shape 220"/>
+          <p:cNvSpPr/>
+          <p:nvPr/>
+        </p:nvSpPr>
+        <p:spPr>
+          <a:xfrm>
+            <a:off x="5571725" y="2954100"/>
+            <a:ext cx="902100" cy="476100"/>
+          </a:xfrm>
+          <a:prstGeom prst="flowChartInternalStorage">
+            <a:avLst/>
+          </a:prstGeom>
+          <a:noFill/>
+          <a:ln cap="flat" cmpd="sng" w="9525">
+            <a:solidFill>
+              <a:schemeClr val="dk2"/>
+            </a:solidFill>
+            <a:prstDash val="solid"/>
+            <a:round/>
+            <a:headEnd len="sm" w="sm" type="none"/>
+            <a:tailEnd len="sm" w="sm" type="none"/>
+          </a:ln>
+        </p:spPr>
+        <p:txBody>
+          <a:bodyPr anchorCtr="0" anchor="ctr" bIns="91425" lIns="91425" spcFirstLastPara="1" rIns="91425" wrap="square" tIns="91425">
+            <a:noAutofit/>
+          </a:bodyPr>
+          <a:lstStyle/>
+          <a:p>
+            <a:pPr indent="0" lvl="0" marL="0">
+              <a:spcBef>
+                <a:spcPts val="0"/>
+              </a:spcBef>
+              <a:spcAft>
+                <a:spcPts val="0"/>
+              </a:spcAft>
+              <a:buNone/>
+            </a:pPr>
+            <a:r>
+              <a:t/>
+            </a:r>
+            <a:endParaRPr/>
+          </a:p>
+        </p:txBody>
+      </p:sp>
+      <p:sp>
+        <p:nvSpPr>
+          <p:cNvPr id="221" name="Shape 221"/>
+          <p:cNvSpPr/>
+          <p:nvPr/>
+        </p:nvSpPr>
+        <p:spPr>
+          <a:xfrm>
+            <a:off x="7303900" y="3625582"/>
+            <a:ext cx="902100" cy="729350"/>
+          </a:xfrm>
+          <a:prstGeom prst="flowChartInternalStorage">
+            <a:avLst/>
+          </a:prstGeom>
+          <a:noFill/>
+          <a:ln cap="flat" cmpd="sng" w="9525">
+            <a:solidFill>
+              <a:schemeClr val="dk2"/>
+            </a:solidFill>
+            <a:prstDash val="solid"/>
+            <a:round/>
+            <a:headEnd len="sm" w="sm" type="none"/>
+            <a:tailEnd len="sm" w="sm" type="none"/>
+          </a:ln>
+        </p:spPr>
+        <p:txBody>
+          <a:bodyPr anchorCtr="0" anchor="ctr" bIns="91425" lIns="91425" spcFirstLastPara="1" rIns="91425" wrap="square" tIns="91425">
+            <a:noAutofit/>
+          </a:bodyPr>
+          <a:lstStyle/>
+          <a:p>
+            <a:pPr indent="0" lvl="0" marL="0">
+              <a:spcBef>
+                <a:spcPts val="0"/>
+              </a:spcBef>
+              <a:spcAft>
+                <a:spcPts val="0"/>
+              </a:spcAft>
+              <a:buNone/>
+            </a:pPr>
+            <a:r>
+              <a:t/>
+            </a:r>
+            <a:endParaRPr/>
+          </a:p>
+        </p:txBody>
+      </p:sp>
+      <p:sp>
+        <p:nvSpPr>
+          <p:cNvPr id="222" name="Shape 222"/>
+          <p:cNvSpPr txBox="1"/>
+          <p:nvPr/>
+        </p:nvSpPr>
+        <p:spPr>
+          <a:xfrm>
+            <a:off x="7382850" y="3625581"/>
+            <a:ext cx="902100" cy="729300"/>
+          </a:xfrm>
+          <a:prstGeom prst="rect">
+            <a:avLst/>
+          </a:prstGeom>
+          <a:noFill/>
+          <a:ln>
+            <a:noFill/>
+          </a:ln>
+        </p:spPr>
+        <p:txBody>
+          <a:bodyPr anchorCtr="0" anchor="t" bIns="91425" lIns="91425" spcFirstLastPara="1" rIns="91425" wrap="square" tIns="91425">
+            <a:noAutofit/>
+          </a:bodyPr>
+          <a:lstStyle/>
+          <a:p>
+            <a:pPr indent="0" lvl="0" marL="0">
+              <a:spcBef>
+                <a:spcPts val="0"/>
+              </a:spcBef>
+              <a:spcAft>
+                <a:spcPts val="0"/>
+              </a:spcAft>
+              <a:buNone/>
+            </a:pPr>
+            <a:r>
+              <a:rPr lang="it" sz="600"/>
+              <a:t>Minimo,Massimo</a:t>
+            </a:r>
+            <a:endParaRPr sz="600"/>
+          </a:p>
+          <a:p>
+            <a:pPr indent="0" lvl="0" marL="0">
+              <a:spcBef>
+                <a:spcPts val="0"/>
+              </a:spcBef>
+              <a:spcAft>
+                <a:spcPts val="0"/>
+              </a:spcAft>
+              <a:buNone/>
+            </a:pPr>
+            <a:r>
+              <a:rPr lang="it" sz="600"/>
+              <a:t>Media,Mediana</a:t>
+            </a:r>
+            <a:endParaRPr sz="600"/>
+          </a:p>
+          <a:p>
+            <a:pPr indent="0" lvl="0" marL="0">
+              <a:spcBef>
+                <a:spcPts val="0"/>
+              </a:spcBef>
+              <a:spcAft>
+                <a:spcPts val="0"/>
+              </a:spcAft>
+              <a:buNone/>
+            </a:pPr>
+            <a:r>
+              <a:rPr lang="it" sz="600"/>
+              <a:t>Energia,Autovalori</a:t>
+            </a:r>
+            <a:endParaRPr sz="600"/>
+          </a:p>
+          <a:p>
+            <a:pPr indent="0" lvl="0" marL="0">
+              <a:spcBef>
+                <a:spcPts val="0"/>
+              </a:spcBef>
+              <a:spcAft>
+                <a:spcPts val="0"/>
+              </a:spcAft>
+              <a:buNone/>
+            </a:pPr>
+            <a:r>
+              <a:rPr lang="it" sz="600"/>
+              <a:t>….</a:t>
+            </a:r>
+            <a:endParaRPr sz="600"/>
+          </a:p>
+          <a:p>
+            <a:pPr indent="0" lvl="0" marL="0">
+              <a:spcBef>
+                <a:spcPts val="0"/>
+              </a:spcBef>
+              <a:spcAft>
+                <a:spcPts val="0"/>
+              </a:spcAft>
+              <a:buNone/>
+            </a:pPr>
+            <a:r>
+              <a:t/>
+            </a:r>
+            <a:endParaRPr sz="600"/>
+          </a:p>
+          <a:p>
+            <a:pPr indent="0" lvl="0" marL="0">
+              <a:spcBef>
+                <a:spcPts val="0"/>
+              </a:spcBef>
+              <a:spcAft>
+                <a:spcPts val="0"/>
+              </a:spcAft>
+              <a:buNone/>
+            </a:pPr>
+            <a:r>
+              <a:rPr lang="it" sz="600"/>
+              <a:t>Matrice Feature</a:t>
+            </a:r>
+            <a:endParaRPr sz="600"/>
+          </a:p>
+        </p:txBody>
+      </p:sp>
+      <p:sp>
+        <p:nvSpPr>
+          <p:cNvPr id="223" name="Shape 223"/>
+          <p:cNvSpPr/>
+          <p:nvPr/>
+        </p:nvSpPr>
+        <p:spPr>
+          <a:xfrm>
+            <a:off x="4474400" y="4261775"/>
+            <a:ext cx="902100" cy="476100"/>
+          </a:xfrm>
+          <a:prstGeom prst="flowChartInternalStorage">
+            <a:avLst/>
+          </a:prstGeom>
+          <a:noFill/>
+          <a:ln cap="flat" cmpd="sng" w="9525">
+            <a:solidFill>
+              <a:schemeClr val="dk2"/>
+            </a:solidFill>
+            <a:prstDash val="solid"/>
+            <a:round/>
+            <a:headEnd len="sm" w="sm" type="none"/>
+            <a:tailEnd len="sm" w="sm" type="none"/>
+          </a:ln>
+        </p:spPr>
+        <p:txBody>
+          <a:bodyPr anchorCtr="0" anchor="ctr" bIns="91425" lIns="91425" spcFirstLastPara="1" rIns="91425" wrap="square" tIns="91425">
+            <a:noAutofit/>
+          </a:bodyPr>
+          <a:lstStyle/>
+          <a:p>
+            <a:pPr indent="0" lvl="0" marL="0">
+              <a:spcBef>
+                <a:spcPts val="0"/>
+              </a:spcBef>
+              <a:spcAft>
+                <a:spcPts val="0"/>
+              </a:spcAft>
+              <a:buNone/>
+            </a:pPr>
+            <a:r>
+              <a:t/>
+            </a:r>
+            <a:endParaRPr/>
+          </a:p>
+        </p:txBody>
+      </p:sp>
+      <p:sp>
+        <p:nvSpPr>
+          <p:cNvPr id="224" name="Shape 224"/>
+          <p:cNvSpPr txBox="1"/>
+          <p:nvPr/>
+        </p:nvSpPr>
+        <p:spPr>
+          <a:xfrm>
+            <a:off x="4553350" y="4261775"/>
+            <a:ext cx="902100" cy="476100"/>
+          </a:xfrm>
+          <a:prstGeom prst="rect">
+            <a:avLst/>
+          </a:prstGeom>
+          <a:noFill/>
+          <a:ln>
+            <a:noFill/>
+          </a:ln>
+        </p:spPr>
+        <p:txBody>
+          <a:bodyPr anchorCtr="0" anchor="t" bIns="91425" lIns="91425" spcFirstLastPara="1" rIns="91425" wrap="square" tIns="91425">
+            <a:noAutofit/>
+          </a:bodyPr>
+          <a:lstStyle/>
+          <a:p>
+            <a:pPr indent="0" lvl="0" marL="0">
+              <a:spcBef>
+                <a:spcPts val="0"/>
+              </a:spcBef>
+              <a:spcAft>
+                <a:spcPts val="0"/>
+              </a:spcAft>
+              <a:buNone/>
+            </a:pPr>
+            <a:r>
+              <a:rPr lang="it" sz="600"/>
+              <a:t>K-means</a:t>
+            </a:r>
+            <a:endParaRPr sz="600"/>
+          </a:p>
+          <a:p>
+            <a:pPr indent="0" lvl="0" marL="0">
+              <a:spcBef>
+                <a:spcPts val="0"/>
+              </a:spcBef>
+              <a:spcAft>
+                <a:spcPts val="0"/>
+              </a:spcAft>
+              <a:buNone/>
+            </a:pPr>
+            <a:r>
+              <a:rPr lang="it" sz="600"/>
+              <a:t>C-Means</a:t>
+            </a:r>
+            <a:endParaRPr sz="600"/>
+          </a:p>
+          <a:p>
+            <a:pPr indent="0" lvl="0" marL="0" rtl="0">
+              <a:spcBef>
+                <a:spcPts val="0"/>
+              </a:spcBef>
+              <a:spcAft>
+                <a:spcPts val="0"/>
+              </a:spcAft>
+              <a:buNone/>
+            </a:pPr>
+            <a:r>
+              <a:rPr lang="it" sz="600"/>
+              <a:t>Reti Neurali</a:t>
+            </a:r>
+            <a:endParaRPr sz="600"/>
+          </a:p>
+        </p:txBody>
+      </p:sp>
     </p:spTree>
   </p:cSld>
   <p:clrMapOvr>
@@ -15151,7 +16634,7 @@
                                           </p:stCondLst>
                                         </p:cTn>
                                         <p:tgtEl>
-                                          <p:spTgt spid="200"/>
+                                          <p:spTgt spid="210"/>
                                         </p:tgtEl>
                                         <p:attrNameLst>
                                           <p:attrName>style.visibility</p:attrName>
@@ -15165,7 +16648,7 @@
                                       <p:cBhvr>
                                         <p:cTn dur="1000"/>
                                         <p:tgtEl>
-                                          <p:spTgt spid="200"/>
+                                          <p:spTgt spid="210"/>
                                         </p:tgtEl>
                                       </p:cBhvr>
                                     </p:animEffect>
@@ -15186,7 +16669,7 @@
                                           </p:stCondLst>
                                         </p:cTn>
                                         <p:tgtEl>
-                                          <p:spTgt spid="195"/>
+                                          <p:spTgt spid="218"/>
                                         </p:tgtEl>
                                         <p:attrNameLst>
                                           <p:attrName>style.visibility</p:attrName>
@@ -15200,60 +16683,7 @@
                                       <p:cBhvr>
                                         <p:cTn dur="1000"/>
                                         <p:tgtEl>
-                                          <p:spTgt spid="195"/>
-                                        </p:tgtEl>
-                                      </p:cBhvr>
-                                    </p:animEffect>
-                                  </p:childTnLst>
-                                </p:cTn>
-                              </p:par>
-                            </p:childTnLst>
-                          </p:cTn>
-                        </p:par>
-                      </p:childTnLst>
-                    </p:cTn>
-                  </p:par>
-                  <p:par>
-                    <p:cTn fill="hold">
-                      <p:stCondLst>
-                        <p:cond delay="indefinite"/>
-                      </p:stCondLst>
-                      <p:childTnLst>
-                        <p:par>
-                          <p:cTn fill="hold">
-                            <p:stCondLst>
-                              <p:cond delay="0"/>
-                            </p:stCondLst>
-                            <p:childTnLst>
-                              <p:par>
-                                <p:cTn fill="hold" nodeType="clickEffect" presetClass="entr" presetID="10" presetSubtype="0">
-                                  <p:stCondLst>
-                                    <p:cond delay="0"/>
-                                  </p:stCondLst>
-                                  <p:childTnLst>
-                                    <p:set>
-                                      <p:cBhvr>
-                                        <p:cTn dur="1" fill="hold">
-                                          <p:stCondLst>
-                                            <p:cond delay="0"/>
-                                          </p:stCondLst>
-                                        </p:cTn>
-                                        <p:tgtEl>
-                                          <p:spTgt spid="201"/>
-                                        </p:tgtEl>
-                                        <p:attrNameLst>
-                                          <p:attrName>style.visibility</p:attrName>
-                                        </p:attrNameLst>
-                                      </p:cBhvr>
-                                      <p:to>
-                                        <p:strVal val="visible"/>
-                                      </p:to>
-                                    </p:set>
-                                    <p:animEffect filter="fade" transition="in">
-                                      <p:cBhvr>
-                                        <p:cTn dur="1000"/>
-                                        <p:tgtEl>
-                                          <p:spTgt spid="201"/>
+                                          <p:spTgt spid="218"/>
                                         </p:tgtEl>
                                       </p:cBhvr>
                                     </p:animEffect>
@@ -15262,908 +16692,6 @@
                               </p:par>
                               <p:par>
                                 <p:cTn fill="hold" nodeType="withEffect" presetClass="entr" presetID="10" presetSubtype="0">
-                                  <p:stCondLst>
-                                    <p:cond delay="0"/>
-                                  </p:stCondLst>
-                                  <p:childTnLst>
-                                    <p:set>
-                                      <p:cBhvr>
-                                        <p:cTn dur="1" fill="hold">
-                                          <p:stCondLst>
-                                            <p:cond delay="0"/>
-                                          </p:stCondLst>
-                                        </p:cTn>
-                                        <p:tgtEl>
-                                          <p:spTgt spid="196"/>
-                                        </p:tgtEl>
-                                        <p:attrNameLst>
-                                          <p:attrName>style.visibility</p:attrName>
-                                        </p:attrNameLst>
-                                      </p:cBhvr>
-                                      <p:to>
-                                        <p:strVal val="visible"/>
-                                      </p:to>
-                                    </p:set>
-                                    <p:animEffect filter="fade" transition="in">
-                                      <p:cBhvr>
-                                        <p:cTn dur="1000"/>
-                                        <p:tgtEl>
-                                          <p:spTgt spid="196"/>
-                                        </p:tgtEl>
-                                      </p:cBhvr>
-                                    </p:animEffect>
-                                  </p:childTnLst>
-                                </p:cTn>
-                              </p:par>
-                            </p:childTnLst>
-                          </p:cTn>
-                        </p:par>
-                      </p:childTnLst>
-                    </p:cTn>
-                  </p:par>
-                  <p:par>
-                    <p:cTn fill="hold">
-                      <p:stCondLst>
-                        <p:cond delay="indefinite"/>
-                      </p:stCondLst>
-                      <p:childTnLst>
-                        <p:par>
-                          <p:cTn fill="hold">
-                            <p:stCondLst>
-                              <p:cond delay="0"/>
-                            </p:stCondLst>
-                            <p:childTnLst>
-                              <p:par>
-                                <p:cTn fill="hold" nodeType="clickEffect" presetClass="entr" presetID="10" presetSubtype="0">
-                                  <p:stCondLst>
-                                    <p:cond delay="0"/>
-                                  </p:stCondLst>
-                                  <p:childTnLst>
-                                    <p:set>
-                                      <p:cBhvr>
-                                        <p:cTn dur="1" fill="hold">
-                                          <p:stCondLst>
-                                            <p:cond delay="0"/>
-                                          </p:stCondLst>
-                                        </p:cTn>
-                                        <p:tgtEl>
-                                          <p:spTgt spid="202"/>
-                                        </p:tgtEl>
-                                        <p:attrNameLst>
-                                          <p:attrName>style.visibility</p:attrName>
-                                        </p:attrNameLst>
-                                      </p:cBhvr>
-                                      <p:to>
-                                        <p:strVal val="visible"/>
-                                      </p:to>
-                                    </p:set>
-                                    <p:animEffect filter="fade" transition="in">
-                                      <p:cBhvr>
-                                        <p:cTn dur="1000"/>
-                                        <p:tgtEl>
-                                          <p:spTgt spid="202"/>
-                                        </p:tgtEl>
-                                      </p:cBhvr>
-                                    </p:animEffect>
-                                  </p:childTnLst>
-                                </p:cTn>
-                              </p:par>
-                              <p:par>
-                                <p:cTn fill="hold" nodeType="withEffect" presetClass="entr" presetID="10" presetSubtype="0">
-                                  <p:stCondLst>
-                                    <p:cond delay="0"/>
-                                  </p:stCondLst>
-                                  <p:childTnLst>
-                                    <p:set>
-                                      <p:cBhvr>
-                                        <p:cTn dur="1" fill="hold">
-                                          <p:stCondLst>
-                                            <p:cond delay="0"/>
-                                          </p:stCondLst>
-                                        </p:cTn>
-                                        <p:tgtEl>
-                                          <p:spTgt spid="197"/>
-                                        </p:tgtEl>
-                                        <p:attrNameLst>
-                                          <p:attrName>style.visibility</p:attrName>
-                                        </p:attrNameLst>
-                                      </p:cBhvr>
-                                      <p:to>
-                                        <p:strVal val="visible"/>
-                                      </p:to>
-                                    </p:set>
-                                    <p:animEffect filter="fade" transition="in">
-                                      <p:cBhvr>
-                                        <p:cTn dur="1000"/>
-                                        <p:tgtEl>
-                                          <p:spTgt spid="197"/>
-                                        </p:tgtEl>
-                                      </p:cBhvr>
-                                    </p:animEffect>
-                                  </p:childTnLst>
-                                </p:cTn>
-                              </p:par>
-                            </p:childTnLst>
-                          </p:cTn>
-                        </p:par>
-                      </p:childTnLst>
-                    </p:cTn>
-                  </p:par>
-                  <p:par>
-                    <p:cTn fill="hold">
-                      <p:stCondLst>
-                        <p:cond delay="indefinite"/>
-                      </p:stCondLst>
-                      <p:childTnLst>
-                        <p:par>
-                          <p:cTn fill="hold">
-                            <p:stCondLst>
-                              <p:cond delay="0"/>
-                            </p:stCondLst>
-                            <p:childTnLst>
-                              <p:par>
-                                <p:cTn fill="hold" nodeType="clickEffect" presetClass="entr" presetID="10" presetSubtype="0">
-                                  <p:stCondLst>
-                                    <p:cond delay="0"/>
-                                  </p:stCondLst>
-                                  <p:childTnLst>
-                                    <p:set>
-                                      <p:cBhvr>
-                                        <p:cTn dur="1" fill="hold">
-                                          <p:stCondLst>
-                                            <p:cond delay="0"/>
-                                          </p:stCondLst>
-                                        </p:cTn>
-                                        <p:tgtEl>
-                                          <p:spTgt spid="203"/>
-                                        </p:tgtEl>
-                                        <p:attrNameLst>
-                                          <p:attrName>style.visibility</p:attrName>
-                                        </p:attrNameLst>
-                                      </p:cBhvr>
-                                      <p:to>
-                                        <p:strVal val="visible"/>
-                                      </p:to>
-                                    </p:set>
-                                    <p:animEffect filter="fade" transition="in">
-                                      <p:cBhvr>
-                                        <p:cTn dur="1000"/>
-                                        <p:tgtEl>
-                                          <p:spTgt spid="203"/>
-                                        </p:tgtEl>
-                                      </p:cBhvr>
-                                    </p:animEffect>
-                                  </p:childTnLst>
-                                </p:cTn>
-                              </p:par>
-                              <p:par>
-                                <p:cTn fill="hold" nodeType="withEffect" presetClass="entr" presetID="10" presetSubtype="0">
-                                  <p:stCondLst>
-                                    <p:cond delay="0"/>
-                                  </p:stCondLst>
-                                  <p:childTnLst>
-                                    <p:set>
-                                      <p:cBhvr>
-                                        <p:cTn dur="1" fill="hold">
-                                          <p:stCondLst>
-                                            <p:cond delay="0"/>
-                                          </p:stCondLst>
-                                        </p:cTn>
-                                        <p:tgtEl>
-                                          <p:spTgt spid="198"/>
-                                        </p:tgtEl>
-                                        <p:attrNameLst>
-                                          <p:attrName>style.visibility</p:attrName>
-                                        </p:attrNameLst>
-                                      </p:cBhvr>
-                                      <p:to>
-                                        <p:strVal val="visible"/>
-                                      </p:to>
-                                    </p:set>
-                                    <p:animEffect filter="fade" transition="in">
-                                      <p:cBhvr>
-                                        <p:cTn dur="1000"/>
-                                        <p:tgtEl>
-                                          <p:spTgt spid="198"/>
-                                        </p:tgtEl>
-                                      </p:cBhvr>
-                                    </p:animEffect>
-                                  </p:childTnLst>
-                                </p:cTn>
-                              </p:par>
-                            </p:childTnLst>
-                          </p:cTn>
-                        </p:par>
-                      </p:childTnLst>
-                    </p:cTn>
-                  </p:par>
-                  <p:par>
-                    <p:cTn fill="hold">
-                      <p:stCondLst>
-                        <p:cond delay="indefinite"/>
-                      </p:stCondLst>
-                      <p:childTnLst>
-                        <p:par>
-                          <p:cTn fill="hold">
-                            <p:stCondLst>
-                              <p:cond delay="0"/>
-                            </p:stCondLst>
-                            <p:childTnLst>
-                              <p:par>
-                                <p:cTn fill="hold" nodeType="clickEffect" presetClass="entr" presetID="10" presetSubtype="0">
-                                  <p:stCondLst>
-                                    <p:cond delay="0"/>
-                                  </p:stCondLst>
-                                  <p:childTnLst>
-                                    <p:set>
-                                      <p:cBhvr>
-                                        <p:cTn dur="1" fill="hold">
-                                          <p:stCondLst>
-                                            <p:cond delay="0"/>
-                                          </p:stCondLst>
-                                        </p:cTn>
-                                        <p:tgtEl>
-                                          <p:spTgt spid="204"/>
-                                        </p:tgtEl>
-                                        <p:attrNameLst>
-                                          <p:attrName>style.visibility</p:attrName>
-                                        </p:attrNameLst>
-                                      </p:cBhvr>
-                                      <p:to>
-                                        <p:strVal val="visible"/>
-                                      </p:to>
-                                    </p:set>
-                                    <p:animEffect filter="fade" transition="in">
-                                      <p:cBhvr>
-                                        <p:cTn dur="1200"/>
-                                        <p:tgtEl>
-                                          <p:spTgt spid="204"/>
-                                        </p:tgtEl>
-                                      </p:cBhvr>
-                                    </p:animEffect>
-                                  </p:childTnLst>
-                                </p:cTn>
-                              </p:par>
-                              <p:par>
-                                <p:cTn fill="hold" nodeType="withEffect" presetClass="entr" presetID="10" presetSubtype="0">
-                                  <p:stCondLst>
-                                    <p:cond delay="0"/>
-                                  </p:stCondLst>
-                                  <p:childTnLst>
-                                    <p:set>
-                                      <p:cBhvr>
-                                        <p:cTn dur="1" fill="hold">
-                                          <p:stCondLst>
-                                            <p:cond delay="0"/>
-                                          </p:stCondLst>
-                                        </p:cTn>
-                                        <p:tgtEl>
-                                          <p:spTgt spid="199"/>
-                                        </p:tgtEl>
-                                        <p:attrNameLst>
-                                          <p:attrName>style.visibility</p:attrName>
-                                        </p:attrNameLst>
-                                      </p:cBhvr>
-                                      <p:to>
-                                        <p:strVal val="visible"/>
-                                      </p:to>
-                                    </p:set>
-                                    <p:animEffect filter="fade" transition="in">
-                                      <p:cBhvr>
-                                        <p:cTn dur="1000"/>
-                                        <p:tgtEl>
-                                          <p:spTgt spid="199"/>
-                                        </p:tgtEl>
-                                      </p:cBhvr>
-                                    </p:animEffect>
-                                  </p:childTnLst>
-                                </p:cTn>
-                              </p:par>
-                            </p:childTnLst>
-                          </p:cTn>
-                        </p:par>
-                      </p:childTnLst>
-                    </p:cTn>
-                  </p:par>
-                </p:childTnLst>
-              </p:cTn>
-              <p:prevCondLst>
-                <p:cond evt="onPrev">
-                  <p:tgtEl>
-                    <p:sldTgt/>
-                  </p:tgtEl>
-                </p:cond>
-              </p:prevCondLst>
-              <p:nextCondLst>
-                <p:cond evt="onNext">
-                  <p:tgtEl>
-                    <p:sldTgt/>
-                  </p:tgtEl>
-                </p:cond>
-              </p:nextCondLst>
-            </p:seq>
-          </p:childTnLst>
-        </p:cTn>
-      </p:par>
-    </p:tnLst>
-  </p:timing>
-</p:sld>
-</file>
-
-<file path=ppt/slides/slide9.xml><?xml version="1.0" encoding="utf-8"?>
-<p:sld xmlns:a="http://schemas.openxmlformats.org/drawingml/2006/main" xmlns:r="http://schemas.openxmlformats.org/officeDocument/2006/relationships" xmlns:mc="http://schemas.openxmlformats.org/markup-compatibility/2006" xmlns:mv="urn:schemas-microsoft-com:mac:vml" xmlns:p="http://schemas.openxmlformats.org/presentationml/2006/main" xmlns:c="http://schemas.openxmlformats.org/drawingml/2006/chart" xmlns:dgm="http://schemas.openxmlformats.org/drawingml/2006/diagram" xmlns:o="urn:schemas-microsoft-com:office:office" xmlns:v="urn:schemas-microsoft-com:vml" xmlns:pvml="urn:schemas-microsoft-com:office:powerpoint" xmlns:com="http://schemas.openxmlformats.org/drawingml/2006/compatibility" xmlns:p14="http://schemas.microsoft.com/office/powerpoint/2010/main" xmlns:p15="http://schemas.microsoft.com/office/powerpoint/2012/main">
-  <p:cSld>
-    <p:spTree>
-      <p:nvGrpSpPr>
-        <p:cNvPr id="208" name="Shape 208"/>
-        <p:cNvGrpSpPr/>
-        <p:nvPr/>
-      </p:nvGrpSpPr>
-      <p:grpSpPr>
-        <a:xfrm>
-          <a:off x="0" y="0"/>
-          <a:ext cx="0" cy="0"/>
-          <a:chOff x="0" y="0"/>
-          <a:chExt cx="0" cy="0"/>
-        </a:xfrm>
-      </p:grpSpPr>
-      <p:sp>
-        <p:nvSpPr>
-          <p:cNvPr id="209" name="Shape 209"/>
-          <p:cNvSpPr txBox="1"/>
-          <p:nvPr>
-            <p:ph type="title"/>
-          </p:nvPr>
-        </p:nvSpPr>
-        <p:spPr>
-          <a:xfrm>
-            <a:off x="819150" y="845600"/>
-            <a:ext cx="7505700" cy="954600"/>
-          </a:xfrm>
-          <a:prstGeom prst="rect">
-            <a:avLst/>
-          </a:prstGeom>
-        </p:spPr>
-        <p:txBody>
-          <a:bodyPr anchorCtr="0" anchor="t" bIns="91425" lIns="91425" spcFirstLastPara="1" rIns="91425" wrap="square" tIns="91425">
-            <a:noAutofit/>
-          </a:bodyPr>
-          <a:lstStyle/>
-          <a:p>
-            <a:pPr indent="0" lvl="0" marL="0" rtl="0" algn="ctr">
-              <a:spcBef>
-                <a:spcPts val="0"/>
-              </a:spcBef>
-              <a:spcAft>
-                <a:spcPts val="0"/>
-              </a:spcAft>
-              <a:buNone/>
-            </a:pPr>
-            <a:r>
-              <a:rPr lang="it"/>
-              <a:t>Metodologia - Fase 3</a:t>
-            </a:r>
-            <a:endParaRPr/>
-          </a:p>
-          <a:p>
-            <a:pPr indent="0" lvl="0" marL="0">
-              <a:spcBef>
-                <a:spcPts val="0"/>
-              </a:spcBef>
-              <a:spcAft>
-                <a:spcPts val="0"/>
-              </a:spcAft>
-              <a:buNone/>
-            </a:pPr>
-            <a:r>
-              <a:t/>
-            </a:r>
-            <a:endParaRPr/>
-          </a:p>
-        </p:txBody>
-      </p:sp>
-      <p:sp>
-        <p:nvSpPr>
-          <p:cNvPr id="210" name="Shape 210"/>
-          <p:cNvSpPr/>
-          <p:nvPr/>
-        </p:nvSpPr>
-        <p:spPr>
-          <a:xfrm>
-            <a:off x="1388525" y="2191050"/>
-            <a:ext cx="798150" cy="654875"/>
-          </a:xfrm>
-          <a:prstGeom prst="flowChartPreparation">
-            <a:avLst/>
-          </a:prstGeom>
-          <a:solidFill>
-            <a:schemeClr val="lt2"/>
-          </a:solidFill>
-          <a:ln cap="flat" cmpd="sng" w="9525">
-            <a:solidFill>
-              <a:schemeClr val="dk2"/>
-            </a:solidFill>
-            <a:prstDash val="solid"/>
-            <a:round/>
-            <a:headEnd len="sm" w="sm" type="none"/>
-            <a:tailEnd len="sm" w="sm" type="none"/>
-          </a:ln>
-        </p:spPr>
-        <p:txBody>
-          <a:bodyPr anchorCtr="0" anchor="ctr" bIns="91425" lIns="91425" spcFirstLastPara="1" rIns="91425" wrap="square" tIns="91425">
-            <a:noAutofit/>
-          </a:bodyPr>
-          <a:lstStyle/>
-          <a:p>
-            <a:pPr indent="0" lvl="0" marL="0" rtl="0" algn="ctr">
-              <a:spcBef>
-                <a:spcPts val="0"/>
-              </a:spcBef>
-              <a:spcAft>
-                <a:spcPts val="0"/>
-              </a:spcAft>
-              <a:buNone/>
-            </a:pPr>
-            <a:r>
-              <a:rPr lang="it" sz="900"/>
-              <a:t>X,Y,Z</a:t>
-            </a:r>
-            <a:endParaRPr sz="900"/>
-          </a:p>
-          <a:p>
-            <a:pPr indent="0" lvl="0" marL="0" rtl="0" algn="ctr">
-              <a:spcBef>
-                <a:spcPts val="0"/>
-              </a:spcBef>
-              <a:spcAft>
-                <a:spcPts val="0"/>
-              </a:spcAft>
-              <a:buNone/>
-            </a:pPr>
-            <a:r>
-              <a:rPr lang="it" sz="900"/>
-              <a:t>ACC</a:t>
-            </a:r>
-            <a:endParaRPr sz="900"/>
-          </a:p>
-        </p:txBody>
-      </p:sp>
-      <p:sp>
-        <p:nvSpPr>
-          <p:cNvPr id="211" name="Shape 211"/>
-          <p:cNvSpPr/>
-          <p:nvPr/>
-        </p:nvSpPr>
-        <p:spPr>
-          <a:xfrm>
-            <a:off x="2756300" y="2208100"/>
-            <a:ext cx="1645437" cy="620775"/>
-          </a:xfrm>
-          <a:prstGeom prst="flowChartProcess">
-            <a:avLst/>
-          </a:prstGeom>
-          <a:noFill/>
-          <a:ln cap="flat" cmpd="sng" w="9525">
-            <a:solidFill>
-              <a:schemeClr val="dk2"/>
-            </a:solidFill>
-            <a:prstDash val="solid"/>
-            <a:round/>
-            <a:headEnd len="sm" w="sm" type="none"/>
-            <a:tailEnd len="sm" w="sm" type="none"/>
-          </a:ln>
-        </p:spPr>
-        <p:txBody>
-          <a:bodyPr anchorCtr="0" anchor="ctr" bIns="91425" lIns="91425" spcFirstLastPara="1" rIns="91425" wrap="square" tIns="91425">
-            <a:noAutofit/>
-          </a:bodyPr>
-          <a:lstStyle/>
-          <a:p>
-            <a:pPr indent="0" lvl="0" marL="0" rtl="0" algn="ctr">
-              <a:spcBef>
-                <a:spcPts val="0"/>
-              </a:spcBef>
-              <a:spcAft>
-                <a:spcPts val="0"/>
-              </a:spcAft>
-              <a:buNone/>
-            </a:pPr>
-            <a:r>
-              <a:rPr lang="it"/>
-              <a:t>ANALISI DISCRIMINANTE LINEARE</a:t>
-            </a:r>
-            <a:endParaRPr/>
-          </a:p>
-        </p:txBody>
-      </p:sp>
-      <p:sp>
-        <p:nvSpPr>
-          <p:cNvPr id="212" name="Shape 212"/>
-          <p:cNvSpPr/>
-          <p:nvPr/>
-        </p:nvSpPr>
-        <p:spPr>
-          <a:xfrm>
-            <a:off x="4968449" y="2208088"/>
-            <a:ext cx="1418900" cy="620775"/>
-          </a:xfrm>
-          <a:prstGeom prst="flowChartProcess">
-            <a:avLst/>
-          </a:prstGeom>
-          <a:noFill/>
-          <a:ln cap="flat" cmpd="sng" w="9525">
-            <a:solidFill>
-              <a:schemeClr val="dk2"/>
-            </a:solidFill>
-            <a:prstDash val="solid"/>
-            <a:round/>
-            <a:headEnd len="sm" w="sm" type="none"/>
-            <a:tailEnd len="sm" w="sm" type="none"/>
-          </a:ln>
-        </p:spPr>
-        <p:txBody>
-          <a:bodyPr anchorCtr="0" anchor="ctr" bIns="91425" lIns="91425" spcFirstLastPara="1" rIns="91425" wrap="square" tIns="91425">
-            <a:noAutofit/>
-          </a:bodyPr>
-          <a:lstStyle/>
-          <a:p>
-            <a:pPr indent="0" lvl="0" marL="0" rtl="0" algn="ctr">
-              <a:spcBef>
-                <a:spcPts val="0"/>
-              </a:spcBef>
-              <a:spcAft>
-                <a:spcPts val="0"/>
-              </a:spcAft>
-              <a:buNone/>
-            </a:pPr>
-            <a:r>
-              <a:rPr lang="it"/>
-              <a:t>Allenamento Classificatore</a:t>
-            </a:r>
-            <a:endParaRPr/>
-          </a:p>
-        </p:txBody>
-      </p:sp>
-      <p:sp>
-        <p:nvSpPr>
-          <p:cNvPr id="213" name="Shape 213"/>
-          <p:cNvSpPr/>
-          <p:nvPr/>
-        </p:nvSpPr>
-        <p:spPr>
-          <a:xfrm>
-            <a:off x="6957300" y="3206100"/>
-            <a:ext cx="798150" cy="654875"/>
-          </a:xfrm>
-          <a:prstGeom prst="flowChartPreparation">
-            <a:avLst/>
-          </a:prstGeom>
-          <a:solidFill>
-            <a:schemeClr val="lt2"/>
-          </a:solidFill>
-          <a:ln cap="flat" cmpd="sng" w="9525">
-            <a:solidFill>
-              <a:schemeClr val="dk2"/>
-            </a:solidFill>
-            <a:prstDash val="solid"/>
-            <a:round/>
-            <a:headEnd len="sm" w="sm" type="none"/>
-            <a:tailEnd len="sm" w="sm" type="none"/>
-          </a:ln>
-        </p:spPr>
-        <p:txBody>
-          <a:bodyPr anchorCtr="0" anchor="ctr" bIns="91425" lIns="91425" spcFirstLastPara="1" rIns="91425" wrap="square" tIns="91425">
-            <a:noAutofit/>
-          </a:bodyPr>
-          <a:lstStyle/>
-          <a:p>
-            <a:pPr indent="0" lvl="0" marL="0" rtl="0" algn="ctr">
-              <a:spcBef>
-                <a:spcPts val="0"/>
-              </a:spcBef>
-              <a:spcAft>
-                <a:spcPts val="0"/>
-              </a:spcAft>
-              <a:buNone/>
-            </a:pPr>
-            <a:r>
-              <a:rPr lang="it" sz="900"/>
-              <a:t>X,Y,Z</a:t>
-            </a:r>
-            <a:endParaRPr sz="900"/>
-          </a:p>
-          <a:p>
-            <a:pPr indent="0" lvl="0" marL="0" rtl="0" algn="ctr">
-              <a:spcBef>
-                <a:spcPts val="0"/>
-              </a:spcBef>
-              <a:spcAft>
-                <a:spcPts val="0"/>
-              </a:spcAft>
-              <a:buNone/>
-            </a:pPr>
-            <a:r>
-              <a:rPr lang="it" sz="900"/>
-              <a:t>ACC</a:t>
-            </a:r>
-            <a:endParaRPr sz="900"/>
-          </a:p>
-        </p:txBody>
-      </p:sp>
-      <p:sp>
-        <p:nvSpPr>
-          <p:cNvPr id="214" name="Shape 214"/>
-          <p:cNvSpPr/>
-          <p:nvPr/>
-        </p:nvSpPr>
-        <p:spPr>
-          <a:xfrm>
-            <a:off x="4968449" y="3223138"/>
-            <a:ext cx="1418900" cy="620775"/>
-          </a:xfrm>
-          <a:prstGeom prst="flowChartProcess">
-            <a:avLst/>
-          </a:prstGeom>
-          <a:solidFill>
-            <a:schemeClr val="lt1"/>
-          </a:solidFill>
-          <a:ln cap="flat" cmpd="sng" w="9525">
-            <a:solidFill>
-              <a:schemeClr val="dk2"/>
-            </a:solidFill>
-            <a:prstDash val="solid"/>
-            <a:round/>
-            <a:headEnd len="sm" w="sm" type="none"/>
-            <a:tailEnd len="sm" w="sm" type="none"/>
-          </a:ln>
-        </p:spPr>
-        <p:txBody>
-          <a:bodyPr anchorCtr="0" anchor="ctr" bIns="91425" lIns="91425" spcFirstLastPara="1" rIns="91425" wrap="square" tIns="91425">
-            <a:noAutofit/>
-          </a:bodyPr>
-          <a:lstStyle/>
-          <a:p>
-            <a:pPr indent="0" lvl="0" marL="0" rtl="0" algn="ctr">
-              <a:spcBef>
-                <a:spcPts val="0"/>
-              </a:spcBef>
-              <a:spcAft>
-                <a:spcPts val="0"/>
-              </a:spcAft>
-              <a:buNone/>
-            </a:pPr>
-            <a:r>
-              <a:rPr lang="it"/>
-              <a:t>Identificazione </a:t>
-            </a:r>
-            <a:r>
-              <a:rPr lang="it"/>
-              <a:t>preFOG</a:t>
-            </a:r>
-            <a:endParaRPr/>
-          </a:p>
-        </p:txBody>
-      </p:sp>
-      <p:cxnSp>
-        <p:nvCxnSpPr>
-          <p:cNvPr id="215" name="Shape 215"/>
-          <p:cNvCxnSpPr>
-            <a:stCxn id="210" idx="3"/>
-            <a:endCxn id="211" idx="1"/>
-          </p:cNvCxnSpPr>
-          <p:nvPr/>
-        </p:nvCxnSpPr>
-        <p:spPr>
-          <a:xfrm>
-            <a:off x="2186675" y="2518488"/>
-            <a:ext cx="569700" cy="0"/>
-          </a:xfrm>
-          <a:prstGeom prst="straightConnector1">
-            <a:avLst/>
-          </a:prstGeom>
-          <a:noFill/>
-          <a:ln cap="flat" cmpd="sng" w="9525">
-            <a:solidFill>
-              <a:schemeClr val="dk2"/>
-            </a:solidFill>
-            <a:prstDash val="solid"/>
-            <a:round/>
-            <a:headEnd len="med" w="med" type="none"/>
-            <a:tailEnd len="med" w="med" type="triangle"/>
-          </a:ln>
-        </p:spPr>
-      </p:cxnSp>
-      <p:cxnSp>
-        <p:nvCxnSpPr>
-          <p:cNvPr id="216" name="Shape 216"/>
-          <p:cNvCxnSpPr>
-            <a:stCxn id="211" idx="3"/>
-            <a:endCxn id="212" idx="1"/>
-          </p:cNvCxnSpPr>
-          <p:nvPr/>
-        </p:nvCxnSpPr>
-        <p:spPr>
-          <a:xfrm>
-            <a:off x="4401737" y="2518488"/>
-            <a:ext cx="566700" cy="0"/>
-          </a:xfrm>
-          <a:prstGeom prst="straightConnector1">
-            <a:avLst/>
-          </a:prstGeom>
-          <a:noFill/>
-          <a:ln cap="flat" cmpd="sng" w="9525">
-            <a:solidFill>
-              <a:schemeClr val="dk2"/>
-            </a:solidFill>
-            <a:prstDash val="solid"/>
-            <a:round/>
-            <a:headEnd len="med" w="med" type="none"/>
-            <a:tailEnd len="med" w="med" type="triangle"/>
-          </a:ln>
-        </p:spPr>
-      </p:cxnSp>
-      <p:cxnSp>
-        <p:nvCxnSpPr>
-          <p:cNvPr id="217" name="Shape 217"/>
-          <p:cNvCxnSpPr>
-            <a:stCxn id="212" idx="2"/>
-            <a:endCxn id="214" idx="0"/>
-          </p:cNvCxnSpPr>
-          <p:nvPr/>
-        </p:nvCxnSpPr>
-        <p:spPr>
-          <a:xfrm>
-            <a:off x="5677899" y="2828863"/>
-            <a:ext cx="0" cy="394200"/>
-          </a:xfrm>
-          <a:prstGeom prst="straightConnector1">
-            <a:avLst/>
-          </a:prstGeom>
-          <a:noFill/>
-          <a:ln cap="flat" cmpd="sng" w="9525">
-            <a:solidFill>
-              <a:schemeClr val="dk2"/>
-            </a:solidFill>
-            <a:prstDash val="solid"/>
-            <a:round/>
-            <a:headEnd len="med" w="med" type="none"/>
-            <a:tailEnd len="med" w="med" type="triangle"/>
-          </a:ln>
-        </p:spPr>
-      </p:cxnSp>
-      <p:cxnSp>
-        <p:nvCxnSpPr>
-          <p:cNvPr id="218" name="Shape 218"/>
-          <p:cNvCxnSpPr>
-            <a:stCxn id="213" idx="1"/>
-            <a:endCxn id="214" idx="3"/>
-          </p:cNvCxnSpPr>
-          <p:nvPr/>
-        </p:nvCxnSpPr>
-        <p:spPr>
-          <a:xfrm rot="10800000">
-            <a:off x="6387300" y="3533538"/>
-            <a:ext cx="570000" cy="0"/>
-          </a:xfrm>
-          <a:prstGeom prst="straightConnector1">
-            <a:avLst/>
-          </a:prstGeom>
-          <a:noFill/>
-          <a:ln cap="flat" cmpd="sng" w="9525">
-            <a:solidFill>
-              <a:schemeClr val="dk2"/>
-            </a:solidFill>
-            <a:prstDash val="solid"/>
-            <a:round/>
-            <a:headEnd len="med" w="med" type="none"/>
-            <a:tailEnd len="med" w="med" type="triangle"/>
-          </a:ln>
-        </p:spPr>
-      </p:cxnSp>
-      <p:sp>
-        <p:nvSpPr>
-          <p:cNvPr id="219" name="Shape 219"/>
-          <p:cNvSpPr/>
-          <p:nvPr/>
-        </p:nvSpPr>
-        <p:spPr>
-          <a:xfrm>
-            <a:off x="2868124" y="3223138"/>
-            <a:ext cx="1418900" cy="620775"/>
-          </a:xfrm>
-          <a:prstGeom prst="flowChartProcess">
-            <a:avLst/>
-          </a:prstGeom>
-          <a:noFill/>
-          <a:ln cap="flat" cmpd="sng" w="9525">
-            <a:solidFill>
-              <a:schemeClr val="dk2"/>
-            </a:solidFill>
-            <a:prstDash val="solid"/>
-            <a:round/>
-            <a:headEnd len="sm" w="sm" type="none"/>
-            <a:tailEnd len="sm" w="sm" type="none"/>
-          </a:ln>
-        </p:spPr>
-        <p:txBody>
-          <a:bodyPr anchorCtr="0" anchor="ctr" bIns="91425" lIns="91425" spcFirstLastPara="1" rIns="91425" wrap="square" tIns="91425">
-            <a:noAutofit/>
-          </a:bodyPr>
-          <a:lstStyle/>
-          <a:p>
-            <a:pPr indent="0" lvl="0" marL="0" rtl="0" algn="ctr">
-              <a:spcBef>
-                <a:spcPts val="0"/>
-              </a:spcBef>
-              <a:spcAft>
-                <a:spcPts val="0"/>
-              </a:spcAft>
-              <a:buNone/>
-            </a:pPr>
-            <a:r>
-              <a:rPr lang="it"/>
-              <a:t>Stimolo Uditorio</a:t>
-            </a:r>
-            <a:endParaRPr/>
-          </a:p>
-        </p:txBody>
-      </p:sp>
-      <p:cxnSp>
-        <p:nvCxnSpPr>
-          <p:cNvPr id="220" name="Shape 220"/>
-          <p:cNvCxnSpPr>
-            <a:stCxn id="214" idx="1"/>
-            <a:endCxn id="219" idx="3"/>
-          </p:cNvCxnSpPr>
-          <p:nvPr/>
-        </p:nvCxnSpPr>
-        <p:spPr>
-          <a:xfrm rot="10800000">
-            <a:off x="4287149" y="3533525"/>
-            <a:ext cx="681300" cy="0"/>
-          </a:xfrm>
-          <a:prstGeom prst="straightConnector1">
-            <a:avLst/>
-          </a:prstGeom>
-          <a:noFill/>
-          <a:ln cap="flat" cmpd="sng" w="9525">
-            <a:solidFill>
-              <a:schemeClr val="dk2"/>
-            </a:solidFill>
-            <a:prstDash val="solid"/>
-            <a:round/>
-            <a:headEnd len="med" w="med" type="none"/>
-            <a:tailEnd len="med" w="med" type="triangle"/>
-          </a:ln>
-        </p:spPr>
-      </p:cxnSp>
-    </p:spTree>
-  </p:cSld>
-  <p:clrMapOvr>
-    <a:masterClrMapping/>
-  </p:clrMapOvr>
-  <p:timing>
-    <p:tnLst>
-      <p:par>
-        <p:cTn dur="indefinite" nodeType="tmRoot" restart="never">
-          <p:childTnLst>
-            <p:seq concurrent="1" nextAc="seek">
-              <p:cTn dur="indefinite" id="2" nodeType="mainSeq">
-                <p:childTnLst>
-                  <p:par>
-                    <p:cTn fill="hold">
-                      <p:stCondLst>
-                        <p:cond delay="indefinite"/>
-                      </p:stCondLst>
-                      <p:childTnLst>
-                        <p:par>
-                          <p:cTn fill="hold">
-                            <p:stCondLst>
-                              <p:cond delay="0"/>
-                            </p:stCondLst>
-                            <p:childTnLst>
-                              <p:par>
-                                <p:cTn fill="hold" nodeType="clickEffect" presetClass="entr" presetID="10" presetSubtype="0">
                                   <p:stCondLst>
                                     <p:cond delay="0"/>
                                   </p:stCondLst>
@@ -16211,7 +16739,7 @@
                                           </p:stCondLst>
                                         </p:cTn>
                                         <p:tgtEl>
-                                          <p:spTgt spid="211"/>
+                                          <p:spTgt spid="205"/>
                                         </p:tgtEl>
                                         <p:attrNameLst>
                                           <p:attrName>style.visibility</p:attrName>
@@ -16225,7 +16753,7 @@
                                       <p:cBhvr>
                                         <p:cTn dur="1000"/>
                                         <p:tgtEl>
-                                          <p:spTgt spid="211"/>
+                                          <p:spTgt spid="205"/>
                                         </p:tgtEl>
                                       </p:cBhvr>
                                     </p:animEffect>
@@ -16252,6 +16780,41 @@
                             <p:childTnLst>
                               <p:par>
                                 <p:cTn fill="hold" nodeType="clickEffect" presetClass="entr" presetID="10" presetSubtype="0">
+                                  <p:stCondLst>
+                                    <p:cond delay="0"/>
+                                  </p:stCondLst>
+                                  <p:childTnLst>
+                                    <p:set>
+                                      <p:cBhvr>
+                                        <p:cTn dur="1" fill="hold">
+                                          <p:stCondLst>
+                                            <p:cond delay="0"/>
+                                          </p:stCondLst>
+                                        </p:cTn>
+                                        <p:tgtEl>
+                                          <p:spTgt spid="211"/>
+                                        </p:tgtEl>
+                                        <p:attrNameLst>
+                                          <p:attrName>style.visibility</p:attrName>
+                                        </p:attrNameLst>
+                                      </p:cBhvr>
+                                      <p:to>
+                                        <p:strVal val="visible"/>
+                                      </p:to>
+                                    </p:set>
+                                    <p:animEffect filter="fade" transition="in">
+                                      <p:cBhvr>
+                                        <p:cTn dur="1000"/>
+                                        <p:tgtEl>
+                                          <p:spTgt spid="211"/>
+                                        </p:tgtEl>
+                                      </p:cBhvr>
+                                    </p:animEffect>
+                                  </p:childTnLst>
+                                </p:cTn>
+                              </p:par>
+                              <p:par>
+                                <p:cTn fill="hold" nodeType="withEffect" presetClass="entr" presetID="10" presetSubtype="0">
                                   <p:stCondLst>
                                     <p:cond delay="0"/>
                                   </p:stCondLst>
@@ -16299,6 +16862,94 @@
                                           </p:stCondLst>
                                         </p:cTn>
                                         <p:tgtEl>
+                                          <p:spTgt spid="219"/>
+                                        </p:tgtEl>
+                                        <p:attrNameLst>
+                                          <p:attrName>style.visibility</p:attrName>
+                                        </p:attrNameLst>
+                                      </p:cBhvr>
+                                      <p:to>
+                                        <p:strVal val="visible"/>
+                                      </p:to>
+                                    </p:set>
+                                    <p:animEffect filter="fade" transition="in">
+                                      <p:cBhvr>
+                                        <p:cTn dur="1000"/>
+                                        <p:tgtEl>
+                                          <p:spTgt spid="219"/>
+                                        </p:tgtEl>
+                                      </p:cBhvr>
+                                    </p:animEffect>
+                                  </p:childTnLst>
+                                </p:cTn>
+                              </p:par>
+                              <p:par>
+                                <p:cTn fill="hold" nodeType="withEffect" presetClass="entr" presetID="10" presetSubtype="0">
+                                  <p:stCondLst>
+                                    <p:cond delay="0"/>
+                                  </p:stCondLst>
+                                  <p:childTnLst>
+                                    <p:set>
+                                      <p:cBhvr>
+                                        <p:cTn dur="1" fill="hold">
+                                          <p:stCondLst>
+                                            <p:cond delay="0"/>
+                                          </p:stCondLst>
+                                        </p:cTn>
+                                        <p:tgtEl>
+                                          <p:spTgt spid="206"/>
+                                        </p:tgtEl>
+                                        <p:attrNameLst>
+                                          <p:attrName>style.visibility</p:attrName>
+                                        </p:attrNameLst>
+                                      </p:cBhvr>
+                                      <p:to>
+                                        <p:strVal val="visible"/>
+                                      </p:to>
+                                    </p:set>
+                                    <p:animEffect filter="fade" transition="in">
+                                      <p:cBhvr>
+                                        <p:cTn dur="1000"/>
+                                        <p:tgtEl>
+                                          <p:spTgt spid="206"/>
+                                        </p:tgtEl>
+                                      </p:cBhvr>
+                                    </p:animEffect>
+                                  </p:childTnLst>
+                                </p:cTn>
+                              </p:par>
+                            </p:childTnLst>
+                          </p:cTn>
+                        </p:par>
+                      </p:childTnLst>
+                    </p:cTn>
+                  </p:par>
+                  <p:par>
+                    <p:cTn fill="hold">
+                      <p:stCondLst>
+                        <p:cond delay="indefinite"/>
+                      </p:stCondLst>
+                      <p:childTnLst>
+                        <p:par>
+                          <p:cTn fill="hold">
+                            <p:stCondLst>
+                              <p:cond delay="0"/>
+                            </p:stCondLst>
+                            <p:childTnLst>
+                              <p:par>
+                                <p:cTn fill="hold" nodeType="clickEffect" presetClass="entr" presetID="10" presetSubtype="0">
+                                  <p:stCondLst>
+                                    <p:cond delay="0"/>
+                                  </p:stCondLst>
+                                  <p:childTnLst>
+                                    <p:set>
+                                      <p:cBhvr>
+                                        <p:cTn dur="1" fill="hold">
+                                          <p:stCondLst>
+                                            <p:cond delay="0"/>
+                                          </p:stCondLst>
+                                        </p:cTn>
+                                        <p:tgtEl>
                                           <p:spTgt spid="212"/>
                                         </p:tgtEl>
                                         <p:attrNameLst>
@@ -16314,6 +16965,111 @@
                                         <p:cTn dur="1000"/>
                                         <p:tgtEl>
                                           <p:spTgt spid="212"/>
+                                        </p:tgtEl>
+                                      </p:cBhvr>
+                                    </p:animEffect>
+                                  </p:childTnLst>
+                                </p:cTn>
+                              </p:par>
+                              <p:par>
+                                <p:cTn fill="hold" nodeType="withEffect" presetClass="entr" presetID="10" presetSubtype="0">
+                                  <p:stCondLst>
+                                    <p:cond delay="0"/>
+                                  </p:stCondLst>
+                                  <p:childTnLst>
+                                    <p:set>
+                                      <p:cBhvr>
+                                        <p:cTn dur="1" fill="hold">
+                                          <p:stCondLst>
+                                            <p:cond delay="0"/>
+                                          </p:stCondLst>
+                                        </p:cTn>
+                                        <p:tgtEl>
+                                          <p:spTgt spid="217"/>
+                                        </p:tgtEl>
+                                        <p:attrNameLst>
+                                          <p:attrName>style.visibility</p:attrName>
+                                        </p:attrNameLst>
+                                      </p:cBhvr>
+                                      <p:to>
+                                        <p:strVal val="visible"/>
+                                      </p:to>
+                                    </p:set>
+                                    <p:animEffect filter="fade" transition="in">
+                                      <p:cBhvr>
+                                        <p:cTn dur="1000"/>
+                                        <p:tgtEl>
+                                          <p:spTgt spid="217"/>
+                                        </p:tgtEl>
+                                      </p:cBhvr>
+                                    </p:animEffect>
+                                  </p:childTnLst>
+                                </p:cTn>
+                              </p:par>
+                              <p:par>
+                                <p:cTn fill="hold" nodeType="withEffect" presetClass="entr" presetID="10" presetSubtype="0">
+                                  <p:stCondLst>
+                                    <p:cond delay="0"/>
+                                  </p:stCondLst>
+                                  <p:childTnLst>
+                                    <p:set>
+                                      <p:cBhvr>
+                                        <p:cTn dur="1" fill="hold">
+                                          <p:stCondLst>
+                                            <p:cond delay="0"/>
+                                          </p:stCondLst>
+                                        </p:cTn>
+                                        <p:tgtEl>
+                                          <p:spTgt spid="220"/>
+                                        </p:tgtEl>
+                                        <p:attrNameLst>
+                                          <p:attrName>style.visibility</p:attrName>
+                                        </p:attrNameLst>
+                                      </p:cBhvr>
+                                      <p:to>
+                                        <p:strVal val="visible"/>
+                                      </p:to>
+                                    </p:set>
+                                    <p:animEffect filter="fade" transition="in">
+                                      <p:cBhvr>
+                                        <p:cTn dur="1000"/>
+                                        <p:tgtEl>
+                                          <p:spTgt spid="220"/>
+                                        </p:tgtEl>
+                                      </p:cBhvr>
+                                    </p:animEffect>
+                                  </p:childTnLst>
+                                </p:cTn>
+                              </p:par>
+                              <p:par>
+                                <p:cTn fill="hold" nodeType="withEffect" presetClass="entr" presetID="10" presetSubtype="0">
+                                  <p:stCondLst>
+                                    <p:cond delay="0"/>
+                                  </p:stCondLst>
+                                  <p:childTnLst>
+                                    <p:set>
+                                      <p:cBhvr>
+                                        <p:cTn dur="1" fill="hold">
+                                          <p:stCondLst>
+                                            <p:cond delay="0"/>
+                                          </p:stCondLst>
+                                        </p:cTn>
+                                        <p:tgtEl>
+                                          <p:spTgt spid="207"/>
+                                        </p:tgtEl>
+                                        <p:attrNameLst>
+                                          <p:attrName>style.visibility</p:attrName>
+                                        </p:attrNameLst>
+                                      </p:cBhvr>
+                                      <p:to>
+                                        <p:strVal val="visible"/>
+                                      </p:to>
+                                    </p:set>
+                                    <p:animEffect filter="fade" transition="in">
+                                      <p:cBhvr>
+                                        <p:cTn dur="1000"/>
+                                        <p:tgtEl>
+                                          <p:spTgt spid="207"/>
                                         </p:tgtEl>
                                       </p:cBhvr>
                                     </p:animEffect>
@@ -16387,7 +17143,7 @@
                                           </p:stCondLst>
                                         </p:cTn>
                                         <p:tgtEl>
-                                          <p:spTgt spid="217"/>
+                                          <p:spTgt spid="222"/>
                                         </p:tgtEl>
                                         <p:attrNameLst>
                                           <p:attrName>style.visibility</p:attrName>
@@ -16401,7 +17157,7 @@
                                       <p:cBhvr>
                                         <p:cTn dur="1000"/>
                                         <p:tgtEl>
-                                          <p:spTgt spid="217"/>
+                                          <p:spTgt spid="222"/>
                                         </p:tgtEl>
                                       </p:cBhvr>
                                     </p:animEffect>
@@ -16422,7 +17178,7 @@
                                           </p:stCondLst>
                                         </p:cTn>
                                         <p:tgtEl>
-                                          <p:spTgt spid="218"/>
+                                          <p:spTgt spid="221"/>
                                         </p:tgtEl>
                                         <p:attrNameLst>
                                           <p:attrName>style.visibility</p:attrName>
@@ -16436,7 +17192,7 @@
                                       <p:cBhvr>
                                         <p:cTn dur="1000"/>
                                         <p:tgtEl>
-                                          <p:spTgt spid="218"/>
+                                          <p:spTgt spid="221"/>
                                         </p:tgtEl>
                                       </p:cBhvr>
                                     </p:animEffect>
@@ -16457,7 +17213,7 @@
                                           </p:stCondLst>
                                         </p:cTn>
                                         <p:tgtEl>
-                                          <p:spTgt spid="214"/>
+                                          <p:spTgt spid="208"/>
                                         </p:tgtEl>
                                         <p:attrNameLst>
                                           <p:attrName>style.visibility</p:attrName>
@@ -16471,7 +17227,7 @@
                                       <p:cBhvr>
                                         <p:cTn dur="1000"/>
                                         <p:tgtEl>
-                                          <p:spTgt spid="214"/>
+                                          <p:spTgt spid="208"/>
                                         </p:tgtEl>
                                       </p:cBhvr>
                                     </p:animEffect>
@@ -16510,7 +17266,7 @@
                                           </p:stCondLst>
                                         </p:cTn>
                                         <p:tgtEl>
-                                          <p:spTgt spid="220"/>
+                                          <p:spTgt spid="214"/>
                                         </p:tgtEl>
                                         <p:attrNameLst>
                                           <p:attrName>style.visibility</p:attrName>
@@ -16522,9 +17278,9 @@
                                     </p:set>
                                     <p:animEffect filter="fade" transition="in">
                                       <p:cBhvr>
-                                        <p:cTn dur="1000"/>
+                                        <p:cTn dur="1200"/>
                                         <p:tgtEl>
-                                          <p:spTgt spid="220"/>
+                                          <p:spTgt spid="214"/>
                                         </p:tgtEl>
                                       </p:cBhvr>
                                     </p:animEffect>
@@ -16545,7 +17301,7 @@
                                           </p:stCondLst>
                                         </p:cTn>
                                         <p:tgtEl>
-                                          <p:spTgt spid="219"/>
+                                          <p:spTgt spid="223"/>
                                         </p:tgtEl>
                                         <p:attrNameLst>
                                           <p:attrName>style.visibility</p:attrName>
@@ -16559,7 +17315,1698 @@
                                       <p:cBhvr>
                                         <p:cTn dur="1000"/>
                                         <p:tgtEl>
-                                          <p:spTgt spid="219"/>
+                                          <p:spTgt spid="223"/>
+                                        </p:tgtEl>
+                                      </p:cBhvr>
+                                    </p:animEffect>
+                                  </p:childTnLst>
+                                </p:cTn>
+                              </p:par>
+                              <p:par>
+                                <p:cTn fill="hold" nodeType="withEffect" presetClass="entr" presetID="10" presetSubtype="0">
+                                  <p:stCondLst>
+                                    <p:cond delay="0"/>
+                                  </p:stCondLst>
+                                  <p:childTnLst>
+                                    <p:set>
+                                      <p:cBhvr>
+                                        <p:cTn dur="1" fill="hold">
+                                          <p:stCondLst>
+                                            <p:cond delay="0"/>
+                                          </p:stCondLst>
+                                        </p:cTn>
+                                        <p:tgtEl>
+                                          <p:spTgt spid="209"/>
+                                        </p:tgtEl>
+                                        <p:attrNameLst>
+                                          <p:attrName>style.visibility</p:attrName>
+                                        </p:attrNameLst>
+                                      </p:cBhvr>
+                                      <p:to>
+                                        <p:strVal val="visible"/>
+                                      </p:to>
+                                    </p:set>
+                                    <p:animEffect filter="fade" transition="in">
+                                      <p:cBhvr>
+                                        <p:cTn dur="1000"/>
+                                        <p:tgtEl>
+                                          <p:spTgt spid="209"/>
+                                        </p:tgtEl>
+                                      </p:cBhvr>
+                                    </p:animEffect>
+                                  </p:childTnLst>
+                                </p:cTn>
+                              </p:par>
+                              <p:par>
+                                <p:cTn fill="hold" nodeType="withEffect" presetClass="entr" presetID="10" presetSubtype="0">
+                                  <p:stCondLst>
+                                    <p:cond delay="0"/>
+                                  </p:stCondLst>
+                                  <p:childTnLst>
+                                    <p:set>
+                                      <p:cBhvr>
+                                        <p:cTn dur="1" fill="hold">
+                                          <p:stCondLst>
+                                            <p:cond delay="0"/>
+                                          </p:stCondLst>
+                                        </p:cTn>
+                                        <p:tgtEl>
+                                          <p:spTgt spid="224"/>
+                                        </p:tgtEl>
+                                        <p:attrNameLst>
+                                          <p:attrName>style.visibility</p:attrName>
+                                        </p:attrNameLst>
+                                      </p:cBhvr>
+                                      <p:to>
+                                        <p:strVal val="visible"/>
+                                      </p:to>
+                                    </p:set>
+                                    <p:animEffect filter="fade" transition="in">
+                                      <p:cBhvr>
+                                        <p:cTn dur="1000"/>
+                                        <p:tgtEl>
+                                          <p:spTgt spid="224"/>
+                                        </p:tgtEl>
+                                      </p:cBhvr>
+                                    </p:animEffect>
+                                  </p:childTnLst>
+                                </p:cTn>
+                              </p:par>
+                            </p:childTnLst>
+                          </p:cTn>
+                        </p:par>
+                      </p:childTnLst>
+                    </p:cTn>
+                  </p:par>
+                </p:childTnLst>
+              </p:cTn>
+              <p:prevCondLst>
+                <p:cond evt="onPrev">
+                  <p:tgtEl>
+                    <p:sldTgt/>
+                  </p:tgtEl>
+                </p:cond>
+              </p:prevCondLst>
+              <p:nextCondLst>
+                <p:cond evt="onNext">
+                  <p:tgtEl>
+                    <p:sldTgt/>
+                  </p:tgtEl>
+                </p:cond>
+              </p:nextCondLst>
+            </p:seq>
+          </p:childTnLst>
+        </p:cTn>
+      </p:par>
+    </p:tnLst>
+  </p:timing>
+</p:sld>
+</file>
+
+<file path=ppt/slides/slide9.xml><?xml version="1.0" encoding="utf-8"?>
+<p:sld xmlns:a="http://schemas.openxmlformats.org/drawingml/2006/main" xmlns:r="http://schemas.openxmlformats.org/officeDocument/2006/relationships" xmlns:mc="http://schemas.openxmlformats.org/markup-compatibility/2006" xmlns:mv="urn:schemas-microsoft-com:mac:vml" xmlns:p="http://schemas.openxmlformats.org/presentationml/2006/main" xmlns:c="http://schemas.openxmlformats.org/drawingml/2006/chart" xmlns:dgm="http://schemas.openxmlformats.org/drawingml/2006/diagram" xmlns:o="urn:schemas-microsoft-com:office:office" xmlns:v="urn:schemas-microsoft-com:vml" xmlns:pvml="urn:schemas-microsoft-com:office:powerpoint" xmlns:com="http://schemas.openxmlformats.org/drawingml/2006/compatibility" xmlns:p14="http://schemas.microsoft.com/office/powerpoint/2010/main" xmlns:p15="http://schemas.microsoft.com/office/powerpoint/2012/main">
+  <p:cSld>
+    <p:spTree>
+      <p:nvGrpSpPr>
+        <p:cNvPr id="228" name="Shape 228"/>
+        <p:cNvGrpSpPr/>
+        <p:nvPr/>
+      </p:nvGrpSpPr>
+      <p:grpSpPr>
+        <a:xfrm>
+          <a:off x="0" y="0"/>
+          <a:ext cx="0" cy="0"/>
+          <a:chOff x="0" y="0"/>
+          <a:chExt cx="0" cy="0"/>
+        </a:xfrm>
+      </p:grpSpPr>
+      <p:sp>
+        <p:nvSpPr>
+          <p:cNvPr id="229" name="Shape 229"/>
+          <p:cNvSpPr/>
+          <p:nvPr/>
+        </p:nvSpPr>
+        <p:spPr>
+          <a:xfrm>
+            <a:off x="6206675" y="4352125"/>
+            <a:ext cx="798300" cy="281100"/>
+          </a:xfrm>
+          <a:prstGeom prst="flowChartInternalStorage">
+            <a:avLst/>
+          </a:prstGeom>
+          <a:noFill/>
+          <a:ln cap="flat" cmpd="sng" w="9525">
+            <a:solidFill>
+              <a:schemeClr val="dk2"/>
+            </a:solidFill>
+            <a:prstDash val="solid"/>
+            <a:round/>
+            <a:headEnd len="sm" w="sm" type="none"/>
+            <a:tailEnd len="sm" w="sm" type="none"/>
+          </a:ln>
+        </p:spPr>
+        <p:txBody>
+          <a:bodyPr anchorCtr="0" anchor="ctr" bIns="91425" lIns="91425" spcFirstLastPara="1" rIns="91425" wrap="square" tIns="91425">
+            <a:noAutofit/>
+          </a:bodyPr>
+          <a:lstStyle/>
+          <a:p>
+            <a:pPr indent="0" lvl="0" marL="0">
+              <a:spcBef>
+                <a:spcPts val="0"/>
+              </a:spcBef>
+              <a:spcAft>
+                <a:spcPts val="0"/>
+              </a:spcAft>
+              <a:buNone/>
+            </a:pPr>
+            <a:r>
+              <a:t/>
+            </a:r>
+            <a:endParaRPr/>
+          </a:p>
+        </p:txBody>
+      </p:sp>
+      <p:sp>
+        <p:nvSpPr>
+          <p:cNvPr id="230" name="Shape 230"/>
+          <p:cNvSpPr txBox="1"/>
+          <p:nvPr/>
+        </p:nvSpPr>
+        <p:spPr>
+          <a:xfrm>
+            <a:off x="6377525" y="4352125"/>
+            <a:ext cx="798300" cy="281100"/>
+          </a:xfrm>
+          <a:prstGeom prst="rect">
+            <a:avLst/>
+          </a:prstGeom>
+          <a:noFill/>
+          <a:ln>
+            <a:noFill/>
+          </a:ln>
+        </p:spPr>
+        <p:txBody>
+          <a:bodyPr anchorCtr="0" anchor="t" bIns="91425" lIns="91425" spcFirstLastPara="1" rIns="91425" wrap="square" tIns="91425">
+            <a:noAutofit/>
+          </a:bodyPr>
+          <a:lstStyle/>
+          <a:p>
+            <a:pPr indent="0" lvl="0" marL="0" rtl="0">
+              <a:spcBef>
+                <a:spcPts val="0"/>
+              </a:spcBef>
+              <a:spcAft>
+                <a:spcPts val="0"/>
+              </a:spcAft>
+              <a:buNone/>
+            </a:pPr>
+            <a:r>
+              <a:rPr lang="it" sz="600"/>
+              <a:t>Nuovi Dati</a:t>
+            </a:r>
+            <a:endParaRPr sz="600"/>
+          </a:p>
+        </p:txBody>
+      </p:sp>
+      <p:sp>
+        <p:nvSpPr>
+          <p:cNvPr id="231" name="Shape 231"/>
+          <p:cNvSpPr/>
+          <p:nvPr/>
+        </p:nvSpPr>
+        <p:spPr>
+          <a:xfrm>
+            <a:off x="6095475" y="2953700"/>
+            <a:ext cx="389300" cy="281100"/>
+          </a:xfrm>
+          <a:prstGeom prst="flowChartInternalStorage">
+            <a:avLst/>
+          </a:prstGeom>
+          <a:noFill/>
+          <a:ln cap="flat" cmpd="sng" w="9525">
+            <a:solidFill>
+              <a:schemeClr val="dk2"/>
+            </a:solidFill>
+            <a:prstDash val="solid"/>
+            <a:round/>
+            <a:headEnd len="sm" w="sm" type="none"/>
+            <a:tailEnd len="sm" w="sm" type="none"/>
+          </a:ln>
+        </p:spPr>
+        <p:txBody>
+          <a:bodyPr anchorCtr="0" anchor="ctr" bIns="91425" lIns="91425" spcFirstLastPara="1" rIns="91425" wrap="square" tIns="91425">
+            <a:noAutofit/>
+          </a:bodyPr>
+          <a:lstStyle/>
+          <a:p>
+            <a:pPr indent="0" lvl="0" marL="0">
+              <a:spcBef>
+                <a:spcPts val="0"/>
+              </a:spcBef>
+              <a:spcAft>
+                <a:spcPts val="0"/>
+              </a:spcAft>
+              <a:buNone/>
+            </a:pPr>
+            <a:r>
+              <a:t/>
+            </a:r>
+            <a:endParaRPr/>
+          </a:p>
+        </p:txBody>
+      </p:sp>
+      <p:sp>
+        <p:nvSpPr>
+          <p:cNvPr id="232" name="Shape 232"/>
+          <p:cNvSpPr txBox="1"/>
+          <p:nvPr>
+            <p:ph type="title"/>
+          </p:nvPr>
+        </p:nvSpPr>
+        <p:spPr>
+          <a:xfrm>
+            <a:off x="819150" y="845600"/>
+            <a:ext cx="7505700" cy="954600"/>
+          </a:xfrm>
+          <a:prstGeom prst="rect">
+            <a:avLst/>
+          </a:prstGeom>
+        </p:spPr>
+        <p:txBody>
+          <a:bodyPr anchorCtr="0" anchor="t" bIns="91425" lIns="91425" spcFirstLastPara="1" rIns="91425" wrap="square" tIns="91425">
+            <a:noAutofit/>
+          </a:bodyPr>
+          <a:lstStyle/>
+          <a:p>
+            <a:pPr indent="0" lvl="0" marL="0" rtl="0" algn="ctr">
+              <a:spcBef>
+                <a:spcPts val="0"/>
+              </a:spcBef>
+              <a:spcAft>
+                <a:spcPts val="0"/>
+              </a:spcAft>
+              <a:buNone/>
+            </a:pPr>
+            <a:r>
+              <a:rPr lang="it"/>
+              <a:t>Metodologia - Fase 3</a:t>
+            </a:r>
+            <a:endParaRPr/>
+          </a:p>
+          <a:p>
+            <a:pPr indent="0" lvl="0" marL="0">
+              <a:spcBef>
+                <a:spcPts val="0"/>
+              </a:spcBef>
+              <a:spcAft>
+                <a:spcPts val="0"/>
+              </a:spcAft>
+              <a:buNone/>
+            </a:pPr>
+            <a:r>
+              <a:t/>
+            </a:r>
+            <a:endParaRPr/>
+          </a:p>
+        </p:txBody>
+      </p:sp>
+      <p:sp>
+        <p:nvSpPr>
+          <p:cNvPr id="233" name="Shape 233"/>
+          <p:cNvSpPr/>
+          <p:nvPr/>
+        </p:nvSpPr>
+        <p:spPr>
+          <a:xfrm>
+            <a:off x="1388525" y="2191050"/>
+            <a:ext cx="798150" cy="654875"/>
+          </a:xfrm>
+          <a:prstGeom prst="flowChartPreparation">
+            <a:avLst/>
+          </a:prstGeom>
+          <a:solidFill>
+            <a:schemeClr val="lt2"/>
+          </a:solidFill>
+          <a:ln cap="flat" cmpd="sng" w="9525">
+            <a:solidFill>
+              <a:schemeClr val="dk2"/>
+            </a:solidFill>
+            <a:prstDash val="solid"/>
+            <a:round/>
+            <a:headEnd len="sm" w="sm" type="none"/>
+            <a:tailEnd len="sm" w="sm" type="none"/>
+          </a:ln>
+        </p:spPr>
+        <p:txBody>
+          <a:bodyPr anchorCtr="0" anchor="ctr" bIns="91425" lIns="91425" spcFirstLastPara="1" rIns="91425" wrap="square" tIns="91425">
+            <a:noAutofit/>
+          </a:bodyPr>
+          <a:lstStyle/>
+          <a:p>
+            <a:pPr indent="0" lvl="0" marL="0" rtl="0" algn="ctr">
+              <a:spcBef>
+                <a:spcPts val="0"/>
+              </a:spcBef>
+              <a:spcAft>
+                <a:spcPts val="0"/>
+              </a:spcAft>
+              <a:buNone/>
+            </a:pPr>
+            <a:r>
+              <a:rPr lang="it" sz="900"/>
+              <a:t>X,Y,Z</a:t>
+            </a:r>
+            <a:endParaRPr sz="900"/>
+          </a:p>
+          <a:p>
+            <a:pPr indent="0" lvl="0" marL="0" rtl="0" algn="ctr">
+              <a:spcBef>
+                <a:spcPts val="0"/>
+              </a:spcBef>
+              <a:spcAft>
+                <a:spcPts val="0"/>
+              </a:spcAft>
+              <a:buNone/>
+            </a:pPr>
+            <a:r>
+              <a:rPr lang="it" sz="900"/>
+              <a:t>ACC</a:t>
+            </a:r>
+            <a:endParaRPr sz="900"/>
+          </a:p>
+        </p:txBody>
+      </p:sp>
+      <p:sp>
+        <p:nvSpPr>
+          <p:cNvPr id="234" name="Shape 234"/>
+          <p:cNvSpPr/>
+          <p:nvPr/>
+        </p:nvSpPr>
+        <p:spPr>
+          <a:xfrm>
+            <a:off x="2756300" y="2208100"/>
+            <a:ext cx="1645437" cy="620775"/>
+          </a:xfrm>
+          <a:prstGeom prst="flowChartProcess">
+            <a:avLst/>
+          </a:prstGeom>
+          <a:noFill/>
+          <a:ln cap="flat" cmpd="sng" w="9525">
+            <a:solidFill>
+              <a:schemeClr val="dk2"/>
+            </a:solidFill>
+            <a:prstDash val="solid"/>
+            <a:round/>
+            <a:headEnd len="sm" w="sm" type="none"/>
+            <a:tailEnd len="sm" w="sm" type="none"/>
+          </a:ln>
+        </p:spPr>
+        <p:txBody>
+          <a:bodyPr anchorCtr="0" anchor="ctr" bIns="91425" lIns="91425" spcFirstLastPara="1" rIns="91425" wrap="square" tIns="91425">
+            <a:noAutofit/>
+          </a:bodyPr>
+          <a:lstStyle/>
+          <a:p>
+            <a:pPr indent="0" lvl="0" marL="0" rtl="0" algn="ctr">
+              <a:spcBef>
+                <a:spcPts val="0"/>
+              </a:spcBef>
+              <a:spcAft>
+                <a:spcPts val="0"/>
+              </a:spcAft>
+              <a:buNone/>
+            </a:pPr>
+            <a:r>
+              <a:rPr lang="it"/>
+              <a:t>ANALISI DISCRIMINANTE LINEARE</a:t>
+            </a:r>
+            <a:endParaRPr/>
+          </a:p>
+        </p:txBody>
+      </p:sp>
+      <p:sp>
+        <p:nvSpPr>
+          <p:cNvPr id="235" name="Shape 235"/>
+          <p:cNvSpPr/>
+          <p:nvPr/>
+        </p:nvSpPr>
+        <p:spPr>
+          <a:xfrm>
+            <a:off x="4968449" y="2208088"/>
+            <a:ext cx="1418900" cy="620775"/>
+          </a:xfrm>
+          <a:prstGeom prst="flowChartProcess">
+            <a:avLst/>
+          </a:prstGeom>
+          <a:noFill/>
+          <a:ln cap="flat" cmpd="sng" w="9525">
+            <a:solidFill>
+              <a:schemeClr val="dk2"/>
+            </a:solidFill>
+            <a:prstDash val="solid"/>
+            <a:round/>
+            <a:headEnd len="sm" w="sm" type="none"/>
+            <a:tailEnd len="sm" w="sm" type="none"/>
+          </a:ln>
+        </p:spPr>
+        <p:txBody>
+          <a:bodyPr anchorCtr="0" anchor="ctr" bIns="91425" lIns="91425" spcFirstLastPara="1" rIns="91425" wrap="square" tIns="91425">
+            <a:noAutofit/>
+          </a:bodyPr>
+          <a:lstStyle/>
+          <a:p>
+            <a:pPr indent="0" lvl="0" marL="0" rtl="0" algn="ctr">
+              <a:spcBef>
+                <a:spcPts val="0"/>
+              </a:spcBef>
+              <a:spcAft>
+                <a:spcPts val="0"/>
+              </a:spcAft>
+              <a:buNone/>
+            </a:pPr>
+            <a:r>
+              <a:rPr lang="it"/>
+              <a:t>Allenamento Classificatore</a:t>
+            </a:r>
+            <a:endParaRPr/>
+          </a:p>
+        </p:txBody>
+      </p:sp>
+      <p:sp>
+        <p:nvSpPr>
+          <p:cNvPr id="236" name="Shape 236"/>
+          <p:cNvSpPr/>
+          <p:nvPr/>
+        </p:nvSpPr>
+        <p:spPr>
+          <a:xfrm>
+            <a:off x="6937925" y="3601975"/>
+            <a:ext cx="798150" cy="654875"/>
+          </a:xfrm>
+          <a:prstGeom prst="flowChartPreparation">
+            <a:avLst/>
+          </a:prstGeom>
+          <a:solidFill>
+            <a:schemeClr val="lt2"/>
+          </a:solidFill>
+          <a:ln cap="flat" cmpd="sng" w="9525">
+            <a:solidFill>
+              <a:schemeClr val="dk2"/>
+            </a:solidFill>
+            <a:prstDash val="solid"/>
+            <a:round/>
+            <a:headEnd len="sm" w="sm" type="none"/>
+            <a:tailEnd len="sm" w="sm" type="none"/>
+          </a:ln>
+        </p:spPr>
+        <p:txBody>
+          <a:bodyPr anchorCtr="0" anchor="ctr" bIns="91425" lIns="91425" spcFirstLastPara="1" rIns="91425" wrap="square" tIns="91425">
+            <a:noAutofit/>
+          </a:bodyPr>
+          <a:lstStyle/>
+          <a:p>
+            <a:pPr indent="0" lvl="0" marL="0" rtl="0" algn="ctr">
+              <a:spcBef>
+                <a:spcPts val="0"/>
+              </a:spcBef>
+              <a:spcAft>
+                <a:spcPts val="0"/>
+              </a:spcAft>
+              <a:buNone/>
+            </a:pPr>
+            <a:r>
+              <a:rPr lang="it" sz="900"/>
+              <a:t>X,Y,Z</a:t>
+            </a:r>
+            <a:endParaRPr sz="900"/>
+          </a:p>
+          <a:p>
+            <a:pPr indent="0" lvl="0" marL="0" rtl="0" algn="ctr">
+              <a:spcBef>
+                <a:spcPts val="0"/>
+              </a:spcBef>
+              <a:spcAft>
+                <a:spcPts val="0"/>
+              </a:spcAft>
+              <a:buNone/>
+            </a:pPr>
+            <a:r>
+              <a:rPr lang="it" sz="900"/>
+              <a:t>ACC</a:t>
+            </a:r>
+            <a:endParaRPr sz="900"/>
+          </a:p>
+        </p:txBody>
+      </p:sp>
+      <p:sp>
+        <p:nvSpPr>
+          <p:cNvPr id="237" name="Shape 237"/>
+          <p:cNvSpPr/>
+          <p:nvPr/>
+        </p:nvSpPr>
+        <p:spPr>
+          <a:xfrm>
+            <a:off x="4958699" y="3619013"/>
+            <a:ext cx="1418900" cy="620775"/>
+          </a:xfrm>
+          <a:prstGeom prst="flowChartProcess">
+            <a:avLst/>
+          </a:prstGeom>
+          <a:solidFill>
+            <a:schemeClr val="lt1"/>
+          </a:solidFill>
+          <a:ln cap="flat" cmpd="sng" w="9525">
+            <a:solidFill>
+              <a:schemeClr val="dk2"/>
+            </a:solidFill>
+            <a:prstDash val="solid"/>
+            <a:round/>
+            <a:headEnd len="sm" w="sm" type="none"/>
+            <a:tailEnd len="sm" w="sm" type="none"/>
+          </a:ln>
+        </p:spPr>
+        <p:txBody>
+          <a:bodyPr anchorCtr="0" anchor="ctr" bIns="91425" lIns="91425" spcFirstLastPara="1" rIns="91425" wrap="square" tIns="91425">
+            <a:noAutofit/>
+          </a:bodyPr>
+          <a:lstStyle/>
+          <a:p>
+            <a:pPr indent="0" lvl="0" marL="0" rtl="0" algn="ctr">
+              <a:spcBef>
+                <a:spcPts val="0"/>
+              </a:spcBef>
+              <a:spcAft>
+                <a:spcPts val="0"/>
+              </a:spcAft>
+              <a:buNone/>
+            </a:pPr>
+            <a:r>
+              <a:rPr lang="it"/>
+              <a:t>Identificazione </a:t>
+            </a:r>
+            <a:r>
+              <a:rPr lang="it"/>
+              <a:t>preFOG</a:t>
+            </a:r>
+            <a:endParaRPr/>
+          </a:p>
+        </p:txBody>
+      </p:sp>
+      <p:cxnSp>
+        <p:nvCxnSpPr>
+          <p:cNvPr id="238" name="Shape 238"/>
+          <p:cNvCxnSpPr>
+            <a:stCxn id="233" idx="3"/>
+            <a:endCxn id="234" idx="1"/>
+          </p:cNvCxnSpPr>
+          <p:nvPr/>
+        </p:nvCxnSpPr>
+        <p:spPr>
+          <a:xfrm>
+            <a:off x="2186675" y="2518488"/>
+            <a:ext cx="569700" cy="0"/>
+          </a:xfrm>
+          <a:prstGeom prst="straightConnector1">
+            <a:avLst/>
+          </a:prstGeom>
+          <a:noFill/>
+          <a:ln cap="flat" cmpd="sng" w="9525">
+            <a:solidFill>
+              <a:schemeClr val="dk2"/>
+            </a:solidFill>
+            <a:prstDash val="solid"/>
+            <a:round/>
+            <a:headEnd len="med" w="med" type="none"/>
+            <a:tailEnd len="med" w="med" type="triangle"/>
+          </a:ln>
+        </p:spPr>
+      </p:cxnSp>
+      <p:cxnSp>
+        <p:nvCxnSpPr>
+          <p:cNvPr id="239" name="Shape 239"/>
+          <p:cNvCxnSpPr>
+            <a:stCxn id="234" idx="3"/>
+            <a:endCxn id="235" idx="1"/>
+          </p:cNvCxnSpPr>
+          <p:nvPr/>
+        </p:nvCxnSpPr>
+        <p:spPr>
+          <a:xfrm>
+            <a:off x="4401737" y="2518488"/>
+            <a:ext cx="566700" cy="0"/>
+          </a:xfrm>
+          <a:prstGeom prst="straightConnector1">
+            <a:avLst/>
+          </a:prstGeom>
+          <a:noFill/>
+          <a:ln cap="flat" cmpd="sng" w="9525">
+            <a:solidFill>
+              <a:schemeClr val="dk2"/>
+            </a:solidFill>
+            <a:prstDash val="solid"/>
+            <a:round/>
+            <a:headEnd len="med" w="med" type="none"/>
+            <a:tailEnd len="med" w="med" type="triangle"/>
+          </a:ln>
+        </p:spPr>
+      </p:cxnSp>
+      <p:cxnSp>
+        <p:nvCxnSpPr>
+          <p:cNvPr id="240" name="Shape 240"/>
+          <p:cNvCxnSpPr>
+            <a:stCxn id="236" idx="1"/>
+            <a:endCxn id="237" idx="3"/>
+          </p:cNvCxnSpPr>
+          <p:nvPr/>
+        </p:nvCxnSpPr>
+        <p:spPr>
+          <a:xfrm rot="10800000">
+            <a:off x="6377525" y="3929413"/>
+            <a:ext cx="560400" cy="0"/>
+          </a:xfrm>
+          <a:prstGeom prst="straightConnector1">
+            <a:avLst/>
+          </a:prstGeom>
+          <a:noFill/>
+          <a:ln cap="flat" cmpd="sng" w="9525">
+            <a:solidFill>
+              <a:schemeClr val="dk2"/>
+            </a:solidFill>
+            <a:prstDash val="solid"/>
+            <a:round/>
+            <a:headEnd len="med" w="med" type="none"/>
+            <a:tailEnd len="med" w="med" type="triangle"/>
+          </a:ln>
+        </p:spPr>
+      </p:cxnSp>
+      <p:sp>
+        <p:nvSpPr>
+          <p:cNvPr id="241" name="Shape 241"/>
+          <p:cNvSpPr/>
+          <p:nvPr/>
+        </p:nvSpPr>
+        <p:spPr>
+          <a:xfrm>
+            <a:off x="2848749" y="3619013"/>
+            <a:ext cx="1418900" cy="620775"/>
+          </a:xfrm>
+          <a:prstGeom prst="flowChartProcess">
+            <a:avLst/>
+          </a:prstGeom>
+          <a:noFill/>
+          <a:ln cap="flat" cmpd="sng" w="9525">
+            <a:solidFill>
+              <a:schemeClr val="dk2"/>
+            </a:solidFill>
+            <a:prstDash val="solid"/>
+            <a:round/>
+            <a:headEnd len="sm" w="sm" type="none"/>
+            <a:tailEnd len="sm" w="sm" type="none"/>
+          </a:ln>
+        </p:spPr>
+        <p:txBody>
+          <a:bodyPr anchorCtr="0" anchor="ctr" bIns="91425" lIns="91425" spcFirstLastPara="1" rIns="91425" wrap="square" tIns="91425">
+            <a:noAutofit/>
+          </a:bodyPr>
+          <a:lstStyle/>
+          <a:p>
+            <a:pPr indent="0" lvl="0" marL="0" rtl="0" algn="ctr">
+              <a:spcBef>
+                <a:spcPts val="0"/>
+              </a:spcBef>
+              <a:spcAft>
+                <a:spcPts val="0"/>
+              </a:spcAft>
+              <a:buNone/>
+            </a:pPr>
+            <a:r>
+              <a:rPr lang="it"/>
+              <a:t>Stimolo Uditorio</a:t>
+            </a:r>
+            <a:endParaRPr/>
+          </a:p>
+        </p:txBody>
+      </p:sp>
+      <p:cxnSp>
+        <p:nvCxnSpPr>
+          <p:cNvPr id="242" name="Shape 242"/>
+          <p:cNvCxnSpPr>
+            <a:stCxn id="237" idx="1"/>
+            <a:endCxn id="241" idx="3"/>
+          </p:cNvCxnSpPr>
+          <p:nvPr/>
+        </p:nvCxnSpPr>
+        <p:spPr>
+          <a:xfrm rot="10800000">
+            <a:off x="4267799" y="3929400"/>
+            <a:ext cx="690900" cy="0"/>
+          </a:xfrm>
+          <a:prstGeom prst="straightConnector1">
+            <a:avLst/>
+          </a:prstGeom>
+          <a:noFill/>
+          <a:ln cap="flat" cmpd="sng" w="9525">
+            <a:solidFill>
+              <a:schemeClr val="dk2"/>
+            </a:solidFill>
+            <a:prstDash val="solid"/>
+            <a:round/>
+            <a:headEnd len="med" w="med" type="none"/>
+            <a:tailEnd len="med" w="med" type="triangle"/>
+          </a:ln>
+        </p:spPr>
+      </p:cxnSp>
+      <p:cxnSp>
+        <p:nvCxnSpPr>
+          <p:cNvPr id="243" name="Shape 243"/>
+          <p:cNvCxnSpPr>
+            <a:stCxn id="235" idx="2"/>
+            <a:endCxn id="237" idx="0"/>
+          </p:cNvCxnSpPr>
+          <p:nvPr/>
+        </p:nvCxnSpPr>
+        <p:spPr>
+          <a:xfrm flipH="1">
+            <a:off x="5668299" y="2828863"/>
+            <a:ext cx="9600" cy="790200"/>
+          </a:xfrm>
+          <a:prstGeom prst="straightConnector1">
+            <a:avLst/>
+          </a:prstGeom>
+          <a:noFill/>
+          <a:ln cap="flat" cmpd="sng" w="9525">
+            <a:solidFill>
+              <a:schemeClr val="dk2"/>
+            </a:solidFill>
+            <a:prstDash val="solid"/>
+            <a:round/>
+            <a:headEnd len="med" w="med" type="none"/>
+            <a:tailEnd len="med" w="med" type="triangle"/>
+          </a:ln>
+        </p:spPr>
+      </p:cxnSp>
+      <p:sp>
+        <p:nvSpPr>
+          <p:cNvPr id="244" name="Shape 244"/>
+          <p:cNvSpPr txBox="1"/>
+          <p:nvPr/>
+        </p:nvSpPr>
+        <p:spPr>
+          <a:xfrm>
+            <a:off x="1854188" y="2918800"/>
+            <a:ext cx="902100" cy="476100"/>
+          </a:xfrm>
+          <a:prstGeom prst="rect">
+            <a:avLst/>
+          </a:prstGeom>
+          <a:noFill/>
+          <a:ln>
+            <a:noFill/>
+          </a:ln>
+        </p:spPr>
+        <p:txBody>
+          <a:bodyPr anchorCtr="0" anchor="t" bIns="91425" lIns="91425" spcFirstLastPara="1" rIns="91425" wrap="square" tIns="91425">
+            <a:noAutofit/>
+          </a:bodyPr>
+          <a:lstStyle/>
+          <a:p>
+            <a:pPr indent="0" lvl="0" marL="0" rtl="0">
+              <a:spcBef>
+                <a:spcPts val="0"/>
+              </a:spcBef>
+              <a:spcAft>
+                <a:spcPts val="0"/>
+              </a:spcAft>
+              <a:buNone/>
+            </a:pPr>
+            <a:r>
+              <a:rPr lang="it" sz="600"/>
+              <a:t>N righe dati filtrati</a:t>
+            </a:r>
+            <a:endParaRPr sz="600"/>
+          </a:p>
+          <a:p>
+            <a:pPr indent="0" lvl="0" marL="0" rtl="0">
+              <a:spcBef>
+                <a:spcPts val="0"/>
+              </a:spcBef>
+              <a:spcAft>
+                <a:spcPts val="0"/>
+              </a:spcAft>
+              <a:buNone/>
+            </a:pPr>
+            <a:r>
+              <a:rPr lang="it" sz="600"/>
+              <a:t>M assi accelerometri</a:t>
+            </a:r>
+            <a:endParaRPr sz="600"/>
+          </a:p>
+          <a:p>
+            <a:pPr indent="0" lvl="0" marL="0" rtl="0">
+              <a:spcBef>
+                <a:spcPts val="0"/>
+              </a:spcBef>
+              <a:spcAft>
+                <a:spcPts val="0"/>
+              </a:spcAft>
+              <a:buNone/>
+            </a:pPr>
+            <a:r>
+              <a:rPr lang="it" sz="600"/>
+              <a:t>P finestra temporale</a:t>
+            </a:r>
+            <a:endParaRPr sz="600"/>
+          </a:p>
+          <a:p>
+            <a:pPr indent="0" lvl="0" marL="0" rtl="0">
+              <a:spcBef>
+                <a:spcPts val="0"/>
+              </a:spcBef>
+              <a:spcAft>
+                <a:spcPts val="0"/>
+              </a:spcAft>
+              <a:buNone/>
+            </a:pPr>
+            <a:r>
+              <a:rPr lang="it" sz="600"/>
+              <a:t>S sovrapposizione</a:t>
+            </a:r>
+            <a:endParaRPr sz="600"/>
+          </a:p>
+        </p:txBody>
+      </p:sp>
+      <p:sp>
+        <p:nvSpPr>
+          <p:cNvPr id="245" name="Shape 245"/>
+          <p:cNvSpPr/>
+          <p:nvPr/>
+        </p:nvSpPr>
+        <p:spPr>
+          <a:xfrm>
+            <a:off x="1775250" y="2954150"/>
+            <a:ext cx="902100" cy="476100"/>
+          </a:xfrm>
+          <a:prstGeom prst="flowChartInternalStorage">
+            <a:avLst/>
+          </a:prstGeom>
+          <a:noFill/>
+          <a:ln cap="flat" cmpd="sng" w="9525">
+            <a:solidFill>
+              <a:schemeClr val="dk2"/>
+            </a:solidFill>
+            <a:prstDash val="solid"/>
+            <a:round/>
+            <a:headEnd len="sm" w="sm" type="none"/>
+            <a:tailEnd len="sm" w="sm" type="none"/>
+          </a:ln>
+        </p:spPr>
+        <p:txBody>
+          <a:bodyPr anchorCtr="0" anchor="ctr" bIns="91425" lIns="91425" spcFirstLastPara="1" rIns="91425" wrap="square" tIns="91425">
+            <a:noAutofit/>
+          </a:bodyPr>
+          <a:lstStyle/>
+          <a:p>
+            <a:pPr indent="0" lvl="0" marL="0">
+              <a:spcBef>
+                <a:spcPts val="0"/>
+              </a:spcBef>
+              <a:spcAft>
+                <a:spcPts val="0"/>
+              </a:spcAft>
+              <a:buNone/>
+            </a:pPr>
+            <a:r>
+              <a:t/>
+            </a:r>
+            <a:endParaRPr/>
+          </a:p>
+        </p:txBody>
+      </p:sp>
+      <p:sp>
+        <p:nvSpPr>
+          <p:cNvPr id="246" name="Shape 246"/>
+          <p:cNvSpPr txBox="1"/>
+          <p:nvPr/>
+        </p:nvSpPr>
+        <p:spPr>
+          <a:xfrm>
+            <a:off x="4108500" y="2955050"/>
+            <a:ext cx="798300" cy="281100"/>
+          </a:xfrm>
+          <a:prstGeom prst="rect">
+            <a:avLst/>
+          </a:prstGeom>
+          <a:noFill/>
+          <a:ln>
+            <a:noFill/>
+          </a:ln>
+        </p:spPr>
+        <p:txBody>
+          <a:bodyPr anchorCtr="0" anchor="t" bIns="91425" lIns="91425" spcFirstLastPara="1" rIns="91425" wrap="square" tIns="91425">
+            <a:noAutofit/>
+          </a:bodyPr>
+          <a:lstStyle/>
+          <a:p>
+            <a:pPr indent="0" lvl="0" marL="0" rtl="0">
+              <a:spcBef>
+                <a:spcPts val="0"/>
+              </a:spcBef>
+              <a:spcAft>
+                <a:spcPts val="0"/>
+              </a:spcAft>
+              <a:buNone/>
+            </a:pPr>
+            <a:r>
+              <a:rPr lang="it" sz="600"/>
+              <a:t>C-1 vettori feature</a:t>
+            </a:r>
+            <a:endParaRPr sz="600"/>
+          </a:p>
+        </p:txBody>
+      </p:sp>
+      <p:sp>
+        <p:nvSpPr>
+          <p:cNvPr id="247" name="Shape 247"/>
+          <p:cNvSpPr/>
+          <p:nvPr/>
+        </p:nvSpPr>
+        <p:spPr>
+          <a:xfrm>
+            <a:off x="4056600" y="2954148"/>
+            <a:ext cx="902100" cy="281100"/>
+          </a:xfrm>
+          <a:prstGeom prst="flowChartInternalStorage">
+            <a:avLst/>
+          </a:prstGeom>
+          <a:noFill/>
+          <a:ln cap="flat" cmpd="sng" w="9525">
+            <a:solidFill>
+              <a:schemeClr val="dk2"/>
+            </a:solidFill>
+            <a:prstDash val="solid"/>
+            <a:round/>
+            <a:headEnd len="sm" w="sm" type="none"/>
+            <a:tailEnd len="sm" w="sm" type="none"/>
+          </a:ln>
+        </p:spPr>
+        <p:txBody>
+          <a:bodyPr anchorCtr="0" anchor="ctr" bIns="91425" lIns="91425" spcFirstLastPara="1" rIns="91425" wrap="square" tIns="91425">
+            <a:noAutofit/>
+          </a:bodyPr>
+          <a:lstStyle/>
+          <a:p>
+            <a:pPr indent="0" lvl="0" marL="0">
+              <a:spcBef>
+                <a:spcPts val="0"/>
+              </a:spcBef>
+              <a:spcAft>
+                <a:spcPts val="0"/>
+              </a:spcAft>
+              <a:buNone/>
+            </a:pPr>
+            <a:r>
+              <a:t/>
+            </a:r>
+            <a:endParaRPr/>
+          </a:p>
+        </p:txBody>
+      </p:sp>
+      <p:sp>
+        <p:nvSpPr>
+          <p:cNvPr id="248" name="Shape 248"/>
+          <p:cNvSpPr txBox="1"/>
+          <p:nvPr/>
+        </p:nvSpPr>
+        <p:spPr>
+          <a:xfrm>
+            <a:off x="6137975" y="2954150"/>
+            <a:ext cx="346800" cy="281100"/>
+          </a:xfrm>
+          <a:prstGeom prst="rect">
+            <a:avLst/>
+          </a:prstGeom>
+          <a:noFill/>
+          <a:ln>
+            <a:noFill/>
+          </a:ln>
+        </p:spPr>
+        <p:txBody>
+          <a:bodyPr anchorCtr="0" anchor="t" bIns="91425" lIns="91425" spcFirstLastPara="1" rIns="91425" wrap="square" tIns="91425">
+            <a:noAutofit/>
+          </a:bodyPr>
+          <a:lstStyle/>
+          <a:p>
+            <a:pPr indent="0" lvl="0" marL="0" rtl="0">
+              <a:spcBef>
+                <a:spcPts val="0"/>
+              </a:spcBef>
+              <a:spcAft>
+                <a:spcPts val="0"/>
+              </a:spcAft>
+              <a:buNone/>
+            </a:pPr>
+            <a:r>
+              <a:rPr lang="it" sz="600"/>
+              <a:t>KNN</a:t>
+            </a:r>
+            <a:endParaRPr sz="600"/>
+          </a:p>
+        </p:txBody>
+      </p:sp>
+    </p:spTree>
+  </p:cSld>
+  <p:clrMapOvr>
+    <a:masterClrMapping/>
+  </p:clrMapOvr>
+  <p:timing>
+    <p:tnLst>
+      <p:par>
+        <p:cTn dur="indefinite" nodeType="tmRoot" restart="never">
+          <p:childTnLst>
+            <p:seq concurrent="1" nextAc="seek">
+              <p:cTn dur="indefinite" id="2" nodeType="mainSeq">
+                <p:childTnLst>
+                  <p:par>
+                    <p:cTn fill="hold">
+                      <p:stCondLst>
+                        <p:cond delay="indefinite"/>
+                      </p:stCondLst>
+                      <p:childTnLst>
+                        <p:par>
+                          <p:cTn fill="hold">
+                            <p:stCondLst>
+                              <p:cond delay="0"/>
+                            </p:stCondLst>
+                            <p:childTnLst>
+                              <p:par>
+                                <p:cTn fill="hold" nodeType="clickEffect" presetClass="entr" presetID="10" presetSubtype="0">
+                                  <p:stCondLst>
+                                    <p:cond delay="0"/>
+                                  </p:stCondLst>
+                                  <p:childTnLst>
+                                    <p:set>
+                                      <p:cBhvr>
+                                        <p:cTn dur="1" fill="hold">
+                                          <p:stCondLst>
+                                            <p:cond delay="0"/>
+                                          </p:stCondLst>
+                                        </p:cTn>
+                                        <p:tgtEl>
+                                          <p:spTgt spid="238"/>
+                                        </p:tgtEl>
+                                        <p:attrNameLst>
+                                          <p:attrName>style.visibility</p:attrName>
+                                        </p:attrNameLst>
+                                      </p:cBhvr>
+                                      <p:to>
+                                        <p:strVal val="visible"/>
+                                      </p:to>
+                                    </p:set>
+                                    <p:animEffect filter="fade" transition="in">
+                                      <p:cBhvr>
+                                        <p:cTn dur="1000"/>
+                                        <p:tgtEl>
+                                          <p:spTgt spid="238"/>
+                                        </p:tgtEl>
+                                      </p:cBhvr>
+                                    </p:animEffect>
+                                  </p:childTnLst>
+                                </p:cTn>
+                              </p:par>
+                              <p:par>
+                                <p:cTn fill="hold" nodeType="withEffect" presetClass="entr" presetID="10" presetSubtype="0">
+                                  <p:stCondLst>
+                                    <p:cond delay="0"/>
+                                  </p:stCondLst>
+                                  <p:childTnLst>
+                                    <p:set>
+                                      <p:cBhvr>
+                                        <p:cTn dur="1" fill="hold">
+                                          <p:stCondLst>
+                                            <p:cond delay="0"/>
+                                          </p:stCondLst>
+                                        </p:cTn>
+                                        <p:tgtEl>
+                                          <p:spTgt spid="247"/>
+                                        </p:tgtEl>
+                                        <p:attrNameLst>
+                                          <p:attrName>style.visibility</p:attrName>
+                                        </p:attrNameLst>
+                                      </p:cBhvr>
+                                      <p:to>
+                                        <p:strVal val="visible"/>
+                                      </p:to>
+                                    </p:set>
+                                    <p:animEffect filter="fade" transition="in">
+                                      <p:cBhvr>
+                                        <p:cTn dur="1000"/>
+                                        <p:tgtEl>
+                                          <p:spTgt spid="247"/>
+                                        </p:tgtEl>
+                                      </p:cBhvr>
+                                    </p:animEffect>
+                                  </p:childTnLst>
+                                </p:cTn>
+                              </p:par>
+                              <p:par>
+                                <p:cTn fill="hold" nodeType="withEffect" presetClass="entr" presetID="10" presetSubtype="0">
+                                  <p:stCondLst>
+                                    <p:cond delay="0"/>
+                                  </p:stCondLst>
+                                  <p:childTnLst>
+                                    <p:set>
+                                      <p:cBhvr>
+                                        <p:cTn dur="1" fill="hold">
+                                          <p:stCondLst>
+                                            <p:cond delay="0"/>
+                                          </p:stCondLst>
+                                        </p:cTn>
+                                        <p:tgtEl>
+                                          <p:spTgt spid="246"/>
+                                        </p:tgtEl>
+                                        <p:attrNameLst>
+                                          <p:attrName>style.visibility</p:attrName>
+                                        </p:attrNameLst>
+                                      </p:cBhvr>
+                                      <p:to>
+                                        <p:strVal val="visible"/>
+                                      </p:to>
+                                    </p:set>
+                                    <p:animEffect filter="fade" transition="in">
+                                      <p:cBhvr>
+                                        <p:cTn dur="1000"/>
+                                        <p:tgtEl>
+                                          <p:spTgt spid="246"/>
+                                        </p:tgtEl>
+                                      </p:cBhvr>
+                                    </p:animEffect>
+                                  </p:childTnLst>
+                                </p:cTn>
+                              </p:par>
+                              <p:par>
+                                <p:cTn fill="hold" nodeType="withEffect" presetClass="entr" presetID="10" presetSubtype="0">
+                                  <p:stCondLst>
+                                    <p:cond delay="0"/>
+                                  </p:stCondLst>
+                                  <p:childTnLst>
+                                    <p:set>
+                                      <p:cBhvr>
+                                        <p:cTn dur="1" fill="hold">
+                                          <p:stCondLst>
+                                            <p:cond delay="0"/>
+                                          </p:stCondLst>
+                                        </p:cTn>
+                                        <p:tgtEl>
+                                          <p:spTgt spid="234"/>
+                                        </p:tgtEl>
+                                        <p:attrNameLst>
+                                          <p:attrName>style.visibility</p:attrName>
+                                        </p:attrNameLst>
+                                      </p:cBhvr>
+                                      <p:to>
+                                        <p:strVal val="visible"/>
+                                      </p:to>
+                                    </p:set>
+                                    <p:animEffect filter="fade" transition="in">
+                                      <p:cBhvr>
+                                        <p:cTn dur="1000"/>
+                                        <p:tgtEl>
+                                          <p:spTgt spid="234"/>
+                                        </p:tgtEl>
+                                      </p:cBhvr>
+                                    </p:animEffect>
+                                  </p:childTnLst>
+                                </p:cTn>
+                              </p:par>
+                            </p:childTnLst>
+                          </p:cTn>
+                        </p:par>
+                      </p:childTnLst>
+                    </p:cTn>
+                  </p:par>
+                  <p:par>
+                    <p:cTn fill="hold">
+                      <p:stCondLst>
+                        <p:cond delay="indefinite"/>
+                      </p:stCondLst>
+                      <p:childTnLst>
+                        <p:par>
+                          <p:cTn fill="hold">
+                            <p:stCondLst>
+                              <p:cond delay="0"/>
+                            </p:stCondLst>
+                            <p:childTnLst>
+                              <p:par>
+                                <p:cTn fill="hold" nodeType="clickEffect" presetClass="entr" presetID="10" presetSubtype="0">
+                                  <p:stCondLst>
+                                    <p:cond delay="0"/>
+                                  </p:stCondLst>
+                                  <p:childTnLst>
+                                    <p:set>
+                                      <p:cBhvr>
+                                        <p:cTn dur="1" fill="hold">
+                                          <p:stCondLst>
+                                            <p:cond delay="0"/>
+                                          </p:stCondLst>
+                                        </p:cTn>
+                                        <p:tgtEl>
+                                          <p:spTgt spid="239"/>
+                                        </p:tgtEl>
+                                        <p:attrNameLst>
+                                          <p:attrName>style.visibility</p:attrName>
+                                        </p:attrNameLst>
+                                      </p:cBhvr>
+                                      <p:to>
+                                        <p:strVal val="visible"/>
+                                      </p:to>
+                                    </p:set>
+                                    <p:animEffect filter="fade" transition="in">
+                                      <p:cBhvr>
+                                        <p:cTn dur="1000"/>
+                                        <p:tgtEl>
+                                          <p:spTgt spid="239"/>
+                                        </p:tgtEl>
+                                      </p:cBhvr>
+                                    </p:animEffect>
+                                  </p:childTnLst>
+                                </p:cTn>
+                              </p:par>
+                              <p:par>
+                                <p:cTn fill="hold" nodeType="withEffect" presetClass="entr" presetID="10" presetSubtype="0">
+                                  <p:stCondLst>
+                                    <p:cond delay="0"/>
+                                  </p:stCondLst>
+                                  <p:childTnLst>
+                                    <p:set>
+                                      <p:cBhvr>
+                                        <p:cTn dur="1" fill="hold">
+                                          <p:stCondLst>
+                                            <p:cond delay="0"/>
+                                          </p:stCondLst>
+                                        </p:cTn>
+                                        <p:tgtEl>
+                                          <p:spTgt spid="231"/>
+                                        </p:tgtEl>
+                                        <p:attrNameLst>
+                                          <p:attrName>style.visibility</p:attrName>
+                                        </p:attrNameLst>
+                                      </p:cBhvr>
+                                      <p:to>
+                                        <p:strVal val="visible"/>
+                                      </p:to>
+                                    </p:set>
+                                    <p:animEffect filter="fade" transition="in">
+                                      <p:cBhvr>
+                                        <p:cTn dur="1000"/>
+                                        <p:tgtEl>
+                                          <p:spTgt spid="231"/>
+                                        </p:tgtEl>
+                                      </p:cBhvr>
+                                    </p:animEffect>
+                                  </p:childTnLst>
+                                </p:cTn>
+                              </p:par>
+                              <p:par>
+                                <p:cTn fill="hold" nodeType="withEffect" presetClass="entr" presetID="10" presetSubtype="0">
+                                  <p:stCondLst>
+                                    <p:cond delay="0"/>
+                                  </p:stCondLst>
+                                  <p:childTnLst>
+                                    <p:set>
+                                      <p:cBhvr>
+                                        <p:cTn dur="1" fill="hold">
+                                          <p:stCondLst>
+                                            <p:cond delay="0"/>
+                                          </p:stCondLst>
+                                        </p:cTn>
+                                        <p:tgtEl>
+                                          <p:spTgt spid="248"/>
+                                        </p:tgtEl>
+                                        <p:attrNameLst>
+                                          <p:attrName>style.visibility</p:attrName>
+                                        </p:attrNameLst>
+                                      </p:cBhvr>
+                                      <p:to>
+                                        <p:strVal val="visible"/>
+                                      </p:to>
+                                    </p:set>
+                                    <p:animEffect filter="fade" transition="in">
+                                      <p:cBhvr>
+                                        <p:cTn dur="1000"/>
+                                        <p:tgtEl>
+                                          <p:spTgt spid="248"/>
+                                        </p:tgtEl>
+                                      </p:cBhvr>
+                                    </p:animEffect>
+                                  </p:childTnLst>
+                                </p:cTn>
+                              </p:par>
+                              <p:par>
+                                <p:cTn fill="hold" nodeType="withEffect" presetClass="entr" presetID="10" presetSubtype="0">
+                                  <p:stCondLst>
+                                    <p:cond delay="0"/>
+                                  </p:stCondLst>
+                                  <p:childTnLst>
+                                    <p:set>
+                                      <p:cBhvr>
+                                        <p:cTn dur="1" fill="hold">
+                                          <p:stCondLst>
+                                            <p:cond delay="0"/>
+                                          </p:stCondLst>
+                                        </p:cTn>
+                                        <p:tgtEl>
+                                          <p:spTgt spid="243"/>
+                                        </p:tgtEl>
+                                        <p:attrNameLst>
+                                          <p:attrName>style.visibility</p:attrName>
+                                        </p:attrNameLst>
+                                      </p:cBhvr>
+                                      <p:to>
+                                        <p:strVal val="visible"/>
+                                      </p:to>
+                                    </p:set>
+                                    <p:animEffect filter="fade" transition="in">
+                                      <p:cBhvr>
+                                        <p:cTn dur="1000"/>
+                                        <p:tgtEl>
+                                          <p:spTgt spid="243"/>
+                                        </p:tgtEl>
+                                      </p:cBhvr>
+                                    </p:animEffect>
+                                  </p:childTnLst>
+                                </p:cTn>
+                              </p:par>
+                              <p:par>
+                                <p:cTn fill="hold" nodeType="withEffect" presetClass="entr" presetID="10" presetSubtype="0">
+                                  <p:stCondLst>
+                                    <p:cond delay="0"/>
+                                  </p:stCondLst>
+                                  <p:childTnLst>
+                                    <p:set>
+                                      <p:cBhvr>
+                                        <p:cTn dur="1" fill="hold">
+                                          <p:stCondLst>
+                                            <p:cond delay="0"/>
+                                          </p:stCondLst>
+                                        </p:cTn>
+                                        <p:tgtEl>
+                                          <p:spTgt spid="235"/>
+                                        </p:tgtEl>
+                                        <p:attrNameLst>
+                                          <p:attrName>style.visibility</p:attrName>
+                                        </p:attrNameLst>
+                                      </p:cBhvr>
+                                      <p:to>
+                                        <p:strVal val="visible"/>
+                                      </p:to>
+                                    </p:set>
+                                    <p:animEffect filter="fade" transition="in">
+                                      <p:cBhvr>
+                                        <p:cTn dur="1000"/>
+                                        <p:tgtEl>
+                                          <p:spTgt spid="235"/>
+                                        </p:tgtEl>
+                                      </p:cBhvr>
+                                    </p:animEffect>
+                                  </p:childTnLst>
+                                </p:cTn>
+                              </p:par>
+                            </p:childTnLst>
+                          </p:cTn>
+                        </p:par>
+                      </p:childTnLst>
+                    </p:cTn>
+                  </p:par>
+                  <p:par>
+                    <p:cTn fill="hold">
+                      <p:stCondLst>
+                        <p:cond delay="indefinite"/>
+                      </p:stCondLst>
+                      <p:childTnLst>
+                        <p:par>
+                          <p:cTn fill="hold">
+                            <p:stCondLst>
+                              <p:cond delay="0"/>
+                            </p:stCondLst>
+                            <p:childTnLst>
+                              <p:par>
+                                <p:cTn fill="hold" nodeType="clickEffect" presetClass="entr" presetID="10" presetSubtype="0">
+                                  <p:stCondLst>
+                                    <p:cond delay="0"/>
+                                  </p:stCondLst>
+                                  <p:childTnLst>
+                                    <p:set>
+                                      <p:cBhvr>
+                                        <p:cTn dur="1" fill="hold">
+                                          <p:stCondLst>
+                                            <p:cond delay="0"/>
+                                          </p:stCondLst>
+                                        </p:cTn>
+                                        <p:tgtEl>
+                                          <p:spTgt spid="236"/>
+                                        </p:tgtEl>
+                                        <p:attrNameLst>
+                                          <p:attrName>style.visibility</p:attrName>
+                                        </p:attrNameLst>
+                                      </p:cBhvr>
+                                      <p:to>
+                                        <p:strVal val="visible"/>
+                                      </p:to>
+                                    </p:set>
+                                    <p:animEffect filter="fade" transition="in">
+                                      <p:cBhvr>
+                                        <p:cTn dur="1000"/>
+                                        <p:tgtEl>
+                                          <p:spTgt spid="236"/>
+                                        </p:tgtEl>
+                                      </p:cBhvr>
+                                    </p:animEffect>
+                                  </p:childTnLst>
+                                </p:cTn>
+                              </p:par>
+                              <p:par>
+                                <p:cTn fill="hold" nodeType="withEffect" presetClass="entr" presetID="10" presetSubtype="0">
+                                  <p:stCondLst>
+                                    <p:cond delay="0"/>
+                                  </p:stCondLst>
+                                  <p:childTnLst>
+                                    <p:set>
+                                      <p:cBhvr>
+                                        <p:cTn dur="1" fill="hold">
+                                          <p:stCondLst>
+                                            <p:cond delay="0"/>
+                                          </p:stCondLst>
+                                        </p:cTn>
+                                        <p:tgtEl>
+                                          <p:spTgt spid="229"/>
+                                        </p:tgtEl>
+                                        <p:attrNameLst>
+                                          <p:attrName>style.visibility</p:attrName>
+                                        </p:attrNameLst>
+                                      </p:cBhvr>
+                                      <p:to>
+                                        <p:strVal val="visible"/>
+                                      </p:to>
+                                    </p:set>
+                                    <p:animEffect filter="fade" transition="in">
+                                      <p:cBhvr>
+                                        <p:cTn dur="1000"/>
+                                        <p:tgtEl>
+                                          <p:spTgt spid="229"/>
+                                        </p:tgtEl>
+                                      </p:cBhvr>
+                                    </p:animEffect>
+                                  </p:childTnLst>
+                                </p:cTn>
+                              </p:par>
+                              <p:par>
+                                <p:cTn fill="hold" nodeType="withEffect" presetClass="entr" presetID="10" presetSubtype="0">
+                                  <p:stCondLst>
+                                    <p:cond delay="0"/>
+                                  </p:stCondLst>
+                                  <p:childTnLst>
+                                    <p:set>
+                                      <p:cBhvr>
+                                        <p:cTn dur="1" fill="hold">
+                                          <p:stCondLst>
+                                            <p:cond delay="0"/>
+                                          </p:stCondLst>
+                                        </p:cTn>
+                                        <p:tgtEl>
+                                          <p:spTgt spid="240"/>
+                                        </p:tgtEl>
+                                        <p:attrNameLst>
+                                          <p:attrName>style.visibility</p:attrName>
+                                        </p:attrNameLst>
+                                      </p:cBhvr>
+                                      <p:to>
+                                        <p:strVal val="visible"/>
+                                      </p:to>
+                                    </p:set>
+                                    <p:animEffect filter="fade" transition="in">
+                                      <p:cBhvr>
+                                        <p:cTn dur="1000"/>
+                                        <p:tgtEl>
+                                          <p:spTgt spid="240"/>
+                                        </p:tgtEl>
+                                      </p:cBhvr>
+                                    </p:animEffect>
+                                  </p:childTnLst>
+                                </p:cTn>
+                              </p:par>
+                              <p:par>
+                                <p:cTn fill="hold" nodeType="withEffect" presetClass="entr" presetID="10" presetSubtype="0">
+                                  <p:stCondLst>
+                                    <p:cond delay="0"/>
+                                  </p:stCondLst>
+                                  <p:childTnLst>
+                                    <p:set>
+                                      <p:cBhvr>
+                                        <p:cTn dur="1" fill="hold">
+                                          <p:stCondLst>
+                                            <p:cond delay="0"/>
+                                          </p:stCondLst>
+                                        </p:cTn>
+                                        <p:tgtEl>
+                                          <p:spTgt spid="230"/>
+                                        </p:tgtEl>
+                                        <p:attrNameLst>
+                                          <p:attrName>style.visibility</p:attrName>
+                                        </p:attrNameLst>
+                                      </p:cBhvr>
+                                      <p:to>
+                                        <p:strVal val="visible"/>
+                                      </p:to>
+                                    </p:set>
+                                    <p:animEffect filter="fade" transition="in">
+                                      <p:cBhvr>
+                                        <p:cTn dur="1000"/>
+                                        <p:tgtEl>
+                                          <p:spTgt spid="230"/>
+                                        </p:tgtEl>
+                                      </p:cBhvr>
+                                    </p:animEffect>
+                                  </p:childTnLst>
+                                </p:cTn>
+                              </p:par>
+                              <p:par>
+                                <p:cTn fill="hold" nodeType="withEffect" presetClass="entr" presetID="10" presetSubtype="0">
+                                  <p:stCondLst>
+                                    <p:cond delay="0"/>
+                                  </p:stCondLst>
+                                  <p:childTnLst>
+                                    <p:set>
+                                      <p:cBhvr>
+                                        <p:cTn dur="1" fill="hold">
+                                          <p:stCondLst>
+                                            <p:cond delay="0"/>
+                                          </p:stCondLst>
+                                        </p:cTn>
+                                        <p:tgtEl>
+                                          <p:spTgt spid="237"/>
+                                        </p:tgtEl>
+                                        <p:attrNameLst>
+                                          <p:attrName>style.visibility</p:attrName>
+                                        </p:attrNameLst>
+                                      </p:cBhvr>
+                                      <p:to>
+                                        <p:strVal val="visible"/>
+                                      </p:to>
+                                    </p:set>
+                                    <p:animEffect filter="fade" transition="in">
+                                      <p:cBhvr>
+                                        <p:cTn dur="1000"/>
+                                        <p:tgtEl>
+                                          <p:spTgt spid="237"/>
+                                        </p:tgtEl>
+                                      </p:cBhvr>
+                                    </p:animEffect>
+                                  </p:childTnLst>
+                                </p:cTn>
+                              </p:par>
+                            </p:childTnLst>
+                          </p:cTn>
+                        </p:par>
+                      </p:childTnLst>
+                    </p:cTn>
+                  </p:par>
+                  <p:par>
+                    <p:cTn fill="hold">
+                      <p:stCondLst>
+                        <p:cond delay="indefinite"/>
+                      </p:stCondLst>
+                      <p:childTnLst>
+                        <p:par>
+                          <p:cTn fill="hold">
+                            <p:stCondLst>
+                              <p:cond delay="0"/>
+                            </p:stCondLst>
+                            <p:childTnLst>
+                              <p:par>
+                                <p:cTn fill="hold" nodeType="clickEffect" presetClass="entr" presetID="10" presetSubtype="0">
+                                  <p:stCondLst>
+                                    <p:cond delay="0"/>
+                                  </p:stCondLst>
+                                  <p:childTnLst>
+                                    <p:set>
+                                      <p:cBhvr>
+                                        <p:cTn dur="1" fill="hold">
+                                          <p:stCondLst>
+                                            <p:cond delay="0"/>
+                                          </p:stCondLst>
+                                        </p:cTn>
+                                        <p:tgtEl>
+                                          <p:spTgt spid="242"/>
+                                        </p:tgtEl>
+                                        <p:attrNameLst>
+                                          <p:attrName>style.visibility</p:attrName>
+                                        </p:attrNameLst>
+                                      </p:cBhvr>
+                                      <p:to>
+                                        <p:strVal val="visible"/>
+                                      </p:to>
+                                    </p:set>
+                                    <p:animEffect filter="fade" transition="in">
+                                      <p:cBhvr>
+                                        <p:cTn dur="1000"/>
+                                        <p:tgtEl>
+                                          <p:spTgt spid="242"/>
+                                        </p:tgtEl>
+                                      </p:cBhvr>
+                                    </p:animEffect>
+                                  </p:childTnLst>
+                                </p:cTn>
+                              </p:par>
+                              <p:par>
+                                <p:cTn fill="hold" nodeType="withEffect" presetClass="entr" presetID="10" presetSubtype="0">
+                                  <p:stCondLst>
+                                    <p:cond delay="0"/>
+                                  </p:stCondLst>
+                                  <p:childTnLst>
+                                    <p:set>
+                                      <p:cBhvr>
+                                        <p:cTn dur="1" fill="hold">
+                                          <p:stCondLst>
+                                            <p:cond delay="0"/>
+                                          </p:stCondLst>
+                                        </p:cTn>
+                                        <p:tgtEl>
+                                          <p:spTgt spid="241"/>
+                                        </p:tgtEl>
+                                        <p:attrNameLst>
+                                          <p:attrName>style.visibility</p:attrName>
+                                        </p:attrNameLst>
+                                      </p:cBhvr>
+                                      <p:to>
+                                        <p:strVal val="visible"/>
+                                      </p:to>
+                                    </p:set>
+                                    <p:animEffect filter="fade" transition="in">
+                                      <p:cBhvr>
+                                        <p:cTn dur="1000"/>
+                                        <p:tgtEl>
+                                          <p:spTgt spid="241"/>
                                         </p:tgtEl>
                                       </p:cBhvr>
                                     </p:animEffect>
@@ -16598,6 +19045,285 @@
 </file>
 
 <file path=ppt/theme/theme1.xml><?xml version="1.0" encoding="utf-8"?>
+<a:theme xmlns:a="http://schemas.openxmlformats.org/drawingml/2006/main" xmlns:r="http://schemas.openxmlformats.org/officeDocument/2006/relationships">
+  <a:themeElements>
+    <a:clrScheme name="Default">
+      <a:dk1>
+        <a:srgbClr val="000000"/>
+      </a:dk1>
+      <a:lt1>
+        <a:srgbClr val="FFFFFF"/>
+      </a:lt1>
+      <a:dk2>
+        <a:srgbClr val="158158"/>
+      </a:dk2>
+      <a:lt2>
+        <a:srgbClr val="F3F3F3"/>
+      </a:lt2>
+      <a:accent1>
+        <a:srgbClr val="058DC7"/>
+      </a:accent1>
+      <a:accent2>
+        <a:srgbClr val="50B432"/>
+      </a:accent2>
+      <a:accent3>
+        <a:srgbClr val="ED561B"/>
+      </a:accent3>
+      <a:accent4>
+        <a:srgbClr val="EDEF00"/>
+      </a:accent4>
+      <a:accent5>
+        <a:srgbClr val="24CBE5"/>
+      </a:accent5>
+      <a:accent6>
+        <a:srgbClr val="64E572"/>
+      </a:accent6>
+      <a:hlink>
+        <a:srgbClr val="2200CC"/>
+      </a:hlink>
+      <a:folHlink>
+        <a:srgbClr val="551A8B"/>
+      </a:folHlink>
+    </a:clrScheme>
+    <a:fontScheme name="Office">
+      <a:majorFont>
+        <a:latin typeface="Arial"/>
+        <a:ea typeface=""/>
+        <a:cs typeface=""/>
+        <a:font script="Jpan" typeface="ＭＳ Ｐゴシック"/>
+        <a:font script="Hang" typeface="맑은 고딕"/>
+        <a:font script="Hans" typeface="宋体"/>
+        <a:font script="Hant" typeface="新細明體"/>
+        <a:font script="Arab" typeface="Times New Roman"/>
+        <a:font script="Hebr" typeface="Times New Roman"/>
+        <a:font script="Thai" typeface="Angsana New"/>
+        <a:font script="Ethi" typeface="Nyala"/>
+        <a:font script="Beng" typeface="Vrinda"/>
+        <a:font script="Gujr" typeface="Shruti"/>
+        <a:font script="Khmr" typeface="MoolBoran"/>
+        <a:font script="Knda" typeface="Tunga"/>
+        <a:font script="Guru" typeface="Raavi"/>
+        <a:font script="Cans" typeface="Euphemia"/>
+        <a:font script="Cher" typeface="Plantagenet Cherokee"/>
+        <a:font script="Yiii" typeface="Microsoft Yi Baiti"/>
+        <a:font script="Tibt" typeface="Microsoft Himalaya"/>
+        <a:font script="Thaa" typeface="MV Boli"/>
+        <a:font script="Deva" typeface="Mangal"/>
+        <a:font script="Telu" typeface="Gautami"/>
+        <a:font script="Taml" typeface="Latha"/>
+        <a:font script="Syrc" typeface="Estrangelo Edessa"/>
+        <a:font script="Orya" typeface="Kalinga"/>
+        <a:font script="Mlym" typeface="Kartika"/>
+        <a:font script="Laoo" typeface="DokChampa"/>
+        <a:font script="Sinh" typeface="Iskoola Pota"/>
+        <a:font script="Mong" typeface="Mongolian Baiti"/>
+        <a:font script="Viet" typeface="Times New Roman"/>
+        <a:font script="Uigh" typeface="Microsoft Uighur"/>
+        <a:font script="Geor" typeface="Sylfaen"/>
+      </a:majorFont>
+      <a:minorFont>
+        <a:latin typeface="Arial"/>
+        <a:ea typeface=""/>
+        <a:cs typeface=""/>
+        <a:font script="Jpan" typeface="ＭＳ Ｐゴシック"/>
+        <a:font script="Hang" typeface="맑은 고딕"/>
+        <a:font script="Hans" typeface="宋体"/>
+        <a:font script="Hant" typeface="新細明體"/>
+        <a:font script="Arab" typeface="Arial"/>
+        <a:font script="Hebr" typeface="Arial"/>
+        <a:font script="Thai" typeface="Cordia New"/>
+        <a:font script="Ethi" typeface="Nyala"/>
+        <a:font script="Beng" typeface="Vrinda"/>
+        <a:font script="Gujr" typeface="Shruti"/>
+        <a:font script="Khmr" typeface="DaunPenh"/>
+        <a:font script="Knda" typeface="Tunga"/>
+        <a:font script="Guru" typeface="Raavi"/>
+        <a:font script="Cans" typeface="Euphemia"/>
+        <a:font script="Cher" typeface="Plantagenet Cherokee"/>
+        <a:font script="Yiii" typeface="Microsoft Yi Baiti"/>
+        <a:font script="Tibt" typeface="Microsoft Himalaya"/>
+        <a:font script="Thaa" typeface="MV Boli"/>
+        <a:font script="Deva" typeface="Mangal"/>
+        <a:font script="Telu" typeface="Gautami"/>
+        <a:font script="Taml" typeface="Latha"/>
+        <a:font script="Syrc" typeface="Estrangelo Edessa"/>
+        <a:font script="Orya" typeface="Kalinga"/>
+        <a:font script="Mlym" typeface="Kartika"/>
+        <a:font script="Laoo" typeface="DokChampa"/>
+        <a:font script="Sinh" typeface="Iskoola Pota"/>
+        <a:font script="Mong" typeface="Mongolian Baiti"/>
+        <a:font script="Viet" typeface="Arial"/>
+        <a:font script="Uigh" typeface="Microsoft Uighur"/>
+        <a:font script="Geor" typeface="Sylfaen"/>
+      </a:minorFont>
+    </a:fontScheme>
+    <a:fmtScheme name="Office">
+      <a:fillStyleLst>
+        <a:solidFill>
+          <a:schemeClr val="phClr"/>
+        </a:solidFill>
+        <a:gradFill rotWithShape="1">
+          <a:gsLst>
+            <a:gs pos="0">
+              <a:schemeClr val="phClr">
+                <a:tint val="50000"/>
+                <a:satMod val="300000"/>
+              </a:schemeClr>
+            </a:gs>
+            <a:gs pos="35000">
+              <a:schemeClr val="phClr">
+                <a:tint val="37000"/>
+                <a:satMod val="300000"/>
+              </a:schemeClr>
+            </a:gs>
+            <a:gs pos="100000">
+              <a:schemeClr val="phClr">
+                <a:tint val="15000"/>
+                <a:satMod val="350000"/>
+              </a:schemeClr>
+            </a:gs>
+          </a:gsLst>
+          <a:lin ang="16200000" scaled="1"/>
+        </a:gradFill>
+        <a:gradFill rotWithShape="1">
+          <a:gsLst>
+            <a:gs pos="0">
+              <a:schemeClr val="phClr">
+                <a:tint val="100000"/>
+                <a:shade val="100000"/>
+                <a:satMod val="130000"/>
+              </a:schemeClr>
+            </a:gs>
+            <a:gs pos="100000">
+              <a:schemeClr val="phClr">
+                <a:tint val="50000"/>
+                <a:shade val="100000"/>
+                <a:satMod val="350000"/>
+              </a:schemeClr>
+            </a:gs>
+          </a:gsLst>
+          <a:lin ang="16200000" scaled="0"/>
+        </a:gradFill>
+      </a:fillStyleLst>
+      <a:lnStyleLst>
+        <a:ln w="9525" cap="flat" cmpd="sng" algn="ctr">
+          <a:solidFill>
+            <a:schemeClr val="phClr">
+              <a:shade val="95000"/>
+              <a:satMod val="105000"/>
+            </a:schemeClr>
+          </a:solidFill>
+          <a:prstDash val="solid"/>
+        </a:ln>
+        <a:ln w="25400" cap="flat" cmpd="sng" algn="ctr">
+          <a:solidFill>
+            <a:schemeClr val="phClr"/>
+          </a:solidFill>
+          <a:prstDash val="solid"/>
+        </a:ln>
+        <a:ln w="38100" cap="flat" cmpd="sng" algn="ctr">
+          <a:solidFill>
+            <a:schemeClr val="phClr"/>
+          </a:solidFill>
+          <a:prstDash val="solid"/>
+        </a:ln>
+      </a:lnStyleLst>
+      <a:effectStyleLst>
+        <a:effectStyle>
+          <a:effectLst>
+            <a:outerShdw blurRad="40000" dist="20000" dir="5400000" rotWithShape="0">
+              <a:srgbClr val="000000">
+                <a:alpha val="38000"/>
+              </a:srgbClr>
+            </a:outerShdw>
+          </a:effectLst>
+        </a:effectStyle>
+        <a:effectStyle>
+          <a:effectLst>
+            <a:outerShdw blurRad="40000" dist="23000" dir="5400000" rotWithShape="0">
+              <a:srgbClr val="000000">
+                <a:alpha val="35000"/>
+              </a:srgbClr>
+            </a:outerShdw>
+          </a:effectLst>
+        </a:effectStyle>
+        <a:effectStyle>
+          <a:effectLst>
+            <a:outerShdw blurRad="40000" dist="23000" dir="5400000" rotWithShape="0">
+              <a:srgbClr val="000000">
+                <a:alpha val="35000"/>
+              </a:srgbClr>
+            </a:outerShdw>
+          </a:effectLst>
+          <a:scene3d>
+            <a:camera prst="orthographicFront">
+              <a:rot lat="0" lon="0" rev="0"/>
+            </a:camera>
+            <a:lightRig rig="threePt" dir="t">
+              <a:rot lat="0" lon="0" rev="1200000"/>
+            </a:lightRig>
+          </a:scene3d>
+          <a:sp3d>
+            <a:bevelT w="63500" h="25400"/>
+          </a:sp3d>
+        </a:effectStyle>
+      </a:effectStyleLst>
+      <a:bgFillStyleLst>
+        <a:solidFill>
+          <a:schemeClr val="phClr"/>
+        </a:solidFill>
+        <a:gradFill rotWithShape="1">
+          <a:gsLst>
+            <a:gs pos="0">
+              <a:schemeClr val="phClr">
+                <a:tint val="40000"/>
+                <a:satMod val="350000"/>
+              </a:schemeClr>
+            </a:gs>
+            <a:gs pos="40000">
+              <a:schemeClr val="phClr">
+                <a:tint val="45000"/>
+                <a:shade val="99000"/>
+                <a:satMod val="350000"/>
+              </a:schemeClr>
+            </a:gs>
+            <a:gs pos="100000">
+              <a:schemeClr val="phClr">
+                <a:shade val="20000"/>
+                <a:satMod val="255000"/>
+              </a:schemeClr>
+            </a:gs>
+          </a:gsLst>
+          <a:path path="circle">
+            <a:fillToRect l="50000" t="-80000" r="50000" b="180000"/>
+          </a:path>
+        </a:gradFill>
+        <a:gradFill rotWithShape="1">
+          <a:gsLst>
+            <a:gs pos="0">
+              <a:schemeClr val="phClr">
+                <a:tint val="80000"/>
+                <a:satMod val="300000"/>
+              </a:schemeClr>
+            </a:gs>
+            <a:gs pos="100000">
+              <a:schemeClr val="phClr">
+                <a:shade val="30000"/>
+                <a:satMod val="200000"/>
+              </a:schemeClr>
+            </a:gs>
+          </a:gsLst>
+          <a:path path="circle">
+            <a:fillToRect l="50000" t="50000" r="50000" b="50000"/>
+          </a:path>
+        </a:gradFill>
+      </a:bgFillStyleLst>
+    </a:fmtScheme>
+  </a:themeElements>
+</a:theme>
+</file>
+
+<file path=ppt/theme/theme2.xml><?xml version="1.0" encoding="utf-8"?>
 <a:theme xmlns:a="http://schemas.openxmlformats.org/drawingml/2006/main" xmlns:r="http://schemas.openxmlformats.org/officeDocument/2006/relationships" name="Shift">
   <a:themeElements>
     <a:clrScheme name="Shift">
@@ -16874,283 +19600,4 @@
     </a:fmtScheme>
   </a:themeElements>
 </a:theme>
-</file>
-
-<file path=ppt/theme/theme2.xml><?xml version="1.0" encoding="utf-8"?>
-<a:theme xmlns:a="http://schemas.openxmlformats.org/drawingml/2006/main" xmlns:r="http://schemas.openxmlformats.org/officeDocument/2006/relationships">
-  <a:themeElements>
-    <a:clrScheme name="Default">
-      <a:dk1>
-        <a:srgbClr val="000000"/>
-      </a:dk1>
-      <a:lt1>
-        <a:srgbClr val="FFFFFF"/>
-      </a:lt1>
-      <a:dk2>
-        <a:srgbClr val="158158"/>
-      </a:dk2>
-      <a:lt2>
-        <a:srgbClr val="F3F3F3"/>
-      </a:lt2>
-      <a:accent1>
-        <a:srgbClr val="058DC7"/>
-      </a:accent1>
-      <a:accent2>
-        <a:srgbClr val="50B432"/>
-      </a:accent2>
-      <a:accent3>
-        <a:srgbClr val="ED561B"/>
-      </a:accent3>
-      <a:accent4>
-        <a:srgbClr val="EDEF00"/>
-      </a:accent4>
-      <a:accent5>
-        <a:srgbClr val="24CBE5"/>
-      </a:accent5>
-      <a:accent6>
-        <a:srgbClr val="64E572"/>
-      </a:accent6>
-      <a:hlink>
-        <a:srgbClr val="2200CC"/>
-      </a:hlink>
-      <a:folHlink>
-        <a:srgbClr val="551A8B"/>
-      </a:folHlink>
-    </a:clrScheme>
-    <a:fontScheme name="Office">
-      <a:majorFont>
-        <a:latin typeface="Arial"/>
-        <a:ea typeface=""/>
-        <a:cs typeface=""/>
-        <a:font script="Jpan" typeface="ＭＳ Ｐゴシック"/>
-        <a:font script="Hang" typeface="맑은 고딕"/>
-        <a:font script="Hans" typeface="宋体"/>
-        <a:font script="Hant" typeface="新細明體"/>
-        <a:font script="Arab" typeface="Times New Roman"/>
-        <a:font script="Hebr" typeface="Times New Roman"/>
-        <a:font script="Thai" typeface="Angsana New"/>
-        <a:font script="Ethi" typeface="Nyala"/>
-        <a:font script="Beng" typeface="Vrinda"/>
-        <a:font script="Gujr" typeface="Shruti"/>
-        <a:font script="Khmr" typeface="MoolBoran"/>
-        <a:font script="Knda" typeface="Tunga"/>
-        <a:font script="Guru" typeface="Raavi"/>
-        <a:font script="Cans" typeface="Euphemia"/>
-        <a:font script="Cher" typeface="Plantagenet Cherokee"/>
-        <a:font script="Yiii" typeface="Microsoft Yi Baiti"/>
-        <a:font script="Tibt" typeface="Microsoft Himalaya"/>
-        <a:font script="Thaa" typeface="MV Boli"/>
-        <a:font script="Deva" typeface="Mangal"/>
-        <a:font script="Telu" typeface="Gautami"/>
-        <a:font script="Taml" typeface="Latha"/>
-        <a:font script="Syrc" typeface="Estrangelo Edessa"/>
-        <a:font script="Orya" typeface="Kalinga"/>
-        <a:font script="Mlym" typeface="Kartika"/>
-        <a:font script="Laoo" typeface="DokChampa"/>
-        <a:font script="Sinh" typeface="Iskoola Pota"/>
-        <a:font script="Mong" typeface="Mongolian Baiti"/>
-        <a:font script="Viet" typeface="Times New Roman"/>
-        <a:font script="Uigh" typeface="Microsoft Uighur"/>
-        <a:font script="Geor" typeface="Sylfaen"/>
-      </a:majorFont>
-      <a:minorFont>
-        <a:latin typeface="Arial"/>
-        <a:ea typeface=""/>
-        <a:cs typeface=""/>
-        <a:font script="Jpan" typeface="ＭＳ Ｐゴシック"/>
-        <a:font script="Hang" typeface="맑은 고딕"/>
-        <a:font script="Hans" typeface="宋体"/>
-        <a:font script="Hant" typeface="新細明體"/>
-        <a:font script="Arab" typeface="Arial"/>
-        <a:font script="Hebr" typeface="Arial"/>
-        <a:font script="Thai" typeface="Cordia New"/>
-        <a:font script="Ethi" typeface="Nyala"/>
-        <a:font script="Beng" typeface="Vrinda"/>
-        <a:font script="Gujr" typeface="Shruti"/>
-        <a:font script="Khmr" typeface="DaunPenh"/>
-        <a:font script="Knda" typeface="Tunga"/>
-        <a:font script="Guru" typeface="Raavi"/>
-        <a:font script="Cans" typeface="Euphemia"/>
-        <a:font script="Cher" typeface="Plantagenet Cherokee"/>
-        <a:font script="Yiii" typeface="Microsoft Yi Baiti"/>
-        <a:font script="Tibt" typeface="Microsoft Himalaya"/>
-        <a:font script="Thaa" typeface="MV Boli"/>
-        <a:font script="Deva" typeface="Mangal"/>
-        <a:font script="Telu" typeface="Gautami"/>
-        <a:font script="Taml" typeface="Latha"/>
-        <a:font script="Syrc" typeface="Estrangelo Edessa"/>
-        <a:font script="Orya" typeface="Kalinga"/>
-        <a:font script="Mlym" typeface="Kartika"/>
-        <a:font script="Laoo" typeface="DokChampa"/>
-        <a:font script="Sinh" typeface="Iskoola Pota"/>
-        <a:font script="Mong" typeface="Mongolian Baiti"/>
-        <a:font script="Viet" typeface="Arial"/>
-        <a:font script="Uigh" typeface="Microsoft Uighur"/>
-        <a:font script="Geor" typeface="Sylfaen"/>
-      </a:minorFont>
-    </a:fontScheme>
-    <a:fmtScheme name="Office">
-      <a:fillStyleLst>
-        <a:solidFill>
-          <a:schemeClr val="phClr"/>
-        </a:solidFill>
-        <a:gradFill rotWithShape="1">
-          <a:gsLst>
-            <a:gs pos="0">
-              <a:schemeClr val="phClr">
-                <a:tint val="50000"/>
-                <a:satMod val="300000"/>
-              </a:schemeClr>
-            </a:gs>
-            <a:gs pos="35000">
-              <a:schemeClr val="phClr">
-                <a:tint val="37000"/>
-                <a:satMod val="300000"/>
-              </a:schemeClr>
-            </a:gs>
-            <a:gs pos="100000">
-              <a:schemeClr val="phClr">
-                <a:tint val="15000"/>
-                <a:satMod val="350000"/>
-              </a:schemeClr>
-            </a:gs>
-          </a:gsLst>
-          <a:lin ang="16200000" scaled="1"/>
-        </a:gradFill>
-        <a:gradFill rotWithShape="1">
-          <a:gsLst>
-            <a:gs pos="0">
-              <a:schemeClr val="phClr">
-                <a:tint val="100000"/>
-                <a:shade val="100000"/>
-                <a:satMod val="130000"/>
-              </a:schemeClr>
-            </a:gs>
-            <a:gs pos="100000">
-              <a:schemeClr val="phClr">
-                <a:tint val="50000"/>
-                <a:shade val="100000"/>
-                <a:satMod val="350000"/>
-              </a:schemeClr>
-            </a:gs>
-          </a:gsLst>
-          <a:lin ang="16200000" scaled="0"/>
-        </a:gradFill>
-      </a:fillStyleLst>
-      <a:lnStyleLst>
-        <a:ln w="9525" cap="flat" cmpd="sng" algn="ctr">
-          <a:solidFill>
-            <a:schemeClr val="phClr">
-              <a:shade val="95000"/>
-              <a:satMod val="105000"/>
-            </a:schemeClr>
-          </a:solidFill>
-          <a:prstDash val="solid"/>
-        </a:ln>
-        <a:ln w="25400" cap="flat" cmpd="sng" algn="ctr">
-          <a:solidFill>
-            <a:schemeClr val="phClr"/>
-          </a:solidFill>
-          <a:prstDash val="solid"/>
-        </a:ln>
-        <a:ln w="38100" cap="flat" cmpd="sng" algn="ctr">
-          <a:solidFill>
-            <a:schemeClr val="phClr"/>
-          </a:solidFill>
-          <a:prstDash val="solid"/>
-        </a:ln>
-      </a:lnStyleLst>
-      <a:effectStyleLst>
-        <a:effectStyle>
-          <a:effectLst>
-            <a:outerShdw blurRad="40000" dist="20000" dir="5400000" rotWithShape="0">
-              <a:srgbClr val="000000">
-                <a:alpha val="38000"/>
-              </a:srgbClr>
-            </a:outerShdw>
-          </a:effectLst>
-        </a:effectStyle>
-        <a:effectStyle>
-          <a:effectLst>
-            <a:outerShdw blurRad="40000" dist="23000" dir="5400000" rotWithShape="0">
-              <a:srgbClr val="000000">
-                <a:alpha val="35000"/>
-              </a:srgbClr>
-            </a:outerShdw>
-          </a:effectLst>
-        </a:effectStyle>
-        <a:effectStyle>
-          <a:effectLst>
-            <a:outerShdw blurRad="40000" dist="23000" dir="5400000" rotWithShape="0">
-              <a:srgbClr val="000000">
-                <a:alpha val="35000"/>
-              </a:srgbClr>
-            </a:outerShdw>
-          </a:effectLst>
-          <a:scene3d>
-            <a:camera prst="orthographicFront">
-              <a:rot lat="0" lon="0" rev="0"/>
-            </a:camera>
-            <a:lightRig rig="threePt" dir="t">
-              <a:rot lat="0" lon="0" rev="1200000"/>
-            </a:lightRig>
-          </a:scene3d>
-          <a:sp3d>
-            <a:bevelT w="63500" h="25400"/>
-          </a:sp3d>
-        </a:effectStyle>
-      </a:effectStyleLst>
-      <a:bgFillStyleLst>
-        <a:solidFill>
-          <a:schemeClr val="phClr"/>
-        </a:solidFill>
-        <a:gradFill rotWithShape="1">
-          <a:gsLst>
-            <a:gs pos="0">
-              <a:schemeClr val="phClr">
-                <a:tint val="40000"/>
-                <a:satMod val="350000"/>
-              </a:schemeClr>
-            </a:gs>
-            <a:gs pos="40000">
-              <a:schemeClr val="phClr">
-                <a:tint val="45000"/>
-                <a:shade val="99000"/>
-                <a:satMod val="350000"/>
-              </a:schemeClr>
-            </a:gs>
-            <a:gs pos="100000">
-              <a:schemeClr val="phClr">
-                <a:shade val="20000"/>
-                <a:satMod val="255000"/>
-              </a:schemeClr>
-            </a:gs>
-          </a:gsLst>
-          <a:path path="circle">
-            <a:fillToRect l="50000" t="-80000" r="50000" b="180000"/>
-          </a:path>
-        </a:gradFill>
-        <a:gradFill rotWithShape="1">
-          <a:gsLst>
-            <a:gs pos="0">
-              <a:schemeClr val="phClr">
-                <a:tint val="80000"/>
-                <a:satMod val="300000"/>
-              </a:schemeClr>
-            </a:gs>
-            <a:gs pos="100000">
-              <a:schemeClr val="phClr">
-                <a:shade val="30000"/>
-                <a:satMod val="200000"/>
-              </a:schemeClr>
-            </a:gs>
-          </a:gsLst>
-          <a:path path="circle">
-            <a:fillToRect l="50000" t="50000" r="50000" b="50000"/>
-          </a:path>
-        </a:gradFill>
-      </a:bgFillStyleLst>
-    </a:fmtScheme>
-  </a:themeElements>
-</a:theme>
 </file>
--- a/tex_tesi/Apprendimento non supervisionato per l’identificazione di contesti di Freezing of Gait (FOG) in pazienti affetti da Morbo di Parkinson.pptx
+++ b/tex_tesi/Apprendimento non supervisionato per l’identificazione di contesti di Freezing of Gait (FOG) in pazienti affetti da Morbo di Parkinson.pptx
@@ -13554,7 +13554,7 @@
             </a:pPr>
             <a:r>
               <a:rPr lang="it" sz="1800"/>
-              <a:t>Studio sull’esistenza della classe preFOG;</a:t>
+              <a:t>Studio sulla divisione della classe preFOG;</a:t>
             </a:r>
             <a:endParaRPr sz="1800"/>
           </a:p>
@@ -13594,7 +13594,7 @@
             </a:pPr>
             <a:r>
               <a:rPr lang="it" sz="1800"/>
-              <a:t>Classificare i dati per identificare le occorrenze di preFOG su nuovi dati</a:t>
+              <a:t>Classificazione per identificare le occorrenze di preFOG su nuovi dati</a:t>
             </a:r>
             <a:endParaRPr sz="1800"/>
           </a:p>
@@ -13631,6 +13631,280 @@
   <p:clrMapOvr>
     <a:masterClrMapping/>
   </p:clrMapOvr>
+  <p:timing>
+    <p:tnLst>
+      <p:par>
+        <p:cTn dur="indefinite" nodeType="tmRoot" restart="never">
+          <p:childTnLst>
+            <p:seq concurrent="1" nextAc="seek">
+              <p:cTn dur="indefinite" id="2" nodeType="mainSeq">
+                <p:childTnLst>
+                  <p:par>
+                    <p:cTn fill="hold">
+                      <p:stCondLst>
+                        <p:cond delay="indefinite"/>
+                      </p:stCondLst>
+                      <p:childTnLst>
+                        <p:par>
+                          <p:cTn fill="hold">
+                            <p:stCondLst>
+                              <p:cond delay="0"/>
+                            </p:stCondLst>
+                            <p:childTnLst>
+                              <p:par>
+                                <p:cTn fill="hold" nodeType="clickEffect" presetClass="entr" presetID="10" presetSubtype="0">
+                                  <p:stCondLst>
+                                    <p:cond delay="0"/>
+                                  </p:stCondLst>
+                                  <p:childTnLst>
+                                    <p:set>
+                                      <p:cBhvr>
+                                        <p:cTn dur="1" fill="hold">
+                                          <p:stCondLst>
+                                            <p:cond delay="0"/>
+                                          </p:stCondLst>
+                                        </p:cTn>
+                                        <p:tgtEl>
+                                          <p:spTgt spid="166">
+                                            <p:txEl>
+                                              <p:pRg end="0" st="0"/>
+                                            </p:txEl>
+                                          </p:spTgt>
+                                        </p:tgtEl>
+                                        <p:attrNameLst>
+                                          <p:attrName>style.visibility</p:attrName>
+                                        </p:attrNameLst>
+                                      </p:cBhvr>
+                                      <p:to>
+                                        <p:strVal val="visible"/>
+                                      </p:to>
+                                    </p:set>
+                                    <p:animEffect filter="fade" transition="in">
+                                      <p:cBhvr>
+                                        <p:cTn dur="1000"/>
+                                        <p:tgtEl>
+                                          <p:spTgt spid="166">
+                                            <p:txEl>
+                                              <p:pRg end="0" st="0"/>
+                                            </p:txEl>
+                                          </p:spTgt>
+                                        </p:tgtEl>
+                                      </p:cBhvr>
+                                    </p:animEffect>
+                                  </p:childTnLst>
+                                </p:cTn>
+                              </p:par>
+                            </p:childTnLst>
+                          </p:cTn>
+                        </p:par>
+                      </p:childTnLst>
+                    </p:cTn>
+                  </p:par>
+                  <p:par>
+                    <p:cTn fill="hold">
+                      <p:stCondLst>
+                        <p:cond delay="indefinite"/>
+                      </p:stCondLst>
+                      <p:childTnLst>
+                        <p:par>
+                          <p:cTn fill="hold">
+                            <p:stCondLst>
+                              <p:cond delay="0"/>
+                            </p:stCondLst>
+                            <p:childTnLst>
+                              <p:par>
+                                <p:cTn fill="hold" nodeType="clickEffect" presetClass="entr" presetID="10" presetSubtype="0">
+                                  <p:stCondLst>
+                                    <p:cond delay="0"/>
+                                  </p:stCondLst>
+                                  <p:childTnLst>
+                                    <p:set>
+                                      <p:cBhvr>
+                                        <p:cTn dur="1" fill="hold">
+                                          <p:stCondLst>
+                                            <p:cond delay="0"/>
+                                          </p:stCondLst>
+                                        </p:cTn>
+                                        <p:tgtEl>
+                                          <p:spTgt spid="166">
+                                            <p:txEl>
+                                              <p:pRg end="1" st="1"/>
+                                            </p:txEl>
+                                          </p:spTgt>
+                                        </p:tgtEl>
+                                        <p:attrNameLst>
+                                          <p:attrName>style.visibility</p:attrName>
+                                        </p:attrNameLst>
+                                      </p:cBhvr>
+                                      <p:to>
+                                        <p:strVal val="visible"/>
+                                      </p:to>
+                                    </p:set>
+                                    <p:animEffect filter="fade" transition="in">
+                                      <p:cBhvr>
+                                        <p:cTn dur="1000"/>
+                                        <p:tgtEl>
+                                          <p:spTgt spid="166">
+                                            <p:txEl>
+                                              <p:pRg end="1" st="1"/>
+                                            </p:txEl>
+                                          </p:spTgt>
+                                        </p:tgtEl>
+                                      </p:cBhvr>
+                                    </p:animEffect>
+                                  </p:childTnLst>
+                                </p:cTn>
+                              </p:par>
+                            </p:childTnLst>
+                          </p:cTn>
+                        </p:par>
+                      </p:childTnLst>
+                    </p:cTn>
+                  </p:par>
+                  <p:par>
+                    <p:cTn fill="hold">
+                      <p:stCondLst>
+                        <p:cond delay="indefinite"/>
+                      </p:stCondLst>
+                      <p:childTnLst>
+                        <p:par>
+                          <p:cTn fill="hold">
+                            <p:stCondLst>
+                              <p:cond delay="0"/>
+                            </p:stCondLst>
+                            <p:childTnLst>
+                              <p:par>
+                                <p:cTn fill="hold" nodeType="clickEffect" presetClass="entr" presetID="10" presetSubtype="0">
+                                  <p:stCondLst>
+                                    <p:cond delay="0"/>
+                                  </p:stCondLst>
+                                  <p:childTnLst>
+                                    <p:set>
+                                      <p:cBhvr>
+                                        <p:cTn dur="1" fill="hold">
+                                          <p:stCondLst>
+                                            <p:cond delay="0"/>
+                                          </p:stCondLst>
+                                        </p:cTn>
+                                        <p:tgtEl>
+                                          <p:spTgt spid="166">
+                                            <p:txEl>
+                                              <p:pRg end="2" st="2"/>
+                                            </p:txEl>
+                                          </p:spTgt>
+                                        </p:tgtEl>
+                                        <p:attrNameLst>
+                                          <p:attrName>style.visibility</p:attrName>
+                                        </p:attrNameLst>
+                                      </p:cBhvr>
+                                      <p:to>
+                                        <p:strVal val="visible"/>
+                                      </p:to>
+                                    </p:set>
+                                    <p:animEffect filter="fade" transition="in">
+                                      <p:cBhvr>
+                                        <p:cTn dur="1000"/>
+                                        <p:tgtEl>
+                                          <p:spTgt spid="166">
+                                            <p:txEl>
+                                              <p:pRg end="2" st="2"/>
+                                            </p:txEl>
+                                          </p:spTgt>
+                                        </p:tgtEl>
+                                      </p:cBhvr>
+                                    </p:animEffect>
+                                  </p:childTnLst>
+                                </p:cTn>
+                              </p:par>
+                            </p:childTnLst>
+                          </p:cTn>
+                        </p:par>
+                      </p:childTnLst>
+                    </p:cTn>
+                  </p:par>
+                  <p:par>
+                    <p:cTn fill="hold">
+                      <p:stCondLst>
+                        <p:cond delay="indefinite"/>
+                      </p:stCondLst>
+                      <p:childTnLst>
+                        <p:par>
+                          <p:cTn fill="hold">
+                            <p:stCondLst>
+                              <p:cond delay="0"/>
+                            </p:stCondLst>
+                            <p:childTnLst>
+                              <p:par>
+                                <p:cTn fill="hold" nodeType="clickEffect" presetClass="entr" presetID="10" presetSubtype="0">
+                                  <p:stCondLst>
+                                    <p:cond delay="0"/>
+                                  </p:stCondLst>
+                                  <p:childTnLst>
+                                    <p:set>
+                                      <p:cBhvr>
+                                        <p:cTn dur="1" fill="hold">
+                                          <p:stCondLst>
+                                            <p:cond delay="0"/>
+                                          </p:stCondLst>
+                                        </p:cTn>
+                                        <p:tgtEl>
+                                          <p:spTgt spid="166">
+                                            <p:txEl>
+                                              <p:pRg end="3" st="3"/>
+                                            </p:txEl>
+                                          </p:spTgt>
+                                        </p:tgtEl>
+                                        <p:attrNameLst>
+                                          <p:attrName>style.visibility</p:attrName>
+                                        </p:attrNameLst>
+                                      </p:cBhvr>
+                                      <p:to>
+                                        <p:strVal val="visible"/>
+                                      </p:to>
+                                    </p:set>
+                                    <p:animEffect filter="fade" transition="in">
+                                      <p:cBhvr>
+                                        <p:cTn dur="1000"/>
+                                        <p:tgtEl>
+                                          <p:spTgt spid="166">
+                                            <p:txEl>
+                                              <p:pRg end="3" st="3"/>
+                                            </p:txEl>
+                                          </p:spTgt>
+                                        </p:tgtEl>
+                                      </p:cBhvr>
+                                    </p:animEffect>
+                                  </p:childTnLst>
+                                </p:cTn>
+                              </p:par>
+                            </p:childTnLst>
+                          </p:cTn>
+                        </p:par>
+                      </p:childTnLst>
+                    </p:cTn>
+                  </p:par>
+                </p:childTnLst>
+              </p:cTn>
+              <p:prevCondLst>
+                <p:cond evt="onPrev">
+                  <p:tgtEl>
+                    <p:sldTgt/>
+                  </p:tgtEl>
+                </p:cond>
+              </p:prevCondLst>
+              <p:nextCondLst>
+                <p:cond evt="onNext">
+                  <p:tgtEl>
+                    <p:sldTgt/>
+                  </p:tgtEl>
+                </p:cond>
+              </p:nextCondLst>
+            </p:seq>
+          </p:childTnLst>
+        </p:cTn>
+      </p:par>
+    </p:tnLst>
+  </p:timing>
 </p:sld>
 </file>
 

--- a/tex_tesi/Apprendimento non supervisionato per l’identificazione di contesti di Freezing of Gait (FOG) in pazienti affetti da Morbo di Parkinson.pptx
+++ b/tex_tesi/Apprendimento non supervisionato per l’identificazione di contesti di Freezing of Gait (FOG) in pazienti affetti da Morbo di Parkinson.pptx
@@ -791,7 +791,7 @@
   <p:cSld>
     <p:spTree>
       <p:nvGrpSpPr>
-        <p:cNvPr id="249" name="Shape 249"/>
+        <p:cNvPr id="250" name="Shape 250"/>
         <p:cNvGrpSpPr/>
         <p:nvPr/>
       </p:nvGrpSpPr>
@@ -805,7 +805,7 @@
       </p:grpSpPr>
       <p:sp>
         <p:nvSpPr>
-          <p:cNvPr id="250" name="Shape 250"/>
+          <p:cNvPr id="251" name="Shape 251"/>
           <p:cNvSpPr/>
           <p:nvPr>
             <p:ph idx="2" type="sldImg"/>
@@ -839,7 +839,7 @@
       </p:sp>
       <p:sp>
         <p:nvSpPr>
-          <p:cNvPr id="251" name="Shape 251"/>
+          <p:cNvPr id="252" name="Shape 252"/>
           <p:cNvSpPr txBox="1"/>
           <p:nvPr>
             <p:ph idx="1" type="body"/>
@@ -906,7 +906,7 @@
   <p:cSld>
     <p:spTree>
       <p:nvGrpSpPr>
-        <p:cNvPr id="263" name="Shape 263"/>
+        <p:cNvPr id="264" name="Shape 264"/>
         <p:cNvGrpSpPr/>
         <p:nvPr/>
       </p:nvGrpSpPr>
@@ -920,7 +920,7 @@
       </p:grpSpPr>
       <p:sp>
         <p:nvSpPr>
-          <p:cNvPr id="264" name="Shape 264"/>
+          <p:cNvPr id="265" name="Shape 265"/>
           <p:cNvSpPr/>
           <p:nvPr>
             <p:ph idx="2" type="sldImg"/>
@@ -954,7 +954,7 @@
       </p:sp>
       <p:sp>
         <p:nvSpPr>
-          <p:cNvPr id="265" name="Shape 265"/>
+          <p:cNvPr id="266" name="Shape 266"/>
           <p:cNvSpPr txBox="1"/>
           <p:nvPr>
             <p:ph idx="1" type="body"/>
@@ -1017,7 +1017,7 @@
   <p:cSld>
     <p:spTree>
       <p:nvGrpSpPr>
-        <p:cNvPr id="272" name="Shape 272"/>
+        <p:cNvPr id="273" name="Shape 273"/>
         <p:cNvGrpSpPr/>
         <p:nvPr/>
       </p:nvGrpSpPr>
@@ -1031,7 +1031,7 @@
       </p:grpSpPr>
       <p:sp>
         <p:nvSpPr>
-          <p:cNvPr id="273" name="Shape 273"/>
+          <p:cNvPr id="274" name="Shape 274"/>
           <p:cNvSpPr/>
           <p:nvPr>
             <p:ph idx="2" type="sldImg"/>
@@ -1065,7 +1065,7 @@
       </p:sp>
       <p:sp>
         <p:nvSpPr>
-          <p:cNvPr id="274" name="Shape 274"/>
+          <p:cNvPr id="275" name="Shape 275"/>
           <p:cNvSpPr txBox="1"/>
           <p:nvPr>
             <p:ph idx="1" type="body"/>
@@ -10111,7 +10111,7 @@
   <p:cSld>
     <p:spTree>
       <p:nvGrpSpPr>
-        <p:cNvPr id="252" name="Shape 252"/>
+        <p:cNvPr id="253" name="Shape 253"/>
         <p:cNvGrpSpPr/>
         <p:nvPr/>
       </p:nvGrpSpPr>
@@ -10125,7 +10125,7 @@
       </p:grpSpPr>
       <p:sp>
         <p:nvSpPr>
-          <p:cNvPr id="253" name="Shape 253"/>
+          <p:cNvPr id="254" name="Shape 254"/>
           <p:cNvSpPr txBox="1"/>
           <p:nvPr>
             <p:ph type="title"/>
@@ -10165,7 +10165,7 @@
       </p:sp>
       <p:sp>
         <p:nvSpPr>
-          <p:cNvPr id="254" name="Shape 254"/>
+          <p:cNvPr id="255" name="Shape 255"/>
           <p:cNvSpPr txBox="1"/>
           <p:nvPr/>
         </p:nvSpPr>
@@ -10207,7 +10207,7 @@
       </p:sp>
       <p:sp>
         <p:nvSpPr>
-          <p:cNvPr id="255" name="Shape 255"/>
+          <p:cNvPr id="256" name="Shape 256"/>
           <p:cNvSpPr txBox="1"/>
           <p:nvPr/>
         </p:nvSpPr>
@@ -10249,7 +10249,7 @@
       </p:sp>
       <p:pic>
         <p:nvPicPr>
-          <p:cNvPr id="256" name="Shape 256"/>
+          <p:cNvPr id="257" name="Shape 257"/>
           <p:cNvPicPr preferRelativeResize="0"/>
           <p:nvPr/>
         </p:nvPicPr>
@@ -10277,7 +10277,7 @@
       </p:pic>
       <p:pic>
         <p:nvPicPr>
-          <p:cNvPr id="257" name="Shape 257"/>
+          <p:cNvPr id="258" name="Shape 258"/>
           <p:cNvPicPr preferRelativeResize="0"/>
           <p:nvPr/>
         </p:nvPicPr>
@@ -10305,7 +10305,7 @@
       </p:pic>
       <p:sp>
         <p:nvSpPr>
-          <p:cNvPr id="258" name="Shape 258"/>
+          <p:cNvPr id="259" name="Shape 259"/>
           <p:cNvSpPr/>
           <p:nvPr/>
         </p:nvSpPr>
@@ -10357,7 +10357,7 @@
       </p:sp>
       <p:pic>
         <p:nvPicPr>
-          <p:cNvPr id="259" name="Shape 259"/>
+          <p:cNvPr id="260" name="Shape 260"/>
           <p:cNvPicPr preferRelativeResize="0"/>
           <p:nvPr/>
         </p:nvPicPr>
@@ -10385,7 +10385,7 @@
       </p:pic>
       <p:pic>
         <p:nvPicPr>
-          <p:cNvPr id="260" name="Shape 260"/>
+          <p:cNvPr id="261" name="Shape 261"/>
           <p:cNvPicPr preferRelativeResize="0"/>
           <p:nvPr/>
         </p:nvPicPr>
@@ -10413,7 +10413,7 @@
       </p:pic>
       <p:sp>
         <p:nvSpPr>
-          <p:cNvPr id="261" name="Shape 261"/>
+          <p:cNvPr id="262" name="Shape 262"/>
           <p:cNvSpPr txBox="1"/>
           <p:nvPr/>
         </p:nvSpPr>
@@ -10459,7 +10459,7 @@
       </p:sp>
       <p:sp>
         <p:nvSpPr>
-          <p:cNvPr id="262" name="Shape 262"/>
+          <p:cNvPr id="263" name="Shape 263"/>
           <p:cNvSpPr txBox="1"/>
           <p:nvPr/>
         </p:nvSpPr>
@@ -10520,112 +10520,6 @@
             <p:seq concurrent="1" nextAc="seek">
               <p:cTn dur="indefinite" id="2" nodeType="mainSeq">
                 <p:childTnLst>
-                  <p:par>
-                    <p:cTn fill="hold">
-                      <p:stCondLst>
-                        <p:cond delay="indefinite"/>
-                      </p:stCondLst>
-                      <p:childTnLst>
-                        <p:par>
-                          <p:cTn fill="hold">
-                            <p:stCondLst>
-                              <p:cond delay="0"/>
-                            </p:stCondLst>
-                            <p:childTnLst>
-                              <p:par>
-                                <p:cTn fill="hold" nodeType="clickEffect" presetClass="entr" presetID="10" presetSubtype="0">
-                                  <p:stCondLst>
-                                    <p:cond delay="0"/>
-                                  </p:stCondLst>
-                                  <p:childTnLst>
-                                    <p:set>
-                                      <p:cBhvr>
-                                        <p:cTn dur="1" fill="hold">
-                                          <p:stCondLst>
-                                            <p:cond delay="0"/>
-                                          </p:stCondLst>
-                                        </p:cTn>
-                                        <p:tgtEl>
-                                          <p:spTgt spid="256"/>
-                                        </p:tgtEl>
-                                        <p:attrNameLst>
-                                          <p:attrName>style.visibility</p:attrName>
-                                        </p:attrNameLst>
-                                      </p:cBhvr>
-                                      <p:to>
-                                        <p:strVal val="visible"/>
-                                      </p:to>
-                                    </p:set>
-                                    <p:animEffect filter="fade" transition="in">
-                                      <p:cBhvr>
-                                        <p:cTn dur="1000"/>
-                                        <p:tgtEl>
-                                          <p:spTgt spid="256"/>
-                                        </p:tgtEl>
-                                      </p:cBhvr>
-                                    </p:animEffect>
-                                  </p:childTnLst>
-                                </p:cTn>
-                              </p:par>
-                            </p:childTnLst>
-                          </p:cTn>
-                        </p:par>
-                      </p:childTnLst>
-                    </p:cTn>
-                  </p:par>
-                  <p:par>
-                    <p:cTn fill="hold">
-                      <p:stCondLst>
-                        <p:cond delay="indefinite"/>
-                      </p:stCondLst>
-                      <p:childTnLst>
-                        <p:par>
-                          <p:cTn fill="hold">
-                            <p:stCondLst>
-                              <p:cond delay="0"/>
-                            </p:stCondLst>
-                            <p:childTnLst>
-                              <p:par>
-                                <p:cTn fill="hold" nodeType="clickEffect" presetClass="entr" presetID="10" presetSubtype="0">
-                                  <p:stCondLst>
-                                    <p:cond delay="0"/>
-                                  </p:stCondLst>
-                                  <p:childTnLst>
-                                    <p:set>
-                                      <p:cBhvr>
-                                        <p:cTn dur="1" fill="hold">
-                                          <p:stCondLst>
-                                            <p:cond delay="0"/>
-                                          </p:stCondLst>
-                                        </p:cTn>
-                                        <p:tgtEl>
-                                          <p:spTgt spid="259"/>
-                                        </p:tgtEl>
-                                        <p:attrNameLst>
-                                          <p:attrName>style.visibility</p:attrName>
-                                        </p:attrNameLst>
-                                      </p:cBhvr>
-                                      <p:to>
-                                        <p:strVal val="visible"/>
-                                      </p:to>
-                                    </p:set>
-                                    <p:animEffect filter="fade" transition="in">
-                                      <p:cBhvr>
-                                        <p:cTn dur="1000"/>
-                                        <p:tgtEl>
-                                          <p:spTgt spid="259"/>
-                                        </p:tgtEl>
-                                      </p:cBhvr>
-                                    </p:animEffect>
-                                  </p:childTnLst>
-                                </p:cTn>
-                              </p:par>
-                            </p:childTnLst>
-                          </p:cTn>
-                        </p:par>
-                      </p:childTnLst>
-                    </p:cTn>
-                  </p:par>
                   <p:par>
                     <p:cTn fill="hold">
                       <p:stCondLst>
@@ -10732,6 +10626,112 @@
                       </p:childTnLst>
                     </p:cTn>
                   </p:par>
+                  <p:par>
+                    <p:cTn fill="hold">
+                      <p:stCondLst>
+                        <p:cond delay="indefinite"/>
+                      </p:stCondLst>
+                      <p:childTnLst>
+                        <p:par>
+                          <p:cTn fill="hold">
+                            <p:stCondLst>
+                              <p:cond delay="0"/>
+                            </p:stCondLst>
+                            <p:childTnLst>
+                              <p:par>
+                                <p:cTn fill="hold" nodeType="clickEffect" presetClass="entr" presetID="10" presetSubtype="0">
+                                  <p:stCondLst>
+                                    <p:cond delay="0"/>
+                                  </p:stCondLst>
+                                  <p:childTnLst>
+                                    <p:set>
+                                      <p:cBhvr>
+                                        <p:cTn dur="1" fill="hold">
+                                          <p:stCondLst>
+                                            <p:cond delay="0"/>
+                                          </p:stCondLst>
+                                        </p:cTn>
+                                        <p:tgtEl>
+                                          <p:spTgt spid="258"/>
+                                        </p:tgtEl>
+                                        <p:attrNameLst>
+                                          <p:attrName>style.visibility</p:attrName>
+                                        </p:attrNameLst>
+                                      </p:cBhvr>
+                                      <p:to>
+                                        <p:strVal val="visible"/>
+                                      </p:to>
+                                    </p:set>
+                                    <p:animEffect filter="fade" transition="in">
+                                      <p:cBhvr>
+                                        <p:cTn dur="1000"/>
+                                        <p:tgtEl>
+                                          <p:spTgt spid="258"/>
+                                        </p:tgtEl>
+                                      </p:cBhvr>
+                                    </p:animEffect>
+                                  </p:childTnLst>
+                                </p:cTn>
+                              </p:par>
+                            </p:childTnLst>
+                          </p:cTn>
+                        </p:par>
+                      </p:childTnLst>
+                    </p:cTn>
+                  </p:par>
+                  <p:par>
+                    <p:cTn fill="hold">
+                      <p:stCondLst>
+                        <p:cond delay="indefinite"/>
+                      </p:stCondLst>
+                      <p:childTnLst>
+                        <p:par>
+                          <p:cTn fill="hold">
+                            <p:stCondLst>
+                              <p:cond delay="0"/>
+                            </p:stCondLst>
+                            <p:childTnLst>
+                              <p:par>
+                                <p:cTn fill="hold" nodeType="clickEffect" presetClass="entr" presetID="10" presetSubtype="0">
+                                  <p:stCondLst>
+                                    <p:cond delay="0"/>
+                                  </p:stCondLst>
+                                  <p:childTnLst>
+                                    <p:set>
+                                      <p:cBhvr>
+                                        <p:cTn dur="1" fill="hold">
+                                          <p:stCondLst>
+                                            <p:cond delay="0"/>
+                                          </p:stCondLst>
+                                        </p:cTn>
+                                        <p:tgtEl>
+                                          <p:spTgt spid="261"/>
+                                        </p:tgtEl>
+                                        <p:attrNameLst>
+                                          <p:attrName>style.visibility</p:attrName>
+                                        </p:attrNameLst>
+                                      </p:cBhvr>
+                                      <p:to>
+                                        <p:strVal val="visible"/>
+                                      </p:to>
+                                    </p:set>
+                                    <p:animEffect filter="fade" transition="in">
+                                      <p:cBhvr>
+                                        <p:cTn dur="1000"/>
+                                        <p:tgtEl>
+                                          <p:spTgt spid="261"/>
+                                        </p:tgtEl>
+                                      </p:cBhvr>
+                                    </p:animEffect>
+                                  </p:childTnLst>
+                                </p:cTn>
+                              </p:par>
+                            </p:childTnLst>
+                          </p:cTn>
+                        </p:par>
+                      </p:childTnLst>
+                    </p:cTn>
+                  </p:par>
                 </p:childTnLst>
               </p:cTn>
               <p:prevCondLst>
@@ -10762,7 +10762,7 @@
   <p:cSld>
     <p:spTree>
       <p:nvGrpSpPr>
-        <p:cNvPr id="266" name="Shape 266"/>
+        <p:cNvPr id="267" name="Shape 267"/>
         <p:cNvGrpSpPr/>
         <p:nvPr/>
       </p:nvGrpSpPr>
@@ -10776,7 +10776,7 @@
       </p:grpSpPr>
       <p:sp>
         <p:nvSpPr>
-          <p:cNvPr id="267" name="Shape 267"/>
+          <p:cNvPr id="268" name="Shape 268"/>
           <p:cNvSpPr txBox="1"/>
           <p:nvPr>
             <p:ph type="title"/>
@@ -10816,7 +10816,7 @@
       </p:sp>
       <p:pic>
         <p:nvPicPr>
-          <p:cNvPr id="268" name="Shape 268" title="Points scored"/>
+          <p:cNvPr id="269" name="Shape 269" title="Points scored"/>
           <p:cNvPicPr preferRelativeResize="0"/>
           <p:nvPr/>
         </p:nvPicPr>
@@ -10843,7 +10843,7 @@
       </p:pic>
       <p:pic>
         <p:nvPicPr>
-          <p:cNvPr id="269" name="Shape 269" title="Points scored"/>
+          <p:cNvPr id="270" name="Shape 270" title="Points scored"/>
           <p:cNvPicPr preferRelativeResize="0"/>
           <p:nvPr/>
         </p:nvPicPr>
@@ -10871,7 +10871,7 @@
       </p:pic>
       <p:sp>
         <p:nvSpPr>
-          <p:cNvPr id="270" name="Shape 270"/>
+          <p:cNvPr id="271" name="Shape 271"/>
           <p:cNvSpPr txBox="1"/>
           <p:nvPr/>
         </p:nvSpPr>
@@ -10913,7 +10913,7 @@
       </p:sp>
       <p:sp>
         <p:nvSpPr>
-          <p:cNvPr id="271" name="Shape 271"/>
+          <p:cNvPr id="272" name="Shape 272"/>
           <p:cNvSpPr txBox="1"/>
           <p:nvPr/>
         </p:nvSpPr>
@@ -10992,7 +10992,7 @@
                                           </p:stCondLst>
                                         </p:cTn>
                                         <p:tgtEl>
-                                          <p:spTgt spid="268"/>
+                                          <p:spTgt spid="269"/>
                                         </p:tgtEl>
                                         <p:attrNameLst>
                                           <p:attrName>style.visibility</p:attrName>
@@ -11006,7 +11006,7 @@
                                       <p:cBhvr>
                                         <p:cTn dur="1000"/>
                                         <p:tgtEl>
-                                          <p:spTgt spid="268"/>
+                                          <p:spTgt spid="269"/>
                                         </p:tgtEl>
                                       </p:cBhvr>
                                     </p:animEffect>
@@ -11027,7 +11027,7 @@
                                           </p:stCondLst>
                                         </p:cTn>
                                         <p:tgtEl>
-                                          <p:spTgt spid="271"/>
+                                          <p:spTgt spid="272"/>
                                         </p:tgtEl>
                                         <p:attrNameLst>
                                           <p:attrName>style.visibility</p:attrName>
@@ -11041,7 +11041,7 @@
                                       <p:cBhvr>
                                         <p:cTn dur="1000"/>
                                         <p:tgtEl>
-                                          <p:spTgt spid="271"/>
+                                          <p:spTgt spid="272"/>
                                         </p:tgtEl>
                                       </p:cBhvr>
                                     </p:animEffect>
@@ -11080,7 +11080,7 @@
                                           </p:stCondLst>
                                         </p:cTn>
                                         <p:tgtEl>
-                                          <p:spTgt spid="270"/>
+                                          <p:spTgt spid="271"/>
                                         </p:tgtEl>
                                         <p:attrNameLst>
                                           <p:attrName>style.visibility</p:attrName>
@@ -11094,7 +11094,7 @@
                                       <p:cBhvr>
                                         <p:cTn dur="1000"/>
                                         <p:tgtEl>
-                                          <p:spTgt spid="270"/>
+                                          <p:spTgt spid="271"/>
                                         </p:tgtEl>
                                       </p:cBhvr>
                                     </p:animEffect>
@@ -11115,7 +11115,7 @@
                                           </p:stCondLst>
                                         </p:cTn>
                                         <p:tgtEl>
-                                          <p:spTgt spid="269"/>
+                                          <p:spTgt spid="270"/>
                                         </p:tgtEl>
                                         <p:attrNameLst>
                                           <p:attrName>style.visibility</p:attrName>
@@ -11129,7 +11129,7 @@
                                       <p:cBhvr>
                                         <p:cTn dur="1000"/>
                                         <p:tgtEl>
-                                          <p:spTgt spid="269"/>
+                                          <p:spTgt spid="270"/>
                                         </p:tgtEl>
                                       </p:cBhvr>
                                     </p:animEffect>
@@ -11172,7 +11172,7 @@
   <p:cSld>
     <p:spTree>
       <p:nvGrpSpPr>
-        <p:cNvPr id="275" name="Shape 275"/>
+        <p:cNvPr id="276" name="Shape 276"/>
         <p:cNvGrpSpPr/>
         <p:nvPr/>
       </p:nvGrpSpPr>
@@ -11186,7 +11186,7 @@
       </p:grpSpPr>
       <p:sp>
         <p:nvSpPr>
-          <p:cNvPr id="276" name="Shape 276"/>
+          <p:cNvPr id="277" name="Shape 277"/>
           <p:cNvSpPr txBox="1"/>
           <p:nvPr>
             <p:ph type="title"/>
@@ -11226,7 +11226,7 @@
       </p:sp>
       <p:sp>
         <p:nvSpPr>
-          <p:cNvPr id="277" name="Shape 277"/>
+          <p:cNvPr id="278" name="Shape 278"/>
           <p:cNvSpPr txBox="1"/>
           <p:nvPr>
             <p:ph idx="1" type="body"/>
@@ -11259,7 +11259,7 @@
             </a:pPr>
             <a:r>
               <a:rPr lang="it"/>
-              <a:t>Primo approccio non supervisionato, studio temporale e miglioramento per la distinzione a 3 classi</a:t>
+              <a:t>Primo approccio non supervisionato, studio temporale e miglioramento per l’identificazione a 3 classi</a:t>
             </a:r>
             <a:endParaRPr/>
           </a:p>
@@ -11355,7 +11355,7 @@
                                           </p:stCondLst>
                                         </p:cTn>
                                         <p:tgtEl>
-                                          <p:spTgt spid="277">
+                                          <p:spTgt spid="278">
                                             <p:txEl>
                                               <p:pRg end="0" st="0"/>
                                             </p:txEl>
@@ -11373,7 +11373,7 @@
                                       <p:cBhvr>
                                         <p:cTn dur="1000"/>
                                         <p:tgtEl>
-                                          <p:spTgt spid="277">
+                                          <p:spTgt spid="278">
                                             <p:txEl>
                                               <p:pRg end="0" st="0"/>
                                             </p:txEl>
@@ -11416,7 +11416,7 @@
                                           </p:stCondLst>
                                         </p:cTn>
                                         <p:tgtEl>
-                                          <p:spTgt spid="277">
+                                          <p:spTgt spid="278">
                                             <p:txEl>
                                               <p:pRg end="1" st="1"/>
                                             </p:txEl>
@@ -11434,7 +11434,7 @@
                                       <p:cBhvr>
                                         <p:cTn dur="1000"/>
                                         <p:tgtEl>
-                                          <p:spTgt spid="277">
+                                          <p:spTgt spid="278">
                                             <p:txEl>
                                               <p:pRg end="1" st="1"/>
                                             </p:txEl>
@@ -11477,7 +11477,7 @@
                                           </p:stCondLst>
                                         </p:cTn>
                                         <p:tgtEl>
-                                          <p:spTgt spid="277">
+                                          <p:spTgt spid="278">
                                             <p:txEl>
                                               <p:pRg end="2" st="2"/>
                                             </p:txEl>
@@ -11495,7 +11495,7 @@
                                       <p:cBhvr>
                                         <p:cTn dur="1000"/>
                                         <p:tgtEl>
-                                          <p:spTgt spid="277">
+                                          <p:spTgt spid="278">
                                             <p:txEl>
                                               <p:pRg end="2" st="2"/>
                                             </p:txEl>
@@ -11538,7 +11538,7 @@
                                           </p:stCondLst>
                                         </p:cTn>
                                         <p:tgtEl>
-                                          <p:spTgt spid="277">
+                                          <p:spTgt spid="278">
                                             <p:txEl>
                                               <p:pRg end="3" st="3"/>
                                             </p:txEl>
@@ -11556,64 +11556,11 @@
                                       <p:cBhvr>
                                         <p:cTn dur="1000"/>
                                         <p:tgtEl>
-                                          <p:spTgt spid="277">
+                                          <p:spTgt spid="278">
                                             <p:txEl>
                                               <p:pRg end="3" st="3"/>
                                             </p:txEl>
                                           </p:spTgt>
-                                        </p:tgtEl>
-                                      </p:cBhvr>
-                                    </p:animEffect>
-                                  </p:childTnLst>
-                                </p:cTn>
-                              </p:par>
-                            </p:childTnLst>
-                          </p:cTn>
-                        </p:par>
-                      </p:childTnLst>
-                    </p:cTn>
-                  </p:par>
-                  <p:par>
-                    <p:cTn fill="hold">
-                      <p:stCondLst>
-                        <p:cond delay="indefinite"/>
-                      </p:stCondLst>
-                      <p:childTnLst>
-                        <p:par>
-                          <p:cTn fill="hold">
-                            <p:stCondLst>
-                              <p:cond delay="0"/>
-                            </p:stCondLst>
-                            <p:childTnLst>
-                              <p:par>
-                                <p:cTn fill="hold" nodeType="clickEffect" presetClass="entr" presetID="10" presetSubtype="0">
-                                  <p:stCondLst>
-                                    <p:cond delay="0"/>
-                                  </p:stCondLst>
-                                  <p:childTnLst>
-                                    <p:set>
-                                      <p:cBhvr>
-                                        <p:cTn dur="1" fill="hold">
-                                          <p:stCondLst>
-                                            <p:cond delay="0"/>
-                                          </p:stCondLst>
-                                        </p:cTn>
-                                        <p:tgtEl>
-                                          <p:spTgt spid="277"/>
-                                        </p:tgtEl>
-                                        <p:attrNameLst>
-                                          <p:attrName>style.visibility</p:attrName>
-                                        </p:attrNameLst>
-                                      </p:cBhvr>
-                                      <p:to>
-                                        <p:strVal val="visible"/>
-                                      </p:to>
-                                    </p:set>
-                                    <p:animEffect filter="fade" transition="in">
-                                      <p:cBhvr>
-                                        <p:cTn dur="1"/>
-                                        <p:tgtEl>
-                                          <p:spTgt spid="277"/>
                                         </p:tgtEl>
                                       </p:cBhvr>
                                     </p:animEffect>
@@ -17913,7 +17860,103 @@
         </p:nvSpPr>
         <p:spPr>
           <a:xfrm>
-            <a:off x="1388525" y="2191050"/>
+            <a:off x="2756300" y="2208100"/>
+            <a:ext cx="1645437" cy="620775"/>
+          </a:xfrm>
+          <a:prstGeom prst="flowChartProcess">
+            <a:avLst/>
+          </a:prstGeom>
+          <a:noFill/>
+          <a:ln cap="flat" cmpd="sng" w="9525">
+            <a:solidFill>
+              <a:schemeClr val="dk2"/>
+            </a:solidFill>
+            <a:prstDash val="solid"/>
+            <a:round/>
+            <a:headEnd len="sm" w="sm" type="none"/>
+            <a:tailEnd len="sm" w="sm" type="none"/>
+          </a:ln>
+        </p:spPr>
+        <p:txBody>
+          <a:bodyPr anchorCtr="0" anchor="ctr" bIns="91425" lIns="91425" spcFirstLastPara="1" rIns="91425" wrap="square" tIns="91425">
+            <a:noAutofit/>
+          </a:bodyPr>
+          <a:lstStyle/>
+          <a:p>
+            <a:pPr indent="0" lvl="0" marL="0" rtl="0" algn="ctr">
+              <a:spcBef>
+                <a:spcPts val="0"/>
+              </a:spcBef>
+              <a:spcAft>
+                <a:spcPts val="0"/>
+              </a:spcAft>
+              <a:buNone/>
+            </a:pPr>
+            <a:r>
+              <a:rPr lang="it"/>
+              <a:t>ANALISI DISCRIMINANTE LINEARE</a:t>
+            </a:r>
+            <a:endParaRPr/>
+          </a:p>
+        </p:txBody>
+      </p:sp>
+      <p:sp>
+        <p:nvSpPr>
+          <p:cNvPr id="234" name="Shape 234"/>
+          <p:cNvSpPr/>
+          <p:nvPr/>
+        </p:nvSpPr>
+        <p:spPr>
+          <a:xfrm>
+            <a:off x="4968449" y="2208088"/>
+            <a:ext cx="1418900" cy="620775"/>
+          </a:xfrm>
+          <a:prstGeom prst="flowChartProcess">
+            <a:avLst/>
+          </a:prstGeom>
+          <a:noFill/>
+          <a:ln cap="flat" cmpd="sng" w="9525">
+            <a:solidFill>
+              <a:schemeClr val="dk2"/>
+            </a:solidFill>
+            <a:prstDash val="solid"/>
+            <a:round/>
+            <a:headEnd len="sm" w="sm" type="none"/>
+            <a:tailEnd len="sm" w="sm" type="none"/>
+          </a:ln>
+        </p:spPr>
+        <p:txBody>
+          <a:bodyPr anchorCtr="0" anchor="ctr" bIns="91425" lIns="91425" spcFirstLastPara="1" rIns="91425" wrap="square" tIns="91425">
+            <a:noAutofit/>
+          </a:bodyPr>
+          <a:lstStyle/>
+          <a:p>
+            <a:pPr indent="0" lvl="0" marL="0" rtl="0" algn="ctr">
+              <a:spcBef>
+                <a:spcPts val="0"/>
+              </a:spcBef>
+              <a:spcAft>
+                <a:spcPts val="0"/>
+              </a:spcAft>
+              <a:buNone/>
+            </a:pPr>
+            <a:r>
+              <a:rPr lang="it"/>
+              <a:t>Allenamento Classificatore</a:t>
+            </a:r>
+            <a:endParaRPr/>
+          </a:p>
+        </p:txBody>
+      </p:sp>
+      <p:sp>
+        <p:nvSpPr>
+          <p:cNvPr id="235" name="Shape 235"/>
+          <p:cNvSpPr/>
+          <p:nvPr/>
+        </p:nvSpPr>
+        <p:spPr>
+          <a:xfrm>
+            <a:off x="6937925" y="3601975"/>
             <a:ext cx="798150" cy="654875"/>
           </a:xfrm>
           <a:prstGeom prst="flowChartPreparation">
@@ -17973,169 +18016,7 @@
       </p:sp>
       <p:sp>
         <p:nvSpPr>
-          <p:cNvPr id="234" name="Shape 234"/>
-          <p:cNvSpPr/>
-          <p:nvPr/>
-        </p:nvSpPr>
-        <p:spPr>
-          <a:xfrm>
-            <a:off x="2756300" y="2208100"/>
-            <a:ext cx="1645437" cy="620775"/>
-          </a:xfrm>
-          <a:prstGeom prst="flowChartProcess">
-            <a:avLst/>
-          </a:prstGeom>
-          <a:noFill/>
-          <a:ln cap="flat" cmpd="sng" w="9525">
-            <a:solidFill>
-              <a:schemeClr val="dk2"/>
-            </a:solidFill>
-            <a:prstDash val="solid"/>
-            <a:round/>
-            <a:headEnd len="sm" w="sm" type="none"/>
-            <a:tailEnd len="sm" w="sm" type="none"/>
-          </a:ln>
-        </p:spPr>
-        <p:txBody>
-          <a:bodyPr anchorCtr="0" anchor="ctr" bIns="91425" lIns="91425" spcFirstLastPara="1" rIns="91425" wrap="square" tIns="91425">
-            <a:noAutofit/>
-          </a:bodyPr>
-          <a:lstStyle/>
-          <a:p>
-            <a:pPr indent="0" lvl="0" marL="0" rtl="0" algn="ctr">
-              <a:spcBef>
-                <a:spcPts val="0"/>
-              </a:spcBef>
-              <a:spcAft>
-                <a:spcPts val="0"/>
-              </a:spcAft>
-              <a:buNone/>
-            </a:pPr>
-            <a:r>
-              <a:rPr lang="it"/>
-              <a:t>ANALISI DISCRIMINANTE LINEARE</a:t>
-            </a:r>
-            <a:endParaRPr/>
-          </a:p>
-        </p:txBody>
-      </p:sp>
-      <p:sp>
-        <p:nvSpPr>
-          <p:cNvPr id="235" name="Shape 235"/>
-          <p:cNvSpPr/>
-          <p:nvPr/>
-        </p:nvSpPr>
-        <p:spPr>
-          <a:xfrm>
-            <a:off x="4968449" y="2208088"/>
-            <a:ext cx="1418900" cy="620775"/>
-          </a:xfrm>
-          <a:prstGeom prst="flowChartProcess">
-            <a:avLst/>
-          </a:prstGeom>
-          <a:noFill/>
-          <a:ln cap="flat" cmpd="sng" w="9525">
-            <a:solidFill>
-              <a:schemeClr val="dk2"/>
-            </a:solidFill>
-            <a:prstDash val="solid"/>
-            <a:round/>
-            <a:headEnd len="sm" w="sm" type="none"/>
-            <a:tailEnd len="sm" w="sm" type="none"/>
-          </a:ln>
-        </p:spPr>
-        <p:txBody>
-          <a:bodyPr anchorCtr="0" anchor="ctr" bIns="91425" lIns="91425" spcFirstLastPara="1" rIns="91425" wrap="square" tIns="91425">
-            <a:noAutofit/>
-          </a:bodyPr>
-          <a:lstStyle/>
-          <a:p>
-            <a:pPr indent="0" lvl="0" marL="0" rtl="0" algn="ctr">
-              <a:spcBef>
-                <a:spcPts val="0"/>
-              </a:spcBef>
-              <a:spcAft>
-                <a:spcPts val="0"/>
-              </a:spcAft>
-              <a:buNone/>
-            </a:pPr>
-            <a:r>
-              <a:rPr lang="it"/>
-              <a:t>Allenamento Classificatore</a:t>
-            </a:r>
-            <a:endParaRPr/>
-          </a:p>
-        </p:txBody>
-      </p:sp>
-      <p:sp>
-        <p:nvSpPr>
           <p:cNvPr id="236" name="Shape 236"/>
-          <p:cNvSpPr/>
-          <p:nvPr/>
-        </p:nvSpPr>
-        <p:spPr>
-          <a:xfrm>
-            <a:off x="6937925" y="3601975"/>
-            <a:ext cx="798150" cy="654875"/>
-          </a:xfrm>
-          <a:prstGeom prst="flowChartPreparation">
-            <a:avLst/>
-          </a:prstGeom>
-          <a:solidFill>
-            <a:schemeClr val="lt2"/>
-          </a:solidFill>
-          <a:ln cap="flat" cmpd="sng" w="9525">
-            <a:solidFill>
-              <a:schemeClr val="dk2"/>
-            </a:solidFill>
-            <a:prstDash val="solid"/>
-            <a:round/>
-            <a:headEnd len="sm" w="sm" type="none"/>
-            <a:tailEnd len="sm" w="sm" type="none"/>
-          </a:ln>
-        </p:spPr>
-        <p:txBody>
-          <a:bodyPr anchorCtr="0" anchor="ctr" bIns="91425" lIns="91425" spcFirstLastPara="1" rIns="91425" wrap="square" tIns="91425">
-            <a:noAutofit/>
-          </a:bodyPr>
-          <a:lstStyle/>
-          <a:p>
-            <a:pPr indent="0" lvl="0" marL="0" rtl="0" algn="ctr">
-              <a:spcBef>
-                <a:spcPts val="0"/>
-              </a:spcBef>
-              <a:spcAft>
-                <a:spcPts val="0"/>
-              </a:spcAft>
-              <a:buNone/>
-            </a:pPr>
-            <a:r>
-              <a:rPr lang="it" sz="900"/>
-              <a:t>X,Y,Z</a:t>
-            </a:r>
-            <a:endParaRPr sz="900"/>
-          </a:p>
-          <a:p>
-            <a:pPr indent="0" lvl="0" marL="0" rtl="0" algn="ctr">
-              <a:spcBef>
-                <a:spcPts val="0"/>
-              </a:spcBef>
-              <a:spcAft>
-                <a:spcPts val="0"/>
-              </a:spcAft>
-              <a:buNone/>
-            </a:pPr>
-            <a:r>
-              <a:rPr lang="it" sz="900"/>
-              <a:t>ACC</a:t>
-            </a:r>
-            <a:endParaRPr sz="900"/>
-          </a:p>
-        </p:txBody>
-      </p:sp>
-      <p:sp>
-        <p:nvSpPr>
-          <p:cNvPr id="237" name="Shape 237"/>
           <p:cNvSpPr/>
           <p:nvPr/>
         </p:nvSpPr>
@@ -18189,16 +18070,16 @@
       </p:sp>
       <p:cxnSp>
         <p:nvCxnSpPr>
-          <p:cNvPr id="238" name="Shape 238"/>
+          <p:cNvPr id="237" name="Shape 237"/>
           <p:cNvCxnSpPr>
-            <a:stCxn id="233" idx="3"/>
-            <a:endCxn id="234" idx="1"/>
+            <a:stCxn id="238" idx="3"/>
+            <a:endCxn id="233" idx="1"/>
           </p:cNvCxnSpPr>
           <p:nvPr/>
         </p:nvCxnSpPr>
         <p:spPr>
           <a:xfrm>
-            <a:off x="2186675" y="2518488"/>
+            <a:off x="2186600" y="2518488"/>
             <a:ext cx="569700" cy="0"/>
           </a:xfrm>
           <a:prstGeom prst="straightConnector1">
@@ -18220,8 +18101,8 @@
         <p:nvCxnSpPr>
           <p:cNvPr id="239" name="Shape 239"/>
           <p:cNvCxnSpPr>
-            <a:stCxn id="234" idx="3"/>
-            <a:endCxn id="235" idx="1"/>
+            <a:stCxn id="233" idx="3"/>
+            <a:endCxn id="234" idx="1"/>
           </p:cNvCxnSpPr>
           <p:nvPr/>
         </p:nvCxnSpPr>
@@ -18249,8 +18130,8 @@
         <p:nvCxnSpPr>
           <p:cNvPr id="240" name="Shape 240"/>
           <p:cNvCxnSpPr>
-            <a:stCxn id="236" idx="1"/>
-            <a:endCxn id="237" idx="3"/>
+            <a:stCxn id="235" idx="1"/>
+            <a:endCxn id="236" idx="3"/>
           </p:cNvCxnSpPr>
           <p:nvPr/>
         </p:nvCxnSpPr>
@@ -18326,7 +18207,7 @@
         <p:nvCxnSpPr>
           <p:cNvPr id="242" name="Shape 242"/>
           <p:cNvCxnSpPr>
-            <a:stCxn id="237" idx="1"/>
+            <a:stCxn id="236" idx="1"/>
             <a:endCxn id="241" idx="3"/>
           </p:cNvCxnSpPr>
           <p:nvPr/>
@@ -18355,8 +18236,8 @@
         <p:nvCxnSpPr>
           <p:cNvPr id="243" name="Shape 243"/>
           <p:cNvCxnSpPr>
-            <a:stCxn id="235" idx="2"/>
-            <a:endCxn id="237" idx="0"/>
+            <a:stCxn id="234" idx="2"/>
+            <a:endCxn id="236" idx="0"/>
           </p:cNvCxnSpPr>
           <p:nvPr/>
         </p:nvCxnSpPr>
@@ -18645,6 +18526,56 @@
               <a:t>KNN</a:t>
             </a:r>
             <a:endParaRPr sz="600"/>
+          </a:p>
+        </p:txBody>
+      </p:sp>
+      <p:sp>
+        <p:nvSpPr>
+          <p:cNvPr id="249" name="Shape 249"/>
+          <p:cNvSpPr/>
+          <p:nvPr/>
+        </p:nvSpPr>
+        <p:spPr>
+          <a:xfrm>
+            <a:off x="1391425" y="2208100"/>
+            <a:ext cx="798150" cy="620775"/>
+          </a:xfrm>
+          <a:prstGeom prst="flowChartMagneticDisk">
+            <a:avLst/>
+          </a:prstGeom>
+          <a:solidFill>
+            <a:srgbClr val="9FC5E8"/>
+          </a:solidFill>
+          <a:ln cap="flat" cmpd="sng" w="9525">
+            <a:solidFill>
+              <a:schemeClr val="dk2"/>
+            </a:solidFill>
+            <a:prstDash val="solid"/>
+            <a:round/>
+            <a:headEnd len="sm" w="sm" type="none"/>
+            <a:tailEnd len="sm" w="sm" type="none"/>
+          </a:ln>
+        </p:spPr>
+        <p:txBody>
+          <a:bodyPr anchorCtr="0" anchor="ctr" bIns="91425" lIns="91425" spcFirstLastPara="1" rIns="91425" wrap="square" tIns="91425">
+            <a:noAutofit/>
+          </a:bodyPr>
+          <a:lstStyle/>
+          <a:p>
+            <a:pPr indent="0" lvl="0" marL="0" rtl="0" algn="ctr">
+              <a:spcBef>
+                <a:spcPts val="0"/>
+              </a:spcBef>
+              <a:spcAft>
+                <a:spcPts val="0"/>
+              </a:spcAft>
+              <a:buNone/>
+            </a:pPr>
+            <a:r>
+              <a:rPr lang="it" sz="1000"/>
+              <a:t>DATASET</a:t>
+            </a:r>
+            <a:endParaRPr sz="1000"/>
           </a:p>
         </p:txBody>
       </p:sp>
@@ -18687,7 +18618,7 @@
                                           </p:stCondLst>
                                         </p:cTn>
                                         <p:tgtEl>
-                                          <p:spTgt spid="238"/>
+                                          <p:spTgt spid="237"/>
                                         </p:tgtEl>
                                         <p:attrNameLst>
                                           <p:attrName>style.visibility</p:attrName>
@@ -18701,7 +18632,7 @@
                                       <p:cBhvr>
                                         <p:cTn dur="1000"/>
                                         <p:tgtEl>
-                                          <p:spTgt spid="238"/>
+                                          <p:spTgt spid="237"/>
                                         </p:tgtEl>
                                       </p:cBhvr>
                                     </p:animEffect>
@@ -18792,7 +18723,7 @@
                                           </p:stCondLst>
                                         </p:cTn>
                                         <p:tgtEl>
-                                          <p:spTgt spid="234"/>
+                                          <p:spTgt spid="233"/>
                                         </p:tgtEl>
                                         <p:attrNameLst>
                                           <p:attrName>style.visibility</p:attrName>
@@ -18806,7 +18737,7 @@
                                       <p:cBhvr>
                                         <p:cTn dur="1000"/>
                                         <p:tgtEl>
-                                          <p:spTgt spid="234"/>
+                                          <p:spTgt spid="233"/>
                                         </p:tgtEl>
                                       </p:cBhvr>
                                     </p:animEffect>
@@ -18985,7 +18916,7 @@
                                           </p:stCondLst>
                                         </p:cTn>
                                         <p:tgtEl>
-                                          <p:spTgt spid="235"/>
+                                          <p:spTgt spid="234"/>
                                         </p:tgtEl>
                                         <p:attrNameLst>
                                           <p:attrName>style.visibility</p:attrName>
@@ -18999,7 +18930,7 @@
                                       <p:cBhvr>
                                         <p:cTn dur="1000"/>
                                         <p:tgtEl>
-                                          <p:spTgt spid="235"/>
+                                          <p:spTgt spid="234"/>
                                         </p:tgtEl>
                                       </p:cBhvr>
                                     </p:animEffect>
@@ -19038,7 +18969,7 @@
                                           </p:stCondLst>
                                         </p:cTn>
                                         <p:tgtEl>
-                                          <p:spTgt spid="236"/>
+                                          <p:spTgt spid="235"/>
                                         </p:tgtEl>
                                         <p:attrNameLst>
                                           <p:attrName>style.visibility</p:attrName>
@@ -19052,7 +18983,7 @@
                                       <p:cBhvr>
                                         <p:cTn dur="1000"/>
                                         <p:tgtEl>
-                                          <p:spTgt spid="236"/>
+                                          <p:spTgt spid="235"/>
                                         </p:tgtEl>
                                       </p:cBhvr>
                                     </p:animEffect>
@@ -19178,7 +19109,7 @@
                                           </p:stCondLst>
                                         </p:cTn>
                                         <p:tgtEl>
-                                          <p:spTgt spid="237"/>
+                                          <p:spTgt spid="236"/>
                                         </p:tgtEl>
                                         <p:attrNameLst>
                                           <p:attrName>style.visibility</p:attrName>
@@ -19192,7 +19123,7 @@
                                       <p:cBhvr>
                                         <p:cTn dur="1000"/>
                                         <p:tgtEl>
-                                          <p:spTgt spid="237"/>
+                                          <p:spTgt spid="236"/>
                                         </p:tgtEl>
                                       </p:cBhvr>
                                     </p:animEffect>

--- a/tex_tesi/Apprendimento non supervisionato per l’identificazione di contesti di Freezing of Gait (FOG) in pazienti affetti da Morbo di Parkinson.pptx
+++ b/tex_tesi/Apprendimento non supervisionato per l’identificazione di contesti di Freezing of Gait (FOG) in pazienti affetti da Morbo di Parkinson.pptx
@@ -268,6 +268,11 @@
       </a:defRPr>
     </a:lvl9pPr>
   </p:defaultTextStyle>
+  <p:extLst>
+    <p:ext uri="{EFAFB233-063F-42B5-8137-9DF3F51BA10A}">
+      <p15:sldGuideLst xmlns:p15="http://schemas.microsoft.com/office/powerpoint/2012/main"/>
+    </p:ext>
+  </p:extLst>
 </p:presentation>
 </file>
 
@@ -29383,7 +29388,7 @@
         </p:nvSpPr>
         <p:spPr>
           <a:xfrm>
-            <a:off x="579100" y="1083275"/>
+            <a:off x="490200" y="1076040"/>
             <a:ext cx="798150" cy="654875"/>
           </a:xfrm>
           <a:prstGeom prst="flowChartPreparation">
@@ -29418,26 +29423,10 @@
               <a:buNone/>
             </a:pPr>
             <a:r>
-              <a:rPr lang="it" sz="900"/>
-              <a:t>X,Y,Z</a:t>
+              <a:rPr lang="it" sz="900" dirty="0"/>
+              <a:t>X,Y,Z ACC</a:t>
             </a:r>
-            <a:endParaRPr sz="900"/>
-          </a:p>
-          <a:p>
-            <a:pPr marL="0" lvl="0" indent="0" algn="ctr">
-              <a:spcBef>
-                <a:spcPts val="0"/>
-              </a:spcBef>
-              <a:spcAft>
-                <a:spcPts val="0"/>
-              </a:spcAft>
-              <a:buNone/>
-            </a:pPr>
-            <a:r>
-              <a:rPr lang="it" sz="900"/>
-              <a:t>ACC</a:t>
-            </a:r>
-            <a:endParaRPr sz="900"/>
+            <a:endParaRPr sz="900" dirty="0"/>
           </a:p>
         </p:txBody>
       </p:sp>
@@ -29449,7 +29438,7 @@
         </p:nvSpPr>
         <p:spPr>
           <a:xfrm>
-            <a:off x="1520325" y="1083275"/>
+            <a:off x="1461275" y="1083808"/>
             <a:ext cx="1165100" cy="654875"/>
           </a:xfrm>
           <a:prstGeom prst="flowChartPreparation">
@@ -29502,8 +29491,8 @@
         </p:nvCxnSpPr>
         <p:spPr>
           <a:xfrm flipH="1">
-            <a:off x="1461175" y="1738150"/>
-            <a:ext cx="641700" cy="332100"/>
+            <a:off x="1461275" y="1738683"/>
+            <a:ext cx="582550" cy="331492"/>
           </a:xfrm>
           <a:prstGeom prst="straightConnector1">
             <a:avLst/>
@@ -29531,8 +29520,8 @@
         </p:nvCxnSpPr>
         <p:spPr>
           <a:xfrm>
-            <a:off x="978175" y="1738150"/>
-            <a:ext cx="483000" cy="332100"/>
+            <a:off x="889275" y="1730915"/>
+            <a:ext cx="572000" cy="339260"/>
           </a:xfrm>
           <a:prstGeom prst="straightConnector1">
             <a:avLst/>
